--- a/GraphicDesign.pptx
+++ b/GraphicDesign.pptx
@@ -3369,7 +3369,7 @@
       </p:pic>
       <p:pic>
         <p:nvPicPr>
-          <p:cNvPr id="42" name="Picture 41"/>
+          <p:cNvPr id="45" name="Picture 44"/>
           <p:cNvPicPr>
             <a:picLocks noChangeAspect="1"/>
           </p:cNvPicPr>
@@ -3383,8 +3383,8 @@
         </p:blipFill>
         <p:spPr>
           <a:xfrm>
-            <a:off x="7549502" y="3188998"/>
-            <a:ext cx="409709" cy="413295"/>
+            <a:off x="7404576" y="3197531"/>
+            <a:ext cx="395668" cy="399131"/>
           </a:xfrm>
           <a:prstGeom prst="rect">
             <a:avLst/>
@@ -3393,22 +3393,22 @@
       </p:pic>
       <p:pic>
         <p:nvPicPr>
-          <p:cNvPr id="43" name="Picture 42"/>
+          <p:cNvPr id="48" name="Picture 47"/>
           <p:cNvPicPr>
             <a:picLocks noChangeAspect="1"/>
           </p:cNvPicPr>
           <p:nvPr/>
         </p:nvPicPr>
         <p:blipFill>
-          <a:blip r:embed="rId9"/>
+          <a:blip r:embed="rId10"/>
           <a:stretch>
             <a:fillRect/>
           </a:stretch>
         </p:blipFill>
         <p:spPr>
-          <a:xfrm flipH="1">
-            <a:off x="8131274" y="3183368"/>
-            <a:ext cx="409709" cy="413295"/>
+          <a:xfrm>
+            <a:off x="8021484" y="3188503"/>
+            <a:ext cx="401576" cy="408159"/>
           </a:xfrm>
           <a:prstGeom prst="rect">
             <a:avLst/>
@@ -4042,7 +4042,55 @@
         </p:blipFill>
         <p:spPr>
           <a:xfrm>
-            <a:off x="6726903" y="5602820"/>
+            <a:off x="5809225" y="3521658"/>
+            <a:ext cx="740696" cy="747179"/>
+          </a:xfrm>
+          <a:prstGeom prst="rect">
+            <a:avLst/>
+          </a:prstGeom>
+        </p:spPr>
+      </p:pic>
+      <p:pic>
+        <p:nvPicPr>
+          <p:cNvPr id="10" name="Picture 9"/>
+          <p:cNvPicPr>
+            <a:picLocks noChangeAspect="1"/>
+          </p:cNvPicPr>
+          <p:nvPr/>
+        </p:nvPicPr>
+        <p:blipFill>
+          <a:blip r:embed="rId4"/>
+          <a:stretch>
+            <a:fillRect/>
+          </a:stretch>
+        </p:blipFill>
+        <p:spPr>
+          <a:xfrm>
+            <a:off x="8005598" y="3197532"/>
+            <a:ext cx="399131" cy="399131"/>
+          </a:xfrm>
+          <a:prstGeom prst="rect">
+            <a:avLst/>
+          </a:prstGeom>
+        </p:spPr>
+      </p:pic>
+      <p:pic>
+        <p:nvPicPr>
+          <p:cNvPr id="11" name="Picture 10"/>
+          <p:cNvPicPr>
+            <a:picLocks noChangeAspect="1"/>
+          </p:cNvPicPr>
+          <p:nvPr/>
+        </p:nvPicPr>
+        <p:blipFill>
+          <a:blip r:embed="rId3"/>
+          <a:stretch>
+            <a:fillRect/>
+          </a:stretch>
+        </p:blipFill>
+        <p:spPr>
+          <a:xfrm flipH="1">
+            <a:off x="4159044" y="3436445"/>
             <a:ext cx="740696" cy="747179"/>
           </a:xfrm>
           <a:prstGeom prst="rect">

--- a/GraphicDesign.pptx
+++ b/GraphicDesign.pptx
@@ -3409,6 +3409,30 @@
           <a:xfrm>
             <a:off x="8021484" y="3188503"/>
             <a:ext cx="401576" cy="408159"/>
+          </a:xfrm>
+          <a:prstGeom prst="rect">
+            <a:avLst/>
+          </a:prstGeom>
+        </p:spPr>
+      </p:pic>
+      <p:pic>
+        <p:nvPicPr>
+          <p:cNvPr id="53" name="Picture 52"/>
+          <p:cNvPicPr>
+            <a:picLocks noChangeAspect="1"/>
+          </p:cNvPicPr>
+          <p:nvPr/>
+        </p:nvPicPr>
+        <p:blipFill>
+          <a:blip r:embed="rId11"/>
+          <a:stretch>
+            <a:fillRect/>
+          </a:stretch>
+        </p:blipFill>
+        <p:spPr>
+          <a:xfrm>
+            <a:off x="3846130" y="2648564"/>
+            <a:ext cx="414593" cy="414593"/>
           </a:xfrm>
           <a:prstGeom prst="rect">
             <a:avLst/>

--- a/GraphicDesign.pptx
+++ b/GraphicDesign.pptx
@@ -3138,7 +3138,7 @@
         </p:blipFill>
         <p:spPr>
           <a:xfrm>
-            <a:off x="3846130" y="3197532"/>
+            <a:off x="4368068" y="3198894"/>
             <a:ext cx="403399" cy="403399"/>
           </a:xfrm>
           <a:prstGeom prst="rect">
@@ -3162,7 +3162,7 @@
         </p:blipFill>
         <p:spPr>
           <a:xfrm>
-            <a:off x="4349676" y="3197532"/>
+            <a:off x="3846130" y="3197532"/>
             <a:ext cx="403399" cy="403399"/>
           </a:xfrm>
           <a:prstGeom prst="rect">
@@ -3431,8 +3431,8 @@
         </p:blipFill>
         <p:spPr>
           <a:xfrm>
-            <a:off x="3846130" y="2648564"/>
-            <a:ext cx="414593" cy="414593"/>
+            <a:off x="4368068" y="2648564"/>
+            <a:ext cx="403399" cy="414593"/>
           </a:xfrm>
           <a:prstGeom prst="rect">
             <a:avLst/>
@@ -3612,7 +3612,7 @@
         </p:blipFill>
         <p:spPr>
           <a:xfrm>
-            <a:off x="3850970" y="3197532"/>
+            <a:off x="4375355" y="3197532"/>
             <a:ext cx="412580" cy="412580"/>
           </a:xfrm>
           <a:prstGeom prst="rect">
@@ -3636,7 +3636,7 @@
         </p:blipFill>
         <p:spPr>
           <a:xfrm>
-            <a:off x="4375355" y="3188998"/>
+            <a:off x="3880465" y="3188998"/>
             <a:ext cx="404761" cy="404761"/>
           </a:xfrm>
           <a:prstGeom prst="rect">
@@ -3916,7 +3916,7 @@
         </p:blipFill>
         <p:spPr>
           <a:xfrm>
-            <a:off x="4932512" y="3197532"/>
+            <a:off x="4932512" y="3208183"/>
             <a:ext cx="415411" cy="415411"/>
           </a:xfrm>
           <a:prstGeom prst="rect">
@@ -3964,7 +3964,7 @@
         </p:blipFill>
         <p:spPr>
           <a:xfrm>
-            <a:off x="4381090" y="3193436"/>
+            <a:off x="3831309" y="3204087"/>
             <a:ext cx="408856" cy="408856"/>
           </a:xfrm>
           <a:prstGeom prst="rect">
@@ -3988,7 +3988,7 @@
         </p:blipFill>
         <p:spPr>
           <a:xfrm>
-            <a:off x="3855887" y="3197532"/>
+            <a:off x="4363887" y="3208183"/>
             <a:ext cx="404760" cy="404760"/>
           </a:xfrm>
           <a:prstGeom prst="rect">

--- a/GraphicDesign.pptx
+++ b/GraphicDesign.pptx
@@ -3322,7 +3322,7 @@
         </p:nvSpPr>
         <p:spPr>
           <a:xfrm>
-            <a:off x="3727591" y="966839"/>
+            <a:off x="3846130" y="1056968"/>
             <a:ext cx="1043876" cy="369332"/>
           </a:xfrm>
           <a:prstGeom prst="rect">
@@ -3652,7 +3652,7 @@
         </p:nvSpPr>
         <p:spPr>
           <a:xfrm>
-            <a:off x="3727591" y="966839"/>
+            <a:off x="3870950" y="1081548"/>
             <a:ext cx="1008810" cy="369332"/>
           </a:xfrm>
           <a:prstGeom prst="rect">
@@ -3855,7 +3855,7 @@
         </p:nvSpPr>
         <p:spPr>
           <a:xfrm>
-            <a:off x="3727591" y="966839"/>
+            <a:off x="3812989" y="1089742"/>
             <a:ext cx="1101796" cy="369332"/>
           </a:xfrm>
           <a:prstGeom prst="rect">
@@ -4042,7 +4042,7 @@
         </p:blipFill>
         <p:spPr>
           <a:xfrm>
-            <a:off x="3965123" y="1096844"/>
+            <a:off x="327188" y="1428814"/>
             <a:ext cx="403399" cy="403399"/>
           </a:xfrm>
           <a:prstGeom prst="rect">
@@ -4066,7 +4066,7 @@
         </p:blipFill>
         <p:spPr>
           <a:xfrm>
-            <a:off x="5809225" y="3521658"/>
+            <a:off x="663399" y="883335"/>
             <a:ext cx="740696" cy="747179"/>
           </a:xfrm>
           <a:prstGeom prst="rect">
@@ -4090,7 +4090,7 @@
         </p:blipFill>
         <p:spPr>
           <a:xfrm>
-            <a:off x="8005598" y="3197532"/>
+            <a:off x="1934179" y="977081"/>
             <a:ext cx="399131" cy="399131"/>
           </a:xfrm>
           <a:prstGeom prst="rect">
@@ -4116,6 +4116,78 @@
           <a:xfrm flipH="1">
             <a:off x="4159044" y="3436445"/>
             <a:ext cx="740696" cy="747179"/>
+          </a:xfrm>
+          <a:prstGeom prst="rect">
+            <a:avLst/>
+          </a:prstGeom>
+        </p:spPr>
+      </p:pic>
+      <p:pic>
+        <p:nvPicPr>
+          <p:cNvPr id="12" name="Picture 11"/>
+          <p:cNvPicPr>
+            <a:picLocks noChangeAspect="1"/>
+          </p:cNvPicPr>
+          <p:nvPr/>
+        </p:nvPicPr>
+        <p:blipFill>
+          <a:blip r:embed="rId5"/>
+          <a:stretch>
+            <a:fillRect/>
+          </a:stretch>
+        </p:blipFill>
+        <p:spPr>
+          <a:xfrm>
+            <a:off x="434258" y="3306066"/>
+            <a:ext cx="836151" cy="1256511"/>
+          </a:xfrm>
+          <a:prstGeom prst="rect">
+            <a:avLst/>
+          </a:prstGeom>
+        </p:spPr>
+      </p:pic>
+      <p:pic>
+        <p:nvPicPr>
+          <p:cNvPr id="13" name="Picture 12"/>
+          <p:cNvPicPr>
+            <a:picLocks noChangeAspect="1"/>
+          </p:cNvPicPr>
+          <p:nvPr/>
+        </p:nvPicPr>
+        <p:blipFill>
+          <a:blip r:embed="rId6"/>
+          <a:stretch>
+            <a:fillRect/>
+          </a:stretch>
+        </p:blipFill>
+        <p:spPr>
+          <a:xfrm>
+            <a:off x="547258" y="2089356"/>
+            <a:ext cx="942738" cy="696040"/>
+          </a:xfrm>
+          <a:prstGeom prst="rect">
+            <a:avLst/>
+          </a:prstGeom>
+        </p:spPr>
+      </p:pic>
+      <p:pic>
+        <p:nvPicPr>
+          <p:cNvPr id="14" name="Picture 13"/>
+          <p:cNvPicPr>
+            <a:picLocks noChangeAspect="1"/>
+          </p:cNvPicPr>
+          <p:nvPr/>
+        </p:nvPicPr>
+        <p:blipFill>
+          <a:blip r:embed="rId7"/>
+          <a:stretch>
+            <a:fillRect/>
+          </a:stretch>
+        </p:blipFill>
+        <p:spPr>
+          <a:xfrm>
+            <a:off x="2930011" y="2015202"/>
+            <a:ext cx="5154971" cy="3219658"/>
           </a:xfrm>
           <a:prstGeom prst="rect">
             <a:avLst/>

--- a/GraphicDesign.pptx
+++ b/GraphicDesign.pptx
@@ -3138,7 +3138,7 @@
         </p:blipFill>
         <p:spPr>
           <a:xfrm>
-            <a:off x="4368068" y="3198894"/>
+            <a:off x="4368068" y="2690866"/>
             <a:ext cx="403399" cy="403399"/>
           </a:xfrm>
           <a:prstGeom prst="rect">
@@ -3162,7 +3162,7 @@
         </p:blipFill>
         <p:spPr>
           <a:xfrm>
-            <a:off x="3846130" y="3197532"/>
+            <a:off x="3846130" y="2689504"/>
             <a:ext cx="403399" cy="403399"/>
           </a:xfrm>
           <a:prstGeom prst="rect">
@@ -3186,7 +3186,7 @@
         </p:blipFill>
         <p:spPr>
           <a:xfrm>
-            <a:off x="4876536" y="3197532"/>
+            <a:off x="4876536" y="2689504"/>
             <a:ext cx="403399" cy="403399"/>
           </a:xfrm>
           <a:prstGeom prst="rect">
@@ -3210,7 +3210,7 @@
         </p:blipFill>
         <p:spPr>
           <a:xfrm flipH="1">
-            <a:off x="3329484" y="3197532"/>
+            <a:off x="3329484" y="2689504"/>
             <a:ext cx="403399" cy="403399"/>
           </a:xfrm>
           <a:prstGeom prst="rect">
@@ -3234,7 +3234,7 @@
         </p:blipFill>
         <p:spPr>
           <a:xfrm>
-            <a:off x="2428580" y="3188998"/>
+            <a:off x="2428580" y="2680970"/>
             <a:ext cx="407665" cy="407665"/>
           </a:xfrm>
           <a:prstGeom prst="rect">
@@ -3258,7 +3258,7 @@
         </p:blipFill>
         <p:spPr>
           <a:xfrm flipH="1">
-            <a:off x="1669581" y="3188998"/>
+            <a:off x="1669581" y="2680970"/>
             <a:ext cx="407665" cy="407665"/>
           </a:xfrm>
           <a:prstGeom prst="rect">
@@ -3282,7 +3282,7 @@
         </p:blipFill>
         <p:spPr>
           <a:xfrm>
-            <a:off x="6544730" y="3193265"/>
+            <a:off x="6544730" y="2685237"/>
             <a:ext cx="403398" cy="403398"/>
           </a:xfrm>
           <a:prstGeom prst="rect">
@@ -3306,7 +3306,7 @@
         </p:blipFill>
         <p:spPr>
           <a:xfrm flipH="1">
-            <a:off x="5853193" y="3193265"/>
+            <a:off x="5853193" y="2685237"/>
             <a:ext cx="403398" cy="403398"/>
           </a:xfrm>
           <a:prstGeom prst="rect">
@@ -3359,7 +3359,7 @@
         </p:blipFill>
         <p:spPr>
           <a:xfrm>
-            <a:off x="553884" y="3197532"/>
+            <a:off x="553884" y="2689504"/>
             <a:ext cx="404761" cy="404761"/>
           </a:xfrm>
           <a:prstGeom prst="rect">
@@ -3383,7 +3383,7 @@
         </p:blipFill>
         <p:spPr>
           <a:xfrm>
-            <a:off x="7404576" y="3197531"/>
+            <a:off x="7404576" y="2689503"/>
             <a:ext cx="395668" cy="399131"/>
           </a:xfrm>
           <a:prstGeom prst="rect">
@@ -3407,7 +3407,7 @@
         </p:blipFill>
         <p:spPr>
           <a:xfrm>
-            <a:off x="8021484" y="3188503"/>
+            <a:off x="8021484" y="2680475"/>
             <a:ext cx="401576" cy="408159"/>
           </a:xfrm>
           <a:prstGeom prst="rect">
@@ -3431,7 +3431,7 @@
         </p:blipFill>
         <p:spPr>
           <a:xfrm>
-            <a:off x="4368068" y="2648564"/>
+            <a:off x="4368068" y="2680970"/>
             <a:ext cx="403399" cy="414593"/>
           </a:xfrm>
           <a:prstGeom prst="rect">
@@ -3439,6 +3439,373 @@
           </a:prstGeom>
         </p:spPr>
       </p:pic>
+      <p:sp>
+        <p:nvSpPr>
+          <p:cNvPr id="56" name="Rectangle 55"/>
+          <p:cNvSpPr/>
+          <p:nvPr/>
+        </p:nvSpPr>
+        <p:spPr>
+          <a:xfrm>
+            <a:off x="44844" y="3242037"/>
+            <a:ext cx="9025414" cy="158325"/>
+          </a:xfrm>
+          <a:prstGeom prst="rect">
+            <a:avLst/>
+          </a:prstGeom>
+        </p:spPr>
+        <p:style>
+          <a:lnRef idx="1">
+            <a:schemeClr val="dk1"/>
+          </a:lnRef>
+          <a:fillRef idx="3">
+            <a:schemeClr val="dk1"/>
+          </a:fillRef>
+          <a:effectRef idx="2">
+            <a:schemeClr val="dk1"/>
+          </a:effectRef>
+          <a:fontRef idx="minor">
+            <a:schemeClr val="lt1"/>
+          </a:fontRef>
+        </p:style>
+        <p:txBody>
+          <a:bodyPr rot="0" spcFirstLastPara="0" vertOverflow="overflow" horzOverflow="overflow" vert="horz" wrap="square" lIns="91440" tIns="45720" rIns="91440" bIns="45720" numCol="1" spcCol="0" rtlCol="0" fromWordArt="0" anchor="ctr" anchorCtr="0" forceAA="0" compatLnSpc="1">
+            <a:prstTxWarp prst="textNoShape">
+              <a:avLst/>
+            </a:prstTxWarp>
+            <a:noAutofit/>
+          </a:bodyPr>
+          <a:lstStyle/>
+          <a:p>
+            <a:pPr algn="ctr"/>
+            <a:endParaRPr lang="en-US"/>
+          </a:p>
+        </p:txBody>
+      </p:sp>
+      <p:sp>
+        <p:nvSpPr>
+          <p:cNvPr id="57" name="Rectangle 56"/>
+          <p:cNvSpPr/>
+          <p:nvPr/>
+        </p:nvSpPr>
+        <p:spPr>
+          <a:xfrm flipV="1">
+            <a:off x="44844" y="3499639"/>
+            <a:ext cx="9025414" cy="207491"/>
+          </a:xfrm>
+          <a:prstGeom prst="rect">
+            <a:avLst/>
+          </a:prstGeom>
+        </p:spPr>
+        <p:style>
+          <a:lnRef idx="1">
+            <a:schemeClr val="dk1"/>
+          </a:lnRef>
+          <a:fillRef idx="3">
+            <a:schemeClr val="dk1"/>
+          </a:fillRef>
+          <a:effectRef idx="2">
+            <a:schemeClr val="dk1"/>
+          </a:effectRef>
+          <a:fontRef idx="minor">
+            <a:schemeClr val="lt1"/>
+          </a:fontRef>
+        </p:style>
+        <p:txBody>
+          <a:bodyPr rot="0" spcFirstLastPara="0" vertOverflow="overflow" horzOverflow="overflow" vert="horz" wrap="square" lIns="91440" tIns="45720" rIns="91440" bIns="45720" numCol="1" spcCol="0" rtlCol="0" fromWordArt="0" anchor="ctr" anchorCtr="0" forceAA="0" compatLnSpc="1">
+            <a:prstTxWarp prst="textNoShape">
+              <a:avLst/>
+            </a:prstTxWarp>
+            <a:noAutofit/>
+          </a:bodyPr>
+          <a:lstStyle/>
+          <a:p>
+            <a:pPr algn="ctr"/>
+            <a:endParaRPr lang="en-US"/>
+          </a:p>
+        </p:txBody>
+      </p:sp>
+      <p:sp>
+        <p:nvSpPr>
+          <p:cNvPr id="58" name="Rectangle 57"/>
+          <p:cNvSpPr/>
+          <p:nvPr/>
+        </p:nvSpPr>
+        <p:spPr>
+          <a:xfrm>
+            <a:off x="44844" y="3366616"/>
+            <a:ext cx="9025414" cy="163393"/>
+          </a:xfrm>
+          <a:prstGeom prst="rect">
+            <a:avLst/>
+          </a:prstGeom>
+        </p:spPr>
+        <p:style>
+          <a:lnRef idx="1">
+            <a:schemeClr val="accent2"/>
+          </a:lnRef>
+          <a:fillRef idx="3">
+            <a:schemeClr val="accent2"/>
+          </a:fillRef>
+          <a:effectRef idx="2">
+            <a:schemeClr val="accent2"/>
+          </a:effectRef>
+          <a:fontRef idx="minor">
+            <a:schemeClr val="lt1"/>
+          </a:fontRef>
+        </p:style>
+        <p:txBody>
+          <a:bodyPr rot="0" spcFirstLastPara="0" vertOverflow="overflow" horzOverflow="overflow" vert="horz" wrap="square" lIns="91440" tIns="45720" rIns="91440" bIns="45720" numCol="1" spcCol="0" rtlCol="0" fromWordArt="0" anchor="ctr" anchorCtr="0" forceAA="0" compatLnSpc="1">
+            <a:prstTxWarp prst="textNoShape">
+              <a:avLst/>
+            </a:prstTxWarp>
+            <a:noAutofit/>
+          </a:bodyPr>
+          <a:lstStyle/>
+          <a:p>
+            <a:pPr algn="ctr"/>
+            <a:endParaRPr lang="en-US"/>
+          </a:p>
+        </p:txBody>
+      </p:sp>
+      <p:sp>
+        <p:nvSpPr>
+          <p:cNvPr id="5" name="Isosceles Triangle 4"/>
+          <p:cNvSpPr/>
+          <p:nvPr/>
+        </p:nvSpPr>
+        <p:spPr>
+          <a:xfrm flipV="1">
+            <a:off x="1076538" y="3184678"/>
+            <a:ext cx="163953" cy="158326"/>
+          </a:xfrm>
+          <a:prstGeom prst="triangle">
+            <a:avLst/>
+          </a:prstGeom>
+        </p:spPr>
+        <p:style>
+          <a:lnRef idx="2">
+            <a:schemeClr val="accent1">
+              <a:shade val="50000"/>
+            </a:schemeClr>
+          </a:lnRef>
+          <a:fillRef idx="1">
+            <a:schemeClr val="accent1"/>
+          </a:fillRef>
+          <a:effectRef idx="0">
+            <a:schemeClr val="accent1"/>
+          </a:effectRef>
+          <a:fontRef idx="minor">
+            <a:schemeClr val="lt1"/>
+          </a:fontRef>
+        </p:style>
+        <p:txBody>
+          <a:bodyPr rtlCol="0" anchor="ctr"/>
+          <a:lstStyle/>
+          <a:p>
+            <a:pPr algn="ctr"/>
+            <a:endParaRPr lang="en-US"/>
+          </a:p>
+        </p:txBody>
+      </p:sp>
+      <p:cxnSp>
+        <p:nvCxnSpPr>
+          <p:cNvPr id="11" name="Straight Connector 10"/>
+          <p:cNvCxnSpPr/>
+          <p:nvPr/>
+        </p:nvCxnSpPr>
+        <p:spPr>
+          <a:xfrm>
+            <a:off x="1214092" y="3366616"/>
+            <a:ext cx="0" cy="163394"/>
+          </a:xfrm>
+          <a:prstGeom prst="line">
+            <a:avLst/>
+          </a:prstGeom>
+        </p:spPr>
+        <p:style>
+          <a:lnRef idx="2">
+            <a:schemeClr val="accent1"/>
+          </a:lnRef>
+          <a:fillRef idx="0">
+            <a:schemeClr val="accent1"/>
+          </a:fillRef>
+          <a:effectRef idx="1">
+            <a:schemeClr val="accent1"/>
+          </a:effectRef>
+          <a:fontRef idx="minor">
+            <a:schemeClr val="tx1"/>
+          </a:fontRef>
+        </p:style>
+      </p:cxnSp>
+      <p:sp>
+        <p:nvSpPr>
+          <p:cNvPr id="29" name="Isosceles Triangle 28"/>
+          <p:cNvSpPr/>
+          <p:nvPr/>
+        </p:nvSpPr>
+        <p:spPr>
+          <a:xfrm>
+            <a:off x="191112" y="3548805"/>
+            <a:ext cx="163953" cy="158326"/>
+          </a:xfrm>
+          <a:prstGeom prst="triangle">
+            <a:avLst/>
+          </a:prstGeom>
+        </p:spPr>
+        <p:style>
+          <a:lnRef idx="2">
+            <a:schemeClr val="accent3">
+              <a:shade val="50000"/>
+            </a:schemeClr>
+          </a:lnRef>
+          <a:fillRef idx="1">
+            <a:schemeClr val="accent3"/>
+          </a:fillRef>
+          <a:effectRef idx="0">
+            <a:schemeClr val="accent3"/>
+          </a:effectRef>
+          <a:fontRef idx="minor">
+            <a:schemeClr val="lt1"/>
+          </a:fontRef>
+        </p:style>
+        <p:txBody>
+          <a:bodyPr rtlCol="0" anchor="ctr"/>
+          <a:lstStyle/>
+          <a:p>
+            <a:pPr algn="ctr"/>
+            <a:endParaRPr lang="en-US"/>
+          </a:p>
+        </p:txBody>
+      </p:sp>
+      <p:sp>
+        <p:nvSpPr>
+          <p:cNvPr id="30" name="Isosceles Triangle 29"/>
+          <p:cNvSpPr/>
+          <p:nvPr/>
+        </p:nvSpPr>
+        <p:spPr>
+          <a:xfrm>
+            <a:off x="2516761" y="3548804"/>
+            <a:ext cx="163953" cy="158326"/>
+          </a:xfrm>
+          <a:prstGeom prst="triangle">
+            <a:avLst/>
+          </a:prstGeom>
+        </p:spPr>
+        <p:style>
+          <a:lnRef idx="2">
+            <a:schemeClr val="accent6">
+              <a:shade val="50000"/>
+            </a:schemeClr>
+          </a:lnRef>
+          <a:fillRef idx="1">
+            <a:schemeClr val="accent6"/>
+          </a:fillRef>
+          <a:effectRef idx="0">
+            <a:schemeClr val="accent6"/>
+          </a:effectRef>
+          <a:fontRef idx="minor">
+            <a:schemeClr val="lt1"/>
+          </a:fontRef>
+        </p:style>
+        <p:txBody>
+          <a:bodyPr rtlCol="0" anchor="ctr"/>
+          <a:lstStyle/>
+          <a:p>
+            <a:pPr algn="ctr"/>
+            <a:endParaRPr lang="en-US"/>
+          </a:p>
+        </p:txBody>
+      </p:sp>
+      <p:sp>
+        <p:nvSpPr>
+          <p:cNvPr id="31" name="Rectangle 30"/>
+          <p:cNvSpPr/>
+          <p:nvPr/>
+        </p:nvSpPr>
+        <p:spPr>
+          <a:xfrm>
+            <a:off x="286115" y="3366615"/>
+            <a:ext cx="2312753" cy="163394"/>
+          </a:xfrm>
+          <a:prstGeom prst="rect">
+            <a:avLst/>
+          </a:prstGeom>
+        </p:spPr>
+        <p:style>
+          <a:lnRef idx="2">
+            <a:schemeClr val="accent4">
+              <a:shade val="50000"/>
+            </a:schemeClr>
+          </a:lnRef>
+          <a:fillRef idx="1">
+            <a:schemeClr val="accent4"/>
+          </a:fillRef>
+          <a:effectRef idx="0">
+            <a:schemeClr val="accent4"/>
+          </a:effectRef>
+          <a:fontRef idx="minor">
+            <a:schemeClr val="lt1"/>
+          </a:fontRef>
+        </p:style>
+        <p:txBody>
+          <a:bodyPr rot="0" spcFirstLastPara="0" vertOverflow="overflow" horzOverflow="overflow" vert="horz" wrap="square" lIns="91440" tIns="45720" rIns="91440" bIns="45720" numCol="1" spcCol="0" rtlCol="0" fromWordArt="0" anchor="ctr" anchorCtr="0" forceAA="0" compatLnSpc="1">
+            <a:prstTxWarp prst="textNoShape">
+              <a:avLst/>
+            </a:prstTxWarp>
+            <a:noAutofit/>
+          </a:bodyPr>
+          <a:lstStyle/>
+          <a:p>
+            <a:pPr algn="ctr"/>
+            <a:endParaRPr lang="en-US"/>
+          </a:p>
+        </p:txBody>
+      </p:sp>
+      <p:sp>
+        <p:nvSpPr>
+          <p:cNvPr id="13" name="Rectangle 12"/>
+          <p:cNvSpPr/>
+          <p:nvPr/>
+        </p:nvSpPr>
+        <p:spPr>
+          <a:xfrm>
+            <a:off x="53038" y="3707131"/>
+            <a:ext cx="9025414" cy="45719"/>
+          </a:xfrm>
+          <a:prstGeom prst="rect">
+            <a:avLst/>
+          </a:prstGeom>
+          <a:solidFill>
+            <a:srgbClr val="FF0000"/>
+          </a:solidFill>
+        </p:spPr>
+        <p:style>
+          <a:lnRef idx="2">
+            <a:schemeClr val="accent2">
+              <a:shade val="50000"/>
+            </a:schemeClr>
+          </a:lnRef>
+          <a:fillRef idx="1">
+            <a:schemeClr val="accent2"/>
+          </a:fillRef>
+          <a:effectRef idx="0">
+            <a:schemeClr val="accent2"/>
+          </a:effectRef>
+          <a:fontRef idx="minor">
+            <a:schemeClr val="lt1"/>
+          </a:fontRef>
+        </p:style>
+        <p:txBody>
+          <a:bodyPr rtlCol="0" anchor="ctr"/>
+          <a:lstStyle/>
+          <a:p>
+            <a:pPr algn="ctr"/>
+            <a:endParaRPr lang="en-US"/>
+          </a:p>
+        </p:txBody>
+      </p:sp>
     </p:spTree>
     <p:extLst>
       <p:ext uri="{BB962C8B-B14F-4D97-AF65-F5344CB8AC3E}">

--- a/GraphicDesign.pptx
+++ b/GraphicDesign.pptx
@@ -291,7 +291,7 @@
           <a:p>
             <a:fld id="{3306185E-68BF-194B-9C7C-28321EFA365C}" type="datetimeFigureOut">
               <a:rPr lang="en-US" smtClean="0"/>
-              <a:t>3/22/13</a:t>
+              <a:t>3/24/13</a:t>
             </a:fld>
             <a:endParaRPr lang="en-US"/>
           </a:p>
@@ -461,7 +461,7 @@
           <a:p>
             <a:fld id="{3306185E-68BF-194B-9C7C-28321EFA365C}" type="datetimeFigureOut">
               <a:rPr lang="en-US" smtClean="0"/>
-              <a:t>3/22/13</a:t>
+              <a:t>3/24/13</a:t>
             </a:fld>
             <a:endParaRPr lang="en-US"/>
           </a:p>
@@ -641,7 +641,7 @@
           <a:p>
             <a:fld id="{3306185E-68BF-194B-9C7C-28321EFA365C}" type="datetimeFigureOut">
               <a:rPr lang="en-US" smtClean="0"/>
-              <a:t>3/22/13</a:t>
+              <a:t>3/24/13</a:t>
             </a:fld>
             <a:endParaRPr lang="en-US"/>
           </a:p>
@@ -811,7 +811,7 @@
           <a:p>
             <a:fld id="{3306185E-68BF-194B-9C7C-28321EFA365C}" type="datetimeFigureOut">
               <a:rPr lang="en-US" smtClean="0"/>
-              <a:t>3/22/13</a:t>
+              <a:t>3/24/13</a:t>
             </a:fld>
             <a:endParaRPr lang="en-US"/>
           </a:p>
@@ -1057,7 +1057,7 @@
           <a:p>
             <a:fld id="{3306185E-68BF-194B-9C7C-28321EFA365C}" type="datetimeFigureOut">
               <a:rPr lang="en-US" smtClean="0"/>
-              <a:t>3/22/13</a:t>
+              <a:t>3/24/13</a:t>
             </a:fld>
             <a:endParaRPr lang="en-US"/>
           </a:p>
@@ -1345,7 +1345,7 @@
           <a:p>
             <a:fld id="{3306185E-68BF-194B-9C7C-28321EFA365C}" type="datetimeFigureOut">
               <a:rPr lang="en-US" smtClean="0"/>
-              <a:t>3/22/13</a:t>
+              <a:t>3/24/13</a:t>
             </a:fld>
             <a:endParaRPr lang="en-US"/>
           </a:p>
@@ -1767,7 +1767,7 @@
           <a:p>
             <a:fld id="{3306185E-68BF-194B-9C7C-28321EFA365C}" type="datetimeFigureOut">
               <a:rPr lang="en-US" smtClean="0"/>
-              <a:t>3/22/13</a:t>
+              <a:t>3/24/13</a:t>
             </a:fld>
             <a:endParaRPr lang="en-US"/>
           </a:p>
@@ -1885,7 +1885,7 @@
           <a:p>
             <a:fld id="{3306185E-68BF-194B-9C7C-28321EFA365C}" type="datetimeFigureOut">
               <a:rPr lang="en-US" smtClean="0"/>
-              <a:t>3/22/13</a:t>
+              <a:t>3/24/13</a:t>
             </a:fld>
             <a:endParaRPr lang="en-US"/>
           </a:p>
@@ -1980,7 +1980,7 @@
           <a:p>
             <a:fld id="{3306185E-68BF-194B-9C7C-28321EFA365C}" type="datetimeFigureOut">
               <a:rPr lang="en-US" smtClean="0"/>
-              <a:t>3/22/13</a:t>
+              <a:t>3/24/13</a:t>
             </a:fld>
             <a:endParaRPr lang="en-US"/>
           </a:p>
@@ -2257,7 +2257,7 @@
           <a:p>
             <a:fld id="{3306185E-68BF-194B-9C7C-28321EFA365C}" type="datetimeFigureOut">
               <a:rPr lang="en-US" smtClean="0"/>
-              <a:t>3/22/13</a:t>
+              <a:t>3/24/13</a:t>
             </a:fld>
             <a:endParaRPr lang="en-US"/>
           </a:p>
@@ -2510,7 +2510,7 @@
           <a:p>
             <a:fld id="{3306185E-68BF-194B-9C7C-28321EFA365C}" type="datetimeFigureOut">
               <a:rPr lang="en-US" smtClean="0"/>
-              <a:t>3/22/13</a:t>
+              <a:t>3/24/13</a:t>
             </a:fld>
             <a:endParaRPr lang="en-US"/>
           </a:p>
@@ -2723,7 +2723,7 @@
           <a:p>
             <a:fld id="{3306185E-68BF-194B-9C7C-28321EFA365C}" type="datetimeFigureOut">
               <a:rPr lang="en-US" smtClean="0"/>
-              <a:t>3/22/13</a:t>
+              <a:t>3/24/13</a:t>
             </a:fld>
             <a:endParaRPr lang="en-US"/>
           </a:p>
@@ -3098,222 +3098,582 @@
           <a:chExt cx="0" cy="0"/>
         </a:xfrm>
       </p:grpSpPr>
-      <p:pic>
-        <p:nvPicPr>
-          <p:cNvPr id="20" name="Picture 19"/>
-          <p:cNvPicPr>
-            <a:picLocks noChangeAspect="1"/>
-          </p:cNvPicPr>
-          <p:nvPr/>
-        </p:nvPicPr>
-        <p:blipFill>
-          <a:blip r:embed="rId2"/>
-          <a:stretch>
-            <a:fillRect/>
-          </a:stretch>
-        </p:blipFill>
-        <p:spPr>
-          <a:xfrm>
-            <a:off x="0" y="2286000"/>
-            <a:ext cx="9144000" cy="2282956"/>
-          </a:xfrm>
-          <a:prstGeom prst="rect">
-            <a:avLst/>
-          </a:prstGeom>
-        </p:spPr>
-      </p:pic>
-      <p:pic>
-        <p:nvPicPr>
-          <p:cNvPr id="6" name="Picture 5"/>
-          <p:cNvPicPr>
-            <a:picLocks noChangeAspect="1"/>
-          </p:cNvPicPr>
-          <p:nvPr/>
-        </p:nvPicPr>
-        <p:blipFill>
-          <a:blip r:embed="rId3"/>
-          <a:stretch>
-            <a:fillRect/>
-          </a:stretch>
-        </p:blipFill>
-        <p:spPr>
-          <a:xfrm>
-            <a:off x="4368068" y="2690866"/>
-            <a:ext cx="403399" cy="403399"/>
-          </a:xfrm>
-          <a:prstGeom prst="rect">
-            <a:avLst/>
-          </a:prstGeom>
-        </p:spPr>
-      </p:pic>
-      <p:pic>
-        <p:nvPicPr>
-          <p:cNvPr id="7" name="Picture 6"/>
-          <p:cNvPicPr>
-            <a:picLocks noChangeAspect="1"/>
-          </p:cNvPicPr>
-          <p:nvPr/>
-        </p:nvPicPr>
-        <p:blipFill>
-          <a:blip r:embed="rId4"/>
-          <a:stretch>
-            <a:fillRect/>
-          </a:stretch>
-        </p:blipFill>
-        <p:spPr>
-          <a:xfrm>
-            <a:off x="3846130" y="2689504"/>
-            <a:ext cx="403399" cy="403399"/>
-          </a:xfrm>
-          <a:prstGeom prst="rect">
-            <a:avLst/>
-          </a:prstGeom>
-        </p:spPr>
-      </p:pic>
-      <p:pic>
-        <p:nvPicPr>
-          <p:cNvPr id="9" name="Picture 8"/>
-          <p:cNvPicPr>
-            <a:picLocks noChangeAspect="1"/>
-          </p:cNvPicPr>
-          <p:nvPr/>
-        </p:nvPicPr>
-        <p:blipFill>
-          <a:blip r:embed="rId5"/>
-          <a:stretch>
-            <a:fillRect/>
-          </a:stretch>
-        </p:blipFill>
-        <p:spPr>
-          <a:xfrm>
-            <a:off x="4876536" y="2689504"/>
-            <a:ext cx="403399" cy="403399"/>
-          </a:xfrm>
-          <a:prstGeom prst="rect">
-            <a:avLst/>
-          </a:prstGeom>
-        </p:spPr>
-      </p:pic>
-      <p:pic>
-        <p:nvPicPr>
-          <p:cNvPr id="10" name="Picture 9"/>
-          <p:cNvPicPr>
-            <a:picLocks noChangeAspect="1"/>
-          </p:cNvPicPr>
-          <p:nvPr/>
-        </p:nvPicPr>
-        <p:blipFill>
-          <a:blip r:embed="rId5"/>
-          <a:stretch>
-            <a:fillRect/>
-          </a:stretch>
-        </p:blipFill>
-        <p:spPr>
-          <a:xfrm flipH="1">
-            <a:off x="3329484" y="2689504"/>
-            <a:ext cx="403399" cy="403399"/>
-          </a:xfrm>
-          <a:prstGeom prst="rect">
-            <a:avLst/>
-          </a:prstGeom>
-        </p:spPr>
-      </p:pic>
-      <p:pic>
-        <p:nvPicPr>
-          <p:cNvPr id="25" name="Picture 24"/>
-          <p:cNvPicPr>
-            <a:picLocks noChangeAspect="1"/>
-          </p:cNvPicPr>
-          <p:nvPr/>
-        </p:nvPicPr>
-        <p:blipFill>
-          <a:blip r:embed="rId6"/>
-          <a:stretch>
-            <a:fillRect/>
-          </a:stretch>
-        </p:blipFill>
-        <p:spPr>
-          <a:xfrm>
-            <a:off x="2428580" y="2680970"/>
-            <a:ext cx="407665" cy="407665"/>
-          </a:xfrm>
-          <a:prstGeom prst="rect">
-            <a:avLst/>
-          </a:prstGeom>
-        </p:spPr>
-      </p:pic>
-      <p:pic>
-        <p:nvPicPr>
-          <p:cNvPr id="26" name="Picture 25"/>
-          <p:cNvPicPr>
-            <a:picLocks noChangeAspect="1"/>
-          </p:cNvPicPr>
-          <p:nvPr/>
-        </p:nvPicPr>
-        <p:blipFill>
-          <a:blip r:embed="rId6"/>
-          <a:stretch>
-            <a:fillRect/>
-          </a:stretch>
-        </p:blipFill>
-        <p:spPr>
-          <a:xfrm flipH="1">
-            <a:off x="1669581" y="2680970"/>
-            <a:ext cx="407665" cy="407665"/>
-          </a:xfrm>
-          <a:prstGeom prst="rect">
-            <a:avLst/>
-          </a:prstGeom>
-        </p:spPr>
-      </p:pic>
-      <p:pic>
-        <p:nvPicPr>
-          <p:cNvPr id="27" name="Picture 26"/>
-          <p:cNvPicPr>
-            <a:picLocks noChangeAspect="1"/>
-          </p:cNvPicPr>
-          <p:nvPr/>
-        </p:nvPicPr>
-        <p:blipFill>
-          <a:blip r:embed="rId7"/>
-          <a:stretch>
-            <a:fillRect/>
-          </a:stretch>
-        </p:blipFill>
-        <p:spPr>
-          <a:xfrm>
-            <a:off x="6544730" y="2685237"/>
-            <a:ext cx="403398" cy="403398"/>
-          </a:xfrm>
-          <a:prstGeom prst="rect">
-            <a:avLst/>
-          </a:prstGeom>
-        </p:spPr>
-      </p:pic>
-      <p:pic>
-        <p:nvPicPr>
-          <p:cNvPr id="28" name="Picture 27"/>
-          <p:cNvPicPr>
-            <a:picLocks noChangeAspect="1"/>
-          </p:cNvPicPr>
-          <p:nvPr/>
-        </p:nvPicPr>
-        <p:blipFill>
-          <a:blip r:embed="rId7"/>
-          <a:stretch>
-            <a:fillRect/>
-          </a:stretch>
-        </p:blipFill>
-        <p:spPr>
-          <a:xfrm flipH="1">
-            <a:off x="5853193" y="2685237"/>
-            <a:ext cx="403398" cy="403398"/>
-          </a:xfrm>
-          <a:prstGeom prst="rect">
-            <a:avLst/>
-          </a:prstGeom>
-        </p:spPr>
-      </p:pic>
+      <p:graphicFrame>
+        <p:nvGraphicFramePr>
+          <p:cNvPr id="19" name="Table 18"/>
+          <p:cNvGraphicFramePr>
+            <a:graphicFrameLocks noGrp="1"/>
+          </p:cNvGraphicFramePr>
+          <p:nvPr>
+            <p:extLst>
+              <p:ext uri="{D42A27DB-BD31-4B8C-83A1-F6EECF244321}">
+                <p14:modId xmlns:p14="http://schemas.microsoft.com/office/powerpoint/2010/main" val="878039547"/>
+              </p:ext>
+            </p:extLst>
+          </p:nvPr>
+        </p:nvGraphicFramePr>
+        <p:xfrm>
+          <a:off x="56000" y="2633115"/>
+          <a:ext cx="9014250" cy="367272"/>
+        </p:xfrm>
+        <a:graphic>
+          <a:graphicData uri="http://schemas.openxmlformats.org/drawingml/2006/table">
+            <a:tbl>
+              <a:tblPr firstRow="1" bandRow="1">
+                <a:tableStyleId>{69CF1AB2-1976-4502-BF36-3FF5EA218861}</a:tableStyleId>
+              </a:tblPr>
+              <a:tblGrid>
+                <a:gridCol w="360570"/>
+                <a:gridCol w="360570"/>
+                <a:gridCol w="360570"/>
+                <a:gridCol w="360570"/>
+                <a:gridCol w="360570"/>
+                <a:gridCol w="360570"/>
+                <a:gridCol w="360570"/>
+                <a:gridCol w="360570"/>
+                <a:gridCol w="360570"/>
+                <a:gridCol w="360570"/>
+                <a:gridCol w="360570"/>
+                <a:gridCol w="360570"/>
+                <a:gridCol w="360570"/>
+                <a:gridCol w="360570"/>
+                <a:gridCol w="360570"/>
+                <a:gridCol w="360570"/>
+                <a:gridCol w="360570"/>
+                <a:gridCol w="360570"/>
+                <a:gridCol w="360570"/>
+                <a:gridCol w="360570"/>
+                <a:gridCol w="360570"/>
+                <a:gridCol w="360570"/>
+                <a:gridCol w="360570"/>
+                <a:gridCol w="402996"/>
+                <a:gridCol w="318144"/>
+              </a:tblGrid>
+              <a:tr h="367272">
+                <a:tc>
+                  <a:txBody>
+                    <a:bodyPr/>
+                    <a:lstStyle/>
+                    <a:p>
+                      <a:pPr algn="ctr"/>
+                      <a:r>
+                        <a:rPr lang="en-US" sz="1200" dirty="0" smtClean="0"/>
+                        <a:t>1</a:t>
+                      </a:r>
+                      <a:endParaRPr lang="en-US" sz="1200" dirty="0"/>
+                    </a:p>
+                  </a:txBody>
+                  <a:tcPr>
+                    <a:solidFill>
+                      <a:schemeClr val="accent3">
+                        <a:lumMod val="75000"/>
+                      </a:schemeClr>
+                    </a:solidFill>
+                  </a:tcPr>
+                </a:tc>
+                <a:tc>
+                  <a:txBody>
+                    <a:bodyPr/>
+                    <a:lstStyle/>
+                    <a:p>
+                      <a:pPr algn="ctr"/>
+                      <a:r>
+                        <a:rPr lang="en-US" sz="1200" dirty="0" smtClean="0"/>
+                        <a:t>2</a:t>
+                      </a:r>
+                      <a:endParaRPr lang="en-US" sz="1200" dirty="0"/>
+                    </a:p>
+                  </a:txBody>
+                  <a:tcPr>
+                    <a:solidFill>
+                      <a:schemeClr val="accent4">
+                        <a:lumMod val="75000"/>
+                      </a:schemeClr>
+                    </a:solidFill>
+                  </a:tcPr>
+                </a:tc>
+                <a:tc>
+                  <a:txBody>
+                    <a:bodyPr/>
+                    <a:lstStyle/>
+                    <a:p>
+                      <a:pPr algn="ctr"/>
+                      <a:r>
+                        <a:rPr lang="en-US" sz="1200" dirty="0" smtClean="0"/>
+                        <a:t>3</a:t>
+                      </a:r>
+                      <a:endParaRPr lang="en-US" sz="1200" dirty="0"/>
+                    </a:p>
+                  </a:txBody>
+                  <a:tcPr>
+                    <a:solidFill>
+                      <a:schemeClr val="accent4">
+                        <a:lumMod val="75000"/>
+                      </a:schemeClr>
+                    </a:solidFill>
+                  </a:tcPr>
+                </a:tc>
+                <a:tc>
+                  <a:txBody>
+                    <a:bodyPr/>
+                    <a:lstStyle/>
+                    <a:p>
+                      <a:pPr algn="ctr"/>
+                      <a:r>
+                        <a:rPr lang="en-US" sz="1200" dirty="0" smtClean="0"/>
+                        <a:t>4</a:t>
+                      </a:r>
+                      <a:endParaRPr lang="en-US" sz="1200" dirty="0"/>
+                    </a:p>
+                  </a:txBody>
+                  <a:tcPr>
+                    <a:solidFill>
+                      <a:schemeClr val="accent4">
+                        <a:lumMod val="75000"/>
+                      </a:schemeClr>
+                    </a:solidFill>
+                  </a:tcPr>
+                </a:tc>
+                <a:tc>
+                  <a:txBody>
+                    <a:bodyPr/>
+                    <a:lstStyle/>
+                    <a:p>
+                      <a:pPr algn="ctr"/>
+                      <a:r>
+                        <a:rPr lang="en-US" sz="1200" dirty="0" smtClean="0"/>
+                        <a:t>5</a:t>
+                      </a:r>
+                      <a:endParaRPr lang="en-US" sz="1200" dirty="0"/>
+                    </a:p>
+                  </a:txBody>
+                  <a:tcPr>
+                    <a:solidFill>
+                      <a:schemeClr val="accent4">
+                        <a:lumMod val="75000"/>
+                      </a:schemeClr>
+                    </a:solidFill>
+                  </a:tcPr>
+                </a:tc>
+                <a:tc>
+                  <a:txBody>
+                    <a:bodyPr/>
+                    <a:lstStyle/>
+                    <a:p>
+                      <a:pPr algn="ctr"/>
+                      <a:r>
+                        <a:rPr lang="en-US" sz="1200" dirty="0" smtClean="0"/>
+                        <a:t>6</a:t>
+                      </a:r>
+                      <a:endParaRPr lang="en-US" sz="1200" dirty="0"/>
+                    </a:p>
+                  </a:txBody>
+                  <a:tcPr>
+                    <a:solidFill>
+                      <a:schemeClr val="accent4">
+                        <a:lumMod val="75000"/>
+                      </a:schemeClr>
+                    </a:solidFill>
+                  </a:tcPr>
+                </a:tc>
+                <a:tc>
+                  <a:txBody>
+                    <a:bodyPr/>
+                    <a:lstStyle/>
+                    <a:p>
+                      <a:pPr algn="ctr"/>
+                      <a:r>
+                        <a:rPr lang="en-US" sz="1200" dirty="0" smtClean="0"/>
+                        <a:t>7</a:t>
+                      </a:r>
+                      <a:endParaRPr lang="en-US" sz="1200" dirty="0"/>
+                    </a:p>
+                  </a:txBody>
+                  <a:tcPr>
+                    <a:solidFill>
+                      <a:schemeClr val="accent4">
+                        <a:lumMod val="75000"/>
+                      </a:schemeClr>
+                    </a:solidFill>
+                  </a:tcPr>
+                </a:tc>
+                <a:tc>
+                  <a:txBody>
+                    <a:bodyPr/>
+                    <a:lstStyle/>
+                    <a:p>
+                      <a:pPr algn="ctr"/>
+                      <a:r>
+                        <a:rPr lang="en-US" sz="1200" dirty="0" smtClean="0"/>
+                        <a:t>8</a:t>
+                      </a:r>
+                      <a:endParaRPr lang="en-US" sz="1200" dirty="0"/>
+                    </a:p>
+                  </a:txBody>
+                  <a:tcPr>
+                    <a:solidFill>
+                      <a:schemeClr val="accent3">
+                        <a:lumMod val="75000"/>
+                      </a:schemeClr>
+                    </a:solidFill>
+                  </a:tcPr>
+                </a:tc>
+                <a:tc>
+                  <a:txBody>
+                    <a:bodyPr/>
+                    <a:lstStyle/>
+                    <a:p>
+                      <a:pPr algn="ctr"/>
+                      <a:r>
+                        <a:rPr lang="en-US" sz="1200" dirty="0" smtClean="0"/>
+                        <a:t>9</a:t>
+                      </a:r>
+                      <a:endParaRPr lang="en-US" sz="1200" dirty="0"/>
+                    </a:p>
+                  </a:txBody>
+                  <a:tcPr>
+                    <a:solidFill>
+                      <a:schemeClr val="accent3">
+                        <a:lumMod val="75000"/>
+                      </a:schemeClr>
+                    </a:solidFill>
+                  </a:tcPr>
+                </a:tc>
+                <a:tc>
+                  <a:txBody>
+                    <a:bodyPr/>
+                    <a:lstStyle/>
+                    <a:p>
+                      <a:pPr algn="ctr"/>
+                      <a:r>
+                        <a:rPr lang="en-US" sz="1200" dirty="0" smtClean="0"/>
+                        <a:t>10</a:t>
+                      </a:r>
+                      <a:endParaRPr lang="en-US" sz="1200" dirty="0"/>
+                    </a:p>
+                  </a:txBody>
+                  <a:tcPr>
+                    <a:solidFill>
+                      <a:schemeClr val="accent3">
+                        <a:lumMod val="75000"/>
+                      </a:schemeClr>
+                    </a:solidFill>
+                  </a:tcPr>
+                </a:tc>
+                <a:tc>
+                  <a:txBody>
+                    <a:bodyPr/>
+                    <a:lstStyle/>
+                    <a:p>
+                      <a:pPr algn="ctr"/>
+                      <a:r>
+                        <a:rPr lang="en-US" sz="1200" dirty="0" smtClean="0"/>
+                        <a:t>11</a:t>
+                      </a:r>
+                    </a:p>
+                  </a:txBody>
+                  <a:tcPr>
+                    <a:solidFill>
+                      <a:schemeClr val="accent3">
+                        <a:lumMod val="75000"/>
+                      </a:schemeClr>
+                    </a:solidFill>
+                  </a:tcPr>
+                </a:tc>
+                <a:tc>
+                  <a:txBody>
+                    <a:bodyPr/>
+                    <a:lstStyle/>
+                    <a:p>
+                      <a:pPr algn="ctr"/>
+                      <a:r>
+                        <a:rPr lang="en-US" sz="1200" dirty="0" smtClean="0"/>
+                        <a:t>12</a:t>
+                      </a:r>
+                      <a:endParaRPr lang="en-US" sz="1200" dirty="0"/>
+                    </a:p>
+                  </a:txBody>
+                  <a:tcPr>
+                    <a:solidFill>
+                      <a:schemeClr val="accent3">
+                        <a:lumMod val="75000"/>
+                      </a:schemeClr>
+                    </a:solidFill>
+                  </a:tcPr>
+                </a:tc>
+                <a:tc>
+                  <a:txBody>
+                    <a:bodyPr/>
+                    <a:lstStyle/>
+                    <a:p>
+                      <a:pPr algn="ctr"/>
+                      <a:r>
+                        <a:rPr lang="en-US" sz="1200" dirty="0" smtClean="0"/>
+                        <a:t>13</a:t>
+                      </a:r>
+                      <a:endParaRPr lang="en-US" sz="1200" dirty="0"/>
+                    </a:p>
+                  </a:txBody>
+                  <a:tcPr>
+                    <a:solidFill>
+                      <a:schemeClr val="accent3">
+                        <a:lumMod val="75000"/>
+                      </a:schemeClr>
+                    </a:solidFill>
+                  </a:tcPr>
+                </a:tc>
+                <a:tc>
+                  <a:txBody>
+                    <a:bodyPr/>
+                    <a:lstStyle/>
+                    <a:p>
+                      <a:pPr algn="ctr"/>
+                      <a:r>
+                        <a:rPr lang="en-US" sz="1200" dirty="0" smtClean="0"/>
+                        <a:t>14</a:t>
+                      </a:r>
+                      <a:endParaRPr lang="en-US" sz="1200" dirty="0"/>
+                    </a:p>
+                  </a:txBody>
+                  <a:tcPr>
+                    <a:solidFill>
+                      <a:schemeClr val="accent3">
+                        <a:lumMod val="75000"/>
+                      </a:schemeClr>
+                    </a:solidFill>
+                  </a:tcPr>
+                </a:tc>
+                <a:tc>
+                  <a:txBody>
+                    <a:bodyPr/>
+                    <a:lstStyle/>
+                    <a:p>
+                      <a:pPr algn="ctr"/>
+                      <a:r>
+                        <a:rPr lang="en-US" sz="1200" dirty="0" smtClean="0"/>
+                        <a:t>15</a:t>
+                      </a:r>
+                      <a:endParaRPr lang="en-US" sz="1200" dirty="0"/>
+                    </a:p>
+                  </a:txBody>
+                  <a:tcPr>
+                    <a:solidFill>
+                      <a:schemeClr val="accent3">
+                        <a:lumMod val="75000"/>
+                      </a:schemeClr>
+                    </a:solidFill>
+                  </a:tcPr>
+                </a:tc>
+                <a:tc>
+                  <a:txBody>
+                    <a:bodyPr/>
+                    <a:lstStyle/>
+                    <a:p>
+                      <a:pPr algn="ctr"/>
+                      <a:r>
+                        <a:rPr lang="en-US" sz="1200" dirty="0" smtClean="0"/>
+                        <a:t>16</a:t>
+                      </a:r>
+                      <a:endParaRPr lang="en-US" sz="1200" dirty="0"/>
+                    </a:p>
+                  </a:txBody>
+                  <a:tcPr>
+                    <a:solidFill>
+                      <a:schemeClr val="accent3">
+                        <a:lumMod val="75000"/>
+                      </a:schemeClr>
+                    </a:solidFill>
+                  </a:tcPr>
+                </a:tc>
+                <a:tc>
+                  <a:txBody>
+                    <a:bodyPr/>
+                    <a:lstStyle/>
+                    <a:p>
+                      <a:pPr algn="ctr"/>
+                      <a:r>
+                        <a:rPr lang="en-US" sz="1200" dirty="0" smtClean="0"/>
+                        <a:t>17</a:t>
+                      </a:r>
+                      <a:endParaRPr lang="en-US" sz="1200" dirty="0"/>
+                    </a:p>
+                  </a:txBody>
+                  <a:tcPr>
+                    <a:solidFill>
+                      <a:schemeClr val="accent3">
+                        <a:lumMod val="75000"/>
+                      </a:schemeClr>
+                    </a:solidFill>
+                  </a:tcPr>
+                </a:tc>
+                <a:tc>
+                  <a:txBody>
+                    <a:bodyPr/>
+                    <a:lstStyle/>
+                    <a:p>
+                      <a:pPr algn="ctr"/>
+                      <a:r>
+                        <a:rPr lang="en-US" sz="1200" dirty="0" smtClean="0"/>
+                        <a:t>18</a:t>
+                      </a:r>
+                      <a:endParaRPr lang="en-US" sz="1200" dirty="0"/>
+                    </a:p>
+                  </a:txBody>
+                  <a:tcPr>
+                    <a:solidFill>
+                      <a:schemeClr val="accent3">
+                        <a:lumMod val="75000"/>
+                      </a:schemeClr>
+                    </a:solidFill>
+                  </a:tcPr>
+                </a:tc>
+                <a:tc>
+                  <a:txBody>
+                    <a:bodyPr/>
+                    <a:lstStyle/>
+                    <a:p>
+                      <a:pPr algn="ctr"/>
+                      <a:r>
+                        <a:rPr lang="en-US" sz="1200" dirty="0" smtClean="0"/>
+                        <a:t>19</a:t>
+                      </a:r>
+                      <a:endParaRPr lang="en-US" sz="1200" dirty="0"/>
+                    </a:p>
+                  </a:txBody>
+                  <a:tcPr>
+                    <a:solidFill>
+                      <a:schemeClr val="accent3">
+                        <a:lumMod val="75000"/>
+                      </a:schemeClr>
+                    </a:solidFill>
+                  </a:tcPr>
+                </a:tc>
+                <a:tc>
+                  <a:txBody>
+                    <a:bodyPr/>
+                    <a:lstStyle/>
+                    <a:p>
+                      <a:pPr algn="ctr"/>
+                      <a:r>
+                        <a:rPr lang="en-US" sz="1200" dirty="0" smtClean="0"/>
+                        <a:t>20</a:t>
+                      </a:r>
+                      <a:endParaRPr lang="en-US" sz="1200" dirty="0"/>
+                    </a:p>
+                  </a:txBody>
+                  <a:tcPr>
+                    <a:solidFill>
+                      <a:schemeClr val="accent3">
+                        <a:lumMod val="75000"/>
+                      </a:schemeClr>
+                    </a:solidFill>
+                  </a:tcPr>
+                </a:tc>
+                <a:tc>
+                  <a:txBody>
+                    <a:bodyPr/>
+                    <a:lstStyle/>
+                    <a:p>
+                      <a:pPr algn="ctr"/>
+                      <a:r>
+                        <a:rPr lang="en-US" sz="1200" dirty="0" smtClean="0"/>
+                        <a:t>21</a:t>
+                      </a:r>
+                      <a:endParaRPr lang="en-US" sz="1200" dirty="0"/>
+                    </a:p>
+                  </a:txBody>
+                  <a:tcPr>
+                    <a:solidFill>
+                      <a:schemeClr val="accent3">
+                        <a:lumMod val="75000"/>
+                      </a:schemeClr>
+                    </a:solidFill>
+                  </a:tcPr>
+                </a:tc>
+                <a:tc>
+                  <a:txBody>
+                    <a:bodyPr/>
+                    <a:lstStyle/>
+                    <a:p>
+                      <a:pPr algn="ctr"/>
+                      <a:r>
+                        <a:rPr lang="en-US" sz="1200" dirty="0" smtClean="0"/>
+                        <a:t>22</a:t>
+                      </a:r>
+                      <a:endParaRPr lang="en-US" sz="1200" dirty="0"/>
+                    </a:p>
+                  </a:txBody>
+                  <a:tcPr>
+                    <a:solidFill>
+                      <a:schemeClr val="accent3">
+                        <a:lumMod val="75000"/>
+                      </a:schemeClr>
+                    </a:solidFill>
+                  </a:tcPr>
+                </a:tc>
+                <a:tc>
+                  <a:txBody>
+                    <a:bodyPr/>
+                    <a:lstStyle/>
+                    <a:p>
+                      <a:pPr algn="ctr"/>
+                      <a:r>
+                        <a:rPr lang="en-US" sz="1200" dirty="0" smtClean="0"/>
+                        <a:t>23</a:t>
+                      </a:r>
+                      <a:endParaRPr lang="en-US" sz="1200" dirty="0"/>
+                    </a:p>
+                  </a:txBody>
+                  <a:tcPr>
+                    <a:solidFill>
+                      <a:schemeClr val="accent3">
+                        <a:lumMod val="75000"/>
+                      </a:schemeClr>
+                    </a:solidFill>
+                  </a:tcPr>
+                </a:tc>
+                <a:tc>
+                  <a:txBody>
+                    <a:bodyPr/>
+                    <a:lstStyle/>
+                    <a:p>
+                      <a:pPr algn="ctr"/>
+                      <a:r>
+                        <a:rPr lang="en-US" sz="1200" dirty="0" smtClean="0"/>
+                        <a:t>24</a:t>
+                      </a:r>
+                      <a:endParaRPr lang="en-US" sz="1200" dirty="0"/>
+                    </a:p>
+                  </a:txBody>
+                  <a:tcPr>
+                    <a:solidFill>
+                      <a:schemeClr val="accent3">
+                        <a:lumMod val="75000"/>
+                      </a:schemeClr>
+                    </a:solidFill>
+                  </a:tcPr>
+                </a:tc>
+                <a:tc>
+                  <a:txBody>
+                    <a:bodyPr/>
+                    <a:lstStyle/>
+                    <a:p>
+                      <a:endParaRPr lang="en-US" sz="1200" dirty="0"/>
+                    </a:p>
+                  </a:txBody>
+                  <a:tcPr>
+                    <a:solidFill>
+                      <a:schemeClr val="accent3">
+                        <a:lumMod val="75000"/>
+                      </a:schemeClr>
+                    </a:solidFill>
+                  </a:tcPr>
+                </a:tc>
+              </a:tr>
+            </a:tbl>
+          </a:graphicData>
+        </a:graphic>
+      </p:graphicFrame>
       <p:sp>
         <p:nvSpPr>
           <p:cNvPr id="39" name="TextBox 38"/>
@@ -3343,112 +3703,16 @@
           </a:p>
         </p:txBody>
       </p:sp>
-      <p:pic>
-        <p:nvPicPr>
-          <p:cNvPr id="41" name="Picture 40"/>
-          <p:cNvPicPr>
-            <a:picLocks noChangeAspect="1"/>
-          </p:cNvPicPr>
-          <p:nvPr/>
-        </p:nvPicPr>
-        <p:blipFill>
-          <a:blip r:embed="rId8"/>
-          <a:stretch>
-            <a:fillRect/>
-          </a:stretch>
-        </p:blipFill>
-        <p:spPr>
-          <a:xfrm>
-            <a:off x="553884" y="2689504"/>
-            <a:ext cx="404761" cy="404761"/>
-          </a:xfrm>
-          <a:prstGeom prst="rect">
-            <a:avLst/>
-          </a:prstGeom>
-        </p:spPr>
-      </p:pic>
-      <p:pic>
-        <p:nvPicPr>
-          <p:cNvPr id="45" name="Picture 44"/>
-          <p:cNvPicPr>
-            <a:picLocks noChangeAspect="1"/>
-          </p:cNvPicPr>
-          <p:nvPr/>
-        </p:nvPicPr>
-        <p:blipFill>
-          <a:blip r:embed="rId9"/>
-          <a:stretch>
-            <a:fillRect/>
-          </a:stretch>
-        </p:blipFill>
-        <p:spPr>
-          <a:xfrm>
-            <a:off x="7404576" y="2689503"/>
-            <a:ext cx="395668" cy="399131"/>
-          </a:xfrm>
-          <a:prstGeom prst="rect">
-            <a:avLst/>
-          </a:prstGeom>
-        </p:spPr>
-      </p:pic>
-      <p:pic>
-        <p:nvPicPr>
-          <p:cNvPr id="48" name="Picture 47"/>
-          <p:cNvPicPr>
-            <a:picLocks noChangeAspect="1"/>
-          </p:cNvPicPr>
-          <p:nvPr/>
-        </p:nvPicPr>
-        <p:blipFill>
-          <a:blip r:embed="rId10"/>
-          <a:stretch>
-            <a:fillRect/>
-          </a:stretch>
-        </p:blipFill>
-        <p:spPr>
-          <a:xfrm>
-            <a:off x="8021484" y="2680475"/>
-            <a:ext cx="401576" cy="408159"/>
-          </a:xfrm>
-          <a:prstGeom prst="rect">
-            <a:avLst/>
-          </a:prstGeom>
-        </p:spPr>
-      </p:pic>
-      <p:pic>
-        <p:nvPicPr>
-          <p:cNvPr id="53" name="Picture 52"/>
-          <p:cNvPicPr>
-            <a:picLocks noChangeAspect="1"/>
-          </p:cNvPicPr>
-          <p:nvPr/>
-        </p:nvPicPr>
-        <p:blipFill>
-          <a:blip r:embed="rId11"/>
-          <a:stretch>
-            <a:fillRect/>
-          </a:stretch>
-        </p:blipFill>
-        <p:spPr>
-          <a:xfrm>
-            <a:off x="4368068" y="2680970"/>
-            <a:ext cx="403399" cy="414593"/>
-          </a:xfrm>
-          <a:prstGeom prst="rect">
-            <a:avLst/>
-          </a:prstGeom>
-        </p:spPr>
-      </p:pic>
-      <p:sp>
-        <p:nvSpPr>
-          <p:cNvPr id="56" name="Rectangle 55"/>
+      <p:sp>
+        <p:nvSpPr>
+          <p:cNvPr id="16" name="Rectangle 15"/>
           <p:cNvSpPr/>
           <p:nvPr/>
         </p:nvSpPr>
         <p:spPr>
           <a:xfrm>
-            <a:off x="44844" y="3242037"/>
-            <a:ext cx="9025414" cy="158325"/>
+            <a:off x="53038" y="3015259"/>
+            <a:ext cx="9025414" cy="693839"/>
           </a:xfrm>
           <a:prstGeom prst="rect">
             <a:avLst/>
@@ -3469,12 +3733,7 @@
           </a:fontRef>
         </p:style>
         <p:txBody>
-          <a:bodyPr rot="0" spcFirstLastPara="0" vertOverflow="overflow" horzOverflow="overflow" vert="horz" wrap="square" lIns="91440" tIns="45720" rIns="91440" bIns="45720" numCol="1" spcCol="0" rtlCol="0" fromWordArt="0" anchor="ctr" anchorCtr="0" forceAA="0" compatLnSpc="1">
-            <a:prstTxWarp prst="textNoShape">
-              <a:avLst/>
-            </a:prstTxWarp>
-            <a:noAutofit/>
-          </a:bodyPr>
+          <a:bodyPr rtlCol="0" anchor="ctr"/>
           <a:lstStyle/>
           <a:p>
             <a:pPr algn="ctr"/>
@@ -3482,20 +3741,314 @@
           </a:p>
         </p:txBody>
       </p:sp>
-      <p:sp>
-        <p:nvSpPr>
-          <p:cNvPr id="57" name="Rectangle 56"/>
-          <p:cNvSpPr/>
+      <p:pic>
+        <p:nvPicPr>
+          <p:cNvPr id="6" name="Picture 5"/>
+          <p:cNvPicPr>
+            <a:picLocks noChangeAspect="1"/>
+          </p:cNvPicPr>
           <p:nvPr/>
-        </p:nvSpPr>
-        <p:spPr>
-          <a:xfrm flipV="1">
-            <a:off x="44844" y="3499639"/>
-            <a:ext cx="9025414" cy="207491"/>
+        </p:nvPicPr>
+        <p:blipFill>
+          <a:blip r:embed="rId2"/>
+          <a:stretch>
+            <a:fillRect/>
+          </a:stretch>
+        </p:blipFill>
+        <p:spPr>
+          <a:xfrm>
+            <a:off x="4150888" y="3149742"/>
+            <a:ext cx="403399" cy="403399"/>
           </a:xfrm>
           <a:prstGeom prst="rect">
             <a:avLst/>
           </a:prstGeom>
+        </p:spPr>
+      </p:pic>
+      <p:pic>
+        <p:nvPicPr>
+          <p:cNvPr id="7" name="Picture 6"/>
+          <p:cNvPicPr>
+            <a:picLocks noChangeAspect="1"/>
+          </p:cNvPicPr>
+          <p:nvPr/>
+        </p:nvPicPr>
+        <p:blipFill>
+          <a:blip r:embed="rId3"/>
+          <a:stretch>
+            <a:fillRect/>
+          </a:stretch>
+        </p:blipFill>
+        <p:spPr>
+          <a:xfrm>
+            <a:off x="3628950" y="3148380"/>
+            <a:ext cx="403399" cy="403399"/>
+          </a:xfrm>
+          <a:prstGeom prst="rect">
+            <a:avLst/>
+          </a:prstGeom>
+        </p:spPr>
+      </p:pic>
+      <p:pic>
+        <p:nvPicPr>
+          <p:cNvPr id="9" name="Picture 8"/>
+          <p:cNvPicPr>
+            <a:picLocks noChangeAspect="1"/>
+          </p:cNvPicPr>
+          <p:nvPr/>
+        </p:nvPicPr>
+        <p:blipFill>
+          <a:blip r:embed="rId4"/>
+          <a:stretch>
+            <a:fillRect/>
+          </a:stretch>
+        </p:blipFill>
+        <p:spPr>
+          <a:xfrm>
+            <a:off x="4659356" y="3148380"/>
+            <a:ext cx="403399" cy="403399"/>
+          </a:xfrm>
+          <a:prstGeom prst="rect">
+            <a:avLst/>
+          </a:prstGeom>
+        </p:spPr>
+      </p:pic>
+      <p:pic>
+        <p:nvPicPr>
+          <p:cNvPr id="10" name="Picture 9"/>
+          <p:cNvPicPr>
+            <a:picLocks noChangeAspect="1"/>
+          </p:cNvPicPr>
+          <p:nvPr/>
+        </p:nvPicPr>
+        <p:blipFill>
+          <a:blip r:embed="rId4"/>
+          <a:stretch>
+            <a:fillRect/>
+          </a:stretch>
+        </p:blipFill>
+        <p:spPr>
+          <a:xfrm flipH="1">
+            <a:off x="3112304" y="3148380"/>
+            <a:ext cx="403399" cy="403399"/>
+          </a:xfrm>
+          <a:prstGeom prst="rect">
+            <a:avLst/>
+          </a:prstGeom>
+        </p:spPr>
+      </p:pic>
+      <p:pic>
+        <p:nvPicPr>
+          <p:cNvPr id="25" name="Picture 24"/>
+          <p:cNvPicPr>
+            <a:picLocks noChangeAspect="1"/>
+          </p:cNvPicPr>
+          <p:nvPr/>
+        </p:nvPicPr>
+        <p:blipFill>
+          <a:blip r:embed="rId5"/>
+          <a:stretch>
+            <a:fillRect/>
+          </a:stretch>
+        </p:blipFill>
+        <p:spPr>
+          <a:xfrm>
+            <a:off x="2211400" y="3139846"/>
+            <a:ext cx="407665" cy="407665"/>
+          </a:xfrm>
+          <a:prstGeom prst="rect">
+            <a:avLst/>
+          </a:prstGeom>
+        </p:spPr>
+      </p:pic>
+      <p:pic>
+        <p:nvPicPr>
+          <p:cNvPr id="26" name="Picture 25"/>
+          <p:cNvPicPr>
+            <a:picLocks noChangeAspect="1"/>
+          </p:cNvPicPr>
+          <p:nvPr/>
+        </p:nvPicPr>
+        <p:blipFill>
+          <a:blip r:embed="rId5"/>
+          <a:stretch>
+            <a:fillRect/>
+          </a:stretch>
+        </p:blipFill>
+        <p:spPr>
+          <a:xfrm flipH="1">
+            <a:off x="1452401" y="3139846"/>
+            <a:ext cx="407665" cy="407665"/>
+          </a:xfrm>
+          <a:prstGeom prst="rect">
+            <a:avLst/>
+          </a:prstGeom>
+        </p:spPr>
+      </p:pic>
+      <p:pic>
+        <p:nvPicPr>
+          <p:cNvPr id="27" name="Picture 26"/>
+          <p:cNvPicPr>
+            <a:picLocks noChangeAspect="1"/>
+          </p:cNvPicPr>
+          <p:nvPr/>
+        </p:nvPicPr>
+        <p:blipFill>
+          <a:blip r:embed="rId6"/>
+          <a:stretch>
+            <a:fillRect/>
+          </a:stretch>
+        </p:blipFill>
+        <p:spPr>
+          <a:xfrm>
+            <a:off x="6327550" y="3144113"/>
+            <a:ext cx="403398" cy="403398"/>
+          </a:xfrm>
+          <a:prstGeom prst="rect">
+            <a:avLst/>
+          </a:prstGeom>
+        </p:spPr>
+      </p:pic>
+      <p:pic>
+        <p:nvPicPr>
+          <p:cNvPr id="28" name="Picture 27"/>
+          <p:cNvPicPr>
+            <a:picLocks noChangeAspect="1"/>
+          </p:cNvPicPr>
+          <p:nvPr/>
+        </p:nvPicPr>
+        <p:blipFill>
+          <a:blip r:embed="rId6"/>
+          <a:stretch>
+            <a:fillRect/>
+          </a:stretch>
+        </p:blipFill>
+        <p:spPr>
+          <a:xfrm flipH="1">
+            <a:off x="5636013" y="3144113"/>
+            <a:ext cx="403398" cy="403398"/>
+          </a:xfrm>
+          <a:prstGeom prst="rect">
+            <a:avLst/>
+          </a:prstGeom>
+        </p:spPr>
+      </p:pic>
+      <p:pic>
+        <p:nvPicPr>
+          <p:cNvPr id="41" name="Picture 40"/>
+          <p:cNvPicPr>
+            <a:picLocks noChangeAspect="1"/>
+          </p:cNvPicPr>
+          <p:nvPr/>
+        </p:nvPicPr>
+        <p:blipFill>
+          <a:blip r:embed="rId7"/>
+          <a:stretch>
+            <a:fillRect/>
+          </a:stretch>
+        </p:blipFill>
+        <p:spPr>
+          <a:xfrm>
+            <a:off x="336704" y="3148380"/>
+            <a:ext cx="404761" cy="404761"/>
+          </a:xfrm>
+          <a:prstGeom prst="rect">
+            <a:avLst/>
+          </a:prstGeom>
+        </p:spPr>
+      </p:pic>
+      <p:pic>
+        <p:nvPicPr>
+          <p:cNvPr id="45" name="Picture 44"/>
+          <p:cNvPicPr>
+            <a:picLocks noChangeAspect="1"/>
+          </p:cNvPicPr>
+          <p:nvPr/>
+        </p:nvPicPr>
+        <p:blipFill>
+          <a:blip r:embed="rId8"/>
+          <a:stretch>
+            <a:fillRect/>
+          </a:stretch>
+        </p:blipFill>
+        <p:spPr>
+          <a:xfrm>
+            <a:off x="7187396" y="3148379"/>
+            <a:ext cx="395668" cy="399131"/>
+          </a:xfrm>
+          <a:prstGeom prst="rect">
+            <a:avLst/>
+          </a:prstGeom>
+        </p:spPr>
+      </p:pic>
+      <p:pic>
+        <p:nvPicPr>
+          <p:cNvPr id="48" name="Picture 47"/>
+          <p:cNvPicPr>
+            <a:picLocks noChangeAspect="1"/>
+          </p:cNvPicPr>
+          <p:nvPr/>
+        </p:nvPicPr>
+        <p:blipFill>
+          <a:blip r:embed="rId9"/>
+          <a:stretch>
+            <a:fillRect/>
+          </a:stretch>
+        </p:blipFill>
+        <p:spPr>
+          <a:xfrm>
+            <a:off x="7804304" y="3139351"/>
+            <a:ext cx="401576" cy="408159"/>
+          </a:xfrm>
+          <a:prstGeom prst="rect">
+            <a:avLst/>
+          </a:prstGeom>
+        </p:spPr>
+      </p:pic>
+      <p:pic>
+        <p:nvPicPr>
+          <p:cNvPr id="53" name="Picture 52"/>
+          <p:cNvPicPr>
+            <a:picLocks noChangeAspect="1"/>
+          </p:cNvPicPr>
+          <p:nvPr/>
+        </p:nvPicPr>
+        <p:blipFill>
+          <a:blip r:embed="rId10"/>
+          <a:stretch>
+            <a:fillRect/>
+          </a:stretch>
+        </p:blipFill>
+        <p:spPr>
+          <a:xfrm>
+            <a:off x="4150888" y="3139846"/>
+            <a:ext cx="403399" cy="414593"/>
+          </a:xfrm>
+          <a:prstGeom prst="rect">
+            <a:avLst/>
+          </a:prstGeom>
+        </p:spPr>
+      </p:pic>
+      <p:sp>
+        <p:nvSpPr>
+          <p:cNvPr id="56" name="Rectangle 55"/>
+          <p:cNvSpPr/>
+          <p:nvPr/>
+        </p:nvSpPr>
+        <p:spPr>
+          <a:xfrm>
+            <a:off x="56000" y="2409237"/>
+            <a:ext cx="9025414" cy="215684"/>
+          </a:xfrm>
+          <a:prstGeom prst="rect">
+            <a:avLst/>
+          </a:prstGeom>
+          <a:solidFill>
+            <a:schemeClr val="tx1">
+              <a:lumMod val="50000"/>
+              <a:lumOff val="50000"/>
+            </a:schemeClr>
+          </a:solidFill>
         </p:spPr>
         <p:style>
           <a:lnRef idx="1">
@@ -3527,56 +4080,13 @@
       </p:sp>
       <p:sp>
         <p:nvSpPr>
-          <p:cNvPr id="58" name="Rectangle 57"/>
-          <p:cNvSpPr/>
-          <p:nvPr/>
-        </p:nvSpPr>
-        <p:spPr>
-          <a:xfrm>
-            <a:off x="44844" y="3366616"/>
-            <a:ext cx="9025414" cy="163393"/>
-          </a:xfrm>
-          <a:prstGeom prst="rect">
-            <a:avLst/>
-          </a:prstGeom>
-        </p:spPr>
-        <p:style>
-          <a:lnRef idx="1">
-            <a:schemeClr val="accent2"/>
-          </a:lnRef>
-          <a:fillRef idx="3">
-            <a:schemeClr val="accent2"/>
-          </a:fillRef>
-          <a:effectRef idx="2">
-            <a:schemeClr val="accent2"/>
-          </a:effectRef>
-          <a:fontRef idx="minor">
-            <a:schemeClr val="lt1"/>
-          </a:fontRef>
-        </p:style>
-        <p:txBody>
-          <a:bodyPr rot="0" spcFirstLastPara="0" vertOverflow="overflow" horzOverflow="overflow" vert="horz" wrap="square" lIns="91440" tIns="45720" rIns="91440" bIns="45720" numCol="1" spcCol="0" rtlCol="0" fromWordArt="0" anchor="ctr" anchorCtr="0" forceAA="0" compatLnSpc="1">
-            <a:prstTxWarp prst="textNoShape">
-              <a:avLst/>
-            </a:prstTxWarp>
-            <a:noAutofit/>
-          </a:bodyPr>
-          <a:lstStyle/>
-          <a:p>
-            <a:pPr algn="ctr"/>
-            <a:endParaRPr lang="en-US"/>
-          </a:p>
-        </p:txBody>
-      </p:sp>
-      <p:sp>
-        <p:nvSpPr>
           <p:cNvPr id="5" name="Isosceles Triangle 4"/>
           <p:cNvSpPr/>
           <p:nvPr/>
         </p:nvSpPr>
         <p:spPr>
           <a:xfrm flipV="1">
-            <a:off x="1076538" y="3184678"/>
+            <a:off x="330010" y="2432847"/>
             <a:ext cx="163953" cy="158326"/>
           </a:xfrm>
           <a:prstGeom prst="triangle">
@@ -3584,85 +4094,13 @@
           </a:prstGeom>
         </p:spPr>
         <p:style>
-          <a:lnRef idx="2">
-            <a:schemeClr val="accent1">
-              <a:shade val="50000"/>
-            </a:schemeClr>
+          <a:lnRef idx="0">
+            <a:schemeClr val="accent3"/>
           </a:lnRef>
-          <a:fillRef idx="1">
-            <a:schemeClr val="accent1"/>
-          </a:fillRef>
-          <a:effectRef idx="0">
-            <a:schemeClr val="accent1"/>
-          </a:effectRef>
-          <a:fontRef idx="minor">
-            <a:schemeClr val="lt1"/>
-          </a:fontRef>
-        </p:style>
-        <p:txBody>
-          <a:bodyPr rtlCol="0" anchor="ctr"/>
-          <a:lstStyle/>
-          <a:p>
-            <a:pPr algn="ctr"/>
-            <a:endParaRPr lang="en-US"/>
-          </a:p>
-        </p:txBody>
-      </p:sp>
-      <p:cxnSp>
-        <p:nvCxnSpPr>
-          <p:cNvPr id="11" name="Straight Connector 10"/>
-          <p:cNvCxnSpPr/>
-          <p:nvPr/>
-        </p:nvCxnSpPr>
-        <p:spPr>
-          <a:xfrm>
-            <a:off x="1214092" y="3366616"/>
-            <a:ext cx="0" cy="163394"/>
-          </a:xfrm>
-          <a:prstGeom prst="line">
-            <a:avLst/>
-          </a:prstGeom>
-        </p:spPr>
-        <p:style>
-          <a:lnRef idx="2">
-            <a:schemeClr val="accent1"/>
-          </a:lnRef>
-          <a:fillRef idx="0">
-            <a:schemeClr val="accent1"/>
-          </a:fillRef>
-          <a:effectRef idx="1">
-            <a:schemeClr val="accent1"/>
-          </a:effectRef>
-          <a:fontRef idx="minor">
-            <a:schemeClr val="tx1"/>
-          </a:fontRef>
-        </p:style>
-      </p:cxnSp>
-      <p:sp>
-        <p:nvSpPr>
-          <p:cNvPr id="29" name="Isosceles Triangle 28"/>
-          <p:cNvSpPr/>
-          <p:nvPr/>
-        </p:nvSpPr>
-        <p:spPr>
-          <a:xfrm>
-            <a:off x="191112" y="3548805"/>
-            <a:ext cx="163953" cy="158326"/>
-          </a:xfrm>
-          <a:prstGeom prst="triangle">
-            <a:avLst/>
-          </a:prstGeom>
-        </p:spPr>
-        <p:style>
-          <a:lnRef idx="2">
-            <a:schemeClr val="accent3">
-              <a:shade val="50000"/>
-            </a:schemeClr>
-          </a:lnRef>
-          <a:fillRef idx="1">
+          <a:fillRef idx="3">
             <a:schemeClr val="accent3"/>
           </a:fillRef>
-          <a:effectRef idx="0">
+          <a:effectRef idx="3">
             <a:schemeClr val="accent3"/>
           </a:effectRef>
           <a:fontRef idx="minor">
@@ -3685,8 +4123,8 @@
           <p:nvPr/>
         </p:nvSpPr>
         <p:spPr>
-          <a:xfrm>
-            <a:off x="2516761" y="3548804"/>
+          <a:xfrm flipH="1" flipV="1">
+            <a:off x="2528047" y="2409236"/>
             <a:ext cx="163953" cy="158326"/>
           </a:xfrm>
           <a:prstGeom prst="triangle">
@@ -3718,94 +4156,125 @@
           </a:p>
         </p:txBody>
       </p:sp>
-      <p:sp>
-        <p:nvSpPr>
-          <p:cNvPr id="31" name="Rectangle 30"/>
-          <p:cNvSpPr/>
+      <p:cxnSp>
+        <p:nvCxnSpPr>
+          <p:cNvPr id="3" name="Straight Connector 2"/>
+          <p:cNvCxnSpPr/>
           <p:nvPr/>
-        </p:nvSpPr>
-        <p:spPr>
-          <a:xfrm>
-            <a:off x="286115" y="3366615"/>
-            <a:ext cx="2312753" cy="163394"/>
-          </a:xfrm>
-          <a:prstGeom prst="rect">
+        </p:nvCxnSpPr>
+        <p:spPr>
+          <a:xfrm>
+            <a:off x="1312686" y="2626433"/>
+            <a:ext cx="0" cy="365760"/>
+          </a:xfrm>
+          <a:prstGeom prst="line">
             <a:avLst/>
           </a:prstGeom>
+          <a:ln>
+            <a:solidFill>
+              <a:schemeClr val="accent3">
+                <a:lumMod val="50000"/>
+              </a:schemeClr>
+            </a:solidFill>
+          </a:ln>
         </p:spPr>
         <p:style>
-          <a:lnRef idx="2">
-            <a:schemeClr val="accent4">
-              <a:shade val="50000"/>
-            </a:schemeClr>
+          <a:lnRef idx="3">
+            <a:schemeClr val="accent3"/>
           </a:lnRef>
-          <a:fillRef idx="1">
-            <a:schemeClr val="accent4"/>
+          <a:fillRef idx="0">
+            <a:schemeClr val="accent3"/>
           </a:fillRef>
-          <a:effectRef idx="0">
-            <a:schemeClr val="accent4"/>
+          <a:effectRef idx="2">
+            <a:schemeClr val="accent3"/>
           </a:effectRef>
           <a:fontRef idx="minor">
-            <a:schemeClr val="lt1"/>
+            <a:schemeClr val="tx1"/>
           </a:fontRef>
         </p:style>
-        <p:txBody>
-          <a:bodyPr rot="0" spcFirstLastPara="0" vertOverflow="overflow" horzOverflow="overflow" vert="horz" wrap="square" lIns="91440" tIns="45720" rIns="91440" bIns="45720" numCol="1" spcCol="0" rtlCol="0" fromWordArt="0" anchor="ctr" anchorCtr="0" forceAA="0" compatLnSpc="1">
-            <a:prstTxWarp prst="textNoShape">
+      </p:cxnSp>
+      <p:grpSp>
+        <p:nvGrpSpPr>
+          <p:cNvPr id="12" name="Group 11"/>
+          <p:cNvGrpSpPr/>
+          <p:nvPr/>
+        </p:nvGrpSpPr>
+        <p:grpSpPr>
+          <a:xfrm>
+            <a:off x="44844" y="3725486"/>
+            <a:ext cx="9025414" cy="850391"/>
+            <a:chOff x="0" y="3853591"/>
+            <a:chExt cx="9144000" cy="850391"/>
+          </a:xfrm>
+        </p:grpSpPr>
+        <p:sp>
+          <p:nvSpPr>
+            <p:cNvPr id="13" name="Rectangle 12"/>
+            <p:cNvSpPr/>
+            <p:nvPr/>
+          </p:nvSpPr>
+          <p:spPr>
+            <a:xfrm>
+              <a:off x="19604" y="3853591"/>
+              <a:ext cx="9124396" cy="45719"/>
+            </a:xfrm>
+            <a:prstGeom prst="rect">
               <a:avLst/>
-            </a:prstTxWarp>
-            <a:noAutofit/>
-          </a:bodyPr>
-          <a:lstStyle/>
-          <a:p>
-            <a:pPr algn="ctr"/>
-            <a:endParaRPr lang="en-US"/>
-          </a:p>
-        </p:txBody>
-      </p:sp>
-      <p:sp>
-        <p:nvSpPr>
-          <p:cNvPr id="13" name="Rectangle 12"/>
-          <p:cNvSpPr/>
-          <p:nvPr/>
-        </p:nvSpPr>
-        <p:spPr>
-          <a:xfrm>
-            <a:off x="53038" y="3707131"/>
-            <a:ext cx="9025414" cy="45719"/>
-          </a:xfrm>
-          <a:prstGeom prst="rect">
-            <a:avLst/>
-          </a:prstGeom>
-          <a:solidFill>
-            <a:srgbClr val="FF0000"/>
-          </a:solidFill>
-        </p:spPr>
-        <p:style>
-          <a:lnRef idx="2">
-            <a:schemeClr val="accent2">
-              <a:shade val="50000"/>
-            </a:schemeClr>
-          </a:lnRef>
-          <a:fillRef idx="1">
-            <a:schemeClr val="accent2"/>
-          </a:fillRef>
-          <a:effectRef idx="0">
-            <a:schemeClr val="accent2"/>
-          </a:effectRef>
-          <a:fontRef idx="minor">
-            <a:schemeClr val="lt1"/>
-          </a:fontRef>
-        </p:style>
-        <p:txBody>
-          <a:bodyPr rtlCol="0" anchor="ctr"/>
-          <a:lstStyle/>
-          <a:p>
-            <a:pPr algn="ctr"/>
-            <a:endParaRPr lang="en-US"/>
-          </a:p>
-        </p:txBody>
-      </p:sp>
+            </a:prstGeom>
+            <a:solidFill>
+              <a:srgbClr val="FF0000"/>
+            </a:solidFill>
+          </p:spPr>
+          <p:style>
+            <a:lnRef idx="2">
+              <a:schemeClr val="accent2">
+                <a:shade val="50000"/>
+              </a:schemeClr>
+            </a:lnRef>
+            <a:fillRef idx="1">
+              <a:schemeClr val="accent2"/>
+            </a:fillRef>
+            <a:effectRef idx="0">
+              <a:schemeClr val="accent2"/>
+            </a:effectRef>
+            <a:fontRef idx="minor">
+              <a:schemeClr val="lt1"/>
+            </a:fontRef>
+          </p:style>
+          <p:txBody>
+            <a:bodyPr rtlCol="0" anchor="ctr"/>
+            <a:lstStyle/>
+            <a:p>
+              <a:pPr algn="ctr"/>
+              <a:endParaRPr lang="en-US"/>
+            </a:p>
+          </p:txBody>
+        </p:sp>
+        <p:pic>
+          <p:nvPicPr>
+            <p:cNvPr id="8" name="Picture 7"/>
+            <p:cNvPicPr>
+              <a:picLocks noChangeAspect="1"/>
+            </p:cNvPicPr>
+            <p:nvPr/>
+          </p:nvPicPr>
+          <p:blipFill>
+            <a:blip r:embed="rId11"/>
+            <a:stretch>
+              <a:fillRect/>
+            </a:stretch>
+          </p:blipFill>
+          <p:spPr>
+            <a:xfrm>
+              <a:off x="0" y="3899310"/>
+              <a:ext cx="9144000" cy="804672"/>
+            </a:xfrm>
+            <a:prstGeom prst="rect">
+              <a:avLst/>
+            </a:prstGeom>
+          </p:spPr>
+        </p:pic>
+      </p:grpSp>
     </p:spTree>
     <p:extLst>
       <p:ext uri="{BB962C8B-B14F-4D97-AF65-F5344CB8AC3E}">
@@ -4561,6 +5030,92 @@
           </a:prstGeom>
         </p:spPr>
       </p:pic>
+      <p:sp>
+        <p:nvSpPr>
+          <p:cNvPr id="15" name="Rectangle 14"/>
+          <p:cNvSpPr/>
+          <p:nvPr/>
+        </p:nvSpPr>
+        <p:spPr>
+          <a:xfrm>
+            <a:off x="87530" y="518219"/>
+            <a:ext cx="9025414" cy="163393"/>
+          </a:xfrm>
+          <a:prstGeom prst="rect">
+            <a:avLst/>
+          </a:prstGeom>
+        </p:spPr>
+        <p:style>
+          <a:lnRef idx="1">
+            <a:schemeClr val="accent4"/>
+          </a:lnRef>
+          <a:fillRef idx="3">
+            <a:schemeClr val="accent4"/>
+          </a:fillRef>
+          <a:effectRef idx="2">
+            <a:schemeClr val="accent4"/>
+          </a:effectRef>
+          <a:fontRef idx="minor">
+            <a:schemeClr val="lt1"/>
+          </a:fontRef>
+        </p:style>
+        <p:txBody>
+          <a:bodyPr rot="0" spcFirstLastPara="0" vertOverflow="overflow" horzOverflow="overflow" vert="horz" wrap="square" lIns="91440" tIns="45720" rIns="91440" bIns="45720" numCol="1" spcCol="0" rtlCol="0" fromWordArt="0" anchor="ctr" anchorCtr="0" forceAA="0" compatLnSpc="1">
+            <a:prstTxWarp prst="textNoShape">
+              <a:avLst/>
+            </a:prstTxWarp>
+            <a:noAutofit/>
+          </a:bodyPr>
+          <a:lstStyle/>
+          <a:p>
+            <a:pPr algn="ctr"/>
+            <a:endParaRPr lang="en-US"/>
+          </a:p>
+        </p:txBody>
+      </p:sp>
+      <p:sp>
+        <p:nvSpPr>
+          <p:cNvPr id="16" name="Rectangle 15"/>
+          <p:cNvSpPr/>
+          <p:nvPr/>
+        </p:nvSpPr>
+        <p:spPr>
+          <a:xfrm>
+            <a:off x="328801" y="518218"/>
+            <a:ext cx="2312753" cy="163394"/>
+          </a:xfrm>
+          <a:prstGeom prst="rect">
+            <a:avLst/>
+          </a:prstGeom>
+        </p:spPr>
+        <p:style>
+          <a:lnRef idx="1">
+            <a:schemeClr val="accent3"/>
+          </a:lnRef>
+          <a:fillRef idx="3">
+            <a:schemeClr val="accent3"/>
+          </a:fillRef>
+          <a:effectRef idx="2">
+            <a:schemeClr val="accent3"/>
+          </a:effectRef>
+          <a:fontRef idx="minor">
+            <a:schemeClr val="lt1"/>
+          </a:fontRef>
+        </p:style>
+        <p:txBody>
+          <a:bodyPr rot="0" spcFirstLastPara="0" vertOverflow="overflow" horzOverflow="overflow" vert="horz" wrap="square" lIns="91440" tIns="45720" rIns="91440" bIns="45720" numCol="1" spcCol="0" rtlCol="0" fromWordArt="0" anchor="ctr" anchorCtr="0" forceAA="0" compatLnSpc="1">
+            <a:prstTxWarp prst="textNoShape">
+              <a:avLst/>
+            </a:prstTxWarp>
+            <a:noAutofit/>
+          </a:bodyPr>
+          <a:lstStyle/>
+          <a:p>
+            <a:pPr algn="ctr"/>
+            <a:endParaRPr lang="en-US"/>
+          </a:p>
+        </p:txBody>
+      </p:sp>
     </p:spTree>
     <p:extLst>
       <p:ext uri="{BB962C8B-B14F-4D97-AF65-F5344CB8AC3E}">

--- a/GraphicDesign.pptx
+++ b/GraphicDesign.pptx
@@ -3737,7 +3737,7 @@
           <a:lstStyle/>
           <a:p>
             <a:pPr algn="ctr"/>
-            <a:endParaRPr lang="en-US"/>
+            <a:endParaRPr lang="en-US" dirty="0"/>
           </a:p>
         </p:txBody>
       </p:sp>
@@ -3853,7 +3853,7 @@
         </p:blipFill>
         <p:spPr>
           <a:xfrm>
-            <a:off x="2211400" y="3139846"/>
+            <a:off x="1326486" y="3151041"/>
             <a:ext cx="407665" cy="407665"/>
           </a:xfrm>
           <a:prstGeom prst="rect">
@@ -3877,7 +3877,7 @@
         </p:blipFill>
         <p:spPr>
           <a:xfrm flipH="1">
-            <a:off x="1452401" y="3139846"/>
+            <a:off x="805075" y="3151041"/>
             <a:ext cx="407665" cy="407665"/>
           </a:xfrm>
           <a:prstGeom prst="rect">
@@ -3901,7 +3901,7 @@
         </p:blipFill>
         <p:spPr>
           <a:xfrm>
-            <a:off x="6327550" y="3144113"/>
+            <a:off x="2319535" y="3151041"/>
             <a:ext cx="403398" cy="403398"/>
           </a:xfrm>
           <a:prstGeom prst="rect">
@@ -3925,7 +3925,7 @@
         </p:blipFill>
         <p:spPr>
           <a:xfrm flipH="1">
-            <a:off x="5636013" y="3144113"/>
+            <a:off x="1858779" y="3151041"/>
             <a:ext cx="403398" cy="403398"/>
           </a:xfrm>
           <a:prstGeom prst="rect">
@@ -3949,7 +3949,7 @@
         </p:blipFill>
         <p:spPr>
           <a:xfrm>
-            <a:off x="336704" y="3148380"/>
+            <a:off x="230182" y="3162139"/>
             <a:ext cx="404761" cy="404761"/>
           </a:xfrm>
           <a:prstGeom prst="rect">
@@ -3973,7 +3973,7 @@
         </p:blipFill>
         <p:spPr>
           <a:xfrm>
-            <a:off x="7187396" y="3148379"/>
+            <a:off x="5622431" y="3159575"/>
             <a:ext cx="395668" cy="399131"/>
           </a:xfrm>
           <a:prstGeom prst="rect">
@@ -3997,32 +3997,8 @@
         </p:blipFill>
         <p:spPr>
           <a:xfrm>
-            <a:off x="7804304" y="3139351"/>
+            <a:off x="6247527" y="3159575"/>
             <a:ext cx="401576" cy="408159"/>
-          </a:xfrm>
-          <a:prstGeom prst="rect">
-            <a:avLst/>
-          </a:prstGeom>
-        </p:spPr>
-      </p:pic>
-      <p:pic>
-        <p:nvPicPr>
-          <p:cNvPr id="53" name="Picture 52"/>
-          <p:cNvPicPr>
-            <a:picLocks noChangeAspect="1"/>
-          </p:cNvPicPr>
-          <p:nvPr/>
-        </p:nvPicPr>
-        <p:blipFill>
-          <a:blip r:embed="rId10"/>
-          <a:stretch>
-            <a:fillRect/>
-          </a:stretch>
-        </p:blipFill>
-        <p:spPr>
-          <a:xfrm>
-            <a:off x="4150888" y="3139846"/>
-            <a:ext cx="403399" cy="414593"/>
           </a:xfrm>
           <a:prstGeom prst="rect">
             <a:avLst/>
@@ -4259,7 +4235,7 @@
             <p:nvPr/>
           </p:nvPicPr>
           <p:blipFill>
-            <a:blip r:embed="rId11"/>
+            <a:blip r:embed="rId10"/>
             <a:stretch>
               <a:fillRect/>
             </a:stretch>
@@ -4275,6 +4251,380 @@
           </p:spPr>
         </p:pic>
       </p:grpSp>
+      <p:cxnSp>
+        <p:nvCxnSpPr>
+          <p:cNvPr id="29" name="Straight Connector 28"/>
+          <p:cNvCxnSpPr/>
+          <p:nvPr/>
+        </p:nvCxnSpPr>
+        <p:spPr>
+          <a:xfrm>
+            <a:off x="2848073" y="3031647"/>
+            <a:ext cx="0" cy="693839"/>
+          </a:xfrm>
+          <a:prstGeom prst="line">
+            <a:avLst/>
+          </a:prstGeom>
+          <a:ln w="9525" cmpd="sng">
+            <a:solidFill>
+              <a:schemeClr val="bg1">
+                <a:lumMod val="50000"/>
+              </a:schemeClr>
+            </a:solidFill>
+            <a:prstDash val="lgDash"/>
+          </a:ln>
+        </p:spPr>
+        <p:style>
+          <a:lnRef idx="2">
+            <a:schemeClr val="accent1"/>
+          </a:lnRef>
+          <a:fillRef idx="0">
+            <a:schemeClr val="accent1"/>
+          </a:fillRef>
+          <a:effectRef idx="1">
+            <a:schemeClr val="accent1"/>
+          </a:effectRef>
+          <a:fontRef idx="minor">
+            <a:schemeClr val="tx1"/>
+          </a:fontRef>
+        </p:style>
+      </p:cxnSp>
+      <p:cxnSp>
+        <p:nvCxnSpPr>
+          <p:cNvPr id="31" name="Straight Connector 30"/>
+          <p:cNvCxnSpPr/>
+          <p:nvPr/>
+        </p:nvCxnSpPr>
+        <p:spPr>
+          <a:xfrm>
+            <a:off x="5335634" y="3031647"/>
+            <a:ext cx="0" cy="693839"/>
+          </a:xfrm>
+          <a:prstGeom prst="line">
+            <a:avLst/>
+          </a:prstGeom>
+          <a:ln w="9525" cmpd="sng">
+            <a:solidFill>
+              <a:schemeClr val="bg1">
+                <a:lumMod val="50000"/>
+              </a:schemeClr>
+            </a:solidFill>
+            <a:prstDash val="lgDash"/>
+          </a:ln>
+        </p:spPr>
+        <p:style>
+          <a:lnRef idx="2">
+            <a:schemeClr val="accent1"/>
+          </a:lnRef>
+          <a:fillRef idx="0">
+            <a:schemeClr val="accent1"/>
+          </a:fillRef>
+          <a:effectRef idx="1">
+            <a:schemeClr val="accent1"/>
+          </a:effectRef>
+          <a:fontRef idx="minor">
+            <a:schemeClr val="tx1"/>
+          </a:fontRef>
+        </p:style>
+      </p:cxnSp>
+      <p:cxnSp>
+        <p:nvCxnSpPr>
+          <p:cNvPr id="32" name="Straight Connector 31"/>
+          <p:cNvCxnSpPr/>
+          <p:nvPr/>
+        </p:nvCxnSpPr>
+        <p:spPr>
+          <a:xfrm>
+            <a:off x="6905518" y="2992193"/>
+            <a:ext cx="0" cy="693839"/>
+          </a:xfrm>
+          <a:prstGeom prst="line">
+            <a:avLst/>
+          </a:prstGeom>
+          <a:ln w="9525" cmpd="sng">
+            <a:solidFill>
+              <a:schemeClr val="bg1">
+                <a:lumMod val="50000"/>
+              </a:schemeClr>
+            </a:solidFill>
+            <a:prstDash val="lgDash"/>
+          </a:ln>
+        </p:spPr>
+        <p:style>
+          <a:lnRef idx="2">
+            <a:schemeClr val="accent1"/>
+          </a:lnRef>
+          <a:fillRef idx="0">
+            <a:schemeClr val="accent1"/>
+          </a:fillRef>
+          <a:effectRef idx="1">
+            <a:schemeClr val="accent1"/>
+          </a:effectRef>
+          <a:fontRef idx="minor">
+            <a:schemeClr val="tx1"/>
+          </a:fontRef>
+        </p:style>
+      </p:cxnSp>
+      <p:sp>
+        <p:nvSpPr>
+          <p:cNvPr id="15" name="TextBox 14"/>
+          <p:cNvSpPr txBox="1"/>
+          <p:nvPr/>
+        </p:nvSpPr>
+        <p:spPr>
+          <a:xfrm>
+            <a:off x="-4320" y="2965823"/>
+            <a:ext cx="630903" cy="215444"/>
+          </a:xfrm>
+          <a:prstGeom prst="rect">
+            <a:avLst/>
+          </a:prstGeom>
+          <a:noFill/>
+        </p:spPr>
+        <p:txBody>
+          <a:bodyPr wrap="square" rtlCol="0">
+            <a:spAutoFit/>
+          </a:bodyPr>
+          <a:lstStyle/>
+          <a:p>
+            <a:r>
+              <a:rPr lang="en-US" sz="800" dirty="0" smtClean="0">
+                <a:solidFill>
+                  <a:schemeClr val="tx1">
+                    <a:lumMod val="65000"/>
+                    <a:lumOff val="35000"/>
+                  </a:schemeClr>
+                </a:solidFill>
+                <a:latin typeface="Arial"/>
+                <a:cs typeface="Arial"/>
+              </a:rPr>
+              <a:t>REPEAT</a:t>
+            </a:r>
+            <a:endParaRPr lang="en-US" sz="800" dirty="0">
+              <a:solidFill>
+                <a:schemeClr val="tx1">
+                  <a:lumMod val="65000"/>
+                  <a:lumOff val="35000"/>
+                </a:schemeClr>
+              </a:solidFill>
+              <a:latin typeface="Arial"/>
+              <a:cs typeface="Arial"/>
+            </a:endParaRPr>
+          </a:p>
+        </p:txBody>
+      </p:sp>
+      <p:sp>
+        <p:nvSpPr>
+          <p:cNvPr id="33" name="TextBox 32"/>
+          <p:cNvSpPr txBox="1"/>
+          <p:nvPr/>
+        </p:nvSpPr>
+        <p:spPr>
+          <a:xfrm>
+            <a:off x="2794756" y="2965823"/>
+            <a:ext cx="630903" cy="215444"/>
+          </a:xfrm>
+          <a:prstGeom prst="rect">
+            <a:avLst/>
+          </a:prstGeom>
+          <a:noFill/>
+        </p:spPr>
+        <p:txBody>
+          <a:bodyPr wrap="square" rtlCol="0">
+            <a:spAutoFit/>
+          </a:bodyPr>
+          <a:lstStyle/>
+          <a:p>
+            <a:r>
+              <a:rPr lang="en-US" sz="800" dirty="0" smtClean="0">
+                <a:solidFill>
+                  <a:schemeClr val="tx1">
+                    <a:lumMod val="65000"/>
+                    <a:lumOff val="35000"/>
+                  </a:schemeClr>
+                </a:solidFill>
+                <a:latin typeface="Arial"/>
+                <a:cs typeface="Arial"/>
+              </a:rPr>
+              <a:t>PLAY</a:t>
+            </a:r>
+            <a:endParaRPr lang="en-US" sz="800" dirty="0">
+              <a:solidFill>
+                <a:schemeClr val="tx1">
+                  <a:lumMod val="65000"/>
+                  <a:lumOff val="35000"/>
+                </a:schemeClr>
+              </a:solidFill>
+              <a:latin typeface="Arial"/>
+              <a:cs typeface="Arial"/>
+            </a:endParaRPr>
+          </a:p>
+        </p:txBody>
+      </p:sp>
+      <p:sp>
+        <p:nvSpPr>
+          <p:cNvPr id="34" name="TextBox 33"/>
+          <p:cNvSpPr txBox="1"/>
+          <p:nvPr/>
+        </p:nvSpPr>
+        <p:spPr>
+          <a:xfrm>
+            <a:off x="5282397" y="2969531"/>
+            <a:ext cx="630903" cy="215444"/>
+          </a:xfrm>
+          <a:prstGeom prst="rect">
+            <a:avLst/>
+          </a:prstGeom>
+          <a:noFill/>
+        </p:spPr>
+        <p:txBody>
+          <a:bodyPr wrap="square" rtlCol="0">
+            <a:spAutoFit/>
+          </a:bodyPr>
+          <a:lstStyle/>
+          <a:p>
+            <a:r>
+              <a:rPr lang="en-US" sz="800" dirty="0" smtClean="0">
+                <a:solidFill>
+                  <a:schemeClr val="tx1">
+                    <a:lumMod val="65000"/>
+                    <a:lumOff val="35000"/>
+                  </a:schemeClr>
+                </a:solidFill>
+                <a:latin typeface="Arial"/>
+                <a:cs typeface="Arial"/>
+              </a:rPr>
+              <a:t>HANDS</a:t>
+            </a:r>
+            <a:endParaRPr lang="en-US" sz="800" dirty="0">
+              <a:solidFill>
+                <a:schemeClr val="tx1">
+                  <a:lumMod val="65000"/>
+                  <a:lumOff val="35000"/>
+                </a:schemeClr>
+              </a:solidFill>
+              <a:latin typeface="Arial"/>
+              <a:cs typeface="Arial"/>
+            </a:endParaRPr>
+          </a:p>
+        </p:txBody>
+      </p:sp>
+      <p:sp>
+        <p:nvSpPr>
+          <p:cNvPr id="35" name="TextBox 34"/>
+          <p:cNvSpPr txBox="1"/>
+          <p:nvPr/>
+        </p:nvSpPr>
+        <p:spPr>
+          <a:xfrm>
+            <a:off x="6839966" y="2965823"/>
+            <a:ext cx="630903" cy="215444"/>
+          </a:xfrm>
+          <a:prstGeom prst="rect">
+            <a:avLst/>
+          </a:prstGeom>
+          <a:noFill/>
+        </p:spPr>
+        <p:txBody>
+          <a:bodyPr wrap="square" rtlCol="0">
+            <a:spAutoFit/>
+          </a:bodyPr>
+          <a:lstStyle/>
+          <a:p>
+            <a:r>
+              <a:rPr lang="en-US" sz="800" dirty="0" smtClean="0">
+                <a:solidFill>
+                  <a:schemeClr val="tx1">
+                    <a:lumMod val="65000"/>
+                    <a:lumOff val="35000"/>
+                  </a:schemeClr>
+                </a:solidFill>
+                <a:latin typeface="Arial"/>
+                <a:cs typeface="Arial"/>
+              </a:rPr>
+              <a:t>TEMPO</a:t>
+            </a:r>
+            <a:endParaRPr lang="en-US" sz="800" dirty="0">
+              <a:solidFill>
+                <a:schemeClr val="tx1">
+                  <a:lumMod val="65000"/>
+                  <a:lumOff val="35000"/>
+                </a:schemeClr>
+              </a:solidFill>
+              <a:latin typeface="Arial"/>
+              <a:cs typeface="Arial"/>
+            </a:endParaRPr>
+          </a:p>
+        </p:txBody>
+      </p:sp>
+      <p:cxnSp>
+        <p:nvCxnSpPr>
+          <p:cNvPr id="22" name="Straight Connector 21"/>
+          <p:cNvCxnSpPr/>
+          <p:nvPr/>
+        </p:nvCxnSpPr>
+        <p:spPr>
+          <a:xfrm>
+            <a:off x="7230753" y="3375741"/>
+            <a:ext cx="1397053" cy="0"/>
+          </a:xfrm>
+          <a:prstGeom prst="line">
+            <a:avLst/>
+          </a:prstGeom>
+        </p:spPr>
+        <p:style>
+          <a:lnRef idx="3">
+            <a:schemeClr val="accent1"/>
+          </a:lnRef>
+          <a:fillRef idx="0">
+            <a:schemeClr val="accent1"/>
+          </a:fillRef>
+          <a:effectRef idx="2">
+            <a:schemeClr val="accent1"/>
+          </a:effectRef>
+          <a:fontRef idx="minor">
+            <a:schemeClr val="tx1"/>
+          </a:fontRef>
+        </p:style>
+      </p:cxnSp>
+      <p:sp>
+        <p:nvSpPr>
+          <p:cNvPr id="38" name="Oval 37"/>
+          <p:cNvSpPr/>
+          <p:nvPr/>
+        </p:nvSpPr>
+        <p:spPr>
+          <a:xfrm>
+            <a:off x="7650334" y="3326579"/>
+            <a:ext cx="104799" cy="90129"/>
+          </a:xfrm>
+          <a:prstGeom prst="ellipse">
+            <a:avLst/>
+          </a:prstGeom>
+        </p:spPr>
+        <p:style>
+          <a:lnRef idx="1">
+            <a:schemeClr val="dk1"/>
+          </a:lnRef>
+          <a:fillRef idx="2">
+            <a:schemeClr val="dk1"/>
+          </a:fillRef>
+          <a:effectRef idx="1">
+            <a:schemeClr val="dk1"/>
+          </a:effectRef>
+          <a:fontRef idx="minor">
+            <a:schemeClr val="dk1"/>
+          </a:fontRef>
+        </p:style>
+        <p:txBody>
+          <a:bodyPr rtlCol="0" anchor="ctr"/>
+          <a:lstStyle/>
+          <a:p>
+            <a:pPr algn="ctr"/>
+            <a:endParaRPr lang="en-US"/>
+          </a:p>
+        </p:txBody>
+      </p:sp>
     </p:spTree>
     <p:extLst>
       <p:ext uri="{BB962C8B-B14F-4D97-AF65-F5344CB8AC3E}">
@@ -5116,6 +5466,54 @@
           </a:p>
         </p:txBody>
       </p:sp>
+      <p:pic>
+        <p:nvPicPr>
+          <p:cNvPr id="2" name="Picture 1"/>
+          <p:cNvPicPr>
+            <a:picLocks noChangeAspect="1"/>
+          </p:cNvPicPr>
+          <p:nvPr/>
+        </p:nvPicPr>
+        <p:blipFill>
+          <a:blip r:embed="rId8"/>
+          <a:stretch>
+            <a:fillRect/>
+          </a:stretch>
+        </p:blipFill>
+        <p:spPr>
+          <a:xfrm>
+            <a:off x="256049" y="5763752"/>
+            <a:ext cx="2921000" cy="736600"/>
+          </a:xfrm>
+          <a:prstGeom prst="rect">
+            <a:avLst/>
+          </a:prstGeom>
+        </p:spPr>
+      </p:pic>
+      <p:pic>
+        <p:nvPicPr>
+          <p:cNvPr id="17" name="Picture 16"/>
+          <p:cNvPicPr>
+            <a:picLocks noChangeAspect="1"/>
+          </p:cNvPicPr>
+          <p:nvPr/>
+        </p:nvPicPr>
+        <p:blipFill>
+          <a:blip r:embed="rId9"/>
+          <a:stretch>
+            <a:fillRect/>
+          </a:stretch>
+        </p:blipFill>
+        <p:spPr>
+          <a:xfrm>
+            <a:off x="1934179" y="3229148"/>
+            <a:ext cx="403399" cy="414593"/>
+          </a:xfrm>
+          <a:prstGeom prst="rect">
+            <a:avLst/>
+          </a:prstGeom>
+        </p:spPr>
+      </p:pic>
     </p:spTree>
     <p:extLst>
       <p:ext uri="{BB962C8B-B14F-4D97-AF65-F5344CB8AC3E}">

--- a/GraphicDesign.pptx
+++ b/GraphicDesign.pptx
@@ -3107,14 +3107,14 @@
           <p:nvPr>
             <p:extLst>
               <p:ext uri="{D42A27DB-BD31-4B8C-83A1-F6EECF244321}">
-                <p14:modId xmlns:p14="http://schemas.microsoft.com/office/powerpoint/2010/main" val="878039547"/>
+                <p14:modId xmlns:p14="http://schemas.microsoft.com/office/powerpoint/2010/main" val="548923217"/>
               </p:ext>
             </p:extLst>
           </p:nvPr>
         </p:nvGraphicFramePr>
         <p:xfrm>
-          <a:off x="56000" y="2633115"/>
-          <a:ext cx="9014250" cy="367272"/>
+          <a:off x="54683" y="2542981"/>
+          <a:ext cx="9014250" cy="472278"/>
         </p:xfrm>
         <a:graphic>
           <a:graphicData uri="http://schemas.openxmlformats.org/drawingml/2006/table">
@@ -3149,18 +3149,28 @@
                 <a:gridCol w="402996"/>
                 <a:gridCol w="318144"/>
               </a:tblGrid>
-              <a:tr h="367272">
+              <a:tr h="472278">
                 <a:tc>
                   <a:txBody>
                     <a:bodyPr/>
                     <a:lstStyle/>
                     <a:p>
-                      <a:pPr algn="ctr"/>
+                      <a:pPr algn="ctr">
+                        <a:lnSpc>
+                          <a:spcPct val="150000"/>
+                        </a:lnSpc>
+                      </a:pPr>
                       <a:r>
-                        <a:rPr lang="en-US" sz="1200" dirty="0" smtClean="0"/>
+                        <a:rPr lang="en-US" sz="1200" dirty="0" smtClean="0">
+                          <a:latin typeface="Arial"/>
+                          <a:cs typeface="Arial"/>
+                        </a:rPr>
                         <a:t>1</a:t>
                       </a:r>
-                      <a:endParaRPr lang="en-US" sz="1200" dirty="0"/>
+                      <a:endParaRPr lang="en-US" sz="1200" dirty="0">
+                        <a:latin typeface="Arial"/>
+                        <a:cs typeface="Arial"/>
+                      </a:endParaRPr>
                     </a:p>
                   </a:txBody>
                   <a:tcPr>
@@ -3176,12 +3186,22 @@
                     <a:bodyPr/>
                     <a:lstStyle/>
                     <a:p>
-                      <a:pPr algn="ctr"/>
+                      <a:pPr algn="ctr">
+                        <a:lnSpc>
+                          <a:spcPct val="150000"/>
+                        </a:lnSpc>
+                      </a:pPr>
                       <a:r>
-                        <a:rPr lang="en-US" sz="1200" dirty="0" smtClean="0"/>
+                        <a:rPr lang="en-US" sz="1200" dirty="0" smtClean="0">
+                          <a:latin typeface="Arial"/>
+                          <a:cs typeface="Arial"/>
+                        </a:rPr>
                         <a:t>2</a:t>
                       </a:r>
-                      <a:endParaRPr lang="en-US" sz="1200" dirty="0"/>
+                      <a:endParaRPr lang="en-US" sz="1200" dirty="0">
+                        <a:latin typeface="Arial"/>
+                        <a:cs typeface="Arial"/>
+                      </a:endParaRPr>
                     </a:p>
                   </a:txBody>
                   <a:tcPr>
@@ -3197,12 +3217,22 @@
                     <a:bodyPr/>
                     <a:lstStyle/>
                     <a:p>
-                      <a:pPr algn="ctr"/>
+                      <a:pPr algn="ctr">
+                        <a:lnSpc>
+                          <a:spcPct val="150000"/>
+                        </a:lnSpc>
+                      </a:pPr>
                       <a:r>
-                        <a:rPr lang="en-US" sz="1200" dirty="0" smtClean="0"/>
+                        <a:rPr lang="en-US" sz="1200" dirty="0" smtClean="0">
+                          <a:latin typeface="Arial"/>
+                          <a:cs typeface="Arial"/>
+                        </a:rPr>
                         <a:t>3</a:t>
                       </a:r>
-                      <a:endParaRPr lang="en-US" sz="1200" dirty="0"/>
+                      <a:endParaRPr lang="en-US" sz="1200" dirty="0">
+                        <a:latin typeface="Arial"/>
+                        <a:cs typeface="Arial"/>
+                      </a:endParaRPr>
                     </a:p>
                   </a:txBody>
                   <a:tcPr>
@@ -3218,12 +3248,22 @@
                     <a:bodyPr/>
                     <a:lstStyle/>
                     <a:p>
-                      <a:pPr algn="ctr"/>
+                      <a:pPr algn="ctr">
+                        <a:lnSpc>
+                          <a:spcPct val="150000"/>
+                        </a:lnSpc>
+                      </a:pPr>
                       <a:r>
-                        <a:rPr lang="en-US" sz="1200" dirty="0" smtClean="0"/>
+                        <a:rPr lang="en-US" sz="1200" dirty="0" smtClean="0">
+                          <a:latin typeface="Arial"/>
+                          <a:cs typeface="Arial"/>
+                        </a:rPr>
                         <a:t>4</a:t>
                       </a:r>
-                      <a:endParaRPr lang="en-US" sz="1200" dirty="0"/>
+                      <a:endParaRPr lang="en-US" sz="1200" dirty="0">
+                        <a:latin typeface="Arial"/>
+                        <a:cs typeface="Arial"/>
+                      </a:endParaRPr>
                     </a:p>
                   </a:txBody>
                   <a:tcPr>
@@ -3239,12 +3279,22 @@
                     <a:bodyPr/>
                     <a:lstStyle/>
                     <a:p>
-                      <a:pPr algn="ctr"/>
+                      <a:pPr algn="ctr">
+                        <a:lnSpc>
+                          <a:spcPct val="150000"/>
+                        </a:lnSpc>
+                      </a:pPr>
                       <a:r>
-                        <a:rPr lang="en-US" sz="1200" dirty="0" smtClean="0"/>
+                        <a:rPr lang="en-US" sz="1200" dirty="0" smtClean="0">
+                          <a:latin typeface="Arial"/>
+                          <a:cs typeface="Arial"/>
+                        </a:rPr>
                         <a:t>5</a:t>
                       </a:r>
-                      <a:endParaRPr lang="en-US" sz="1200" dirty="0"/>
+                      <a:endParaRPr lang="en-US" sz="1200" dirty="0">
+                        <a:latin typeface="Arial"/>
+                        <a:cs typeface="Arial"/>
+                      </a:endParaRPr>
                     </a:p>
                   </a:txBody>
                   <a:tcPr>
@@ -3260,12 +3310,22 @@
                     <a:bodyPr/>
                     <a:lstStyle/>
                     <a:p>
-                      <a:pPr algn="ctr"/>
+                      <a:pPr algn="ctr">
+                        <a:lnSpc>
+                          <a:spcPct val="150000"/>
+                        </a:lnSpc>
+                      </a:pPr>
                       <a:r>
-                        <a:rPr lang="en-US" sz="1200" dirty="0" smtClean="0"/>
+                        <a:rPr lang="en-US" sz="1200" dirty="0" smtClean="0">
+                          <a:latin typeface="Arial"/>
+                          <a:cs typeface="Arial"/>
+                        </a:rPr>
                         <a:t>6</a:t>
                       </a:r>
-                      <a:endParaRPr lang="en-US" sz="1200" dirty="0"/>
+                      <a:endParaRPr lang="en-US" sz="1200" dirty="0">
+                        <a:latin typeface="Arial"/>
+                        <a:cs typeface="Arial"/>
+                      </a:endParaRPr>
                     </a:p>
                   </a:txBody>
                   <a:tcPr>
@@ -3281,12 +3341,22 @@
                     <a:bodyPr/>
                     <a:lstStyle/>
                     <a:p>
-                      <a:pPr algn="ctr"/>
+                      <a:pPr algn="ctr">
+                        <a:lnSpc>
+                          <a:spcPct val="150000"/>
+                        </a:lnSpc>
+                      </a:pPr>
                       <a:r>
-                        <a:rPr lang="en-US" sz="1200" dirty="0" smtClean="0"/>
+                        <a:rPr lang="en-US" sz="1200" dirty="0" smtClean="0">
+                          <a:latin typeface="Arial"/>
+                          <a:cs typeface="Arial"/>
+                        </a:rPr>
                         <a:t>7</a:t>
                       </a:r>
-                      <a:endParaRPr lang="en-US" sz="1200" dirty="0"/>
+                      <a:endParaRPr lang="en-US" sz="1200" dirty="0">
+                        <a:latin typeface="Arial"/>
+                        <a:cs typeface="Arial"/>
+                      </a:endParaRPr>
                     </a:p>
                   </a:txBody>
                   <a:tcPr>
@@ -3302,12 +3372,22 @@
                     <a:bodyPr/>
                     <a:lstStyle/>
                     <a:p>
-                      <a:pPr algn="ctr"/>
+                      <a:pPr algn="ctr">
+                        <a:lnSpc>
+                          <a:spcPct val="150000"/>
+                        </a:lnSpc>
+                      </a:pPr>
                       <a:r>
-                        <a:rPr lang="en-US" sz="1200" dirty="0" smtClean="0"/>
+                        <a:rPr lang="en-US" sz="1200" dirty="0" smtClean="0">
+                          <a:latin typeface="Arial"/>
+                          <a:cs typeface="Arial"/>
+                        </a:rPr>
                         <a:t>8</a:t>
                       </a:r>
-                      <a:endParaRPr lang="en-US" sz="1200" dirty="0"/>
+                      <a:endParaRPr lang="en-US" sz="1200" dirty="0">
+                        <a:latin typeface="Arial"/>
+                        <a:cs typeface="Arial"/>
+                      </a:endParaRPr>
                     </a:p>
                   </a:txBody>
                   <a:tcPr>
@@ -3323,12 +3403,22 @@
                     <a:bodyPr/>
                     <a:lstStyle/>
                     <a:p>
-                      <a:pPr algn="ctr"/>
+                      <a:pPr algn="ctr">
+                        <a:lnSpc>
+                          <a:spcPct val="150000"/>
+                        </a:lnSpc>
+                      </a:pPr>
                       <a:r>
-                        <a:rPr lang="en-US" sz="1200" dirty="0" smtClean="0"/>
+                        <a:rPr lang="en-US" sz="1200" dirty="0" smtClean="0">
+                          <a:latin typeface="Arial"/>
+                          <a:cs typeface="Arial"/>
+                        </a:rPr>
                         <a:t>9</a:t>
                       </a:r>
-                      <a:endParaRPr lang="en-US" sz="1200" dirty="0"/>
+                      <a:endParaRPr lang="en-US" sz="1200" dirty="0">
+                        <a:latin typeface="Arial"/>
+                        <a:cs typeface="Arial"/>
+                      </a:endParaRPr>
                     </a:p>
                   </a:txBody>
                   <a:tcPr>
@@ -3344,12 +3434,22 @@
                     <a:bodyPr/>
                     <a:lstStyle/>
                     <a:p>
-                      <a:pPr algn="ctr"/>
+                      <a:pPr algn="ctr">
+                        <a:lnSpc>
+                          <a:spcPct val="150000"/>
+                        </a:lnSpc>
+                      </a:pPr>
                       <a:r>
-                        <a:rPr lang="en-US" sz="1200" dirty="0" smtClean="0"/>
+                        <a:rPr lang="en-US" sz="1200" dirty="0" smtClean="0">
+                          <a:latin typeface="Arial"/>
+                          <a:cs typeface="Arial"/>
+                        </a:rPr>
                         <a:t>10</a:t>
                       </a:r>
-                      <a:endParaRPr lang="en-US" sz="1200" dirty="0"/>
+                      <a:endParaRPr lang="en-US" sz="1200" dirty="0">
+                        <a:latin typeface="Arial"/>
+                        <a:cs typeface="Arial"/>
+                      </a:endParaRPr>
                     </a:p>
                   </a:txBody>
                   <a:tcPr>
@@ -3365,9 +3465,16 @@
                     <a:bodyPr/>
                     <a:lstStyle/>
                     <a:p>
-                      <a:pPr algn="ctr"/>
+                      <a:pPr algn="ctr">
+                        <a:lnSpc>
+                          <a:spcPct val="150000"/>
+                        </a:lnSpc>
+                      </a:pPr>
                       <a:r>
-                        <a:rPr lang="en-US" sz="1200" dirty="0" smtClean="0"/>
+                        <a:rPr lang="en-US" sz="1200" dirty="0" smtClean="0">
+                          <a:latin typeface="Arial"/>
+                          <a:cs typeface="Arial"/>
+                        </a:rPr>
                         <a:t>11</a:t>
                       </a:r>
                     </a:p>
@@ -3385,12 +3492,22 @@
                     <a:bodyPr/>
                     <a:lstStyle/>
                     <a:p>
-                      <a:pPr algn="ctr"/>
+                      <a:pPr algn="ctr">
+                        <a:lnSpc>
+                          <a:spcPct val="150000"/>
+                        </a:lnSpc>
+                      </a:pPr>
                       <a:r>
-                        <a:rPr lang="en-US" sz="1200" dirty="0" smtClean="0"/>
+                        <a:rPr lang="en-US" sz="1200" dirty="0" smtClean="0">
+                          <a:latin typeface="Arial"/>
+                          <a:cs typeface="Arial"/>
+                        </a:rPr>
                         <a:t>12</a:t>
                       </a:r>
-                      <a:endParaRPr lang="en-US" sz="1200" dirty="0"/>
+                      <a:endParaRPr lang="en-US" sz="1200" dirty="0">
+                        <a:latin typeface="Arial"/>
+                        <a:cs typeface="Arial"/>
+                      </a:endParaRPr>
                     </a:p>
                   </a:txBody>
                   <a:tcPr>
@@ -3406,12 +3523,22 @@
                     <a:bodyPr/>
                     <a:lstStyle/>
                     <a:p>
-                      <a:pPr algn="ctr"/>
+                      <a:pPr algn="ctr">
+                        <a:lnSpc>
+                          <a:spcPct val="150000"/>
+                        </a:lnSpc>
+                      </a:pPr>
                       <a:r>
-                        <a:rPr lang="en-US" sz="1200" dirty="0" smtClean="0"/>
+                        <a:rPr lang="en-US" sz="1200" dirty="0" smtClean="0">
+                          <a:latin typeface="Arial"/>
+                          <a:cs typeface="Arial"/>
+                        </a:rPr>
                         <a:t>13</a:t>
                       </a:r>
-                      <a:endParaRPr lang="en-US" sz="1200" dirty="0"/>
+                      <a:endParaRPr lang="en-US" sz="1200" dirty="0">
+                        <a:latin typeface="Arial"/>
+                        <a:cs typeface="Arial"/>
+                      </a:endParaRPr>
                     </a:p>
                   </a:txBody>
                   <a:tcPr>
@@ -3427,12 +3554,22 @@
                     <a:bodyPr/>
                     <a:lstStyle/>
                     <a:p>
-                      <a:pPr algn="ctr"/>
+                      <a:pPr algn="ctr">
+                        <a:lnSpc>
+                          <a:spcPct val="150000"/>
+                        </a:lnSpc>
+                      </a:pPr>
                       <a:r>
-                        <a:rPr lang="en-US" sz="1200" dirty="0" smtClean="0"/>
+                        <a:rPr lang="en-US" sz="1200" dirty="0" smtClean="0">
+                          <a:latin typeface="Arial"/>
+                          <a:cs typeface="Arial"/>
+                        </a:rPr>
                         <a:t>14</a:t>
                       </a:r>
-                      <a:endParaRPr lang="en-US" sz="1200" dirty="0"/>
+                      <a:endParaRPr lang="en-US" sz="1200" dirty="0">
+                        <a:latin typeface="Arial"/>
+                        <a:cs typeface="Arial"/>
+                      </a:endParaRPr>
                     </a:p>
                   </a:txBody>
                   <a:tcPr>
@@ -3448,12 +3585,22 @@
                     <a:bodyPr/>
                     <a:lstStyle/>
                     <a:p>
-                      <a:pPr algn="ctr"/>
+                      <a:pPr algn="ctr">
+                        <a:lnSpc>
+                          <a:spcPct val="150000"/>
+                        </a:lnSpc>
+                      </a:pPr>
                       <a:r>
-                        <a:rPr lang="en-US" sz="1200" dirty="0" smtClean="0"/>
+                        <a:rPr lang="en-US" sz="1200" dirty="0" smtClean="0">
+                          <a:latin typeface="Arial"/>
+                          <a:cs typeface="Arial"/>
+                        </a:rPr>
                         <a:t>15</a:t>
                       </a:r>
-                      <a:endParaRPr lang="en-US" sz="1200" dirty="0"/>
+                      <a:endParaRPr lang="en-US" sz="1200" dirty="0">
+                        <a:latin typeface="Arial"/>
+                        <a:cs typeface="Arial"/>
+                      </a:endParaRPr>
                     </a:p>
                   </a:txBody>
                   <a:tcPr>
@@ -3469,12 +3616,22 @@
                     <a:bodyPr/>
                     <a:lstStyle/>
                     <a:p>
-                      <a:pPr algn="ctr"/>
+                      <a:pPr algn="ctr">
+                        <a:lnSpc>
+                          <a:spcPct val="150000"/>
+                        </a:lnSpc>
+                      </a:pPr>
                       <a:r>
-                        <a:rPr lang="en-US" sz="1200" dirty="0" smtClean="0"/>
+                        <a:rPr lang="en-US" sz="1200" dirty="0" smtClean="0">
+                          <a:latin typeface="Arial"/>
+                          <a:cs typeface="Arial"/>
+                        </a:rPr>
                         <a:t>16</a:t>
                       </a:r>
-                      <a:endParaRPr lang="en-US" sz="1200" dirty="0"/>
+                      <a:endParaRPr lang="en-US" sz="1200" dirty="0">
+                        <a:latin typeface="Arial"/>
+                        <a:cs typeface="Arial"/>
+                      </a:endParaRPr>
                     </a:p>
                   </a:txBody>
                   <a:tcPr>
@@ -3490,12 +3647,22 @@
                     <a:bodyPr/>
                     <a:lstStyle/>
                     <a:p>
-                      <a:pPr algn="ctr"/>
+                      <a:pPr algn="ctr">
+                        <a:lnSpc>
+                          <a:spcPct val="150000"/>
+                        </a:lnSpc>
+                      </a:pPr>
                       <a:r>
-                        <a:rPr lang="en-US" sz="1200" dirty="0" smtClean="0"/>
+                        <a:rPr lang="en-US" sz="1200" dirty="0" smtClean="0">
+                          <a:latin typeface="Arial"/>
+                          <a:cs typeface="Arial"/>
+                        </a:rPr>
                         <a:t>17</a:t>
                       </a:r>
-                      <a:endParaRPr lang="en-US" sz="1200" dirty="0"/>
+                      <a:endParaRPr lang="en-US" sz="1200" dirty="0">
+                        <a:latin typeface="Arial"/>
+                        <a:cs typeface="Arial"/>
+                      </a:endParaRPr>
                     </a:p>
                   </a:txBody>
                   <a:tcPr>
@@ -3511,12 +3678,22 @@
                     <a:bodyPr/>
                     <a:lstStyle/>
                     <a:p>
-                      <a:pPr algn="ctr"/>
+                      <a:pPr algn="ctr">
+                        <a:lnSpc>
+                          <a:spcPct val="150000"/>
+                        </a:lnSpc>
+                      </a:pPr>
                       <a:r>
-                        <a:rPr lang="en-US" sz="1200" dirty="0" smtClean="0"/>
+                        <a:rPr lang="en-US" sz="1200" dirty="0" smtClean="0">
+                          <a:latin typeface="Arial"/>
+                          <a:cs typeface="Arial"/>
+                        </a:rPr>
                         <a:t>18</a:t>
                       </a:r>
-                      <a:endParaRPr lang="en-US" sz="1200" dirty="0"/>
+                      <a:endParaRPr lang="en-US" sz="1200" dirty="0">
+                        <a:latin typeface="Arial"/>
+                        <a:cs typeface="Arial"/>
+                      </a:endParaRPr>
                     </a:p>
                   </a:txBody>
                   <a:tcPr>
@@ -3532,12 +3709,22 @@
                     <a:bodyPr/>
                     <a:lstStyle/>
                     <a:p>
-                      <a:pPr algn="ctr"/>
+                      <a:pPr algn="ctr">
+                        <a:lnSpc>
+                          <a:spcPct val="150000"/>
+                        </a:lnSpc>
+                      </a:pPr>
                       <a:r>
-                        <a:rPr lang="en-US" sz="1200" dirty="0" smtClean="0"/>
+                        <a:rPr lang="en-US" sz="1200" dirty="0" smtClean="0">
+                          <a:latin typeface="Arial"/>
+                          <a:cs typeface="Arial"/>
+                        </a:rPr>
                         <a:t>19</a:t>
                       </a:r>
-                      <a:endParaRPr lang="en-US" sz="1200" dirty="0"/>
+                      <a:endParaRPr lang="en-US" sz="1200" dirty="0">
+                        <a:latin typeface="Arial"/>
+                        <a:cs typeface="Arial"/>
+                      </a:endParaRPr>
                     </a:p>
                   </a:txBody>
                   <a:tcPr>
@@ -3553,12 +3740,22 @@
                     <a:bodyPr/>
                     <a:lstStyle/>
                     <a:p>
-                      <a:pPr algn="ctr"/>
+                      <a:pPr algn="ctr">
+                        <a:lnSpc>
+                          <a:spcPct val="150000"/>
+                        </a:lnSpc>
+                      </a:pPr>
                       <a:r>
-                        <a:rPr lang="en-US" sz="1200" dirty="0" smtClean="0"/>
+                        <a:rPr lang="en-US" sz="1200" dirty="0" smtClean="0">
+                          <a:latin typeface="Arial"/>
+                          <a:cs typeface="Arial"/>
+                        </a:rPr>
                         <a:t>20</a:t>
                       </a:r>
-                      <a:endParaRPr lang="en-US" sz="1200" dirty="0"/>
+                      <a:endParaRPr lang="en-US" sz="1200" dirty="0">
+                        <a:latin typeface="Arial"/>
+                        <a:cs typeface="Arial"/>
+                      </a:endParaRPr>
                     </a:p>
                   </a:txBody>
                   <a:tcPr>
@@ -3574,12 +3771,22 @@
                     <a:bodyPr/>
                     <a:lstStyle/>
                     <a:p>
-                      <a:pPr algn="ctr"/>
+                      <a:pPr algn="ctr">
+                        <a:lnSpc>
+                          <a:spcPct val="150000"/>
+                        </a:lnSpc>
+                      </a:pPr>
                       <a:r>
-                        <a:rPr lang="en-US" sz="1200" dirty="0" smtClean="0"/>
+                        <a:rPr lang="en-US" sz="1200" dirty="0" smtClean="0">
+                          <a:latin typeface="Arial"/>
+                          <a:cs typeface="Arial"/>
+                        </a:rPr>
                         <a:t>21</a:t>
                       </a:r>
-                      <a:endParaRPr lang="en-US" sz="1200" dirty="0"/>
+                      <a:endParaRPr lang="en-US" sz="1200" dirty="0">
+                        <a:latin typeface="Arial"/>
+                        <a:cs typeface="Arial"/>
+                      </a:endParaRPr>
                     </a:p>
                   </a:txBody>
                   <a:tcPr>
@@ -3595,12 +3802,22 @@
                     <a:bodyPr/>
                     <a:lstStyle/>
                     <a:p>
-                      <a:pPr algn="ctr"/>
+                      <a:pPr algn="ctr">
+                        <a:lnSpc>
+                          <a:spcPct val="150000"/>
+                        </a:lnSpc>
+                      </a:pPr>
                       <a:r>
-                        <a:rPr lang="en-US" sz="1200" dirty="0" smtClean="0"/>
+                        <a:rPr lang="en-US" sz="1200" dirty="0" smtClean="0">
+                          <a:latin typeface="Arial"/>
+                          <a:cs typeface="Arial"/>
+                        </a:rPr>
                         <a:t>22</a:t>
                       </a:r>
-                      <a:endParaRPr lang="en-US" sz="1200" dirty="0"/>
+                      <a:endParaRPr lang="en-US" sz="1200" dirty="0">
+                        <a:latin typeface="Arial"/>
+                        <a:cs typeface="Arial"/>
+                      </a:endParaRPr>
                     </a:p>
                   </a:txBody>
                   <a:tcPr>
@@ -3616,12 +3833,22 @@
                     <a:bodyPr/>
                     <a:lstStyle/>
                     <a:p>
-                      <a:pPr algn="ctr"/>
+                      <a:pPr algn="ctr">
+                        <a:lnSpc>
+                          <a:spcPct val="150000"/>
+                        </a:lnSpc>
+                      </a:pPr>
                       <a:r>
-                        <a:rPr lang="en-US" sz="1200" dirty="0" smtClean="0"/>
+                        <a:rPr lang="en-US" sz="1200" dirty="0" smtClean="0">
+                          <a:latin typeface="Arial"/>
+                          <a:cs typeface="Arial"/>
+                        </a:rPr>
                         <a:t>23</a:t>
                       </a:r>
-                      <a:endParaRPr lang="en-US" sz="1200" dirty="0"/>
+                      <a:endParaRPr lang="en-US" sz="1200" dirty="0">
+                        <a:latin typeface="Arial"/>
+                        <a:cs typeface="Arial"/>
+                      </a:endParaRPr>
                     </a:p>
                   </a:txBody>
                   <a:tcPr>
@@ -3637,12 +3864,22 @@
                     <a:bodyPr/>
                     <a:lstStyle/>
                     <a:p>
-                      <a:pPr algn="ctr"/>
+                      <a:pPr algn="ctr">
+                        <a:lnSpc>
+                          <a:spcPct val="150000"/>
+                        </a:lnSpc>
+                      </a:pPr>
                       <a:r>
-                        <a:rPr lang="en-US" sz="1200" dirty="0" smtClean="0"/>
+                        <a:rPr lang="en-US" sz="1200" dirty="0" smtClean="0">
+                          <a:latin typeface="Arial"/>
+                          <a:cs typeface="Arial"/>
+                        </a:rPr>
                         <a:t>24</a:t>
                       </a:r>
-                      <a:endParaRPr lang="en-US" sz="1200" dirty="0"/>
+                      <a:endParaRPr lang="en-US" sz="1200" dirty="0">
+                        <a:latin typeface="Arial"/>
+                        <a:cs typeface="Arial"/>
+                      </a:endParaRPr>
                     </a:p>
                   </a:txBody>
                   <a:tcPr>
@@ -3658,6 +3895,11 @@
                     <a:bodyPr/>
                     <a:lstStyle/>
                     <a:p>
+                      <a:pPr algn="ctr">
+                        <a:lnSpc>
+                          <a:spcPct val="150000"/>
+                        </a:lnSpc>
+                      </a:pPr>
                       <a:endParaRPr lang="en-US" sz="1200" dirty="0"/>
                     </a:p>
                   </a:txBody>
@@ -4013,7 +4255,7 @@
         </p:nvSpPr>
         <p:spPr>
           <a:xfrm>
-            <a:off x="56000" y="2409237"/>
+            <a:off x="56000" y="2327297"/>
             <a:ext cx="9025414" cy="215684"/>
           </a:xfrm>
           <a:prstGeom prst="rect">
@@ -4062,7 +4304,7 @@
         </p:nvSpPr>
         <p:spPr>
           <a:xfrm flipV="1">
-            <a:off x="330010" y="2432847"/>
+            <a:off x="330010" y="2350907"/>
             <a:ext cx="163953" cy="158326"/>
           </a:xfrm>
           <a:prstGeom prst="triangle">
@@ -4100,8 +4342,8 @@
         </p:nvSpPr>
         <p:spPr>
           <a:xfrm flipH="1" flipV="1">
-            <a:off x="2528047" y="2409236"/>
-            <a:ext cx="163953" cy="158326"/>
+            <a:off x="2495269" y="2350906"/>
+            <a:ext cx="163953" cy="192073"/>
           </a:xfrm>
           <a:prstGeom prst="triangle">
             <a:avLst/>
@@ -4140,13 +4382,13 @@
         </p:nvCxnSpPr>
         <p:spPr>
           <a:xfrm>
-            <a:off x="1312686" y="2626433"/>
-            <a:ext cx="0" cy="365760"/>
+            <a:off x="1558506" y="2542981"/>
+            <a:ext cx="0" cy="472278"/>
           </a:xfrm>
           <a:prstGeom prst="line">
             <a:avLst/>
           </a:prstGeom>
-          <a:ln>
+          <a:ln w="57150" cmpd="sng">
             <a:solidFill>
               <a:schemeClr val="accent3">
                 <a:lumMod val="50000"/>
@@ -4373,7 +4615,7 @@
         </p:nvSpPr>
         <p:spPr>
           <a:xfrm>
-            <a:off x="-4320" y="2965823"/>
+            <a:off x="-4320" y="2974017"/>
             <a:ext cx="630903" cy="215444"/>
           </a:xfrm>
           <a:prstGeom prst="rect">
@@ -4622,6 +4864,102 @@
           <a:p>
             <a:pPr algn="ctr"/>
             <a:endParaRPr lang="en-US"/>
+          </a:p>
+        </p:txBody>
+      </p:sp>
+      <p:sp>
+        <p:nvSpPr>
+          <p:cNvPr id="46" name="TextBox 45"/>
+          <p:cNvSpPr txBox="1"/>
+          <p:nvPr/>
+        </p:nvSpPr>
+        <p:spPr>
+          <a:xfrm>
+            <a:off x="1020198" y="2967611"/>
+            <a:ext cx="630903" cy="215444"/>
+          </a:xfrm>
+          <a:prstGeom prst="rect">
+            <a:avLst/>
+          </a:prstGeom>
+          <a:noFill/>
+        </p:spPr>
+        <p:txBody>
+          <a:bodyPr wrap="square" rtlCol="0">
+            <a:spAutoFit/>
+          </a:bodyPr>
+          <a:lstStyle/>
+          <a:p>
+            <a:r>
+              <a:rPr lang="en-US" sz="800" dirty="0" smtClean="0">
+                <a:solidFill>
+                  <a:schemeClr val="tx1">
+                    <a:lumMod val="65000"/>
+                    <a:lumOff val="35000"/>
+                  </a:schemeClr>
+                </a:solidFill>
+                <a:latin typeface="Arial"/>
+                <a:cs typeface="Arial"/>
+              </a:rPr>
+              <a:t>START</a:t>
+            </a:r>
+            <a:endParaRPr lang="en-US" sz="800" dirty="0">
+              <a:solidFill>
+                <a:schemeClr val="tx1">
+                  <a:lumMod val="65000"/>
+                  <a:lumOff val="35000"/>
+                </a:schemeClr>
+              </a:solidFill>
+              <a:latin typeface="Arial"/>
+              <a:cs typeface="Arial"/>
+            </a:endParaRPr>
+          </a:p>
+        </p:txBody>
+      </p:sp>
+      <p:sp>
+        <p:nvSpPr>
+          <p:cNvPr id="47" name="TextBox 46"/>
+          <p:cNvSpPr txBox="1"/>
+          <p:nvPr/>
+        </p:nvSpPr>
+        <p:spPr>
+          <a:xfrm>
+            <a:off x="2077829" y="2969531"/>
+            <a:ext cx="470371" cy="215444"/>
+          </a:xfrm>
+          <a:prstGeom prst="rect">
+            <a:avLst/>
+          </a:prstGeom>
+          <a:noFill/>
+        </p:spPr>
+        <p:txBody>
+          <a:bodyPr wrap="square" rtlCol="0">
+            <a:spAutoFit/>
+          </a:bodyPr>
+          <a:lstStyle/>
+          <a:p>
+            <a:r>
+              <a:rPr lang="en-US" sz="800" dirty="0" smtClean="0">
+                <a:solidFill>
+                  <a:schemeClr val="tx1">
+                    <a:lumMod val="65000"/>
+                    <a:lumOff val="35000"/>
+                  </a:schemeClr>
+                </a:solidFill>
+                <a:latin typeface="Arial"/>
+                <a:cs typeface="Arial"/>
+              </a:rPr>
+              <a:t>END</a:t>
+            </a:r>
+            <a:endParaRPr lang="en-US" sz="800" dirty="0">
+              <a:solidFill>
+                <a:schemeClr val="tx1">
+                  <a:lumMod val="65000"/>
+                  <a:lumOff val="35000"/>
+                </a:schemeClr>
+              </a:solidFill>
+              <a:latin typeface="Arial"/>
+              <a:cs typeface="Arial"/>
+            </a:endParaRPr>
           </a:p>
         </p:txBody>
       </p:sp>

--- a/GraphicDesign.pptx
+++ b/GraphicDesign.pptx
@@ -4191,7 +4191,7 @@
         </p:blipFill>
         <p:spPr>
           <a:xfrm>
-            <a:off x="230182" y="3162139"/>
+            <a:off x="82690" y="3162139"/>
             <a:ext cx="404761" cy="404761"/>
           </a:xfrm>
           <a:prstGeom prst="rect">
@@ -4807,12 +4807,13 @@
         </p:nvCxnSpPr>
         <p:spPr>
           <a:xfrm>
-            <a:off x="7230753" y="3375741"/>
+            <a:off x="7455267" y="3375741"/>
             <a:ext cx="1397053" cy="0"/>
           </a:xfrm>
           <a:prstGeom prst="line">
             <a:avLst/>
           </a:prstGeom>
+          <a:ln w="57150" cmpd="sng"/>
         </p:spPr>
         <p:style>
           <a:lnRef idx="3">
@@ -4837,8 +4838,8 @@
         </p:nvSpPr>
         <p:spPr>
           <a:xfrm>
-            <a:off x="7650334" y="3326579"/>
-            <a:ext cx="104799" cy="90129"/>
+            <a:off x="7874847" y="3309644"/>
+            <a:ext cx="137160" cy="137160"/>
           </a:xfrm>
           <a:prstGeom prst="ellipse">
             <a:avLst/>
@@ -4963,6 +4964,134 @@
           </a:p>
         </p:txBody>
       </p:sp>
+      <p:grpSp>
+        <p:nvGrpSpPr>
+          <p:cNvPr id="2" name="Group 1"/>
+          <p:cNvGrpSpPr/>
+          <p:nvPr/>
+        </p:nvGrpSpPr>
+        <p:grpSpPr>
+          <a:xfrm>
+            <a:off x="7027590" y="3184051"/>
+            <a:ext cx="255648" cy="417248"/>
+            <a:chOff x="6595790" y="1009052"/>
+            <a:chExt cx="255648" cy="417248"/>
+          </a:xfrm>
+        </p:grpSpPr>
+        <p:sp>
+          <p:nvSpPr>
+            <p:cNvPr id="49" name="Trapezoid 48"/>
+            <p:cNvSpPr/>
+            <p:nvPr/>
+          </p:nvSpPr>
+          <p:spPr>
+            <a:xfrm>
+              <a:off x="6595790" y="1009052"/>
+              <a:ext cx="255648" cy="417248"/>
+            </a:xfrm>
+            <a:prstGeom prst="trapezoid">
+              <a:avLst>
+                <a:gd name="adj" fmla="val 34677"/>
+              </a:avLst>
+            </a:prstGeom>
+            <a:ln/>
+          </p:spPr>
+          <p:style>
+            <a:lnRef idx="1">
+              <a:schemeClr val="accent6"/>
+            </a:lnRef>
+            <a:fillRef idx="2">
+              <a:schemeClr val="accent6"/>
+            </a:fillRef>
+            <a:effectRef idx="1">
+              <a:schemeClr val="accent6"/>
+            </a:effectRef>
+            <a:fontRef idx="minor">
+              <a:schemeClr val="dk1"/>
+            </a:fontRef>
+          </p:style>
+          <p:txBody>
+            <a:bodyPr rtlCol="0" anchor="ctr"/>
+            <a:lstStyle/>
+            <a:p>
+              <a:pPr algn="ctr"/>
+              <a:endParaRPr lang="en-US"/>
+            </a:p>
+          </p:txBody>
+        </p:sp>
+        <p:cxnSp>
+          <p:nvCxnSpPr>
+            <p:cNvPr id="51" name="Straight Connector 50"/>
+            <p:cNvCxnSpPr>
+              <a:stCxn id="49" idx="0"/>
+            </p:cNvCxnSpPr>
+            <p:nvPr/>
+          </p:nvCxnSpPr>
+          <p:spPr>
+            <a:xfrm flipH="1">
+              <a:off x="6716206" y="1009052"/>
+              <a:ext cx="7408" cy="311301"/>
+            </a:xfrm>
+            <a:prstGeom prst="line">
+              <a:avLst/>
+            </a:prstGeom>
+            <a:ln/>
+          </p:spPr>
+          <p:style>
+            <a:lnRef idx="1">
+              <a:schemeClr val="accent6"/>
+            </a:lnRef>
+            <a:fillRef idx="2">
+              <a:schemeClr val="accent6"/>
+            </a:fillRef>
+            <a:effectRef idx="1">
+              <a:schemeClr val="accent6"/>
+            </a:effectRef>
+            <a:fontRef idx="minor">
+              <a:schemeClr val="dk1"/>
+            </a:fontRef>
+          </p:style>
+        </p:cxnSp>
+        <p:sp>
+          <p:nvSpPr>
+            <p:cNvPr id="52" name="Isosceles Triangle 51"/>
+            <p:cNvSpPr/>
+            <p:nvPr/>
+          </p:nvSpPr>
+          <p:spPr>
+            <a:xfrm flipV="1">
+              <a:off x="6681839" y="1212403"/>
+              <a:ext cx="72457" cy="87692"/>
+            </a:xfrm>
+            <a:prstGeom prst="triangle">
+              <a:avLst/>
+            </a:prstGeom>
+            <a:ln/>
+          </p:spPr>
+          <p:style>
+            <a:lnRef idx="1">
+              <a:schemeClr val="accent6"/>
+            </a:lnRef>
+            <a:fillRef idx="2">
+              <a:schemeClr val="accent6"/>
+            </a:fillRef>
+            <a:effectRef idx="1">
+              <a:schemeClr val="accent6"/>
+            </a:effectRef>
+            <a:fontRef idx="minor">
+              <a:schemeClr val="dk1"/>
+            </a:fontRef>
+          </p:style>
+          <p:txBody>
+            <a:bodyPr rtlCol="0" anchor="ctr"/>
+            <a:lstStyle/>
+            <a:p>
+              <a:pPr algn="ctr"/>
+              <a:endParaRPr lang="en-US"/>
+            </a:p>
+          </p:txBody>
+        </p:sp>
+      </p:grpSp>
     </p:spTree>
     <p:extLst>
       <p:ext uri="{BB962C8B-B14F-4D97-AF65-F5344CB8AC3E}">

--- a/GraphicDesign.pptx
+++ b/GraphicDesign.pptx
@@ -3107,7 +3107,7 @@
           <p:nvPr>
             <p:extLst>
               <p:ext uri="{D42A27DB-BD31-4B8C-83A1-F6EECF244321}">
-                <p14:modId xmlns:p14="http://schemas.microsoft.com/office/powerpoint/2010/main" val="548923217"/>
+                <p14:modId xmlns:p14="http://schemas.microsoft.com/office/powerpoint/2010/main" val="3368274634"/>
               </p:ext>
             </p:extLst>
           </p:nvPr>
@@ -3162,12 +3162,22 @@
                       </a:pPr>
                       <a:r>
                         <a:rPr lang="en-US" sz="1200" dirty="0" smtClean="0">
+                          <a:solidFill>
+                            <a:schemeClr val="bg1">
+                              <a:lumMod val="50000"/>
+                            </a:schemeClr>
+                          </a:solidFill>
                           <a:latin typeface="Arial"/>
                           <a:cs typeface="Arial"/>
                         </a:rPr>
                         <a:t>1</a:t>
                       </a:r>
                       <a:endParaRPr lang="en-US" sz="1200" dirty="0">
+                        <a:solidFill>
+                          <a:schemeClr val="bg1">
+                            <a:lumMod val="50000"/>
+                          </a:schemeClr>
+                        </a:solidFill>
                         <a:latin typeface="Arial"/>
                         <a:cs typeface="Arial"/>
                       </a:endParaRPr>
@@ -3175,7 +3185,7 @@
                   </a:txBody>
                   <a:tcPr>
                     <a:solidFill>
-                      <a:schemeClr val="accent3">
+                      <a:schemeClr val="bg1">
                         <a:lumMod val="75000"/>
                       </a:schemeClr>
                     </a:solidFill>
@@ -3193,12 +3203,18 @@
                       </a:pPr>
                       <a:r>
                         <a:rPr lang="en-US" sz="1200" dirty="0" smtClean="0">
+                          <a:solidFill>
+                            <a:schemeClr val="tx1"/>
+                          </a:solidFill>
                           <a:latin typeface="Arial"/>
                           <a:cs typeface="Arial"/>
                         </a:rPr>
                         <a:t>2</a:t>
                       </a:r>
                       <a:endParaRPr lang="en-US" sz="1200" dirty="0">
+                        <a:solidFill>
+                          <a:schemeClr val="tx1"/>
+                        </a:solidFill>
                         <a:latin typeface="Arial"/>
                         <a:cs typeface="Arial"/>
                       </a:endParaRPr>
@@ -3206,7 +3222,221 @@
                   </a:txBody>
                   <a:tcPr>
                     <a:solidFill>
-                      <a:schemeClr val="accent4">
+                      <a:srgbClr val="FFFF00"/>
+                    </a:solidFill>
+                  </a:tcPr>
+                </a:tc>
+                <a:tc>
+                  <a:txBody>
+                    <a:bodyPr/>
+                    <a:lstStyle/>
+                    <a:p>
+                      <a:pPr algn="ctr">
+                        <a:lnSpc>
+                          <a:spcPct val="150000"/>
+                        </a:lnSpc>
+                      </a:pPr>
+                      <a:r>
+                        <a:rPr lang="en-US" sz="1200" dirty="0" smtClean="0">
+                          <a:solidFill>
+                            <a:schemeClr val="tx1"/>
+                          </a:solidFill>
+                          <a:latin typeface="Arial"/>
+                          <a:cs typeface="Arial"/>
+                        </a:rPr>
+                        <a:t>3</a:t>
+                      </a:r>
+                      <a:endParaRPr lang="en-US" sz="1200" dirty="0">
+                        <a:solidFill>
+                          <a:schemeClr val="tx1"/>
+                        </a:solidFill>
+                        <a:latin typeface="Arial"/>
+                        <a:cs typeface="Arial"/>
+                      </a:endParaRPr>
+                    </a:p>
+                  </a:txBody>
+                  <a:tcPr>
+                    <a:solidFill>
+                      <a:srgbClr val="FFFF00"/>
+                    </a:solidFill>
+                  </a:tcPr>
+                </a:tc>
+                <a:tc>
+                  <a:txBody>
+                    <a:bodyPr/>
+                    <a:lstStyle/>
+                    <a:p>
+                      <a:pPr algn="ctr">
+                        <a:lnSpc>
+                          <a:spcPct val="150000"/>
+                        </a:lnSpc>
+                      </a:pPr>
+                      <a:r>
+                        <a:rPr lang="en-US" sz="1200" dirty="0" smtClean="0">
+                          <a:solidFill>
+                            <a:schemeClr val="tx1"/>
+                          </a:solidFill>
+                          <a:latin typeface="Arial"/>
+                          <a:cs typeface="Arial"/>
+                        </a:rPr>
+                        <a:t>4</a:t>
+                      </a:r>
+                      <a:endParaRPr lang="en-US" sz="1200" dirty="0">
+                        <a:solidFill>
+                          <a:schemeClr val="tx1"/>
+                        </a:solidFill>
+                        <a:latin typeface="Arial"/>
+                        <a:cs typeface="Arial"/>
+                      </a:endParaRPr>
+                    </a:p>
+                  </a:txBody>
+                  <a:tcPr>
+                    <a:solidFill>
+                      <a:srgbClr val="FFFF00"/>
+                    </a:solidFill>
+                  </a:tcPr>
+                </a:tc>
+                <a:tc>
+                  <a:txBody>
+                    <a:bodyPr/>
+                    <a:lstStyle/>
+                    <a:p>
+                      <a:pPr algn="ctr">
+                        <a:lnSpc>
+                          <a:spcPct val="130000"/>
+                        </a:lnSpc>
+                      </a:pPr>
+                      <a:r>
+                        <a:rPr lang="en-US" sz="1400" dirty="0" smtClean="0">
+                          <a:solidFill>
+                            <a:schemeClr val="tx1"/>
+                          </a:solidFill>
+                          <a:latin typeface="Arial"/>
+                          <a:cs typeface="Arial"/>
+                        </a:rPr>
+                        <a:t>5</a:t>
+                      </a:r>
+                      <a:endParaRPr lang="en-US" sz="1400" dirty="0">
+                        <a:solidFill>
+                          <a:schemeClr val="tx1"/>
+                        </a:solidFill>
+                        <a:latin typeface="Arial"/>
+                        <a:cs typeface="Arial"/>
+                      </a:endParaRPr>
+                    </a:p>
+                  </a:txBody>
+                  <a:tcPr>
+                    <a:solidFill>
+                      <a:srgbClr val="FFFF00"/>
+                    </a:solidFill>
+                  </a:tcPr>
+                </a:tc>
+                <a:tc>
+                  <a:txBody>
+                    <a:bodyPr/>
+                    <a:lstStyle/>
+                    <a:p>
+                      <a:pPr algn="ctr">
+                        <a:lnSpc>
+                          <a:spcPct val="150000"/>
+                        </a:lnSpc>
+                      </a:pPr>
+                      <a:r>
+                        <a:rPr lang="en-US" sz="1200" dirty="0" smtClean="0">
+                          <a:solidFill>
+                            <a:schemeClr val="tx1"/>
+                          </a:solidFill>
+                          <a:latin typeface="Arial"/>
+                          <a:cs typeface="Arial"/>
+                        </a:rPr>
+                        <a:t>6</a:t>
+                      </a:r>
+                      <a:endParaRPr lang="en-US" sz="1200" dirty="0">
+                        <a:solidFill>
+                          <a:schemeClr val="tx1"/>
+                        </a:solidFill>
+                        <a:latin typeface="Arial"/>
+                        <a:cs typeface="Arial"/>
+                      </a:endParaRPr>
+                    </a:p>
+                  </a:txBody>
+                  <a:tcPr>
+                    <a:solidFill>
+                      <a:srgbClr val="FFFF00"/>
+                    </a:solidFill>
+                  </a:tcPr>
+                </a:tc>
+                <a:tc>
+                  <a:txBody>
+                    <a:bodyPr/>
+                    <a:lstStyle/>
+                    <a:p>
+                      <a:pPr algn="ctr">
+                        <a:lnSpc>
+                          <a:spcPct val="150000"/>
+                        </a:lnSpc>
+                      </a:pPr>
+                      <a:r>
+                        <a:rPr lang="en-US" sz="1200" dirty="0" smtClean="0">
+                          <a:solidFill>
+                            <a:schemeClr val="tx1"/>
+                          </a:solidFill>
+                          <a:latin typeface="Arial"/>
+                          <a:cs typeface="Arial"/>
+                        </a:rPr>
+                        <a:t>7</a:t>
+                      </a:r>
+                      <a:endParaRPr lang="en-US" sz="1200" dirty="0">
+                        <a:solidFill>
+                          <a:schemeClr val="tx1"/>
+                        </a:solidFill>
+                        <a:latin typeface="Arial"/>
+                        <a:cs typeface="Arial"/>
+                      </a:endParaRPr>
+                    </a:p>
+                  </a:txBody>
+                  <a:tcPr>
+                    <a:solidFill>
+                      <a:srgbClr val="FFFF00"/>
+                    </a:solidFill>
+                  </a:tcPr>
+                </a:tc>
+                <a:tc>
+                  <a:txBody>
+                    <a:bodyPr/>
+                    <a:lstStyle/>
+                    <a:p>
+                      <a:pPr algn="ctr">
+                        <a:lnSpc>
+                          <a:spcPct val="150000"/>
+                        </a:lnSpc>
+                      </a:pPr>
+                      <a:r>
+                        <a:rPr lang="en-US" sz="1200" dirty="0" smtClean="0">
+                          <a:solidFill>
+                            <a:schemeClr val="bg1">
+                              <a:lumMod val="50000"/>
+                            </a:schemeClr>
+                          </a:solidFill>
+                          <a:latin typeface="Arial"/>
+                          <a:cs typeface="Arial"/>
+                        </a:rPr>
+                        <a:t>8</a:t>
+                      </a:r>
+                      <a:endParaRPr lang="en-US" sz="1200" dirty="0">
+                        <a:solidFill>
+                          <a:schemeClr val="bg1">
+                            <a:lumMod val="50000"/>
+                          </a:schemeClr>
+                        </a:solidFill>
+                        <a:latin typeface="Arial"/>
+                        <a:cs typeface="Arial"/>
+                      </a:endParaRPr>
+                    </a:p>
+                  </a:txBody>
+                  <a:tcPr>
+                    <a:solidFill>
+                      <a:schemeClr val="bg1">
                         <a:lumMod val="75000"/>
                       </a:schemeClr>
                     </a:solidFill>
@@ -3224,12 +3454,22 @@
                       </a:pPr>
                       <a:r>
                         <a:rPr lang="en-US" sz="1200" dirty="0" smtClean="0">
+                          <a:solidFill>
+                            <a:schemeClr val="bg1">
+                              <a:lumMod val="50000"/>
+                            </a:schemeClr>
+                          </a:solidFill>
                           <a:latin typeface="Arial"/>
                           <a:cs typeface="Arial"/>
                         </a:rPr>
-                        <a:t>3</a:t>
+                        <a:t>9</a:t>
                       </a:r>
                       <a:endParaRPr lang="en-US" sz="1200" dirty="0">
+                        <a:solidFill>
+                          <a:schemeClr val="bg1">
+                            <a:lumMod val="50000"/>
+                          </a:schemeClr>
+                        </a:solidFill>
                         <a:latin typeface="Arial"/>
                         <a:cs typeface="Arial"/>
                       </a:endParaRPr>
@@ -3237,7 +3477,7 @@
                   </a:txBody>
                   <a:tcPr>
                     <a:solidFill>
-                      <a:schemeClr val="accent4">
+                      <a:schemeClr val="bg1">
                         <a:lumMod val="75000"/>
                       </a:schemeClr>
                     </a:solidFill>
@@ -3255,12 +3495,22 @@
                       </a:pPr>
                       <a:r>
                         <a:rPr lang="en-US" sz="1200" dirty="0" smtClean="0">
+                          <a:solidFill>
+                            <a:schemeClr val="bg1">
+                              <a:lumMod val="50000"/>
+                            </a:schemeClr>
+                          </a:solidFill>
                           <a:latin typeface="Arial"/>
                           <a:cs typeface="Arial"/>
                         </a:rPr>
-                        <a:t>4</a:t>
+                        <a:t>10</a:t>
                       </a:r>
                       <a:endParaRPr lang="en-US" sz="1200" dirty="0">
+                        <a:solidFill>
+                          <a:schemeClr val="bg1">
+                            <a:lumMod val="50000"/>
+                          </a:schemeClr>
+                        </a:solidFill>
                         <a:latin typeface="Arial"/>
                         <a:cs typeface="Arial"/>
                       </a:endParaRPr>
@@ -3268,7 +3518,7 @@
                   </a:txBody>
                   <a:tcPr>
                     <a:solidFill>
-                      <a:schemeClr val="accent4">
+                      <a:schemeClr val="bg1">
                         <a:lumMod val="75000"/>
                       </a:schemeClr>
                     </a:solidFill>
@@ -3286,20 +3536,21 @@
                       </a:pPr>
                       <a:r>
                         <a:rPr lang="en-US" sz="1200" dirty="0" smtClean="0">
+                          <a:solidFill>
+                            <a:schemeClr val="bg1">
+                              <a:lumMod val="50000"/>
+                            </a:schemeClr>
+                          </a:solidFill>
                           <a:latin typeface="Arial"/>
                           <a:cs typeface="Arial"/>
                         </a:rPr>
-                        <a:t>5</a:t>
+                        <a:t>11</a:t>
                       </a:r>
-                      <a:endParaRPr lang="en-US" sz="1200" dirty="0">
-                        <a:latin typeface="Arial"/>
-                        <a:cs typeface="Arial"/>
-                      </a:endParaRPr>
                     </a:p>
                   </a:txBody>
                   <a:tcPr>
                     <a:solidFill>
-                      <a:schemeClr val="accent4">
+                      <a:schemeClr val="bg1">
                         <a:lumMod val="75000"/>
                       </a:schemeClr>
                     </a:solidFill>
@@ -3317,12 +3568,22 @@
                       </a:pPr>
                       <a:r>
                         <a:rPr lang="en-US" sz="1200" dirty="0" smtClean="0">
+                          <a:solidFill>
+                            <a:schemeClr val="bg1">
+                              <a:lumMod val="50000"/>
+                            </a:schemeClr>
+                          </a:solidFill>
                           <a:latin typeface="Arial"/>
                           <a:cs typeface="Arial"/>
                         </a:rPr>
-                        <a:t>6</a:t>
+                        <a:t>12</a:t>
                       </a:r>
                       <a:endParaRPr lang="en-US" sz="1200" dirty="0">
+                        <a:solidFill>
+                          <a:schemeClr val="bg1">
+                            <a:lumMod val="50000"/>
+                          </a:schemeClr>
+                        </a:solidFill>
                         <a:latin typeface="Arial"/>
                         <a:cs typeface="Arial"/>
                       </a:endParaRPr>
@@ -3330,7 +3591,7 @@
                   </a:txBody>
                   <a:tcPr>
                     <a:solidFill>
-                      <a:schemeClr val="accent4">
+                      <a:schemeClr val="bg1">
                         <a:lumMod val="75000"/>
                       </a:schemeClr>
                     </a:solidFill>
@@ -3348,12 +3609,22 @@
                       </a:pPr>
                       <a:r>
                         <a:rPr lang="en-US" sz="1200" dirty="0" smtClean="0">
+                          <a:solidFill>
+                            <a:schemeClr val="bg1">
+                              <a:lumMod val="50000"/>
+                            </a:schemeClr>
+                          </a:solidFill>
                           <a:latin typeface="Arial"/>
                           <a:cs typeface="Arial"/>
                         </a:rPr>
-                        <a:t>7</a:t>
+                        <a:t>13</a:t>
                       </a:r>
                       <a:endParaRPr lang="en-US" sz="1200" dirty="0">
+                        <a:solidFill>
+                          <a:schemeClr val="bg1">
+                            <a:lumMod val="50000"/>
+                          </a:schemeClr>
+                        </a:solidFill>
                         <a:latin typeface="Arial"/>
                         <a:cs typeface="Arial"/>
                       </a:endParaRPr>
@@ -3361,7 +3632,7 @@
                   </a:txBody>
                   <a:tcPr>
                     <a:solidFill>
-                      <a:schemeClr val="accent4">
+                      <a:schemeClr val="bg1">
                         <a:lumMod val="75000"/>
                       </a:schemeClr>
                     </a:solidFill>
@@ -3379,12 +3650,22 @@
                       </a:pPr>
                       <a:r>
                         <a:rPr lang="en-US" sz="1200" dirty="0" smtClean="0">
+                          <a:solidFill>
+                            <a:schemeClr val="bg1">
+                              <a:lumMod val="50000"/>
+                            </a:schemeClr>
+                          </a:solidFill>
                           <a:latin typeface="Arial"/>
                           <a:cs typeface="Arial"/>
                         </a:rPr>
-                        <a:t>8</a:t>
+                        <a:t>14</a:t>
                       </a:r>
                       <a:endParaRPr lang="en-US" sz="1200" dirty="0">
+                        <a:solidFill>
+                          <a:schemeClr val="bg1">
+                            <a:lumMod val="50000"/>
+                          </a:schemeClr>
+                        </a:solidFill>
                         <a:latin typeface="Arial"/>
                         <a:cs typeface="Arial"/>
                       </a:endParaRPr>
@@ -3392,7 +3673,7 @@
                   </a:txBody>
                   <a:tcPr>
                     <a:solidFill>
-                      <a:schemeClr val="accent3">
+                      <a:schemeClr val="bg1">
                         <a:lumMod val="75000"/>
                       </a:schemeClr>
                     </a:solidFill>
@@ -3410,12 +3691,22 @@
                       </a:pPr>
                       <a:r>
                         <a:rPr lang="en-US" sz="1200" dirty="0" smtClean="0">
+                          <a:solidFill>
+                            <a:schemeClr val="bg1">
+                              <a:lumMod val="50000"/>
+                            </a:schemeClr>
+                          </a:solidFill>
                           <a:latin typeface="Arial"/>
                           <a:cs typeface="Arial"/>
                         </a:rPr>
-                        <a:t>9</a:t>
+                        <a:t>15</a:t>
                       </a:r>
                       <a:endParaRPr lang="en-US" sz="1200" dirty="0">
+                        <a:solidFill>
+                          <a:schemeClr val="bg1">
+                            <a:lumMod val="50000"/>
+                          </a:schemeClr>
+                        </a:solidFill>
                         <a:latin typeface="Arial"/>
                         <a:cs typeface="Arial"/>
                       </a:endParaRPr>
@@ -3423,7 +3714,7 @@
                   </a:txBody>
                   <a:tcPr>
                     <a:solidFill>
-                      <a:schemeClr val="accent3">
+                      <a:schemeClr val="bg1">
                         <a:lumMod val="75000"/>
                       </a:schemeClr>
                     </a:solidFill>
@@ -3441,12 +3732,22 @@
                       </a:pPr>
                       <a:r>
                         <a:rPr lang="en-US" sz="1200" dirty="0" smtClean="0">
+                          <a:solidFill>
+                            <a:schemeClr val="bg1">
+                              <a:lumMod val="50000"/>
+                            </a:schemeClr>
+                          </a:solidFill>
                           <a:latin typeface="Arial"/>
                           <a:cs typeface="Arial"/>
                         </a:rPr>
-                        <a:t>10</a:t>
+                        <a:t>16</a:t>
                       </a:r>
                       <a:endParaRPr lang="en-US" sz="1200" dirty="0">
+                        <a:solidFill>
+                          <a:schemeClr val="bg1">
+                            <a:lumMod val="50000"/>
+                          </a:schemeClr>
+                        </a:solidFill>
                         <a:latin typeface="Arial"/>
                         <a:cs typeface="Arial"/>
                       </a:endParaRPr>
@@ -3454,7 +3755,7 @@
                   </a:txBody>
                   <a:tcPr>
                     <a:solidFill>
-                      <a:schemeClr val="accent3">
+                      <a:schemeClr val="bg1">
                         <a:lumMod val="75000"/>
                       </a:schemeClr>
                     </a:solidFill>
@@ -3472,16 +3773,30 @@
                       </a:pPr>
                       <a:r>
                         <a:rPr lang="en-US" sz="1200" dirty="0" smtClean="0">
+                          <a:solidFill>
+                            <a:schemeClr val="bg1">
+                              <a:lumMod val="50000"/>
+                            </a:schemeClr>
+                          </a:solidFill>
                           <a:latin typeface="Arial"/>
                           <a:cs typeface="Arial"/>
                         </a:rPr>
-                        <a:t>11</a:t>
+                        <a:t>17</a:t>
                       </a:r>
+                      <a:endParaRPr lang="en-US" sz="1200" dirty="0">
+                        <a:solidFill>
+                          <a:schemeClr val="bg1">
+                            <a:lumMod val="50000"/>
+                          </a:schemeClr>
+                        </a:solidFill>
+                        <a:latin typeface="Arial"/>
+                        <a:cs typeface="Arial"/>
+                      </a:endParaRPr>
                     </a:p>
                   </a:txBody>
                   <a:tcPr>
                     <a:solidFill>
-                      <a:schemeClr val="accent3">
+                      <a:schemeClr val="bg1">
                         <a:lumMod val="75000"/>
                       </a:schemeClr>
                     </a:solidFill>
@@ -3499,12 +3814,22 @@
                       </a:pPr>
                       <a:r>
                         <a:rPr lang="en-US" sz="1200" dirty="0" smtClean="0">
+                          <a:solidFill>
+                            <a:schemeClr val="bg1">
+                              <a:lumMod val="50000"/>
+                            </a:schemeClr>
+                          </a:solidFill>
                           <a:latin typeface="Arial"/>
                           <a:cs typeface="Arial"/>
                         </a:rPr>
-                        <a:t>12</a:t>
+                        <a:t>18</a:t>
                       </a:r>
                       <a:endParaRPr lang="en-US" sz="1200" dirty="0">
+                        <a:solidFill>
+                          <a:schemeClr val="bg1">
+                            <a:lumMod val="50000"/>
+                          </a:schemeClr>
+                        </a:solidFill>
                         <a:latin typeface="Arial"/>
                         <a:cs typeface="Arial"/>
                       </a:endParaRPr>
@@ -3512,7 +3837,7 @@
                   </a:txBody>
                   <a:tcPr>
                     <a:solidFill>
-                      <a:schemeClr val="accent3">
+                      <a:schemeClr val="bg1">
                         <a:lumMod val="75000"/>
                       </a:schemeClr>
                     </a:solidFill>
@@ -3530,12 +3855,22 @@
                       </a:pPr>
                       <a:r>
                         <a:rPr lang="en-US" sz="1200" dirty="0" smtClean="0">
+                          <a:solidFill>
+                            <a:schemeClr val="bg1">
+                              <a:lumMod val="50000"/>
+                            </a:schemeClr>
+                          </a:solidFill>
                           <a:latin typeface="Arial"/>
                           <a:cs typeface="Arial"/>
                         </a:rPr>
-                        <a:t>13</a:t>
+                        <a:t>19</a:t>
                       </a:r>
                       <a:endParaRPr lang="en-US" sz="1200" dirty="0">
+                        <a:solidFill>
+                          <a:schemeClr val="bg1">
+                            <a:lumMod val="50000"/>
+                          </a:schemeClr>
+                        </a:solidFill>
                         <a:latin typeface="Arial"/>
                         <a:cs typeface="Arial"/>
                       </a:endParaRPr>
@@ -3543,7 +3878,7 @@
                   </a:txBody>
                   <a:tcPr>
                     <a:solidFill>
-                      <a:schemeClr val="accent3">
+                      <a:schemeClr val="bg1">
                         <a:lumMod val="75000"/>
                       </a:schemeClr>
                     </a:solidFill>
@@ -3561,12 +3896,22 @@
                       </a:pPr>
                       <a:r>
                         <a:rPr lang="en-US" sz="1200" dirty="0" smtClean="0">
+                          <a:solidFill>
+                            <a:schemeClr val="bg1">
+                              <a:lumMod val="50000"/>
+                            </a:schemeClr>
+                          </a:solidFill>
                           <a:latin typeface="Arial"/>
                           <a:cs typeface="Arial"/>
                         </a:rPr>
-                        <a:t>14</a:t>
+                        <a:t>20</a:t>
                       </a:r>
                       <a:endParaRPr lang="en-US" sz="1200" dirty="0">
+                        <a:solidFill>
+                          <a:schemeClr val="bg1">
+                            <a:lumMod val="50000"/>
+                          </a:schemeClr>
+                        </a:solidFill>
                         <a:latin typeface="Arial"/>
                         <a:cs typeface="Arial"/>
                       </a:endParaRPr>
@@ -3574,7 +3919,7 @@
                   </a:txBody>
                   <a:tcPr>
                     <a:solidFill>
-                      <a:schemeClr val="accent3">
+                      <a:schemeClr val="bg1">
                         <a:lumMod val="75000"/>
                       </a:schemeClr>
                     </a:solidFill>
@@ -3592,12 +3937,22 @@
                       </a:pPr>
                       <a:r>
                         <a:rPr lang="en-US" sz="1200" dirty="0" smtClean="0">
+                          <a:solidFill>
+                            <a:schemeClr val="bg1">
+                              <a:lumMod val="50000"/>
+                            </a:schemeClr>
+                          </a:solidFill>
                           <a:latin typeface="Arial"/>
                           <a:cs typeface="Arial"/>
                         </a:rPr>
-                        <a:t>15</a:t>
+                        <a:t>21</a:t>
                       </a:r>
                       <a:endParaRPr lang="en-US" sz="1200" dirty="0">
+                        <a:solidFill>
+                          <a:schemeClr val="bg1">
+                            <a:lumMod val="50000"/>
+                          </a:schemeClr>
+                        </a:solidFill>
                         <a:latin typeface="Arial"/>
                         <a:cs typeface="Arial"/>
                       </a:endParaRPr>
@@ -3605,7 +3960,7 @@
                   </a:txBody>
                   <a:tcPr>
                     <a:solidFill>
-                      <a:schemeClr val="accent3">
+                      <a:schemeClr val="bg1">
                         <a:lumMod val="75000"/>
                       </a:schemeClr>
                     </a:solidFill>
@@ -3623,12 +3978,22 @@
                       </a:pPr>
                       <a:r>
                         <a:rPr lang="en-US" sz="1200" dirty="0" smtClean="0">
+                          <a:solidFill>
+                            <a:schemeClr val="bg1">
+                              <a:lumMod val="50000"/>
+                            </a:schemeClr>
+                          </a:solidFill>
                           <a:latin typeface="Arial"/>
                           <a:cs typeface="Arial"/>
                         </a:rPr>
-                        <a:t>16</a:t>
+                        <a:t>22</a:t>
                       </a:r>
                       <a:endParaRPr lang="en-US" sz="1200" dirty="0">
+                        <a:solidFill>
+                          <a:schemeClr val="bg1">
+                            <a:lumMod val="50000"/>
+                          </a:schemeClr>
+                        </a:solidFill>
                         <a:latin typeface="Arial"/>
                         <a:cs typeface="Arial"/>
                       </a:endParaRPr>
@@ -3636,7 +4001,7 @@
                   </a:txBody>
                   <a:tcPr>
                     <a:solidFill>
-                      <a:schemeClr val="accent3">
+                      <a:schemeClr val="bg1">
                         <a:lumMod val="75000"/>
                       </a:schemeClr>
                     </a:solidFill>
@@ -3654,12 +4019,22 @@
                       </a:pPr>
                       <a:r>
                         <a:rPr lang="en-US" sz="1200" dirty="0" smtClean="0">
+                          <a:solidFill>
+                            <a:schemeClr val="bg1">
+                              <a:lumMod val="50000"/>
+                            </a:schemeClr>
+                          </a:solidFill>
                           <a:latin typeface="Arial"/>
                           <a:cs typeface="Arial"/>
                         </a:rPr>
-                        <a:t>17</a:t>
+                        <a:t>23</a:t>
                       </a:r>
                       <a:endParaRPr lang="en-US" sz="1200" dirty="0">
+                        <a:solidFill>
+                          <a:schemeClr val="bg1">
+                            <a:lumMod val="50000"/>
+                          </a:schemeClr>
+                        </a:solidFill>
                         <a:latin typeface="Arial"/>
                         <a:cs typeface="Arial"/>
                       </a:endParaRPr>
@@ -3667,7 +4042,7 @@
                   </a:txBody>
                   <a:tcPr>
                     <a:solidFill>
-                      <a:schemeClr val="accent3">
+                      <a:schemeClr val="bg1">
                         <a:lumMod val="75000"/>
                       </a:schemeClr>
                     </a:solidFill>
@@ -3685,12 +4060,22 @@
                       </a:pPr>
                       <a:r>
                         <a:rPr lang="en-US" sz="1200" dirty="0" smtClean="0">
+                          <a:solidFill>
+                            <a:schemeClr val="bg1">
+                              <a:lumMod val="50000"/>
+                            </a:schemeClr>
+                          </a:solidFill>
                           <a:latin typeface="Arial"/>
                           <a:cs typeface="Arial"/>
                         </a:rPr>
-                        <a:t>18</a:t>
+                        <a:t>24</a:t>
                       </a:r>
                       <a:endParaRPr lang="en-US" sz="1200" dirty="0">
+                        <a:solidFill>
+                          <a:schemeClr val="bg1">
+                            <a:lumMod val="50000"/>
+                          </a:schemeClr>
+                        </a:solidFill>
                         <a:latin typeface="Arial"/>
                         <a:cs typeface="Arial"/>
                       </a:endParaRPr>
@@ -3698,193 +4083,7 @@
                   </a:txBody>
                   <a:tcPr>
                     <a:solidFill>
-                      <a:schemeClr val="accent3">
-                        <a:lumMod val="75000"/>
-                      </a:schemeClr>
-                    </a:solidFill>
-                  </a:tcPr>
-                </a:tc>
-                <a:tc>
-                  <a:txBody>
-                    <a:bodyPr/>
-                    <a:lstStyle/>
-                    <a:p>
-                      <a:pPr algn="ctr">
-                        <a:lnSpc>
-                          <a:spcPct val="150000"/>
-                        </a:lnSpc>
-                      </a:pPr>
-                      <a:r>
-                        <a:rPr lang="en-US" sz="1200" dirty="0" smtClean="0">
-                          <a:latin typeface="Arial"/>
-                          <a:cs typeface="Arial"/>
-                        </a:rPr>
-                        <a:t>19</a:t>
-                      </a:r>
-                      <a:endParaRPr lang="en-US" sz="1200" dirty="0">
-                        <a:latin typeface="Arial"/>
-                        <a:cs typeface="Arial"/>
-                      </a:endParaRPr>
-                    </a:p>
-                  </a:txBody>
-                  <a:tcPr>
-                    <a:solidFill>
-                      <a:schemeClr val="accent3">
-                        <a:lumMod val="75000"/>
-                      </a:schemeClr>
-                    </a:solidFill>
-                  </a:tcPr>
-                </a:tc>
-                <a:tc>
-                  <a:txBody>
-                    <a:bodyPr/>
-                    <a:lstStyle/>
-                    <a:p>
-                      <a:pPr algn="ctr">
-                        <a:lnSpc>
-                          <a:spcPct val="150000"/>
-                        </a:lnSpc>
-                      </a:pPr>
-                      <a:r>
-                        <a:rPr lang="en-US" sz="1200" dirty="0" smtClean="0">
-                          <a:latin typeface="Arial"/>
-                          <a:cs typeface="Arial"/>
-                        </a:rPr>
-                        <a:t>20</a:t>
-                      </a:r>
-                      <a:endParaRPr lang="en-US" sz="1200" dirty="0">
-                        <a:latin typeface="Arial"/>
-                        <a:cs typeface="Arial"/>
-                      </a:endParaRPr>
-                    </a:p>
-                  </a:txBody>
-                  <a:tcPr>
-                    <a:solidFill>
-                      <a:schemeClr val="accent3">
-                        <a:lumMod val="75000"/>
-                      </a:schemeClr>
-                    </a:solidFill>
-                  </a:tcPr>
-                </a:tc>
-                <a:tc>
-                  <a:txBody>
-                    <a:bodyPr/>
-                    <a:lstStyle/>
-                    <a:p>
-                      <a:pPr algn="ctr">
-                        <a:lnSpc>
-                          <a:spcPct val="150000"/>
-                        </a:lnSpc>
-                      </a:pPr>
-                      <a:r>
-                        <a:rPr lang="en-US" sz="1200" dirty="0" smtClean="0">
-                          <a:latin typeface="Arial"/>
-                          <a:cs typeface="Arial"/>
-                        </a:rPr>
-                        <a:t>21</a:t>
-                      </a:r>
-                      <a:endParaRPr lang="en-US" sz="1200" dirty="0">
-                        <a:latin typeface="Arial"/>
-                        <a:cs typeface="Arial"/>
-                      </a:endParaRPr>
-                    </a:p>
-                  </a:txBody>
-                  <a:tcPr>
-                    <a:solidFill>
-                      <a:schemeClr val="accent3">
-                        <a:lumMod val="75000"/>
-                      </a:schemeClr>
-                    </a:solidFill>
-                  </a:tcPr>
-                </a:tc>
-                <a:tc>
-                  <a:txBody>
-                    <a:bodyPr/>
-                    <a:lstStyle/>
-                    <a:p>
-                      <a:pPr algn="ctr">
-                        <a:lnSpc>
-                          <a:spcPct val="150000"/>
-                        </a:lnSpc>
-                      </a:pPr>
-                      <a:r>
-                        <a:rPr lang="en-US" sz="1200" dirty="0" smtClean="0">
-                          <a:latin typeface="Arial"/>
-                          <a:cs typeface="Arial"/>
-                        </a:rPr>
-                        <a:t>22</a:t>
-                      </a:r>
-                      <a:endParaRPr lang="en-US" sz="1200" dirty="0">
-                        <a:latin typeface="Arial"/>
-                        <a:cs typeface="Arial"/>
-                      </a:endParaRPr>
-                    </a:p>
-                  </a:txBody>
-                  <a:tcPr>
-                    <a:solidFill>
-                      <a:schemeClr val="accent3">
-                        <a:lumMod val="75000"/>
-                      </a:schemeClr>
-                    </a:solidFill>
-                  </a:tcPr>
-                </a:tc>
-                <a:tc>
-                  <a:txBody>
-                    <a:bodyPr/>
-                    <a:lstStyle/>
-                    <a:p>
-                      <a:pPr algn="ctr">
-                        <a:lnSpc>
-                          <a:spcPct val="150000"/>
-                        </a:lnSpc>
-                      </a:pPr>
-                      <a:r>
-                        <a:rPr lang="en-US" sz="1200" dirty="0" smtClean="0">
-                          <a:latin typeface="Arial"/>
-                          <a:cs typeface="Arial"/>
-                        </a:rPr>
-                        <a:t>23</a:t>
-                      </a:r>
-                      <a:endParaRPr lang="en-US" sz="1200" dirty="0">
-                        <a:latin typeface="Arial"/>
-                        <a:cs typeface="Arial"/>
-                      </a:endParaRPr>
-                    </a:p>
-                  </a:txBody>
-                  <a:tcPr>
-                    <a:solidFill>
-                      <a:schemeClr val="accent3">
-                        <a:lumMod val="75000"/>
-                      </a:schemeClr>
-                    </a:solidFill>
-                  </a:tcPr>
-                </a:tc>
-                <a:tc>
-                  <a:txBody>
-                    <a:bodyPr/>
-                    <a:lstStyle/>
-                    <a:p>
-                      <a:pPr algn="ctr">
-                        <a:lnSpc>
-                          <a:spcPct val="150000"/>
-                        </a:lnSpc>
-                      </a:pPr>
-                      <a:r>
-                        <a:rPr lang="en-US" sz="1200" dirty="0" smtClean="0">
-                          <a:latin typeface="Arial"/>
-                          <a:cs typeface="Arial"/>
-                        </a:rPr>
-                        <a:t>24</a:t>
-                      </a:r>
-                      <a:endParaRPr lang="en-US" sz="1200" dirty="0">
-                        <a:latin typeface="Arial"/>
-                        <a:cs typeface="Arial"/>
-                      </a:endParaRPr>
-                    </a:p>
-                  </a:txBody>
-                  <a:tcPr>
-                    <a:solidFill>
-                      <a:schemeClr val="accent3">
+                      <a:schemeClr val="bg1">
                         <a:lumMod val="75000"/>
                       </a:schemeClr>
                     </a:solidFill>
@@ -3905,7 +4104,7 @@
                   </a:txBody>
                   <a:tcPr>
                     <a:solidFill>
-                      <a:schemeClr val="accent3">
+                      <a:schemeClr val="bg1">
                         <a:lumMod val="75000"/>
                       </a:schemeClr>
                     </a:solidFill>
@@ -4382,18 +4581,19 @@
         </p:nvCxnSpPr>
         <p:spPr>
           <a:xfrm>
-            <a:off x="1558506" y="2542981"/>
+            <a:off x="1719379" y="2542981"/>
             <a:ext cx="0" cy="472278"/>
           </a:xfrm>
           <a:prstGeom prst="line">
             <a:avLst/>
           </a:prstGeom>
-          <a:ln w="57150" cmpd="sng">
+          <a:ln w="22225" cap="rnd" cmpd="sng">
             <a:solidFill>
               <a:schemeClr val="accent3">
                 <a:lumMod val="50000"/>
               </a:schemeClr>
             </a:solidFill>
+            <a:prstDash val="sysDot"/>
           </a:ln>
         </p:spPr>
         <p:style>

--- a/GraphicDesign.pptx
+++ b/GraphicDesign.pptx
@@ -3107,7 +3107,7 @@
           <p:nvPr>
             <p:extLst>
               <p:ext uri="{D42A27DB-BD31-4B8C-83A1-F6EECF244321}">
-                <p14:modId xmlns:p14="http://schemas.microsoft.com/office/powerpoint/2010/main" val="3368274634"/>
+                <p14:modId xmlns:p14="http://schemas.microsoft.com/office/powerpoint/2010/main" val="921143747"/>
               </p:ext>
             </p:extLst>
           </p:nvPr>
@@ -3222,7 +3222,7 @@
                   </a:txBody>
                   <a:tcPr>
                     <a:solidFill>
-                      <a:srgbClr val="FFFF00"/>
+                      <a:srgbClr val="F6FEB3"/>
                     </a:solidFill>
                   </a:tcPr>
                 </a:tc>
@@ -3257,7 +3257,7 @@
                   </a:txBody>
                   <a:tcPr>
                     <a:solidFill>
-                      <a:srgbClr val="FFFF00"/>
+                      <a:srgbClr val="F6FEB3"/>
                     </a:solidFill>
                   </a:tcPr>
                 </a:tc>
@@ -3292,7 +3292,7 @@
                   </a:txBody>
                   <a:tcPr>
                     <a:solidFill>
-                      <a:srgbClr val="FFFF00"/>
+                      <a:srgbClr val="F6FEB3"/>
                     </a:solidFill>
                   </a:tcPr>
                 </a:tc>
@@ -3362,7 +3362,7 @@
                   </a:txBody>
                   <a:tcPr>
                     <a:solidFill>
-                      <a:srgbClr val="FFFF00"/>
+                      <a:srgbClr val="F6FEB3"/>
                     </a:solidFill>
                   </a:tcPr>
                 </a:tc>
@@ -3397,7 +3397,7 @@
                   </a:txBody>
                   <a:tcPr>
                     <a:solidFill>
-                      <a:srgbClr val="FFFF00"/>
+                      <a:srgbClr val="F6FEB3"/>
                     </a:solidFill>
                   </a:tcPr>
                 </a:tc>
@@ -4198,7 +4198,7 @@
         </p:blipFill>
         <p:spPr>
           <a:xfrm>
-            <a:off x="4150888" y="3149742"/>
+            <a:off x="4117020" y="3149742"/>
             <a:ext cx="403399" cy="403399"/>
           </a:xfrm>
           <a:prstGeom prst="rect">
@@ -4208,7 +4208,7 @@
       </p:pic>
       <p:pic>
         <p:nvPicPr>
-          <p:cNvPr id="7" name="Picture 6"/>
+          <p:cNvPr id="9" name="Picture 8"/>
           <p:cNvPicPr>
             <a:picLocks noChangeAspect="1"/>
           </p:cNvPicPr>
@@ -4222,7 +4222,7 @@
         </p:blipFill>
         <p:spPr>
           <a:xfrm>
-            <a:off x="3628950" y="3148380"/>
+            <a:off x="4659356" y="3148380"/>
             <a:ext cx="403399" cy="403399"/>
           </a:xfrm>
           <a:prstGeom prst="rect">
@@ -4232,7 +4232,31 @@
       </p:pic>
       <p:pic>
         <p:nvPicPr>
-          <p:cNvPr id="9" name="Picture 8"/>
+          <p:cNvPr id="10" name="Picture 9"/>
+          <p:cNvPicPr>
+            <a:picLocks noChangeAspect="1"/>
+          </p:cNvPicPr>
+          <p:nvPr/>
+        </p:nvPicPr>
+        <p:blipFill>
+          <a:blip r:embed="rId3"/>
+          <a:stretch>
+            <a:fillRect/>
+          </a:stretch>
+        </p:blipFill>
+        <p:spPr>
+          <a:xfrm flipH="1">
+            <a:off x="3112304" y="3148380"/>
+            <a:ext cx="403399" cy="403399"/>
+          </a:xfrm>
+          <a:prstGeom prst="rect">
+            <a:avLst/>
+          </a:prstGeom>
+        </p:spPr>
+      </p:pic>
+      <p:pic>
+        <p:nvPicPr>
+          <p:cNvPr id="41" name="Picture 40"/>
           <p:cNvPicPr>
             <a:picLocks noChangeAspect="1"/>
           </p:cNvPicPr>
@@ -4246,8 +4270,8 @@
         </p:blipFill>
         <p:spPr>
           <a:xfrm>
-            <a:off x="4659356" y="3148380"/>
-            <a:ext cx="403399" cy="403399"/>
+            <a:off x="82690" y="3162139"/>
+            <a:ext cx="404761" cy="404761"/>
           </a:xfrm>
           <a:prstGeom prst="rect">
             <a:avLst/>
@@ -4256,31 +4280,7 @@
       </p:pic>
       <p:pic>
         <p:nvPicPr>
-          <p:cNvPr id="10" name="Picture 9"/>
-          <p:cNvPicPr>
-            <a:picLocks noChangeAspect="1"/>
-          </p:cNvPicPr>
-          <p:nvPr/>
-        </p:nvPicPr>
-        <p:blipFill>
-          <a:blip r:embed="rId4"/>
-          <a:stretch>
-            <a:fillRect/>
-          </a:stretch>
-        </p:blipFill>
-        <p:spPr>
-          <a:xfrm flipH="1">
-            <a:off x="3112304" y="3148380"/>
-            <a:ext cx="403399" cy="403399"/>
-          </a:xfrm>
-          <a:prstGeom prst="rect">
-            <a:avLst/>
-          </a:prstGeom>
-        </p:spPr>
-      </p:pic>
-      <p:pic>
-        <p:nvPicPr>
-          <p:cNvPr id="25" name="Picture 24"/>
+          <p:cNvPr id="45" name="Picture 44"/>
           <p:cNvPicPr>
             <a:picLocks noChangeAspect="1"/>
           </p:cNvPicPr>
@@ -4294,126 +4294,6 @@
         </p:blipFill>
         <p:spPr>
           <a:xfrm>
-            <a:off x="1326486" y="3151041"/>
-            <a:ext cx="407665" cy="407665"/>
-          </a:xfrm>
-          <a:prstGeom prst="rect">
-            <a:avLst/>
-          </a:prstGeom>
-        </p:spPr>
-      </p:pic>
-      <p:pic>
-        <p:nvPicPr>
-          <p:cNvPr id="26" name="Picture 25"/>
-          <p:cNvPicPr>
-            <a:picLocks noChangeAspect="1"/>
-          </p:cNvPicPr>
-          <p:nvPr/>
-        </p:nvPicPr>
-        <p:blipFill>
-          <a:blip r:embed="rId5"/>
-          <a:stretch>
-            <a:fillRect/>
-          </a:stretch>
-        </p:blipFill>
-        <p:spPr>
-          <a:xfrm flipH="1">
-            <a:off x="805075" y="3151041"/>
-            <a:ext cx="407665" cy="407665"/>
-          </a:xfrm>
-          <a:prstGeom prst="rect">
-            <a:avLst/>
-          </a:prstGeom>
-        </p:spPr>
-      </p:pic>
-      <p:pic>
-        <p:nvPicPr>
-          <p:cNvPr id="27" name="Picture 26"/>
-          <p:cNvPicPr>
-            <a:picLocks noChangeAspect="1"/>
-          </p:cNvPicPr>
-          <p:nvPr/>
-        </p:nvPicPr>
-        <p:blipFill>
-          <a:blip r:embed="rId6"/>
-          <a:stretch>
-            <a:fillRect/>
-          </a:stretch>
-        </p:blipFill>
-        <p:spPr>
-          <a:xfrm>
-            <a:off x="2319535" y="3151041"/>
-            <a:ext cx="403398" cy="403398"/>
-          </a:xfrm>
-          <a:prstGeom prst="rect">
-            <a:avLst/>
-          </a:prstGeom>
-        </p:spPr>
-      </p:pic>
-      <p:pic>
-        <p:nvPicPr>
-          <p:cNvPr id="28" name="Picture 27"/>
-          <p:cNvPicPr>
-            <a:picLocks noChangeAspect="1"/>
-          </p:cNvPicPr>
-          <p:nvPr/>
-        </p:nvPicPr>
-        <p:blipFill>
-          <a:blip r:embed="rId6"/>
-          <a:stretch>
-            <a:fillRect/>
-          </a:stretch>
-        </p:blipFill>
-        <p:spPr>
-          <a:xfrm flipH="1">
-            <a:off x="1858779" y="3151041"/>
-            <a:ext cx="403398" cy="403398"/>
-          </a:xfrm>
-          <a:prstGeom prst="rect">
-            <a:avLst/>
-          </a:prstGeom>
-        </p:spPr>
-      </p:pic>
-      <p:pic>
-        <p:nvPicPr>
-          <p:cNvPr id="41" name="Picture 40"/>
-          <p:cNvPicPr>
-            <a:picLocks noChangeAspect="1"/>
-          </p:cNvPicPr>
-          <p:nvPr/>
-        </p:nvPicPr>
-        <p:blipFill>
-          <a:blip r:embed="rId7"/>
-          <a:stretch>
-            <a:fillRect/>
-          </a:stretch>
-        </p:blipFill>
-        <p:spPr>
-          <a:xfrm>
-            <a:off x="82690" y="3162139"/>
-            <a:ext cx="404761" cy="404761"/>
-          </a:xfrm>
-          <a:prstGeom prst="rect">
-            <a:avLst/>
-          </a:prstGeom>
-        </p:spPr>
-      </p:pic>
-      <p:pic>
-        <p:nvPicPr>
-          <p:cNvPr id="45" name="Picture 44"/>
-          <p:cNvPicPr>
-            <a:picLocks noChangeAspect="1"/>
-          </p:cNvPicPr>
-          <p:nvPr/>
-        </p:nvPicPr>
-        <p:blipFill>
-          <a:blip r:embed="rId8"/>
-          <a:stretch>
-            <a:fillRect/>
-          </a:stretch>
-        </p:blipFill>
-        <p:spPr>
-          <a:xfrm>
             <a:off x="5622431" y="3159575"/>
             <a:ext cx="395668" cy="399131"/>
           </a:xfrm>
@@ -4431,7 +4311,7 @@
           <p:nvPr/>
         </p:nvPicPr>
         <p:blipFill>
-          <a:blip r:embed="rId9"/>
+          <a:blip r:embed="rId6"/>
           <a:stretch>
             <a:fillRect/>
           </a:stretch>
@@ -4573,44 +4453,6 @@
           </a:p>
         </p:txBody>
       </p:sp>
-      <p:cxnSp>
-        <p:nvCxnSpPr>
-          <p:cNvPr id="3" name="Straight Connector 2"/>
-          <p:cNvCxnSpPr/>
-          <p:nvPr/>
-        </p:nvCxnSpPr>
-        <p:spPr>
-          <a:xfrm>
-            <a:off x="1719379" y="2542981"/>
-            <a:ext cx="0" cy="472278"/>
-          </a:xfrm>
-          <a:prstGeom prst="line">
-            <a:avLst/>
-          </a:prstGeom>
-          <a:ln w="22225" cap="rnd" cmpd="sng">
-            <a:solidFill>
-              <a:schemeClr val="accent3">
-                <a:lumMod val="50000"/>
-              </a:schemeClr>
-            </a:solidFill>
-            <a:prstDash val="sysDot"/>
-          </a:ln>
-        </p:spPr>
-        <p:style>
-          <a:lnRef idx="3">
-            <a:schemeClr val="accent3"/>
-          </a:lnRef>
-          <a:fillRef idx="0">
-            <a:schemeClr val="accent3"/>
-          </a:fillRef>
-          <a:effectRef idx="2">
-            <a:schemeClr val="accent3"/>
-          </a:effectRef>
-          <a:fontRef idx="minor">
-            <a:schemeClr val="tx1"/>
-          </a:fontRef>
-        </p:style>
-      </p:cxnSp>
       <p:grpSp>
         <p:nvGrpSpPr>
           <p:cNvPr id="12" name="Group 11"/>
@@ -4677,7 +4519,7 @@
             <p:nvPr/>
           </p:nvPicPr>
           <p:blipFill>
-            <a:blip r:embed="rId10"/>
+            <a:blip r:embed="rId7"/>
             <a:stretch>
               <a:fillRect/>
             </a:stretch>
@@ -5076,8 +4918,8 @@
         </p:nvSpPr>
         <p:spPr>
           <a:xfrm>
-            <a:off x="1020198" y="2967611"/>
-            <a:ext cx="630903" cy="215444"/>
+            <a:off x="-16936" y="2087082"/>
+            <a:ext cx="1123401" cy="215444"/>
           </a:xfrm>
           <a:prstGeom prst="rect">
             <a:avLst/>
@@ -5101,55 +4943,7 @@
                 <a:latin typeface="Arial"/>
                 <a:cs typeface="Arial"/>
               </a:rPr>
-              <a:t>START</a:t>
-            </a:r>
-            <a:endParaRPr lang="en-US" sz="800" dirty="0">
-              <a:solidFill>
-                <a:schemeClr val="tx1">
-                  <a:lumMod val="65000"/>
-                  <a:lumOff val="35000"/>
-                </a:schemeClr>
-              </a:solidFill>
-              <a:latin typeface="Arial"/>
-              <a:cs typeface="Arial"/>
-            </a:endParaRPr>
-          </a:p>
-        </p:txBody>
-      </p:sp>
-      <p:sp>
-        <p:nvSpPr>
-          <p:cNvPr id="47" name="TextBox 46"/>
-          <p:cNvSpPr txBox="1"/>
-          <p:nvPr/>
-        </p:nvSpPr>
-        <p:spPr>
-          <a:xfrm>
-            <a:off x="2077829" y="2969531"/>
-            <a:ext cx="470371" cy="215444"/>
-          </a:xfrm>
-          <a:prstGeom prst="rect">
-            <a:avLst/>
-          </a:prstGeom>
-          <a:noFill/>
-        </p:spPr>
-        <p:txBody>
-          <a:bodyPr wrap="square" rtlCol="0">
-            <a:spAutoFit/>
-          </a:bodyPr>
-          <a:lstStyle/>
-          <a:p>
-            <a:r>
-              <a:rPr lang="en-US" sz="800" dirty="0" smtClean="0">
-                <a:solidFill>
-                  <a:schemeClr val="tx1">
-                    <a:lumMod val="65000"/>
-                    <a:lumOff val="35000"/>
-                  </a:schemeClr>
-                </a:solidFill>
-                <a:latin typeface="Arial"/>
-                <a:cs typeface="Arial"/>
-              </a:rPr>
-              <a:t>END</a:t>
+              <a:t>DRAG TO START </a:t>
             </a:r>
             <a:endParaRPr lang="en-US" sz="800" dirty="0">
               <a:solidFill>
@@ -5292,6 +5086,78 @@
           </p:txBody>
         </p:sp>
       </p:grpSp>
+      <p:sp>
+        <p:nvSpPr>
+          <p:cNvPr id="40" name="TextBox 39"/>
+          <p:cNvSpPr txBox="1"/>
+          <p:nvPr/>
+        </p:nvSpPr>
+        <p:spPr>
+          <a:xfrm>
+            <a:off x="2104770" y="2055557"/>
+            <a:ext cx="943234" cy="215444"/>
+          </a:xfrm>
+          <a:prstGeom prst="rect">
+            <a:avLst/>
+          </a:prstGeom>
+          <a:noFill/>
+        </p:spPr>
+        <p:txBody>
+          <a:bodyPr wrap="square" rtlCol="0">
+            <a:spAutoFit/>
+          </a:bodyPr>
+          <a:lstStyle/>
+          <a:p>
+            <a:r>
+              <a:rPr lang="en-US" sz="800" dirty="0" smtClean="0">
+                <a:solidFill>
+                  <a:schemeClr val="tx1">
+                    <a:lumMod val="65000"/>
+                    <a:lumOff val="35000"/>
+                  </a:schemeClr>
+                </a:solidFill>
+                <a:latin typeface="Arial"/>
+                <a:cs typeface="Arial"/>
+              </a:rPr>
+              <a:t>DRAG TO END</a:t>
+            </a:r>
+            <a:endParaRPr lang="en-US" sz="800" dirty="0">
+              <a:solidFill>
+                <a:schemeClr val="tx1">
+                  <a:lumMod val="65000"/>
+                  <a:lumOff val="35000"/>
+                </a:schemeClr>
+              </a:solidFill>
+              <a:latin typeface="Arial"/>
+              <a:cs typeface="Arial"/>
+            </a:endParaRPr>
+          </a:p>
+        </p:txBody>
+      </p:sp>
+      <p:pic>
+        <p:nvPicPr>
+          <p:cNvPr id="42" name="Picture 41"/>
+          <p:cNvPicPr>
+            <a:picLocks noChangeAspect="1"/>
+          </p:cNvPicPr>
+          <p:nvPr/>
+        </p:nvPicPr>
+        <p:blipFill>
+          <a:blip r:embed="rId8"/>
+          <a:stretch>
+            <a:fillRect/>
+          </a:stretch>
+        </p:blipFill>
+        <p:spPr>
+          <a:xfrm>
+            <a:off x="3617307" y="3142133"/>
+            <a:ext cx="403399" cy="403399"/>
+          </a:xfrm>
+          <a:prstGeom prst="rect">
+            <a:avLst/>
+          </a:prstGeom>
+        </p:spPr>
+      </p:pic>
     </p:spTree>
     <p:extLst>
       <p:ext uri="{BB962C8B-B14F-4D97-AF65-F5344CB8AC3E}">

--- a/GraphicDesign.pptx
+++ b/GraphicDesign.pptx
@@ -4270,8 +4270,8 @@
         </p:blipFill>
         <p:spPr>
           <a:xfrm>
-            <a:off x="82690" y="3162139"/>
-            <a:ext cx="404761" cy="404761"/>
+            <a:off x="8649939" y="2055557"/>
+            <a:ext cx="233905" cy="233905"/>
           </a:xfrm>
           <a:prstGeom prst="rect">
             <a:avLst/>
@@ -4294,7 +4294,7 @@
         </p:blipFill>
         <p:spPr>
           <a:xfrm>
-            <a:off x="5622431" y="3159575"/>
+            <a:off x="3648296" y="5708042"/>
             <a:ext cx="395668" cy="399131"/>
           </a:xfrm>
           <a:prstGeom prst="rect">
@@ -4318,7 +4318,7 @@
         </p:blipFill>
         <p:spPr>
           <a:xfrm>
-            <a:off x="6247527" y="3159575"/>
+            <a:off x="5214594" y="5708042"/>
             <a:ext cx="401576" cy="408159"/>
           </a:xfrm>
           <a:prstGeom prst="rect">
@@ -4657,7 +4657,7 @@
         </p:nvSpPr>
         <p:spPr>
           <a:xfrm>
-            <a:off x="-4320" y="2974017"/>
+            <a:off x="8334487" y="1267650"/>
             <a:ext cx="630903" cy="215444"/>
           </a:xfrm>
           <a:prstGeom prst="rect">
@@ -4731,54 +4731,6 @@
                 <a:cs typeface="Arial"/>
               </a:rPr>
               <a:t>PLAY</a:t>
-            </a:r>
-            <a:endParaRPr lang="en-US" sz="800" dirty="0">
-              <a:solidFill>
-                <a:schemeClr val="tx1">
-                  <a:lumMod val="65000"/>
-                  <a:lumOff val="35000"/>
-                </a:schemeClr>
-              </a:solidFill>
-              <a:latin typeface="Arial"/>
-              <a:cs typeface="Arial"/>
-            </a:endParaRPr>
-          </a:p>
-        </p:txBody>
-      </p:sp>
-      <p:sp>
-        <p:nvSpPr>
-          <p:cNvPr id="34" name="TextBox 33"/>
-          <p:cNvSpPr txBox="1"/>
-          <p:nvPr/>
-        </p:nvSpPr>
-        <p:spPr>
-          <a:xfrm>
-            <a:off x="5282397" y="2969531"/>
-            <a:ext cx="630903" cy="215444"/>
-          </a:xfrm>
-          <a:prstGeom prst="rect">
-            <a:avLst/>
-          </a:prstGeom>
-          <a:noFill/>
-        </p:spPr>
-        <p:txBody>
-          <a:bodyPr wrap="square" rtlCol="0">
-            <a:spAutoFit/>
-          </a:bodyPr>
-          <a:lstStyle/>
-          <a:p>
-            <a:r>
-              <a:rPr lang="en-US" sz="800" dirty="0" smtClean="0">
-                <a:solidFill>
-                  <a:schemeClr val="tx1">
-                    <a:lumMod val="65000"/>
-                    <a:lumOff val="35000"/>
-                  </a:schemeClr>
-                </a:solidFill>
-                <a:latin typeface="Arial"/>
-                <a:cs typeface="Arial"/>
-              </a:rPr>
-              <a:t>HANDS</a:t>
             </a:r>
             <a:endParaRPr lang="en-US" sz="800" dirty="0">
               <a:solidFill>
@@ -5158,6 +5110,54 @@
           </a:prstGeom>
         </p:spPr>
       </p:pic>
+      <p:pic>
+        <p:nvPicPr>
+          <p:cNvPr id="17" name="Picture 16"/>
+          <p:cNvPicPr>
+            <a:picLocks noChangeAspect="1"/>
+          </p:cNvPicPr>
+          <p:nvPr/>
+        </p:nvPicPr>
+        <p:blipFill>
+          <a:blip r:embed="rId9"/>
+          <a:stretch>
+            <a:fillRect/>
+          </a:stretch>
+        </p:blipFill>
+        <p:spPr>
+          <a:xfrm>
+            <a:off x="5616170" y="1426300"/>
+            <a:ext cx="567330" cy="567330"/>
+          </a:xfrm>
+          <a:prstGeom prst="rect">
+            <a:avLst/>
+          </a:prstGeom>
+        </p:spPr>
+      </p:pic>
+      <p:pic>
+        <p:nvPicPr>
+          <p:cNvPr id="20" name="Picture 19"/>
+          <p:cNvPicPr>
+            <a:picLocks noChangeAspect="1"/>
+          </p:cNvPicPr>
+          <p:nvPr/>
+        </p:nvPicPr>
+        <p:blipFill>
+          <a:blip r:embed="rId10"/>
+          <a:stretch>
+            <a:fillRect/>
+          </a:stretch>
+        </p:blipFill>
+        <p:spPr>
+          <a:xfrm>
+            <a:off x="5616170" y="284434"/>
+            <a:ext cx="1289348" cy="1303066"/>
+          </a:xfrm>
+          <a:prstGeom prst="rect">
+            <a:avLst/>
+          </a:prstGeom>
+        </p:spPr>
+      </p:pic>
     </p:spTree>
     <p:extLst>
       <p:ext uri="{BB962C8B-B14F-4D97-AF65-F5344CB8AC3E}">
@@ -6047,6 +6047,55 @@
           </a:prstGeom>
         </p:spPr>
       </p:pic>
+      <p:sp>
+        <p:nvSpPr>
+          <p:cNvPr id="19" name="Bent Arrow 18"/>
+          <p:cNvSpPr/>
+          <p:nvPr/>
+        </p:nvSpPr>
+        <p:spPr>
+          <a:xfrm>
+            <a:off x="5273486" y="812609"/>
+            <a:ext cx="728769" cy="488717"/>
+          </a:xfrm>
+          <a:prstGeom prst="bentArrow">
+            <a:avLst>
+              <a:gd name="adj1" fmla="val 23845"/>
+              <a:gd name="adj2" fmla="val 25000"/>
+              <a:gd name="adj3" fmla="val 25000"/>
+              <a:gd name="adj4" fmla="val 43750"/>
+            </a:avLst>
+          </a:prstGeom>
+        </p:spPr>
+        <p:style>
+          <a:lnRef idx="2">
+            <a:schemeClr val="dk1">
+              <a:shade val="50000"/>
+            </a:schemeClr>
+          </a:lnRef>
+          <a:fillRef idx="1">
+            <a:schemeClr val="dk1"/>
+          </a:fillRef>
+          <a:effectRef idx="0">
+            <a:schemeClr val="dk1"/>
+          </a:effectRef>
+          <a:fontRef idx="minor">
+            <a:schemeClr val="lt1"/>
+          </a:fontRef>
+        </p:style>
+        <p:txBody>
+          <a:bodyPr rtlCol="0" anchor="ctr"/>
+          <a:lstStyle/>
+          <a:p>
+            <a:pPr algn="ctr"/>
+            <a:endParaRPr lang="en-US">
+              <a:solidFill>
+                <a:schemeClr val="tx1"/>
+              </a:solidFill>
+            </a:endParaRPr>
+          </a:p>
+        </p:txBody>
+      </p:sp>
     </p:spTree>
     <p:extLst>
       <p:ext uri="{BB962C8B-B14F-4D97-AF65-F5344CB8AC3E}">

--- a/GraphicDesign.pptx
+++ b/GraphicDesign.pptx
@@ -4256,7 +4256,7 @@
       </p:pic>
       <p:pic>
         <p:nvPicPr>
-          <p:cNvPr id="41" name="Picture 40"/>
+          <p:cNvPr id="45" name="Picture 44"/>
           <p:cNvPicPr>
             <a:picLocks noChangeAspect="1"/>
           </p:cNvPicPr>
@@ -4270,8 +4270,8 @@
         </p:blipFill>
         <p:spPr>
           <a:xfrm>
-            <a:off x="8649939" y="2055557"/>
-            <a:ext cx="233905" cy="233905"/>
+            <a:off x="3648296" y="5708042"/>
+            <a:ext cx="395668" cy="399131"/>
           </a:xfrm>
           <a:prstGeom prst="rect">
             <a:avLst/>
@@ -4280,7 +4280,7 @@
       </p:pic>
       <p:pic>
         <p:nvPicPr>
-          <p:cNvPr id="45" name="Picture 44"/>
+          <p:cNvPr id="48" name="Picture 47"/>
           <p:cNvPicPr>
             <a:picLocks noChangeAspect="1"/>
           </p:cNvPicPr>
@@ -4294,38 +4294,14 @@
         </p:blipFill>
         <p:spPr>
           <a:xfrm>
-            <a:off x="3648296" y="5708042"/>
-            <a:ext cx="395668" cy="399131"/>
+            <a:off x="5214594" y="5708042"/>
+            <a:ext cx="401576" cy="408159"/>
           </a:xfrm>
           <a:prstGeom prst="rect">
             <a:avLst/>
           </a:prstGeom>
         </p:spPr>
       </p:pic>
-      <p:pic>
-        <p:nvPicPr>
-          <p:cNvPr id="48" name="Picture 47"/>
-          <p:cNvPicPr>
-            <a:picLocks noChangeAspect="1"/>
-          </p:cNvPicPr>
-          <p:nvPr/>
-        </p:nvPicPr>
-        <p:blipFill>
-          <a:blip r:embed="rId6"/>
-          <a:stretch>
-            <a:fillRect/>
-          </a:stretch>
-        </p:blipFill>
-        <p:spPr>
-          <a:xfrm>
-            <a:off x="5214594" y="5708042"/>
-            <a:ext cx="401576" cy="408159"/>
-          </a:xfrm>
-          <a:prstGeom prst="rect">
-            <a:avLst/>
-          </a:prstGeom>
-        </p:spPr>
-      </p:pic>
       <p:sp>
         <p:nvSpPr>
           <p:cNvPr id="56" name="Rectangle 55"/>
@@ -4334,7 +4310,7 @@
         </p:nvSpPr>
         <p:spPr>
           <a:xfrm>
-            <a:off x="56000" y="2327297"/>
+            <a:off x="65407" y="2327297"/>
             <a:ext cx="9025414" cy="215684"/>
           </a:xfrm>
           <a:prstGeom prst="rect">
@@ -4383,7 +4359,7 @@
         </p:nvSpPr>
         <p:spPr>
           <a:xfrm flipV="1">
-            <a:off x="330010" y="2350907"/>
+            <a:off x="188635" y="2350906"/>
             <a:ext cx="163953" cy="158326"/>
           </a:xfrm>
           <a:prstGeom prst="triangle">
@@ -4519,7 +4495,7 @@
             <p:nvPr/>
           </p:nvPicPr>
           <p:blipFill>
-            <a:blip r:embed="rId7"/>
+            <a:blip r:embed="rId6"/>
             <a:stretch>
               <a:fillRect/>
             </a:stretch>
@@ -4657,7 +4633,7 @@
         </p:nvSpPr>
         <p:spPr>
           <a:xfrm>
-            <a:off x="8334487" y="1267650"/>
+            <a:off x="8334487" y="1652785"/>
             <a:ext cx="630903" cy="215444"/>
           </a:xfrm>
           <a:prstGeom prst="rect">
@@ -5095,7 +5071,7 @@
           <p:nvPr/>
         </p:nvPicPr>
         <p:blipFill>
-          <a:blip r:embed="rId8"/>
+          <a:blip r:embed="rId7"/>
           <a:stretch>
             <a:fillRect/>
           </a:stretch>
@@ -5112,22 +5088,28 @@
       </p:pic>
       <p:pic>
         <p:nvPicPr>
-          <p:cNvPr id="17" name="Picture 16"/>
+          <p:cNvPr id="55" name="Picture 54" descr="repeat.png"/>
           <p:cNvPicPr>
             <a:picLocks noChangeAspect="1"/>
           </p:cNvPicPr>
           <p:nvPr/>
         </p:nvPicPr>
         <p:blipFill>
-          <a:blip r:embed="rId9"/>
+          <a:blip r:embed="rId8">
+            <a:extLst>
+              <a:ext uri="{28A0092B-C50C-407E-A947-70E740481C1C}">
+                <a14:useLocalDpi xmlns:a14="http://schemas.microsoft.com/office/drawing/2010/main" val="0"/>
+              </a:ext>
+            </a:extLst>
+          </a:blip>
           <a:stretch>
             <a:fillRect/>
           </a:stretch>
         </p:blipFill>
         <p:spPr>
           <a:xfrm>
-            <a:off x="5616170" y="1426300"/>
-            <a:ext cx="567330" cy="567330"/>
+            <a:off x="8763001" y="2269490"/>
+            <a:ext cx="315451" cy="315451"/>
           </a:xfrm>
           <a:prstGeom prst="rect">
             <a:avLst/>
@@ -5136,22 +5118,28 @@
       </p:pic>
       <p:pic>
         <p:nvPicPr>
-          <p:cNvPr id="20" name="Picture 19"/>
+          <p:cNvPr id="57" name="Picture 56" descr="repeatIconoff.png"/>
           <p:cNvPicPr>
             <a:picLocks noChangeAspect="1"/>
           </p:cNvPicPr>
           <p:nvPr/>
         </p:nvPicPr>
         <p:blipFill>
-          <a:blip r:embed="rId10"/>
+          <a:blip r:embed="rId9">
+            <a:extLst>
+              <a:ext uri="{28A0092B-C50C-407E-A947-70E740481C1C}">
+                <a14:useLocalDpi xmlns:a14="http://schemas.microsoft.com/office/drawing/2010/main" val="0"/>
+              </a:ext>
+            </a:extLst>
+          </a:blip>
           <a:stretch>
             <a:fillRect/>
           </a:stretch>
         </p:blipFill>
         <p:spPr>
           <a:xfrm>
-            <a:off x="5616170" y="284434"/>
-            <a:ext cx="1289348" cy="1303066"/>
+            <a:off x="8316974" y="1971122"/>
+            <a:ext cx="332965" cy="332965"/>
           </a:xfrm>
           <a:prstGeom prst="rect">
             <a:avLst/>
@@ -6055,17 +6043,21 @@
         </p:nvSpPr>
         <p:spPr>
           <a:xfrm>
-            <a:off x="5273486" y="812609"/>
-            <a:ext cx="728769" cy="488717"/>
+            <a:off x="5349198" y="884295"/>
+            <a:ext cx="637518" cy="404553"/>
           </a:xfrm>
           <a:prstGeom prst="bentArrow">
             <a:avLst>
               <a:gd name="adj1" fmla="val 23845"/>
               <a:gd name="adj2" fmla="val 25000"/>
               <a:gd name="adj3" fmla="val 25000"/>
-              <a:gd name="adj4" fmla="val 43750"/>
+              <a:gd name="adj4" fmla="val 25579"/>
             </a:avLst>
           </a:prstGeom>
+          <a:solidFill>
+            <a:srgbClr val="FFFF00"/>
+          </a:solidFill>
+          <a:ln w="0"/>
         </p:spPr>
         <p:style>
           <a:lnRef idx="2">
@@ -6088,14 +6080,131 @@
           <a:lstStyle/>
           <a:p>
             <a:pPr algn="ctr"/>
-            <a:endParaRPr lang="en-US">
+            <a:endParaRPr lang="en-US" dirty="0" smtClean="0">
               <a:solidFill>
                 <a:schemeClr val="tx1"/>
               </a:solidFill>
             </a:endParaRPr>
           </a:p>
-        </p:txBody>
-      </p:sp>
+          <a:p>
+            <a:pPr algn="ctr"/>
+            <a:endParaRPr lang="en-US" dirty="0">
+              <a:solidFill>
+                <a:schemeClr val="tx1"/>
+              </a:solidFill>
+            </a:endParaRPr>
+          </a:p>
+        </p:txBody>
+      </p:sp>
+      <p:sp>
+        <p:nvSpPr>
+          <p:cNvPr id="20" name="Bent Arrow 19"/>
+          <p:cNvSpPr/>
+          <p:nvPr/>
+        </p:nvSpPr>
+        <p:spPr>
+          <a:xfrm flipH="1" flipV="1">
+            <a:off x="5349198" y="1063997"/>
+            <a:ext cx="637518" cy="404553"/>
+          </a:xfrm>
+          <a:prstGeom prst="bentArrow">
+            <a:avLst>
+              <a:gd name="adj1" fmla="val 23845"/>
+              <a:gd name="adj2" fmla="val 25000"/>
+              <a:gd name="adj3" fmla="val 25000"/>
+              <a:gd name="adj4" fmla="val 43750"/>
+            </a:avLst>
+          </a:prstGeom>
+          <a:solidFill>
+            <a:srgbClr val="FFFF00"/>
+          </a:solidFill>
+          <a:ln w="0"/>
+        </p:spPr>
+        <p:style>
+          <a:lnRef idx="2">
+            <a:schemeClr val="dk1">
+              <a:shade val="50000"/>
+            </a:schemeClr>
+          </a:lnRef>
+          <a:fillRef idx="1">
+            <a:schemeClr val="dk1"/>
+          </a:fillRef>
+          <a:effectRef idx="0">
+            <a:schemeClr val="dk1"/>
+          </a:effectRef>
+          <a:fontRef idx="minor">
+            <a:schemeClr val="lt1"/>
+          </a:fontRef>
+        </p:style>
+        <p:txBody>
+          <a:bodyPr rtlCol="0" anchor="ctr"/>
+          <a:lstStyle/>
+          <a:p>
+            <a:pPr algn="ctr"/>
+            <a:endParaRPr lang="en-US" dirty="0" smtClean="0">
+              <a:solidFill>
+                <a:schemeClr val="tx1"/>
+              </a:solidFill>
+            </a:endParaRPr>
+          </a:p>
+          <a:p>
+            <a:pPr algn="ctr"/>
+            <a:endParaRPr lang="en-US" dirty="0">
+              <a:solidFill>
+                <a:schemeClr val="tx1"/>
+              </a:solidFill>
+            </a:endParaRPr>
+          </a:p>
+        </p:txBody>
+      </p:sp>
+      <p:pic>
+        <p:nvPicPr>
+          <p:cNvPr id="21" name="Picture 20"/>
+          <p:cNvPicPr>
+            <a:picLocks noChangeAspect="1"/>
+          </p:cNvPicPr>
+          <p:nvPr/>
+        </p:nvPicPr>
+        <p:blipFill>
+          <a:blip r:embed="rId10"/>
+          <a:stretch>
+            <a:fillRect/>
+          </a:stretch>
+        </p:blipFill>
+        <p:spPr>
+          <a:xfrm>
+            <a:off x="5134204" y="219109"/>
+            <a:ext cx="2051892" cy="2051892"/>
+          </a:xfrm>
+          <a:prstGeom prst="rect">
+            <a:avLst/>
+          </a:prstGeom>
+        </p:spPr>
+      </p:pic>
+      <p:pic>
+        <p:nvPicPr>
+          <p:cNvPr id="22" name="Picture 21"/>
+          <p:cNvPicPr>
+            <a:picLocks noChangeAspect="1"/>
+          </p:cNvPicPr>
+          <p:nvPr/>
+        </p:nvPicPr>
+        <p:blipFill>
+          <a:blip r:embed="rId11"/>
+          <a:stretch>
+            <a:fillRect/>
+          </a:stretch>
+        </p:blipFill>
+        <p:spPr>
+          <a:xfrm>
+            <a:off x="7757894" y="1150697"/>
+            <a:ext cx="233905" cy="233905"/>
+          </a:xfrm>
+          <a:prstGeom prst="rect">
+            <a:avLst/>
+          </a:prstGeom>
+        </p:spPr>
+      </p:pic>
     </p:spTree>
     <p:extLst>
       <p:ext uri="{BB962C8B-B14F-4D97-AF65-F5344CB8AC3E}">

--- a/GraphicDesign.pptx
+++ b/GraphicDesign.pptx
@@ -3098,23 +3098,941 @@
           <a:chExt cx="0" cy="0"/>
         </a:xfrm>
       </p:grpSpPr>
+      <p:sp>
+        <p:nvSpPr>
+          <p:cNvPr id="39" name="TextBox 38"/>
+          <p:cNvSpPr txBox="1"/>
+          <p:nvPr/>
+        </p:nvSpPr>
+        <p:spPr>
+          <a:xfrm>
+            <a:off x="3846130" y="1056968"/>
+            <a:ext cx="1043876" cy="369332"/>
+          </a:xfrm>
+          <a:prstGeom prst="rect">
+            <a:avLst/>
+          </a:prstGeom>
+          <a:noFill/>
+        </p:spPr>
+        <p:txBody>
+          <a:bodyPr wrap="none" rtlCol="0">
+            <a:spAutoFit/>
+          </a:bodyPr>
+          <a:lstStyle/>
+          <a:p>
+            <a:r>
+              <a:rPr lang="en-US" dirty="0" smtClean="0"/>
+              <a:t>NORMAL</a:t>
+            </a:r>
+          </a:p>
+        </p:txBody>
+      </p:sp>
+      <p:sp>
+        <p:nvSpPr>
+          <p:cNvPr id="16" name="Rectangle 15"/>
+          <p:cNvSpPr/>
+          <p:nvPr/>
+        </p:nvSpPr>
+        <p:spPr>
+          <a:xfrm>
+            <a:off x="57620" y="3821042"/>
+            <a:ext cx="9004443" cy="693839"/>
+          </a:xfrm>
+          <a:prstGeom prst="rect">
+            <a:avLst/>
+          </a:prstGeom>
+        </p:spPr>
+        <p:style>
+          <a:lnRef idx="1">
+            <a:schemeClr val="dk1"/>
+          </a:lnRef>
+          <a:fillRef idx="3">
+            <a:schemeClr val="dk1"/>
+          </a:fillRef>
+          <a:effectRef idx="2">
+            <a:schemeClr val="dk1"/>
+          </a:effectRef>
+          <a:fontRef idx="minor">
+            <a:schemeClr val="lt1"/>
+          </a:fontRef>
+        </p:style>
+        <p:txBody>
+          <a:bodyPr rtlCol="0" anchor="ctr"/>
+          <a:lstStyle/>
+          <a:p>
+            <a:pPr algn="ctr"/>
+            <a:endParaRPr lang="en-US" dirty="0"/>
+          </a:p>
+        </p:txBody>
+      </p:sp>
+      <p:pic>
+        <p:nvPicPr>
+          <p:cNvPr id="6" name="Picture 5"/>
+          <p:cNvPicPr>
+            <a:picLocks noChangeAspect="1"/>
+          </p:cNvPicPr>
+          <p:nvPr/>
+        </p:nvPicPr>
+        <p:blipFill>
+          <a:blip r:embed="rId2"/>
+          <a:stretch>
+            <a:fillRect/>
+          </a:stretch>
+        </p:blipFill>
+        <p:spPr>
+          <a:xfrm>
+            <a:off x="4108826" y="3955525"/>
+            <a:ext cx="403399" cy="403399"/>
+          </a:xfrm>
+          <a:prstGeom prst="rect">
+            <a:avLst/>
+          </a:prstGeom>
+        </p:spPr>
+      </p:pic>
+      <p:pic>
+        <p:nvPicPr>
+          <p:cNvPr id="9" name="Picture 8"/>
+          <p:cNvPicPr>
+            <a:picLocks noChangeAspect="1"/>
+          </p:cNvPicPr>
+          <p:nvPr/>
+        </p:nvPicPr>
+        <p:blipFill>
+          <a:blip r:embed="rId3"/>
+          <a:stretch>
+            <a:fillRect/>
+          </a:stretch>
+        </p:blipFill>
+        <p:spPr>
+          <a:xfrm>
+            <a:off x="4651162" y="3954163"/>
+            <a:ext cx="403399" cy="403399"/>
+          </a:xfrm>
+          <a:prstGeom prst="rect">
+            <a:avLst/>
+          </a:prstGeom>
+        </p:spPr>
+      </p:pic>
+      <p:pic>
+        <p:nvPicPr>
+          <p:cNvPr id="10" name="Picture 9"/>
+          <p:cNvPicPr>
+            <a:picLocks noChangeAspect="1"/>
+          </p:cNvPicPr>
+          <p:nvPr/>
+        </p:nvPicPr>
+        <p:blipFill>
+          <a:blip r:embed="rId3"/>
+          <a:stretch>
+            <a:fillRect/>
+          </a:stretch>
+        </p:blipFill>
+        <p:spPr>
+          <a:xfrm flipH="1">
+            <a:off x="3104110" y="3954163"/>
+            <a:ext cx="403399" cy="403399"/>
+          </a:xfrm>
+          <a:prstGeom prst="rect">
+            <a:avLst/>
+          </a:prstGeom>
+        </p:spPr>
+      </p:pic>
+      <p:pic>
+        <p:nvPicPr>
+          <p:cNvPr id="45" name="Picture 44"/>
+          <p:cNvPicPr>
+            <a:picLocks noChangeAspect="1"/>
+          </p:cNvPicPr>
+          <p:nvPr/>
+        </p:nvPicPr>
+        <p:blipFill>
+          <a:blip r:embed="rId4"/>
+          <a:stretch>
+            <a:fillRect/>
+          </a:stretch>
+        </p:blipFill>
+        <p:spPr>
+          <a:xfrm>
+            <a:off x="5581980" y="3965570"/>
+            <a:ext cx="395668" cy="399131"/>
+          </a:xfrm>
+          <a:prstGeom prst="rect">
+            <a:avLst/>
+          </a:prstGeom>
+        </p:spPr>
+      </p:pic>
+      <p:pic>
+        <p:nvPicPr>
+          <p:cNvPr id="48" name="Picture 47"/>
+          <p:cNvPicPr>
+            <a:picLocks noChangeAspect="1"/>
+          </p:cNvPicPr>
+          <p:nvPr/>
+        </p:nvPicPr>
+        <p:blipFill>
+          <a:blip r:embed="rId5"/>
+          <a:stretch>
+            <a:fillRect/>
+          </a:stretch>
+        </p:blipFill>
+        <p:spPr>
+          <a:xfrm>
+            <a:off x="6299092" y="3967738"/>
+            <a:ext cx="401576" cy="408159"/>
+          </a:xfrm>
+          <a:prstGeom prst="rect">
+            <a:avLst/>
+          </a:prstGeom>
+        </p:spPr>
+      </p:pic>
+      <p:sp>
+        <p:nvSpPr>
+          <p:cNvPr id="56" name="Rectangle 55"/>
+          <p:cNvSpPr/>
+          <p:nvPr/>
+        </p:nvSpPr>
+        <p:spPr>
+          <a:xfrm>
+            <a:off x="65407" y="1663583"/>
+            <a:ext cx="9025414" cy="215684"/>
+          </a:xfrm>
+          <a:prstGeom prst="rect">
+            <a:avLst/>
+          </a:prstGeom>
+          <a:solidFill>
+            <a:schemeClr val="tx1">
+              <a:lumMod val="50000"/>
+              <a:lumOff val="50000"/>
+            </a:schemeClr>
+          </a:solidFill>
+        </p:spPr>
+        <p:style>
+          <a:lnRef idx="1">
+            <a:schemeClr val="dk1"/>
+          </a:lnRef>
+          <a:fillRef idx="3">
+            <a:schemeClr val="dk1"/>
+          </a:fillRef>
+          <a:effectRef idx="2">
+            <a:schemeClr val="dk1"/>
+          </a:effectRef>
+          <a:fontRef idx="minor">
+            <a:schemeClr val="lt1"/>
+          </a:fontRef>
+        </p:style>
+        <p:txBody>
+          <a:bodyPr rot="0" spcFirstLastPara="0" vertOverflow="overflow" horzOverflow="overflow" vert="horz" wrap="square" lIns="91440" tIns="45720" rIns="91440" bIns="45720" numCol="1" spcCol="0" rtlCol="0" fromWordArt="0" anchor="ctr" anchorCtr="0" forceAA="0" compatLnSpc="1">
+            <a:prstTxWarp prst="textNoShape">
+              <a:avLst/>
+            </a:prstTxWarp>
+            <a:noAutofit/>
+          </a:bodyPr>
+          <a:lstStyle/>
+          <a:p>
+            <a:pPr algn="ctr"/>
+            <a:endParaRPr lang="en-US"/>
+          </a:p>
+        </p:txBody>
+      </p:sp>
+      <p:grpSp>
+        <p:nvGrpSpPr>
+          <p:cNvPr id="12" name="Group 11"/>
+          <p:cNvGrpSpPr/>
+          <p:nvPr/>
+        </p:nvGrpSpPr>
+        <p:grpSpPr>
+          <a:xfrm>
+            <a:off x="36650" y="4531269"/>
+            <a:ext cx="9025414" cy="850391"/>
+            <a:chOff x="0" y="3853591"/>
+            <a:chExt cx="9144000" cy="850391"/>
+          </a:xfrm>
+        </p:grpSpPr>
+        <p:sp>
+          <p:nvSpPr>
+            <p:cNvPr id="13" name="Rectangle 12"/>
+            <p:cNvSpPr/>
+            <p:nvPr/>
+          </p:nvSpPr>
+          <p:spPr>
+            <a:xfrm>
+              <a:off x="19604" y="3853591"/>
+              <a:ext cx="9124396" cy="45719"/>
+            </a:xfrm>
+            <a:prstGeom prst="rect">
+              <a:avLst/>
+            </a:prstGeom>
+            <a:solidFill>
+              <a:srgbClr val="FF0000"/>
+            </a:solidFill>
+          </p:spPr>
+          <p:style>
+            <a:lnRef idx="2">
+              <a:schemeClr val="accent2">
+                <a:shade val="50000"/>
+              </a:schemeClr>
+            </a:lnRef>
+            <a:fillRef idx="1">
+              <a:schemeClr val="accent2"/>
+            </a:fillRef>
+            <a:effectRef idx="0">
+              <a:schemeClr val="accent2"/>
+            </a:effectRef>
+            <a:fontRef idx="minor">
+              <a:schemeClr val="lt1"/>
+            </a:fontRef>
+          </p:style>
+          <p:txBody>
+            <a:bodyPr rtlCol="0" anchor="ctr"/>
+            <a:lstStyle/>
+            <a:p>
+              <a:pPr algn="ctr"/>
+              <a:endParaRPr lang="en-US"/>
+            </a:p>
+          </p:txBody>
+        </p:sp>
+        <p:pic>
+          <p:nvPicPr>
+            <p:cNvPr id="8" name="Picture 7"/>
+            <p:cNvPicPr>
+              <a:picLocks noChangeAspect="1"/>
+            </p:cNvPicPr>
+            <p:nvPr/>
+          </p:nvPicPr>
+          <p:blipFill>
+            <a:blip r:embed="rId6"/>
+            <a:stretch>
+              <a:fillRect/>
+            </a:stretch>
+          </p:blipFill>
+          <p:spPr>
+            <a:xfrm>
+              <a:off x="0" y="3899310"/>
+              <a:ext cx="9144000" cy="804672"/>
+            </a:xfrm>
+            <a:prstGeom prst="rect">
+              <a:avLst/>
+            </a:prstGeom>
+          </p:spPr>
+        </p:pic>
+      </p:grpSp>
+      <p:cxnSp>
+        <p:nvCxnSpPr>
+          <p:cNvPr id="29" name="Straight Connector 28"/>
+          <p:cNvCxnSpPr/>
+          <p:nvPr/>
+        </p:nvCxnSpPr>
+        <p:spPr>
+          <a:xfrm>
+            <a:off x="2839879" y="3837430"/>
+            <a:ext cx="0" cy="693839"/>
+          </a:xfrm>
+          <a:prstGeom prst="line">
+            <a:avLst/>
+          </a:prstGeom>
+          <a:ln w="9525" cmpd="sng">
+            <a:solidFill>
+              <a:schemeClr val="bg1">
+                <a:lumMod val="50000"/>
+              </a:schemeClr>
+            </a:solidFill>
+            <a:prstDash val="lgDash"/>
+          </a:ln>
+        </p:spPr>
+        <p:style>
+          <a:lnRef idx="2">
+            <a:schemeClr val="accent1"/>
+          </a:lnRef>
+          <a:fillRef idx="0">
+            <a:schemeClr val="accent1"/>
+          </a:fillRef>
+          <a:effectRef idx="1">
+            <a:schemeClr val="accent1"/>
+          </a:effectRef>
+          <a:fontRef idx="minor">
+            <a:schemeClr val="tx1"/>
+          </a:fontRef>
+        </p:style>
+      </p:cxnSp>
+      <p:cxnSp>
+        <p:nvCxnSpPr>
+          <p:cNvPr id="31" name="Straight Connector 30"/>
+          <p:cNvCxnSpPr/>
+          <p:nvPr/>
+        </p:nvCxnSpPr>
+        <p:spPr>
+          <a:xfrm>
+            <a:off x="5327440" y="3837430"/>
+            <a:ext cx="0" cy="693839"/>
+          </a:xfrm>
+          <a:prstGeom prst="line">
+            <a:avLst/>
+          </a:prstGeom>
+          <a:ln w="9525" cmpd="sng">
+            <a:solidFill>
+              <a:schemeClr val="bg1">
+                <a:lumMod val="50000"/>
+              </a:schemeClr>
+            </a:solidFill>
+            <a:prstDash val="lgDash"/>
+          </a:ln>
+        </p:spPr>
+        <p:style>
+          <a:lnRef idx="2">
+            <a:schemeClr val="accent1"/>
+          </a:lnRef>
+          <a:fillRef idx="0">
+            <a:schemeClr val="accent1"/>
+          </a:fillRef>
+          <a:effectRef idx="1">
+            <a:schemeClr val="accent1"/>
+          </a:effectRef>
+          <a:fontRef idx="minor">
+            <a:schemeClr val="tx1"/>
+          </a:fontRef>
+        </p:style>
+      </p:cxnSp>
+      <p:cxnSp>
+        <p:nvCxnSpPr>
+          <p:cNvPr id="32" name="Straight Connector 31"/>
+          <p:cNvCxnSpPr/>
+          <p:nvPr/>
+        </p:nvCxnSpPr>
+        <p:spPr>
+          <a:xfrm>
+            <a:off x="6897324" y="3797976"/>
+            <a:ext cx="0" cy="693839"/>
+          </a:xfrm>
+          <a:prstGeom prst="line">
+            <a:avLst/>
+          </a:prstGeom>
+          <a:ln w="9525" cmpd="sng">
+            <a:solidFill>
+              <a:schemeClr val="bg1">
+                <a:lumMod val="50000"/>
+              </a:schemeClr>
+            </a:solidFill>
+            <a:prstDash val="lgDash"/>
+          </a:ln>
+        </p:spPr>
+        <p:style>
+          <a:lnRef idx="2">
+            <a:schemeClr val="accent1"/>
+          </a:lnRef>
+          <a:fillRef idx="0">
+            <a:schemeClr val="accent1"/>
+          </a:fillRef>
+          <a:effectRef idx="1">
+            <a:schemeClr val="accent1"/>
+          </a:effectRef>
+          <a:fontRef idx="minor">
+            <a:schemeClr val="tx1"/>
+          </a:fontRef>
+        </p:style>
+      </p:cxnSp>
+      <p:sp>
+        <p:nvSpPr>
+          <p:cNvPr id="15" name="TextBox 14"/>
+          <p:cNvSpPr txBox="1"/>
+          <p:nvPr/>
+        </p:nvSpPr>
+        <p:spPr>
+          <a:xfrm>
+            <a:off x="73193" y="3814364"/>
+            <a:ext cx="630903" cy="215444"/>
+          </a:xfrm>
+          <a:prstGeom prst="rect">
+            <a:avLst/>
+          </a:prstGeom>
+          <a:noFill/>
+        </p:spPr>
+        <p:txBody>
+          <a:bodyPr wrap="square" rtlCol="0">
+            <a:spAutoFit/>
+          </a:bodyPr>
+          <a:lstStyle/>
+          <a:p>
+            <a:r>
+              <a:rPr lang="en-US" sz="800" dirty="0" smtClean="0">
+                <a:solidFill>
+                  <a:schemeClr val="tx1">
+                    <a:lumMod val="65000"/>
+                    <a:lumOff val="35000"/>
+                  </a:schemeClr>
+                </a:solidFill>
+                <a:latin typeface="Arial"/>
+                <a:cs typeface="Arial"/>
+              </a:rPr>
+              <a:t>REPEAT</a:t>
+            </a:r>
+            <a:endParaRPr lang="en-US" sz="800" dirty="0">
+              <a:solidFill>
+                <a:schemeClr val="tx1">
+                  <a:lumMod val="65000"/>
+                  <a:lumOff val="35000"/>
+                </a:schemeClr>
+              </a:solidFill>
+              <a:latin typeface="Arial"/>
+              <a:cs typeface="Arial"/>
+            </a:endParaRPr>
+          </a:p>
+        </p:txBody>
+      </p:sp>
+      <p:sp>
+        <p:nvSpPr>
+          <p:cNvPr id="33" name="TextBox 32"/>
+          <p:cNvSpPr txBox="1"/>
+          <p:nvPr/>
+        </p:nvSpPr>
+        <p:spPr>
+          <a:xfrm>
+            <a:off x="2786562" y="3771606"/>
+            <a:ext cx="630903" cy="215444"/>
+          </a:xfrm>
+          <a:prstGeom prst="rect">
+            <a:avLst/>
+          </a:prstGeom>
+          <a:noFill/>
+        </p:spPr>
+        <p:txBody>
+          <a:bodyPr wrap="square" rtlCol="0">
+            <a:spAutoFit/>
+          </a:bodyPr>
+          <a:lstStyle/>
+          <a:p>
+            <a:r>
+              <a:rPr lang="en-US" sz="800" dirty="0" smtClean="0">
+                <a:solidFill>
+                  <a:schemeClr val="tx1">
+                    <a:lumMod val="65000"/>
+                    <a:lumOff val="35000"/>
+                  </a:schemeClr>
+                </a:solidFill>
+                <a:latin typeface="Arial"/>
+                <a:cs typeface="Arial"/>
+              </a:rPr>
+              <a:t>PLAY</a:t>
+            </a:r>
+            <a:endParaRPr lang="en-US" sz="800" dirty="0">
+              <a:solidFill>
+                <a:schemeClr val="tx1">
+                  <a:lumMod val="65000"/>
+                  <a:lumOff val="35000"/>
+                </a:schemeClr>
+              </a:solidFill>
+              <a:latin typeface="Arial"/>
+              <a:cs typeface="Arial"/>
+            </a:endParaRPr>
+          </a:p>
+        </p:txBody>
+      </p:sp>
+      <p:sp>
+        <p:nvSpPr>
+          <p:cNvPr id="35" name="TextBox 34"/>
+          <p:cNvSpPr txBox="1"/>
+          <p:nvPr/>
+        </p:nvSpPr>
+        <p:spPr>
+          <a:xfrm>
+            <a:off x="6831772" y="3771606"/>
+            <a:ext cx="630903" cy="215444"/>
+          </a:xfrm>
+          <a:prstGeom prst="rect">
+            <a:avLst/>
+          </a:prstGeom>
+          <a:noFill/>
+        </p:spPr>
+        <p:txBody>
+          <a:bodyPr wrap="square" rtlCol="0">
+            <a:spAutoFit/>
+          </a:bodyPr>
+          <a:lstStyle/>
+          <a:p>
+            <a:r>
+              <a:rPr lang="en-US" sz="800" dirty="0" smtClean="0">
+                <a:solidFill>
+                  <a:schemeClr val="tx1">
+                    <a:lumMod val="65000"/>
+                    <a:lumOff val="35000"/>
+                  </a:schemeClr>
+                </a:solidFill>
+                <a:latin typeface="Arial"/>
+                <a:cs typeface="Arial"/>
+              </a:rPr>
+              <a:t>TEMPO</a:t>
+            </a:r>
+            <a:endParaRPr lang="en-US" sz="800" dirty="0">
+              <a:solidFill>
+                <a:schemeClr val="tx1">
+                  <a:lumMod val="65000"/>
+                  <a:lumOff val="35000"/>
+                </a:schemeClr>
+              </a:solidFill>
+              <a:latin typeface="Arial"/>
+              <a:cs typeface="Arial"/>
+            </a:endParaRPr>
+          </a:p>
+        </p:txBody>
+      </p:sp>
+      <p:cxnSp>
+        <p:nvCxnSpPr>
+          <p:cNvPr id="22" name="Straight Connector 21"/>
+          <p:cNvCxnSpPr/>
+          <p:nvPr/>
+        </p:nvCxnSpPr>
+        <p:spPr>
+          <a:xfrm>
+            <a:off x="7447073" y="4181524"/>
+            <a:ext cx="1397053" cy="0"/>
+          </a:xfrm>
+          <a:prstGeom prst="line">
+            <a:avLst/>
+          </a:prstGeom>
+          <a:ln w="57150" cmpd="sng"/>
+        </p:spPr>
+        <p:style>
+          <a:lnRef idx="3">
+            <a:schemeClr val="accent1"/>
+          </a:lnRef>
+          <a:fillRef idx="0">
+            <a:schemeClr val="accent1"/>
+          </a:fillRef>
+          <a:effectRef idx="2">
+            <a:schemeClr val="accent1"/>
+          </a:effectRef>
+          <a:fontRef idx="minor">
+            <a:schemeClr val="tx1"/>
+          </a:fontRef>
+        </p:style>
+      </p:cxnSp>
+      <p:sp>
+        <p:nvSpPr>
+          <p:cNvPr id="38" name="Oval 37"/>
+          <p:cNvSpPr/>
+          <p:nvPr/>
+        </p:nvSpPr>
+        <p:spPr>
+          <a:xfrm>
+            <a:off x="7866653" y="4115427"/>
+            <a:ext cx="137160" cy="137160"/>
+          </a:xfrm>
+          <a:prstGeom prst="ellipse">
+            <a:avLst/>
+          </a:prstGeom>
+        </p:spPr>
+        <p:style>
+          <a:lnRef idx="1">
+            <a:schemeClr val="dk1"/>
+          </a:lnRef>
+          <a:fillRef idx="2">
+            <a:schemeClr val="dk1"/>
+          </a:fillRef>
+          <a:effectRef idx="1">
+            <a:schemeClr val="dk1"/>
+          </a:effectRef>
+          <a:fontRef idx="minor">
+            <a:schemeClr val="dk1"/>
+          </a:fontRef>
+        </p:style>
+        <p:txBody>
+          <a:bodyPr rtlCol="0" anchor="ctr"/>
+          <a:lstStyle/>
+          <a:p>
+            <a:pPr algn="ctr"/>
+            <a:endParaRPr lang="en-US"/>
+          </a:p>
+        </p:txBody>
+      </p:sp>
+      <p:sp>
+        <p:nvSpPr>
+          <p:cNvPr id="46" name="TextBox 45"/>
+          <p:cNvSpPr txBox="1"/>
+          <p:nvPr/>
+        </p:nvSpPr>
+        <p:spPr>
+          <a:xfrm>
+            <a:off x="704096" y="3818290"/>
+            <a:ext cx="942807" cy="215444"/>
+          </a:xfrm>
+          <a:prstGeom prst="rect">
+            <a:avLst/>
+          </a:prstGeom>
+          <a:noFill/>
+        </p:spPr>
+        <p:txBody>
+          <a:bodyPr wrap="square" rtlCol="0">
+            <a:spAutoFit/>
+          </a:bodyPr>
+          <a:lstStyle/>
+          <a:p>
+            <a:r>
+              <a:rPr lang="en-US" sz="800" dirty="0" smtClean="0">
+                <a:solidFill>
+                  <a:schemeClr val="tx1">
+                    <a:lumMod val="65000"/>
+                    <a:lumOff val="35000"/>
+                  </a:schemeClr>
+                </a:solidFill>
+                <a:latin typeface="Arial"/>
+                <a:cs typeface="Arial"/>
+              </a:rPr>
+              <a:t>SELECT</a:t>
+            </a:r>
+            <a:r>
+              <a:rPr lang="en-US" sz="800" dirty="0" smtClean="0">
+                <a:solidFill>
+                  <a:schemeClr val="tx1">
+                    <a:lumMod val="65000"/>
+                    <a:lumOff val="35000"/>
+                  </a:schemeClr>
+                </a:solidFill>
+                <a:latin typeface="Arial"/>
+                <a:cs typeface="Arial"/>
+              </a:rPr>
+              <a:t> START </a:t>
+            </a:r>
+            <a:endParaRPr lang="en-US" sz="800" dirty="0">
+              <a:solidFill>
+                <a:schemeClr val="tx1">
+                  <a:lumMod val="65000"/>
+                  <a:lumOff val="35000"/>
+                </a:schemeClr>
+              </a:solidFill>
+              <a:latin typeface="Arial"/>
+              <a:cs typeface="Arial"/>
+            </a:endParaRPr>
+          </a:p>
+        </p:txBody>
+      </p:sp>
+      <p:grpSp>
+        <p:nvGrpSpPr>
+          <p:cNvPr id="2" name="Group 1"/>
+          <p:cNvGrpSpPr/>
+          <p:nvPr/>
+        </p:nvGrpSpPr>
+        <p:grpSpPr>
+          <a:xfrm>
+            <a:off x="7019396" y="3989834"/>
+            <a:ext cx="255648" cy="417248"/>
+            <a:chOff x="6595790" y="1009052"/>
+            <a:chExt cx="255648" cy="417248"/>
+          </a:xfrm>
+        </p:grpSpPr>
+        <p:sp>
+          <p:nvSpPr>
+            <p:cNvPr id="49" name="Trapezoid 48"/>
+            <p:cNvSpPr/>
+            <p:nvPr/>
+          </p:nvSpPr>
+          <p:spPr>
+            <a:xfrm>
+              <a:off x="6595790" y="1009052"/>
+              <a:ext cx="255648" cy="417248"/>
+            </a:xfrm>
+            <a:prstGeom prst="trapezoid">
+              <a:avLst>
+                <a:gd name="adj" fmla="val 34677"/>
+              </a:avLst>
+            </a:prstGeom>
+            <a:ln/>
+          </p:spPr>
+          <p:style>
+            <a:lnRef idx="1">
+              <a:schemeClr val="accent6"/>
+            </a:lnRef>
+            <a:fillRef idx="2">
+              <a:schemeClr val="accent6"/>
+            </a:fillRef>
+            <a:effectRef idx="1">
+              <a:schemeClr val="accent6"/>
+            </a:effectRef>
+            <a:fontRef idx="minor">
+              <a:schemeClr val="dk1"/>
+            </a:fontRef>
+          </p:style>
+          <p:txBody>
+            <a:bodyPr rtlCol="0" anchor="ctr"/>
+            <a:lstStyle/>
+            <a:p>
+              <a:pPr algn="ctr"/>
+              <a:endParaRPr lang="en-US"/>
+            </a:p>
+          </p:txBody>
+        </p:sp>
+        <p:cxnSp>
+          <p:nvCxnSpPr>
+            <p:cNvPr id="51" name="Straight Connector 50"/>
+            <p:cNvCxnSpPr>
+              <a:stCxn id="49" idx="0"/>
+            </p:cNvCxnSpPr>
+            <p:nvPr/>
+          </p:nvCxnSpPr>
+          <p:spPr>
+            <a:xfrm flipH="1">
+              <a:off x="6716206" y="1009052"/>
+              <a:ext cx="7408" cy="311301"/>
+            </a:xfrm>
+            <a:prstGeom prst="line">
+              <a:avLst/>
+            </a:prstGeom>
+            <a:ln/>
+          </p:spPr>
+          <p:style>
+            <a:lnRef idx="1">
+              <a:schemeClr val="accent6"/>
+            </a:lnRef>
+            <a:fillRef idx="2">
+              <a:schemeClr val="accent6"/>
+            </a:fillRef>
+            <a:effectRef idx="1">
+              <a:schemeClr val="accent6"/>
+            </a:effectRef>
+            <a:fontRef idx="minor">
+              <a:schemeClr val="dk1"/>
+            </a:fontRef>
+          </p:style>
+        </p:cxnSp>
+        <p:sp>
+          <p:nvSpPr>
+            <p:cNvPr id="52" name="Isosceles Triangle 51"/>
+            <p:cNvSpPr/>
+            <p:nvPr/>
+          </p:nvSpPr>
+          <p:spPr>
+            <a:xfrm flipV="1">
+              <a:off x="6681839" y="1212403"/>
+              <a:ext cx="72457" cy="87692"/>
+            </a:xfrm>
+            <a:prstGeom prst="triangle">
+              <a:avLst/>
+            </a:prstGeom>
+            <a:ln/>
+          </p:spPr>
+          <p:style>
+            <a:lnRef idx="1">
+              <a:schemeClr val="accent6"/>
+            </a:lnRef>
+            <a:fillRef idx="2">
+              <a:schemeClr val="accent6"/>
+            </a:fillRef>
+            <a:effectRef idx="1">
+              <a:schemeClr val="accent6"/>
+            </a:effectRef>
+            <a:fontRef idx="minor">
+              <a:schemeClr val="dk1"/>
+            </a:fontRef>
+          </p:style>
+          <p:txBody>
+            <a:bodyPr rtlCol="0" anchor="ctr"/>
+            <a:lstStyle/>
+            <a:p>
+              <a:pPr algn="ctr"/>
+              <a:endParaRPr lang="en-US"/>
+            </a:p>
+          </p:txBody>
+        </p:sp>
+      </p:grpSp>
+      <p:pic>
+        <p:nvPicPr>
+          <p:cNvPr id="42" name="Picture 41"/>
+          <p:cNvPicPr>
+            <a:picLocks noChangeAspect="1"/>
+          </p:cNvPicPr>
+          <p:nvPr/>
+        </p:nvPicPr>
+        <p:blipFill>
+          <a:blip r:embed="rId7"/>
+          <a:stretch>
+            <a:fillRect/>
+          </a:stretch>
+        </p:blipFill>
+        <p:spPr>
+          <a:xfrm>
+            <a:off x="3609113" y="3947916"/>
+            <a:ext cx="403399" cy="403399"/>
+          </a:xfrm>
+          <a:prstGeom prst="rect">
+            <a:avLst/>
+          </a:prstGeom>
+        </p:spPr>
+      </p:pic>
+      <p:pic>
+        <p:nvPicPr>
+          <p:cNvPr id="55" name="Picture 54" descr="repeat.png"/>
+          <p:cNvPicPr>
+            <a:picLocks noChangeAspect="1"/>
+          </p:cNvPicPr>
+          <p:nvPr/>
+        </p:nvPicPr>
+        <p:blipFill>
+          <a:blip r:embed="rId8">
+            <a:extLst>
+              <a:ext uri="{28A0092B-C50C-407E-A947-70E740481C1C}">
+                <a14:useLocalDpi xmlns:a14="http://schemas.microsoft.com/office/drawing/2010/main" val="0"/>
+              </a:ext>
+            </a:extLst>
+          </a:blip>
+          <a:stretch>
+            <a:fillRect/>
+          </a:stretch>
+        </p:blipFill>
+        <p:spPr>
+          <a:xfrm>
+            <a:off x="143385" y="4010882"/>
+            <a:ext cx="421788" cy="421788"/>
+          </a:xfrm>
+          <a:prstGeom prst="rect">
+            <a:avLst/>
+          </a:prstGeom>
+        </p:spPr>
+      </p:pic>
+      <p:pic>
+        <p:nvPicPr>
+          <p:cNvPr id="57" name="Picture 56" descr="repeatIconoff.png"/>
+          <p:cNvPicPr>
+            <a:picLocks noChangeAspect="1"/>
+          </p:cNvPicPr>
+          <p:nvPr/>
+        </p:nvPicPr>
+        <p:blipFill>
+          <a:blip r:embed="rId9">
+            <a:extLst>
+              <a:ext uri="{28A0092B-C50C-407E-A947-70E740481C1C}">
+                <a14:useLocalDpi xmlns:a14="http://schemas.microsoft.com/office/drawing/2010/main" val="0"/>
+              </a:ext>
+            </a:extLst>
+          </a:blip>
+          <a:stretch>
+            <a:fillRect/>
+          </a:stretch>
+        </p:blipFill>
+        <p:spPr>
+          <a:xfrm>
+            <a:off x="8632425" y="1213136"/>
+            <a:ext cx="332965" cy="332965"/>
+          </a:xfrm>
+          <a:prstGeom prst="rect">
+            <a:avLst/>
+          </a:prstGeom>
+        </p:spPr>
+      </p:pic>
       <p:graphicFrame>
         <p:nvGraphicFramePr>
-          <p:cNvPr id="19" name="Table 18"/>
+          <p:cNvPr id="58" name="Table 57"/>
           <p:cNvGraphicFramePr>
             <a:graphicFrameLocks noGrp="1"/>
           </p:cNvGraphicFramePr>
           <p:nvPr>
             <p:extLst>
               <p:ext uri="{D42A27DB-BD31-4B8C-83A1-F6EECF244321}">
-                <p14:modId xmlns:p14="http://schemas.microsoft.com/office/powerpoint/2010/main" val="921143747"/>
+                <p14:modId xmlns:p14="http://schemas.microsoft.com/office/powerpoint/2010/main" val="3109970632"/>
               </p:ext>
             </p:extLst>
           </p:nvPr>
         </p:nvGraphicFramePr>
         <p:xfrm>
-          <a:off x="54683" y="2542981"/>
-          <a:ext cx="9014250" cy="472278"/>
+          <a:off x="65407" y="1898629"/>
+          <a:ext cx="9003520" cy="472278"/>
         </p:xfrm>
         <a:graphic>
           <a:graphicData uri="http://schemas.openxmlformats.org/drawingml/2006/table">
@@ -3123,31 +4041,26 @@
                 <a:tableStyleId>{69CF1AB2-1976-4502-BF36-3FF5EA218861}</a:tableStyleId>
               </a:tblPr>
               <a:tblGrid>
-                <a:gridCol w="360570"/>
-                <a:gridCol w="360570"/>
-                <a:gridCol w="360570"/>
-                <a:gridCol w="360570"/>
-                <a:gridCol w="360570"/>
-                <a:gridCol w="360570"/>
-                <a:gridCol w="360570"/>
-                <a:gridCol w="360570"/>
-                <a:gridCol w="360570"/>
-                <a:gridCol w="360570"/>
-                <a:gridCol w="360570"/>
-                <a:gridCol w="360570"/>
-                <a:gridCol w="360570"/>
-                <a:gridCol w="360570"/>
-                <a:gridCol w="360570"/>
-                <a:gridCol w="360570"/>
-                <a:gridCol w="360570"/>
-                <a:gridCol w="360570"/>
-                <a:gridCol w="360570"/>
-                <a:gridCol w="360570"/>
-                <a:gridCol w="360570"/>
-                <a:gridCol w="360570"/>
-                <a:gridCol w="360570"/>
-                <a:gridCol w="402996"/>
-                <a:gridCol w="318144"/>
+                <a:gridCol w="450176"/>
+                <a:gridCol w="450176"/>
+                <a:gridCol w="450176"/>
+                <a:gridCol w="450176"/>
+                <a:gridCol w="450176"/>
+                <a:gridCol w="450176"/>
+                <a:gridCol w="450176"/>
+                <a:gridCol w="450176"/>
+                <a:gridCol w="450176"/>
+                <a:gridCol w="450176"/>
+                <a:gridCol w="450176"/>
+                <a:gridCol w="450176"/>
+                <a:gridCol w="450176"/>
+                <a:gridCol w="450176"/>
+                <a:gridCol w="450176"/>
+                <a:gridCol w="450176"/>
+                <a:gridCol w="450176"/>
+                <a:gridCol w="450176"/>
+                <a:gridCol w="450176"/>
+                <a:gridCol w="450176"/>
               </a:tblGrid>
               <a:tr h="472278">
                 <a:tc>
@@ -3925,6 +4838,58 @@
                     </a:solidFill>
                   </a:tcPr>
                 </a:tc>
+              </a:tr>
+            </a:tbl>
+          </a:graphicData>
+        </a:graphic>
+      </p:graphicFrame>
+      <p:graphicFrame>
+        <p:nvGraphicFramePr>
+          <p:cNvPr id="59" name="Table 58"/>
+          <p:cNvGraphicFramePr>
+            <a:graphicFrameLocks noGrp="1"/>
+          </p:cNvGraphicFramePr>
+          <p:nvPr>
+            <p:extLst>
+              <p:ext uri="{D42A27DB-BD31-4B8C-83A1-F6EECF244321}">
+                <p14:modId xmlns:p14="http://schemas.microsoft.com/office/powerpoint/2010/main" val="3773176173"/>
+              </p:ext>
+            </p:extLst>
+          </p:nvPr>
+        </p:nvGraphicFramePr>
+        <p:xfrm>
+          <a:off x="65815" y="2387378"/>
+          <a:ext cx="9003520" cy="472278"/>
+        </p:xfrm>
+        <a:graphic>
+          <a:graphicData uri="http://schemas.openxmlformats.org/drawingml/2006/table">
+            <a:tbl>
+              <a:tblPr firstRow="1" bandRow="1">
+                <a:tableStyleId>{69CF1AB2-1976-4502-BF36-3FF5EA218861}</a:tableStyleId>
+              </a:tblPr>
+              <a:tblGrid>
+                <a:gridCol w="450176"/>
+                <a:gridCol w="450176"/>
+                <a:gridCol w="450176"/>
+                <a:gridCol w="450176"/>
+                <a:gridCol w="450176"/>
+                <a:gridCol w="450176"/>
+                <a:gridCol w="450176"/>
+                <a:gridCol w="450176"/>
+                <a:gridCol w="450176"/>
+                <a:gridCol w="450176"/>
+                <a:gridCol w="450176"/>
+                <a:gridCol w="450176"/>
+                <a:gridCol w="450176"/>
+                <a:gridCol w="450176"/>
+                <a:gridCol w="450176"/>
+                <a:gridCol w="450176"/>
+                <a:gridCol w="450176"/>
+                <a:gridCol w="450176"/>
+                <a:gridCol w="450176"/>
+                <a:gridCol w="450176"/>
+              </a:tblGrid>
+              <a:tr h="472278">
                 <a:tc>
                   <a:txBody>
                     <a:bodyPr/>
@@ -4099,7 +5064,2548 @@
                           <a:spcPct val="150000"/>
                         </a:lnSpc>
                       </a:pPr>
-                      <a:endParaRPr lang="en-US" sz="1200" dirty="0"/>
+                      <a:r>
+                        <a:rPr lang="en-US" sz="1200" dirty="0" smtClean="0">
+                          <a:solidFill>
+                            <a:schemeClr val="bg1">
+                              <a:lumMod val="50000"/>
+                            </a:schemeClr>
+                          </a:solidFill>
+                          <a:latin typeface="Arial"/>
+                          <a:cs typeface="Arial"/>
+                        </a:rPr>
+                        <a:t>25</a:t>
+                      </a:r>
+                      <a:endParaRPr lang="en-US" sz="1200" dirty="0">
+                        <a:solidFill>
+                          <a:schemeClr val="bg1">
+                            <a:lumMod val="50000"/>
+                          </a:schemeClr>
+                        </a:solidFill>
+                        <a:latin typeface="Arial"/>
+                        <a:cs typeface="Arial"/>
+                      </a:endParaRPr>
+                    </a:p>
+                  </a:txBody>
+                  <a:tcPr>
+                    <a:solidFill>
+                      <a:schemeClr val="bg1">
+                        <a:lumMod val="75000"/>
+                      </a:schemeClr>
+                    </a:solidFill>
+                  </a:tcPr>
+                </a:tc>
+                <a:tc>
+                  <a:txBody>
+                    <a:bodyPr/>
+                    <a:lstStyle/>
+                    <a:p>
+                      <a:pPr algn="ctr">
+                        <a:lnSpc>
+                          <a:spcPct val="150000"/>
+                        </a:lnSpc>
+                      </a:pPr>
+                      <a:r>
+                        <a:rPr lang="en-US" sz="1200" dirty="0" smtClean="0">
+                          <a:solidFill>
+                            <a:schemeClr val="bg1">
+                              <a:lumMod val="50000"/>
+                            </a:schemeClr>
+                          </a:solidFill>
+                          <a:latin typeface="Arial"/>
+                          <a:cs typeface="Arial"/>
+                        </a:rPr>
+                        <a:t>26</a:t>
+                      </a:r>
+                      <a:endParaRPr lang="en-US" sz="1200" dirty="0">
+                        <a:solidFill>
+                          <a:schemeClr val="bg1">
+                            <a:lumMod val="50000"/>
+                          </a:schemeClr>
+                        </a:solidFill>
+                        <a:latin typeface="Arial"/>
+                        <a:cs typeface="Arial"/>
+                      </a:endParaRPr>
+                    </a:p>
+                  </a:txBody>
+                  <a:tcPr>
+                    <a:solidFill>
+                      <a:schemeClr val="bg1">
+                        <a:lumMod val="75000"/>
+                      </a:schemeClr>
+                    </a:solidFill>
+                  </a:tcPr>
+                </a:tc>
+                <a:tc>
+                  <a:txBody>
+                    <a:bodyPr/>
+                    <a:lstStyle/>
+                    <a:p>
+                      <a:pPr algn="ctr">
+                        <a:lnSpc>
+                          <a:spcPct val="150000"/>
+                        </a:lnSpc>
+                      </a:pPr>
+                      <a:r>
+                        <a:rPr lang="en-US" sz="1200" dirty="0" smtClean="0">
+                          <a:solidFill>
+                            <a:schemeClr val="bg1">
+                              <a:lumMod val="50000"/>
+                            </a:schemeClr>
+                          </a:solidFill>
+                          <a:latin typeface="Arial"/>
+                          <a:cs typeface="Arial"/>
+                        </a:rPr>
+                        <a:t>27</a:t>
+                      </a:r>
+                      <a:endParaRPr lang="en-US" sz="1200" dirty="0">
+                        <a:solidFill>
+                          <a:schemeClr val="bg1">
+                            <a:lumMod val="50000"/>
+                          </a:schemeClr>
+                        </a:solidFill>
+                        <a:latin typeface="Arial"/>
+                        <a:cs typeface="Arial"/>
+                      </a:endParaRPr>
+                    </a:p>
+                  </a:txBody>
+                  <a:tcPr>
+                    <a:solidFill>
+                      <a:schemeClr val="bg1">
+                        <a:lumMod val="75000"/>
+                      </a:schemeClr>
+                    </a:solidFill>
+                  </a:tcPr>
+                </a:tc>
+                <a:tc>
+                  <a:txBody>
+                    <a:bodyPr/>
+                    <a:lstStyle/>
+                    <a:p>
+                      <a:pPr algn="ctr">
+                        <a:lnSpc>
+                          <a:spcPct val="150000"/>
+                        </a:lnSpc>
+                      </a:pPr>
+                      <a:r>
+                        <a:rPr lang="en-US" sz="1200" dirty="0" smtClean="0">
+                          <a:solidFill>
+                            <a:schemeClr val="bg1">
+                              <a:lumMod val="50000"/>
+                            </a:schemeClr>
+                          </a:solidFill>
+                          <a:latin typeface="Arial"/>
+                          <a:cs typeface="Arial"/>
+                        </a:rPr>
+                        <a:t>28</a:t>
+                      </a:r>
+                      <a:endParaRPr lang="en-US" sz="1200" dirty="0">
+                        <a:solidFill>
+                          <a:schemeClr val="bg1">
+                            <a:lumMod val="50000"/>
+                          </a:schemeClr>
+                        </a:solidFill>
+                        <a:latin typeface="Arial"/>
+                        <a:cs typeface="Arial"/>
+                      </a:endParaRPr>
+                    </a:p>
+                  </a:txBody>
+                  <a:tcPr>
+                    <a:solidFill>
+                      <a:schemeClr val="bg1">
+                        <a:lumMod val="75000"/>
+                      </a:schemeClr>
+                    </a:solidFill>
+                  </a:tcPr>
+                </a:tc>
+                <a:tc>
+                  <a:txBody>
+                    <a:bodyPr/>
+                    <a:lstStyle/>
+                    <a:p>
+                      <a:pPr algn="ctr">
+                        <a:lnSpc>
+                          <a:spcPct val="150000"/>
+                        </a:lnSpc>
+                      </a:pPr>
+                      <a:r>
+                        <a:rPr lang="en-US" sz="1200" dirty="0" smtClean="0">
+                          <a:solidFill>
+                            <a:schemeClr val="bg1">
+                              <a:lumMod val="50000"/>
+                            </a:schemeClr>
+                          </a:solidFill>
+                          <a:latin typeface="Arial"/>
+                          <a:cs typeface="Arial"/>
+                        </a:rPr>
+                        <a:t>29</a:t>
+                      </a:r>
+                      <a:endParaRPr lang="en-US" sz="1200" dirty="0">
+                        <a:solidFill>
+                          <a:schemeClr val="bg1">
+                            <a:lumMod val="50000"/>
+                          </a:schemeClr>
+                        </a:solidFill>
+                        <a:latin typeface="Arial"/>
+                        <a:cs typeface="Arial"/>
+                      </a:endParaRPr>
+                    </a:p>
+                  </a:txBody>
+                  <a:tcPr>
+                    <a:solidFill>
+                      <a:schemeClr val="bg1">
+                        <a:lumMod val="75000"/>
+                      </a:schemeClr>
+                    </a:solidFill>
+                  </a:tcPr>
+                </a:tc>
+                <a:tc>
+                  <a:txBody>
+                    <a:bodyPr/>
+                    <a:lstStyle/>
+                    <a:p>
+                      <a:pPr algn="ctr">
+                        <a:lnSpc>
+                          <a:spcPct val="150000"/>
+                        </a:lnSpc>
+                      </a:pPr>
+                      <a:r>
+                        <a:rPr lang="en-US" sz="1200" dirty="0" smtClean="0">
+                          <a:solidFill>
+                            <a:schemeClr val="bg1">
+                              <a:lumMod val="50000"/>
+                            </a:schemeClr>
+                          </a:solidFill>
+                          <a:latin typeface="Arial"/>
+                          <a:cs typeface="Arial"/>
+                        </a:rPr>
+                        <a:t>30</a:t>
+                      </a:r>
+                      <a:endParaRPr lang="en-US" sz="1200" dirty="0">
+                        <a:solidFill>
+                          <a:schemeClr val="bg1">
+                            <a:lumMod val="50000"/>
+                          </a:schemeClr>
+                        </a:solidFill>
+                        <a:latin typeface="Arial"/>
+                        <a:cs typeface="Arial"/>
+                      </a:endParaRPr>
+                    </a:p>
+                  </a:txBody>
+                  <a:tcPr>
+                    <a:solidFill>
+                      <a:schemeClr val="bg1">
+                        <a:lumMod val="75000"/>
+                      </a:schemeClr>
+                    </a:solidFill>
+                  </a:tcPr>
+                </a:tc>
+                <a:tc>
+                  <a:txBody>
+                    <a:bodyPr/>
+                    <a:lstStyle/>
+                    <a:p>
+                      <a:pPr algn="ctr">
+                        <a:lnSpc>
+                          <a:spcPct val="150000"/>
+                        </a:lnSpc>
+                      </a:pPr>
+                      <a:r>
+                        <a:rPr lang="en-US" sz="1200" dirty="0" smtClean="0">
+                          <a:solidFill>
+                            <a:schemeClr val="bg1">
+                              <a:lumMod val="50000"/>
+                            </a:schemeClr>
+                          </a:solidFill>
+                          <a:latin typeface="Arial"/>
+                          <a:cs typeface="Arial"/>
+                        </a:rPr>
+                        <a:t>31</a:t>
+                      </a:r>
+                      <a:endParaRPr lang="en-US" sz="1200" dirty="0" smtClean="0">
+                        <a:solidFill>
+                          <a:schemeClr val="bg1">
+                            <a:lumMod val="50000"/>
+                          </a:schemeClr>
+                        </a:solidFill>
+                        <a:latin typeface="Arial"/>
+                        <a:cs typeface="Arial"/>
+                      </a:endParaRPr>
+                    </a:p>
+                  </a:txBody>
+                  <a:tcPr>
+                    <a:solidFill>
+                      <a:schemeClr val="bg1">
+                        <a:lumMod val="75000"/>
+                      </a:schemeClr>
+                    </a:solidFill>
+                  </a:tcPr>
+                </a:tc>
+                <a:tc>
+                  <a:txBody>
+                    <a:bodyPr/>
+                    <a:lstStyle/>
+                    <a:p>
+                      <a:pPr algn="ctr">
+                        <a:lnSpc>
+                          <a:spcPct val="150000"/>
+                        </a:lnSpc>
+                      </a:pPr>
+                      <a:r>
+                        <a:rPr lang="en-US" sz="1200" dirty="0" smtClean="0">
+                          <a:solidFill>
+                            <a:schemeClr val="bg1">
+                              <a:lumMod val="50000"/>
+                            </a:schemeClr>
+                          </a:solidFill>
+                          <a:latin typeface="Arial"/>
+                          <a:cs typeface="Arial"/>
+                        </a:rPr>
+                        <a:t>32</a:t>
+                      </a:r>
+                      <a:endParaRPr lang="en-US" sz="1200" dirty="0">
+                        <a:solidFill>
+                          <a:schemeClr val="bg1">
+                            <a:lumMod val="50000"/>
+                          </a:schemeClr>
+                        </a:solidFill>
+                        <a:latin typeface="Arial"/>
+                        <a:cs typeface="Arial"/>
+                      </a:endParaRPr>
+                    </a:p>
+                  </a:txBody>
+                  <a:tcPr>
+                    <a:solidFill>
+                      <a:schemeClr val="bg1">
+                        <a:lumMod val="75000"/>
+                      </a:schemeClr>
+                    </a:solidFill>
+                  </a:tcPr>
+                </a:tc>
+                <a:tc>
+                  <a:txBody>
+                    <a:bodyPr/>
+                    <a:lstStyle/>
+                    <a:p>
+                      <a:pPr algn="ctr">
+                        <a:lnSpc>
+                          <a:spcPct val="150000"/>
+                        </a:lnSpc>
+                      </a:pPr>
+                      <a:r>
+                        <a:rPr lang="en-US" sz="1200" dirty="0" smtClean="0">
+                          <a:solidFill>
+                            <a:schemeClr val="bg1">
+                              <a:lumMod val="50000"/>
+                            </a:schemeClr>
+                          </a:solidFill>
+                          <a:latin typeface="Arial"/>
+                          <a:cs typeface="Arial"/>
+                        </a:rPr>
+                        <a:t>33</a:t>
+                      </a:r>
+                      <a:endParaRPr lang="en-US" sz="1200" dirty="0">
+                        <a:solidFill>
+                          <a:schemeClr val="bg1">
+                            <a:lumMod val="50000"/>
+                          </a:schemeClr>
+                        </a:solidFill>
+                        <a:latin typeface="Arial"/>
+                        <a:cs typeface="Arial"/>
+                      </a:endParaRPr>
+                    </a:p>
+                  </a:txBody>
+                  <a:tcPr>
+                    <a:solidFill>
+                      <a:schemeClr val="bg1">
+                        <a:lumMod val="75000"/>
+                      </a:schemeClr>
+                    </a:solidFill>
+                  </a:tcPr>
+                </a:tc>
+                <a:tc>
+                  <a:txBody>
+                    <a:bodyPr/>
+                    <a:lstStyle/>
+                    <a:p>
+                      <a:pPr algn="ctr">
+                        <a:lnSpc>
+                          <a:spcPct val="150000"/>
+                        </a:lnSpc>
+                      </a:pPr>
+                      <a:r>
+                        <a:rPr lang="en-US" sz="1200" dirty="0" smtClean="0">
+                          <a:solidFill>
+                            <a:schemeClr val="bg1">
+                              <a:lumMod val="50000"/>
+                            </a:schemeClr>
+                          </a:solidFill>
+                          <a:latin typeface="Arial"/>
+                          <a:cs typeface="Arial"/>
+                        </a:rPr>
+                        <a:t>34</a:t>
+                      </a:r>
+                      <a:endParaRPr lang="en-US" sz="1200" dirty="0">
+                        <a:solidFill>
+                          <a:schemeClr val="bg1">
+                            <a:lumMod val="50000"/>
+                          </a:schemeClr>
+                        </a:solidFill>
+                        <a:latin typeface="Arial"/>
+                        <a:cs typeface="Arial"/>
+                      </a:endParaRPr>
+                    </a:p>
+                  </a:txBody>
+                  <a:tcPr>
+                    <a:solidFill>
+                      <a:schemeClr val="bg1">
+                        <a:lumMod val="75000"/>
+                      </a:schemeClr>
+                    </a:solidFill>
+                  </a:tcPr>
+                </a:tc>
+                <a:tc>
+                  <a:txBody>
+                    <a:bodyPr/>
+                    <a:lstStyle/>
+                    <a:p>
+                      <a:pPr algn="ctr">
+                        <a:lnSpc>
+                          <a:spcPct val="150000"/>
+                        </a:lnSpc>
+                      </a:pPr>
+                      <a:r>
+                        <a:rPr lang="en-US" sz="1200" dirty="0" smtClean="0">
+                          <a:solidFill>
+                            <a:schemeClr val="bg1">
+                              <a:lumMod val="50000"/>
+                            </a:schemeClr>
+                          </a:solidFill>
+                          <a:latin typeface="Arial"/>
+                          <a:cs typeface="Arial"/>
+                        </a:rPr>
+                        <a:t>35</a:t>
+                      </a:r>
+                      <a:endParaRPr lang="en-US" sz="1200" dirty="0">
+                        <a:solidFill>
+                          <a:schemeClr val="bg1">
+                            <a:lumMod val="50000"/>
+                          </a:schemeClr>
+                        </a:solidFill>
+                        <a:latin typeface="Arial"/>
+                        <a:cs typeface="Arial"/>
+                      </a:endParaRPr>
+                    </a:p>
+                  </a:txBody>
+                  <a:tcPr>
+                    <a:solidFill>
+                      <a:schemeClr val="bg1">
+                        <a:lumMod val="75000"/>
+                      </a:schemeClr>
+                    </a:solidFill>
+                  </a:tcPr>
+                </a:tc>
+                <a:tc>
+                  <a:txBody>
+                    <a:bodyPr/>
+                    <a:lstStyle/>
+                    <a:p>
+                      <a:pPr algn="ctr">
+                        <a:lnSpc>
+                          <a:spcPct val="150000"/>
+                        </a:lnSpc>
+                      </a:pPr>
+                      <a:r>
+                        <a:rPr lang="en-US" sz="1200" dirty="0" smtClean="0">
+                          <a:solidFill>
+                            <a:schemeClr val="bg1">
+                              <a:lumMod val="50000"/>
+                            </a:schemeClr>
+                          </a:solidFill>
+                          <a:latin typeface="Arial"/>
+                          <a:cs typeface="Arial"/>
+                        </a:rPr>
+                        <a:t>36</a:t>
+                      </a:r>
+                      <a:endParaRPr lang="en-US" sz="1200" dirty="0">
+                        <a:solidFill>
+                          <a:schemeClr val="bg1">
+                            <a:lumMod val="50000"/>
+                          </a:schemeClr>
+                        </a:solidFill>
+                        <a:latin typeface="Arial"/>
+                        <a:cs typeface="Arial"/>
+                      </a:endParaRPr>
+                    </a:p>
+                  </a:txBody>
+                  <a:tcPr>
+                    <a:solidFill>
+                      <a:schemeClr val="bg1">
+                        <a:lumMod val="75000"/>
+                      </a:schemeClr>
+                    </a:solidFill>
+                  </a:tcPr>
+                </a:tc>
+                <a:tc>
+                  <a:txBody>
+                    <a:bodyPr/>
+                    <a:lstStyle/>
+                    <a:p>
+                      <a:pPr algn="ctr">
+                        <a:lnSpc>
+                          <a:spcPct val="150000"/>
+                        </a:lnSpc>
+                      </a:pPr>
+                      <a:r>
+                        <a:rPr lang="en-US" sz="1200" dirty="0" smtClean="0">
+                          <a:solidFill>
+                            <a:schemeClr val="bg1">
+                              <a:lumMod val="50000"/>
+                            </a:schemeClr>
+                          </a:solidFill>
+                          <a:latin typeface="Arial"/>
+                          <a:cs typeface="Arial"/>
+                        </a:rPr>
+                        <a:t>37</a:t>
+                      </a:r>
+                      <a:endParaRPr lang="en-US" sz="1200" dirty="0">
+                        <a:solidFill>
+                          <a:schemeClr val="bg1">
+                            <a:lumMod val="50000"/>
+                          </a:schemeClr>
+                        </a:solidFill>
+                        <a:latin typeface="Arial"/>
+                        <a:cs typeface="Arial"/>
+                      </a:endParaRPr>
+                    </a:p>
+                  </a:txBody>
+                  <a:tcPr>
+                    <a:solidFill>
+                      <a:schemeClr val="bg1">
+                        <a:lumMod val="75000"/>
+                      </a:schemeClr>
+                    </a:solidFill>
+                  </a:tcPr>
+                </a:tc>
+                <a:tc>
+                  <a:txBody>
+                    <a:bodyPr/>
+                    <a:lstStyle/>
+                    <a:p>
+                      <a:pPr algn="ctr">
+                        <a:lnSpc>
+                          <a:spcPct val="150000"/>
+                        </a:lnSpc>
+                      </a:pPr>
+                      <a:r>
+                        <a:rPr lang="en-US" sz="1200" dirty="0" smtClean="0">
+                          <a:solidFill>
+                            <a:schemeClr val="bg1">
+                              <a:lumMod val="50000"/>
+                            </a:schemeClr>
+                          </a:solidFill>
+                          <a:latin typeface="Arial"/>
+                          <a:cs typeface="Arial"/>
+                        </a:rPr>
+                        <a:t>38</a:t>
+                      </a:r>
+                      <a:endParaRPr lang="en-US" sz="1200" dirty="0">
+                        <a:solidFill>
+                          <a:schemeClr val="bg1">
+                            <a:lumMod val="50000"/>
+                          </a:schemeClr>
+                        </a:solidFill>
+                        <a:latin typeface="Arial"/>
+                        <a:cs typeface="Arial"/>
+                      </a:endParaRPr>
+                    </a:p>
+                  </a:txBody>
+                  <a:tcPr>
+                    <a:solidFill>
+                      <a:schemeClr val="bg1">
+                        <a:lumMod val="75000"/>
+                      </a:schemeClr>
+                    </a:solidFill>
+                  </a:tcPr>
+                </a:tc>
+                <a:tc>
+                  <a:txBody>
+                    <a:bodyPr/>
+                    <a:lstStyle/>
+                    <a:p>
+                      <a:pPr algn="ctr">
+                        <a:lnSpc>
+                          <a:spcPct val="150000"/>
+                        </a:lnSpc>
+                      </a:pPr>
+                      <a:r>
+                        <a:rPr lang="en-US" sz="1200" dirty="0" smtClean="0">
+                          <a:solidFill>
+                            <a:schemeClr val="bg1">
+                              <a:lumMod val="50000"/>
+                            </a:schemeClr>
+                          </a:solidFill>
+                          <a:latin typeface="Arial"/>
+                          <a:cs typeface="Arial"/>
+                        </a:rPr>
+                        <a:t>39</a:t>
+                      </a:r>
+                      <a:endParaRPr lang="en-US" sz="1200" dirty="0">
+                        <a:solidFill>
+                          <a:schemeClr val="bg1">
+                            <a:lumMod val="50000"/>
+                          </a:schemeClr>
+                        </a:solidFill>
+                        <a:latin typeface="Arial"/>
+                        <a:cs typeface="Arial"/>
+                      </a:endParaRPr>
+                    </a:p>
+                  </a:txBody>
+                  <a:tcPr>
+                    <a:solidFill>
+                      <a:schemeClr val="bg1">
+                        <a:lumMod val="75000"/>
+                      </a:schemeClr>
+                    </a:solidFill>
+                  </a:tcPr>
+                </a:tc>
+                <a:tc>
+                  <a:txBody>
+                    <a:bodyPr/>
+                    <a:lstStyle/>
+                    <a:p>
+                      <a:pPr algn="ctr">
+                        <a:lnSpc>
+                          <a:spcPct val="150000"/>
+                        </a:lnSpc>
+                      </a:pPr>
+                      <a:r>
+                        <a:rPr lang="en-US" sz="1200" dirty="0" smtClean="0">
+                          <a:solidFill>
+                            <a:schemeClr val="bg1">
+                              <a:lumMod val="50000"/>
+                            </a:schemeClr>
+                          </a:solidFill>
+                          <a:latin typeface="Arial"/>
+                          <a:cs typeface="Arial"/>
+                        </a:rPr>
+                        <a:t>40</a:t>
+                      </a:r>
+                      <a:endParaRPr lang="en-US" sz="1200" dirty="0">
+                        <a:solidFill>
+                          <a:schemeClr val="bg1">
+                            <a:lumMod val="50000"/>
+                          </a:schemeClr>
+                        </a:solidFill>
+                        <a:latin typeface="Arial"/>
+                        <a:cs typeface="Arial"/>
+                      </a:endParaRPr>
+                    </a:p>
+                  </a:txBody>
+                  <a:tcPr>
+                    <a:solidFill>
+                      <a:schemeClr val="bg1">
+                        <a:lumMod val="75000"/>
+                      </a:schemeClr>
+                    </a:solidFill>
+                  </a:tcPr>
+                </a:tc>
+              </a:tr>
+            </a:tbl>
+          </a:graphicData>
+        </a:graphic>
+      </p:graphicFrame>
+      <p:graphicFrame>
+        <p:nvGraphicFramePr>
+          <p:cNvPr id="62" name="Table 61"/>
+          <p:cNvGraphicFramePr>
+            <a:graphicFrameLocks noGrp="1"/>
+          </p:cNvGraphicFramePr>
+          <p:nvPr>
+            <p:extLst>
+              <p:ext uri="{D42A27DB-BD31-4B8C-83A1-F6EECF244321}">
+                <p14:modId xmlns:p14="http://schemas.microsoft.com/office/powerpoint/2010/main" val="1934333854"/>
+              </p:ext>
+            </p:extLst>
+          </p:nvPr>
+        </p:nvGraphicFramePr>
+        <p:xfrm>
+          <a:off x="62902" y="2859656"/>
+          <a:ext cx="9003520" cy="944556"/>
+        </p:xfrm>
+        <a:graphic>
+          <a:graphicData uri="http://schemas.openxmlformats.org/drawingml/2006/table">
+            <a:tbl>
+              <a:tblPr firstRow="1" bandRow="1">
+                <a:tableStyleId>{69CF1AB2-1976-4502-BF36-3FF5EA218861}</a:tableStyleId>
+              </a:tblPr>
+              <a:tblGrid>
+                <a:gridCol w="450176"/>
+                <a:gridCol w="450176"/>
+                <a:gridCol w="450176"/>
+                <a:gridCol w="450176"/>
+                <a:gridCol w="450176"/>
+                <a:gridCol w="450176"/>
+                <a:gridCol w="450176"/>
+                <a:gridCol w="450176"/>
+                <a:gridCol w="450176"/>
+                <a:gridCol w="450176"/>
+                <a:gridCol w="450176"/>
+                <a:gridCol w="450176"/>
+                <a:gridCol w="450176"/>
+                <a:gridCol w="450176"/>
+                <a:gridCol w="450176"/>
+                <a:gridCol w="450176"/>
+                <a:gridCol w="450176"/>
+                <a:gridCol w="450176"/>
+                <a:gridCol w="450176"/>
+                <a:gridCol w="450176"/>
+              </a:tblGrid>
+              <a:tr h="472278">
+                <a:tc>
+                  <a:txBody>
+                    <a:bodyPr/>
+                    <a:lstStyle/>
+                    <a:p>
+                      <a:pPr algn="ctr">
+                        <a:lnSpc>
+                          <a:spcPct val="150000"/>
+                        </a:lnSpc>
+                      </a:pPr>
+                      <a:r>
+                        <a:rPr lang="en-US" sz="1200" dirty="0" smtClean="0">
+                          <a:solidFill>
+                            <a:schemeClr val="bg1">
+                              <a:lumMod val="50000"/>
+                            </a:schemeClr>
+                          </a:solidFill>
+                          <a:latin typeface="Arial"/>
+                          <a:cs typeface="Arial"/>
+                        </a:rPr>
+                        <a:t>41</a:t>
+                      </a:r>
+                      <a:endParaRPr lang="en-US" sz="1200" dirty="0">
+                        <a:solidFill>
+                          <a:schemeClr val="bg1">
+                            <a:lumMod val="50000"/>
+                          </a:schemeClr>
+                        </a:solidFill>
+                        <a:latin typeface="Arial"/>
+                        <a:cs typeface="Arial"/>
+                      </a:endParaRPr>
+                    </a:p>
+                  </a:txBody>
+                  <a:tcPr>
+                    <a:solidFill>
+                      <a:schemeClr val="bg1">
+                        <a:lumMod val="75000"/>
+                      </a:schemeClr>
+                    </a:solidFill>
+                  </a:tcPr>
+                </a:tc>
+                <a:tc>
+                  <a:txBody>
+                    <a:bodyPr/>
+                    <a:lstStyle/>
+                    <a:p>
+                      <a:pPr algn="ctr">
+                        <a:lnSpc>
+                          <a:spcPct val="150000"/>
+                        </a:lnSpc>
+                      </a:pPr>
+                      <a:r>
+                        <a:rPr lang="en-US" sz="1200" dirty="0" smtClean="0">
+                          <a:solidFill>
+                            <a:schemeClr val="bg1">
+                              <a:lumMod val="50000"/>
+                            </a:schemeClr>
+                          </a:solidFill>
+                          <a:latin typeface="Arial"/>
+                          <a:cs typeface="Arial"/>
+                        </a:rPr>
+                        <a:t>42</a:t>
+                      </a:r>
+                      <a:endParaRPr lang="en-US" sz="1200" dirty="0">
+                        <a:solidFill>
+                          <a:schemeClr val="bg1">
+                            <a:lumMod val="50000"/>
+                          </a:schemeClr>
+                        </a:solidFill>
+                        <a:latin typeface="Arial"/>
+                        <a:cs typeface="Arial"/>
+                      </a:endParaRPr>
+                    </a:p>
+                  </a:txBody>
+                  <a:tcPr>
+                    <a:solidFill>
+                      <a:schemeClr val="bg1">
+                        <a:lumMod val="75000"/>
+                      </a:schemeClr>
+                    </a:solidFill>
+                  </a:tcPr>
+                </a:tc>
+                <a:tc>
+                  <a:txBody>
+                    <a:bodyPr/>
+                    <a:lstStyle/>
+                    <a:p>
+                      <a:pPr algn="ctr">
+                        <a:lnSpc>
+                          <a:spcPct val="150000"/>
+                        </a:lnSpc>
+                      </a:pPr>
+                      <a:r>
+                        <a:rPr lang="en-US" sz="1200" dirty="0" smtClean="0">
+                          <a:solidFill>
+                            <a:schemeClr val="bg1">
+                              <a:lumMod val="50000"/>
+                            </a:schemeClr>
+                          </a:solidFill>
+                          <a:latin typeface="Arial"/>
+                          <a:cs typeface="Arial"/>
+                        </a:rPr>
+                        <a:t>43</a:t>
+                      </a:r>
+                      <a:endParaRPr lang="en-US" sz="1200" dirty="0">
+                        <a:solidFill>
+                          <a:schemeClr val="bg1">
+                            <a:lumMod val="50000"/>
+                          </a:schemeClr>
+                        </a:solidFill>
+                        <a:latin typeface="Arial"/>
+                        <a:cs typeface="Arial"/>
+                      </a:endParaRPr>
+                    </a:p>
+                  </a:txBody>
+                  <a:tcPr>
+                    <a:solidFill>
+                      <a:schemeClr val="bg1">
+                        <a:lumMod val="75000"/>
+                      </a:schemeClr>
+                    </a:solidFill>
+                  </a:tcPr>
+                </a:tc>
+                <a:tc>
+                  <a:txBody>
+                    <a:bodyPr/>
+                    <a:lstStyle/>
+                    <a:p>
+                      <a:pPr algn="ctr">
+                        <a:lnSpc>
+                          <a:spcPct val="150000"/>
+                        </a:lnSpc>
+                      </a:pPr>
+                      <a:r>
+                        <a:rPr lang="en-US" sz="1200" dirty="0" smtClean="0">
+                          <a:solidFill>
+                            <a:schemeClr val="bg1">
+                              <a:lumMod val="50000"/>
+                            </a:schemeClr>
+                          </a:solidFill>
+                          <a:latin typeface="Arial"/>
+                          <a:cs typeface="Arial"/>
+                        </a:rPr>
+                        <a:t>44</a:t>
+                      </a:r>
+                      <a:endParaRPr lang="en-US" sz="1200" dirty="0">
+                        <a:solidFill>
+                          <a:schemeClr val="bg1">
+                            <a:lumMod val="50000"/>
+                          </a:schemeClr>
+                        </a:solidFill>
+                        <a:latin typeface="Arial"/>
+                        <a:cs typeface="Arial"/>
+                      </a:endParaRPr>
+                    </a:p>
+                  </a:txBody>
+                  <a:tcPr>
+                    <a:solidFill>
+                      <a:schemeClr val="bg1">
+                        <a:lumMod val="75000"/>
+                      </a:schemeClr>
+                    </a:solidFill>
+                  </a:tcPr>
+                </a:tc>
+                <a:tc>
+                  <a:txBody>
+                    <a:bodyPr/>
+                    <a:lstStyle/>
+                    <a:p>
+                      <a:pPr algn="ctr">
+                        <a:lnSpc>
+                          <a:spcPct val="150000"/>
+                        </a:lnSpc>
+                      </a:pPr>
+                      <a:r>
+                        <a:rPr lang="en-US" sz="1200" dirty="0" smtClean="0">
+                          <a:solidFill>
+                            <a:schemeClr val="bg1">
+                              <a:lumMod val="50000"/>
+                            </a:schemeClr>
+                          </a:solidFill>
+                          <a:latin typeface="Arial"/>
+                          <a:cs typeface="Arial"/>
+                        </a:rPr>
+                        <a:t>45</a:t>
+                      </a:r>
+                      <a:endParaRPr lang="en-US" sz="1200" dirty="0">
+                        <a:solidFill>
+                          <a:schemeClr val="bg1">
+                            <a:lumMod val="50000"/>
+                          </a:schemeClr>
+                        </a:solidFill>
+                        <a:latin typeface="Arial"/>
+                        <a:cs typeface="Arial"/>
+                      </a:endParaRPr>
+                    </a:p>
+                  </a:txBody>
+                  <a:tcPr>
+                    <a:solidFill>
+                      <a:schemeClr val="bg1">
+                        <a:lumMod val="75000"/>
+                      </a:schemeClr>
+                    </a:solidFill>
+                  </a:tcPr>
+                </a:tc>
+                <a:tc>
+                  <a:txBody>
+                    <a:bodyPr/>
+                    <a:lstStyle/>
+                    <a:p>
+                      <a:pPr algn="ctr">
+                        <a:lnSpc>
+                          <a:spcPct val="150000"/>
+                        </a:lnSpc>
+                      </a:pPr>
+                      <a:r>
+                        <a:rPr lang="en-US" sz="1200" dirty="0" smtClean="0">
+                          <a:solidFill>
+                            <a:schemeClr val="bg1">
+                              <a:lumMod val="50000"/>
+                            </a:schemeClr>
+                          </a:solidFill>
+                          <a:latin typeface="Arial"/>
+                          <a:cs typeface="Arial"/>
+                        </a:rPr>
+                        <a:t>46</a:t>
+                      </a:r>
+                      <a:endParaRPr lang="en-US" sz="1200" dirty="0">
+                        <a:solidFill>
+                          <a:schemeClr val="bg1">
+                            <a:lumMod val="50000"/>
+                          </a:schemeClr>
+                        </a:solidFill>
+                        <a:latin typeface="Arial"/>
+                        <a:cs typeface="Arial"/>
+                      </a:endParaRPr>
+                    </a:p>
+                  </a:txBody>
+                  <a:tcPr>
+                    <a:solidFill>
+                      <a:schemeClr val="bg1">
+                        <a:lumMod val="75000"/>
+                      </a:schemeClr>
+                    </a:solidFill>
+                  </a:tcPr>
+                </a:tc>
+                <a:tc>
+                  <a:txBody>
+                    <a:bodyPr/>
+                    <a:lstStyle/>
+                    <a:p>
+                      <a:pPr algn="ctr">
+                        <a:lnSpc>
+                          <a:spcPct val="150000"/>
+                        </a:lnSpc>
+                      </a:pPr>
+                      <a:r>
+                        <a:rPr lang="en-US" sz="1200" dirty="0" smtClean="0">
+                          <a:solidFill>
+                            <a:schemeClr val="bg1">
+                              <a:lumMod val="50000"/>
+                            </a:schemeClr>
+                          </a:solidFill>
+                          <a:latin typeface="Arial"/>
+                          <a:cs typeface="Arial"/>
+                        </a:rPr>
+                        <a:t>47</a:t>
+                      </a:r>
+                      <a:endParaRPr lang="en-US" sz="1200" dirty="0">
+                        <a:solidFill>
+                          <a:schemeClr val="bg1">
+                            <a:lumMod val="50000"/>
+                          </a:schemeClr>
+                        </a:solidFill>
+                        <a:latin typeface="Arial"/>
+                        <a:cs typeface="Arial"/>
+                      </a:endParaRPr>
+                    </a:p>
+                  </a:txBody>
+                  <a:tcPr>
+                    <a:solidFill>
+                      <a:schemeClr val="bg1">
+                        <a:lumMod val="75000"/>
+                      </a:schemeClr>
+                    </a:solidFill>
+                  </a:tcPr>
+                </a:tc>
+                <a:tc>
+                  <a:txBody>
+                    <a:bodyPr/>
+                    <a:lstStyle/>
+                    <a:p>
+                      <a:pPr algn="ctr">
+                        <a:lnSpc>
+                          <a:spcPct val="150000"/>
+                        </a:lnSpc>
+                      </a:pPr>
+                      <a:r>
+                        <a:rPr lang="en-US" sz="1200" dirty="0" smtClean="0">
+                          <a:solidFill>
+                            <a:schemeClr val="bg1">
+                              <a:lumMod val="50000"/>
+                            </a:schemeClr>
+                          </a:solidFill>
+                          <a:latin typeface="Arial"/>
+                          <a:cs typeface="Arial"/>
+                        </a:rPr>
+                        <a:t>48</a:t>
+                      </a:r>
+                      <a:endParaRPr lang="en-US" sz="1200" dirty="0">
+                        <a:solidFill>
+                          <a:schemeClr val="bg1">
+                            <a:lumMod val="50000"/>
+                          </a:schemeClr>
+                        </a:solidFill>
+                        <a:latin typeface="Arial"/>
+                        <a:cs typeface="Arial"/>
+                      </a:endParaRPr>
+                    </a:p>
+                  </a:txBody>
+                  <a:tcPr>
+                    <a:solidFill>
+                      <a:schemeClr val="bg1">
+                        <a:lumMod val="75000"/>
+                      </a:schemeClr>
+                    </a:solidFill>
+                  </a:tcPr>
+                </a:tc>
+                <a:tc>
+                  <a:txBody>
+                    <a:bodyPr/>
+                    <a:lstStyle/>
+                    <a:p>
+                      <a:pPr algn="ctr">
+                        <a:lnSpc>
+                          <a:spcPct val="150000"/>
+                        </a:lnSpc>
+                      </a:pPr>
+                      <a:r>
+                        <a:rPr lang="en-US" sz="1200" dirty="0" smtClean="0">
+                          <a:solidFill>
+                            <a:schemeClr val="bg1">
+                              <a:lumMod val="50000"/>
+                            </a:schemeClr>
+                          </a:solidFill>
+                          <a:latin typeface="Arial"/>
+                          <a:cs typeface="Arial"/>
+                        </a:rPr>
+                        <a:t>49</a:t>
+                      </a:r>
+                      <a:endParaRPr lang="en-US" sz="1200" dirty="0">
+                        <a:solidFill>
+                          <a:schemeClr val="bg1">
+                            <a:lumMod val="50000"/>
+                          </a:schemeClr>
+                        </a:solidFill>
+                        <a:latin typeface="Arial"/>
+                        <a:cs typeface="Arial"/>
+                      </a:endParaRPr>
+                    </a:p>
+                  </a:txBody>
+                  <a:tcPr>
+                    <a:solidFill>
+                      <a:schemeClr val="bg1">
+                        <a:lumMod val="75000"/>
+                      </a:schemeClr>
+                    </a:solidFill>
+                  </a:tcPr>
+                </a:tc>
+                <a:tc>
+                  <a:txBody>
+                    <a:bodyPr/>
+                    <a:lstStyle/>
+                    <a:p>
+                      <a:pPr algn="ctr">
+                        <a:lnSpc>
+                          <a:spcPct val="150000"/>
+                        </a:lnSpc>
+                      </a:pPr>
+                      <a:r>
+                        <a:rPr lang="en-US" sz="1200" dirty="0" smtClean="0">
+                          <a:solidFill>
+                            <a:schemeClr val="bg1">
+                              <a:lumMod val="50000"/>
+                            </a:schemeClr>
+                          </a:solidFill>
+                          <a:latin typeface="Arial"/>
+                          <a:cs typeface="Arial"/>
+                        </a:rPr>
+                        <a:t>50</a:t>
+                      </a:r>
+                      <a:endParaRPr lang="en-US" sz="1200" dirty="0">
+                        <a:solidFill>
+                          <a:schemeClr val="bg1">
+                            <a:lumMod val="50000"/>
+                          </a:schemeClr>
+                        </a:solidFill>
+                        <a:latin typeface="Arial"/>
+                        <a:cs typeface="Arial"/>
+                      </a:endParaRPr>
+                    </a:p>
+                  </a:txBody>
+                  <a:tcPr>
+                    <a:solidFill>
+                      <a:schemeClr val="bg1">
+                        <a:lumMod val="75000"/>
+                      </a:schemeClr>
+                    </a:solidFill>
+                  </a:tcPr>
+                </a:tc>
+                <a:tc>
+                  <a:txBody>
+                    <a:bodyPr/>
+                    <a:lstStyle/>
+                    <a:p>
+                      <a:pPr algn="ctr">
+                        <a:lnSpc>
+                          <a:spcPct val="150000"/>
+                        </a:lnSpc>
+                      </a:pPr>
+                      <a:r>
+                        <a:rPr lang="en-US" sz="1200" dirty="0" smtClean="0">
+                          <a:solidFill>
+                            <a:schemeClr val="bg1">
+                              <a:lumMod val="50000"/>
+                            </a:schemeClr>
+                          </a:solidFill>
+                          <a:latin typeface="Arial"/>
+                          <a:cs typeface="Arial"/>
+                        </a:rPr>
+                        <a:t>51</a:t>
+                      </a:r>
+                      <a:endParaRPr lang="en-US" sz="1200" dirty="0" smtClean="0">
+                        <a:solidFill>
+                          <a:schemeClr val="bg1">
+                            <a:lumMod val="50000"/>
+                          </a:schemeClr>
+                        </a:solidFill>
+                        <a:latin typeface="Arial"/>
+                        <a:cs typeface="Arial"/>
+                      </a:endParaRPr>
+                    </a:p>
+                  </a:txBody>
+                  <a:tcPr>
+                    <a:solidFill>
+                      <a:schemeClr val="bg1">
+                        <a:lumMod val="75000"/>
+                      </a:schemeClr>
+                    </a:solidFill>
+                  </a:tcPr>
+                </a:tc>
+                <a:tc>
+                  <a:txBody>
+                    <a:bodyPr/>
+                    <a:lstStyle/>
+                    <a:p>
+                      <a:pPr algn="ctr">
+                        <a:lnSpc>
+                          <a:spcPct val="150000"/>
+                        </a:lnSpc>
+                      </a:pPr>
+                      <a:r>
+                        <a:rPr lang="en-US" sz="1200" dirty="0" smtClean="0">
+                          <a:solidFill>
+                            <a:schemeClr val="bg1">
+                              <a:lumMod val="50000"/>
+                            </a:schemeClr>
+                          </a:solidFill>
+                          <a:latin typeface="Arial"/>
+                          <a:cs typeface="Arial"/>
+                        </a:rPr>
+                        <a:t>52</a:t>
+                      </a:r>
+                      <a:endParaRPr lang="en-US" sz="1200" dirty="0">
+                        <a:solidFill>
+                          <a:schemeClr val="bg1">
+                            <a:lumMod val="50000"/>
+                          </a:schemeClr>
+                        </a:solidFill>
+                        <a:latin typeface="Arial"/>
+                        <a:cs typeface="Arial"/>
+                      </a:endParaRPr>
+                    </a:p>
+                  </a:txBody>
+                  <a:tcPr>
+                    <a:solidFill>
+                      <a:schemeClr val="bg1">
+                        <a:lumMod val="75000"/>
+                      </a:schemeClr>
+                    </a:solidFill>
+                  </a:tcPr>
+                </a:tc>
+                <a:tc>
+                  <a:txBody>
+                    <a:bodyPr/>
+                    <a:lstStyle/>
+                    <a:p>
+                      <a:pPr algn="ctr">
+                        <a:lnSpc>
+                          <a:spcPct val="150000"/>
+                        </a:lnSpc>
+                      </a:pPr>
+                      <a:r>
+                        <a:rPr lang="en-US" sz="1200" dirty="0" smtClean="0">
+                          <a:solidFill>
+                            <a:schemeClr val="bg1">
+                              <a:lumMod val="50000"/>
+                            </a:schemeClr>
+                          </a:solidFill>
+                          <a:latin typeface="Arial"/>
+                          <a:cs typeface="Arial"/>
+                        </a:rPr>
+                        <a:t>53</a:t>
+                      </a:r>
+                      <a:endParaRPr lang="en-US" sz="1200" dirty="0">
+                        <a:solidFill>
+                          <a:schemeClr val="bg1">
+                            <a:lumMod val="50000"/>
+                          </a:schemeClr>
+                        </a:solidFill>
+                        <a:latin typeface="Arial"/>
+                        <a:cs typeface="Arial"/>
+                      </a:endParaRPr>
+                    </a:p>
+                  </a:txBody>
+                  <a:tcPr>
+                    <a:solidFill>
+                      <a:schemeClr val="bg1">
+                        <a:lumMod val="75000"/>
+                      </a:schemeClr>
+                    </a:solidFill>
+                  </a:tcPr>
+                </a:tc>
+                <a:tc>
+                  <a:txBody>
+                    <a:bodyPr/>
+                    <a:lstStyle/>
+                    <a:p>
+                      <a:pPr algn="ctr">
+                        <a:lnSpc>
+                          <a:spcPct val="150000"/>
+                        </a:lnSpc>
+                      </a:pPr>
+                      <a:r>
+                        <a:rPr lang="en-US" sz="1200" dirty="0" smtClean="0">
+                          <a:solidFill>
+                            <a:schemeClr val="bg1">
+                              <a:lumMod val="50000"/>
+                            </a:schemeClr>
+                          </a:solidFill>
+                          <a:latin typeface="Arial"/>
+                          <a:cs typeface="Arial"/>
+                        </a:rPr>
+                        <a:t>54</a:t>
+                      </a:r>
+                      <a:endParaRPr lang="en-US" sz="1200" dirty="0">
+                        <a:solidFill>
+                          <a:schemeClr val="bg1">
+                            <a:lumMod val="50000"/>
+                          </a:schemeClr>
+                        </a:solidFill>
+                        <a:latin typeface="Arial"/>
+                        <a:cs typeface="Arial"/>
+                      </a:endParaRPr>
+                    </a:p>
+                  </a:txBody>
+                  <a:tcPr>
+                    <a:solidFill>
+                      <a:schemeClr val="bg1">
+                        <a:lumMod val="75000"/>
+                      </a:schemeClr>
+                    </a:solidFill>
+                  </a:tcPr>
+                </a:tc>
+                <a:tc>
+                  <a:txBody>
+                    <a:bodyPr/>
+                    <a:lstStyle/>
+                    <a:p>
+                      <a:pPr algn="ctr">
+                        <a:lnSpc>
+                          <a:spcPct val="150000"/>
+                        </a:lnSpc>
+                      </a:pPr>
+                      <a:r>
+                        <a:rPr lang="en-US" sz="1200" dirty="0" smtClean="0">
+                          <a:solidFill>
+                            <a:schemeClr val="bg1">
+                              <a:lumMod val="50000"/>
+                            </a:schemeClr>
+                          </a:solidFill>
+                          <a:latin typeface="Arial"/>
+                          <a:cs typeface="Arial"/>
+                        </a:rPr>
+                        <a:t>54</a:t>
+                      </a:r>
+                      <a:endParaRPr lang="en-US" sz="1200" dirty="0">
+                        <a:solidFill>
+                          <a:schemeClr val="bg1">
+                            <a:lumMod val="50000"/>
+                          </a:schemeClr>
+                        </a:solidFill>
+                        <a:latin typeface="Arial"/>
+                        <a:cs typeface="Arial"/>
+                      </a:endParaRPr>
+                    </a:p>
+                  </a:txBody>
+                  <a:tcPr>
+                    <a:solidFill>
+                      <a:schemeClr val="bg1">
+                        <a:lumMod val="75000"/>
+                      </a:schemeClr>
+                    </a:solidFill>
+                  </a:tcPr>
+                </a:tc>
+                <a:tc>
+                  <a:txBody>
+                    <a:bodyPr/>
+                    <a:lstStyle/>
+                    <a:p>
+                      <a:pPr algn="ctr">
+                        <a:lnSpc>
+                          <a:spcPct val="150000"/>
+                        </a:lnSpc>
+                      </a:pPr>
+                      <a:r>
+                        <a:rPr lang="en-US" sz="1200" dirty="0" smtClean="0">
+                          <a:solidFill>
+                            <a:schemeClr val="bg1">
+                              <a:lumMod val="50000"/>
+                            </a:schemeClr>
+                          </a:solidFill>
+                          <a:latin typeface="Arial"/>
+                          <a:cs typeface="Arial"/>
+                        </a:rPr>
+                        <a:t>55</a:t>
+                      </a:r>
+                      <a:endParaRPr lang="en-US" sz="1200" dirty="0">
+                        <a:solidFill>
+                          <a:schemeClr val="bg1">
+                            <a:lumMod val="50000"/>
+                          </a:schemeClr>
+                        </a:solidFill>
+                        <a:latin typeface="Arial"/>
+                        <a:cs typeface="Arial"/>
+                      </a:endParaRPr>
+                    </a:p>
+                  </a:txBody>
+                  <a:tcPr>
+                    <a:solidFill>
+                      <a:schemeClr val="bg1">
+                        <a:lumMod val="75000"/>
+                      </a:schemeClr>
+                    </a:solidFill>
+                  </a:tcPr>
+                </a:tc>
+                <a:tc>
+                  <a:txBody>
+                    <a:bodyPr/>
+                    <a:lstStyle/>
+                    <a:p>
+                      <a:pPr algn="ctr">
+                        <a:lnSpc>
+                          <a:spcPct val="150000"/>
+                        </a:lnSpc>
+                      </a:pPr>
+                      <a:r>
+                        <a:rPr lang="en-US" sz="1200" dirty="0" smtClean="0">
+                          <a:solidFill>
+                            <a:schemeClr val="bg1">
+                              <a:lumMod val="50000"/>
+                            </a:schemeClr>
+                          </a:solidFill>
+                          <a:latin typeface="Arial"/>
+                          <a:cs typeface="Arial"/>
+                        </a:rPr>
+                        <a:t>56</a:t>
+                      </a:r>
+                      <a:endParaRPr lang="en-US" sz="1200" dirty="0">
+                        <a:solidFill>
+                          <a:schemeClr val="bg1">
+                            <a:lumMod val="50000"/>
+                          </a:schemeClr>
+                        </a:solidFill>
+                        <a:latin typeface="Arial"/>
+                        <a:cs typeface="Arial"/>
+                      </a:endParaRPr>
+                    </a:p>
+                  </a:txBody>
+                  <a:tcPr>
+                    <a:solidFill>
+                      <a:schemeClr val="bg1">
+                        <a:lumMod val="75000"/>
+                      </a:schemeClr>
+                    </a:solidFill>
+                  </a:tcPr>
+                </a:tc>
+                <a:tc>
+                  <a:txBody>
+                    <a:bodyPr/>
+                    <a:lstStyle/>
+                    <a:p>
+                      <a:pPr algn="ctr">
+                        <a:lnSpc>
+                          <a:spcPct val="150000"/>
+                        </a:lnSpc>
+                      </a:pPr>
+                      <a:r>
+                        <a:rPr lang="en-US" sz="1200" dirty="0" smtClean="0">
+                          <a:solidFill>
+                            <a:schemeClr val="bg1">
+                              <a:lumMod val="50000"/>
+                            </a:schemeClr>
+                          </a:solidFill>
+                          <a:latin typeface="Arial"/>
+                          <a:cs typeface="Arial"/>
+                        </a:rPr>
+                        <a:t>57</a:t>
+                      </a:r>
+                      <a:endParaRPr lang="en-US" sz="1200" dirty="0">
+                        <a:solidFill>
+                          <a:schemeClr val="bg1">
+                            <a:lumMod val="50000"/>
+                          </a:schemeClr>
+                        </a:solidFill>
+                        <a:latin typeface="Arial"/>
+                        <a:cs typeface="Arial"/>
+                      </a:endParaRPr>
+                    </a:p>
+                  </a:txBody>
+                  <a:tcPr>
+                    <a:solidFill>
+                      <a:schemeClr val="bg1">
+                        <a:lumMod val="75000"/>
+                      </a:schemeClr>
+                    </a:solidFill>
+                  </a:tcPr>
+                </a:tc>
+                <a:tc>
+                  <a:txBody>
+                    <a:bodyPr/>
+                    <a:lstStyle/>
+                    <a:p>
+                      <a:pPr algn="ctr">
+                        <a:lnSpc>
+                          <a:spcPct val="150000"/>
+                        </a:lnSpc>
+                      </a:pPr>
+                      <a:r>
+                        <a:rPr lang="en-US" sz="1200" dirty="0" smtClean="0">
+                          <a:solidFill>
+                            <a:schemeClr val="bg1">
+                              <a:lumMod val="50000"/>
+                            </a:schemeClr>
+                          </a:solidFill>
+                          <a:latin typeface="Arial"/>
+                          <a:cs typeface="Arial"/>
+                        </a:rPr>
+                        <a:t>58</a:t>
+                      </a:r>
+                      <a:endParaRPr lang="en-US" sz="1200" dirty="0">
+                        <a:solidFill>
+                          <a:schemeClr val="bg1">
+                            <a:lumMod val="50000"/>
+                          </a:schemeClr>
+                        </a:solidFill>
+                        <a:latin typeface="Arial"/>
+                        <a:cs typeface="Arial"/>
+                      </a:endParaRPr>
+                    </a:p>
+                  </a:txBody>
+                  <a:tcPr>
+                    <a:solidFill>
+                      <a:schemeClr val="bg1">
+                        <a:lumMod val="75000"/>
+                      </a:schemeClr>
+                    </a:solidFill>
+                  </a:tcPr>
+                </a:tc>
+                <a:tc>
+                  <a:txBody>
+                    <a:bodyPr/>
+                    <a:lstStyle/>
+                    <a:p>
+                      <a:pPr algn="ctr">
+                        <a:lnSpc>
+                          <a:spcPct val="150000"/>
+                        </a:lnSpc>
+                      </a:pPr>
+                      <a:r>
+                        <a:rPr lang="en-US" sz="1200" dirty="0" smtClean="0">
+                          <a:solidFill>
+                            <a:schemeClr val="bg1">
+                              <a:lumMod val="50000"/>
+                            </a:schemeClr>
+                          </a:solidFill>
+                          <a:latin typeface="Arial"/>
+                          <a:cs typeface="Arial"/>
+                        </a:rPr>
+                        <a:t>59</a:t>
+                      </a:r>
+                      <a:endParaRPr lang="en-US" sz="1200" dirty="0">
+                        <a:solidFill>
+                          <a:schemeClr val="bg1">
+                            <a:lumMod val="50000"/>
+                          </a:schemeClr>
+                        </a:solidFill>
+                        <a:latin typeface="Arial"/>
+                        <a:cs typeface="Arial"/>
+                      </a:endParaRPr>
+                    </a:p>
+                  </a:txBody>
+                  <a:tcPr>
+                    <a:solidFill>
+                      <a:schemeClr val="bg1">
+                        <a:lumMod val="75000"/>
+                      </a:schemeClr>
+                    </a:solidFill>
+                  </a:tcPr>
+                </a:tc>
+              </a:tr>
+              <a:tr h="472278">
+                <a:tc>
+                  <a:txBody>
+                    <a:bodyPr/>
+                    <a:lstStyle/>
+                    <a:p>
+                      <a:pPr algn="ctr">
+                        <a:lnSpc>
+                          <a:spcPct val="150000"/>
+                        </a:lnSpc>
+                      </a:pPr>
+                      <a:endParaRPr lang="en-US" sz="1200" dirty="0">
+                        <a:solidFill>
+                          <a:schemeClr val="bg1">
+                            <a:lumMod val="50000"/>
+                          </a:schemeClr>
+                        </a:solidFill>
+                        <a:latin typeface="Arial"/>
+                        <a:cs typeface="Arial"/>
+                      </a:endParaRPr>
+                    </a:p>
+                  </a:txBody>
+                  <a:tcPr>
+                    <a:solidFill>
+                      <a:schemeClr val="bg1">
+                        <a:lumMod val="75000"/>
+                      </a:schemeClr>
+                    </a:solidFill>
+                  </a:tcPr>
+                </a:tc>
+                <a:tc>
+                  <a:txBody>
+                    <a:bodyPr/>
+                    <a:lstStyle/>
+                    <a:p>
+                      <a:pPr algn="ctr">
+                        <a:lnSpc>
+                          <a:spcPct val="150000"/>
+                        </a:lnSpc>
+                      </a:pPr>
+                      <a:endParaRPr lang="en-US" sz="1200" dirty="0">
+                        <a:solidFill>
+                          <a:schemeClr val="bg1">
+                            <a:lumMod val="50000"/>
+                          </a:schemeClr>
+                        </a:solidFill>
+                        <a:latin typeface="Arial"/>
+                        <a:cs typeface="Arial"/>
+                      </a:endParaRPr>
+                    </a:p>
+                  </a:txBody>
+                  <a:tcPr>
+                    <a:solidFill>
+                      <a:schemeClr val="bg1">
+                        <a:lumMod val="75000"/>
+                      </a:schemeClr>
+                    </a:solidFill>
+                  </a:tcPr>
+                </a:tc>
+                <a:tc>
+                  <a:txBody>
+                    <a:bodyPr/>
+                    <a:lstStyle/>
+                    <a:p>
+                      <a:pPr algn="ctr">
+                        <a:lnSpc>
+                          <a:spcPct val="150000"/>
+                        </a:lnSpc>
+                      </a:pPr>
+                      <a:endParaRPr lang="en-US" sz="1200" dirty="0">
+                        <a:solidFill>
+                          <a:schemeClr val="bg1">
+                            <a:lumMod val="50000"/>
+                          </a:schemeClr>
+                        </a:solidFill>
+                        <a:latin typeface="Arial"/>
+                        <a:cs typeface="Arial"/>
+                      </a:endParaRPr>
+                    </a:p>
+                  </a:txBody>
+                  <a:tcPr>
+                    <a:solidFill>
+                      <a:schemeClr val="bg1">
+                        <a:lumMod val="75000"/>
+                      </a:schemeClr>
+                    </a:solidFill>
+                  </a:tcPr>
+                </a:tc>
+                <a:tc>
+                  <a:txBody>
+                    <a:bodyPr/>
+                    <a:lstStyle/>
+                    <a:p>
+                      <a:pPr algn="ctr">
+                        <a:lnSpc>
+                          <a:spcPct val="150000"/>
+                        </a:lnSpc>
+                      </a:pPr>
+                      <a:endParaRPr lang="en-US" sz="1200" dirty="0">
+                        <a:solidFill>
+                          <a:schemeClr val="bg1">
+                            <a:lumMod val="50000"/>
+                          </a:schemeClr>
+                        </a:solidFill>
+                        <a:latin typeface="Arial"/>
+                        <a:cs typeface="Arial"/>
+                      </a:endParaRPr>
+                    </a:p>
+                  </a:txBody>
+                  <a:tcPr>
+                    <a:solidFill>
+                      <a:schemeClr val="bg1">
+                        <a:lumMod val="75000"/>
+                      </a:schemeClr>
+                    </a:solidFill>
+                  </a:tcPr>
+                </a:tc>
+                <a:tc>
+                  <a:txBody>
+                    <a:bodyPr/>
+                    <a:lstStyle/>
+                    <a:p>
+                      <a:pPr algn="ctr">
+                        <a:lnSpc>
+                          <a:spcPct val="150000"/>
+                        </a:lnSpc>
+                      </a:pPr>
+                      <a:endParaRPr lang="en-US" sz="1200" dirty="0">
+                        <a:solidFill>
+                          <a:schemeClr val="bg1">
+                            <a:lumMod val="50000"/>
+                          </a:schemeClr>
+                        </a:solidFill>
+                        <a:latin typeface="Arial"/>
+                        <a:cs typeface="Arial"/>
+                      </a:endParaRPr>
+                    </a:p>
+                  </a:txBody>
+                  <a:tcPr>
+                    <a:solidFill>
+                      <a:schemeClr val="bg1">
+                        <a:lumMod val="75000"/>
+                      </a:schemeClr>
+                    </a:solidFill>
+                  </a:tcPr>
+                </a:tc>
+                <a:tc>
+                  <a:txBody>
+                    <a:bodyPr/>
+                    <a:lstStyle/>
+                    <a:p>
+                      <a:pPr algn="ctr">
+                        <a:lnSpc>
+                          <a:spcPct val="150000"/>
+                        </a:lnSpc>
+                      </a:pPr>
+                      <a:endParaRPr lang="en-US" sz="1200" dirty="0">
+                        <a:solidFill>
+                          <a:schemeClr val="bg1">
+                            <a:lumMod val="50000"/>
+                          </a:schemeClr>
+                        </a:solidFill>
+                        <a:latin typeface="Arial"/>
+                        <a:cs typeface="Arial"/>
+                      </a:endParaRPr>
+                    </a:p>
+                  </a:txBody>
+                  <a:tcPr>
+                    <a:solidFill>
+                      <a:schemeClr val="bg1">
+                        <a:lumMod val="75000"/>
+                      </a:schemeClr>
+                    </a:solidFill>
+                  </a:tcPr>
+                </a:tc>
+                <a:tc>
+                  <a:txBody>
+                    <a:bodyPr/>
+                    <a:lstStyle/>
+                    <a:p>
+                      <a:pPr algn="ctr">
+                        <a:lnSpc>
+                          <a:spcPct val="150000"/>
+                        </a:lnSpc>
+                      </a:pPr>
+                      <a:endParaRPr lang="en-US" sz="1200" dirty="0">
+                        <a:solidFill>
+                          <a:schemeClr val="bg1">
+                            <a:lumMod val="50000"/>
+                          </a:schemeClr>
+                        </a:solidFill>
+                        <a:latin typeface="Arial"/>
+                        <a:cs typeface="Arial"/>
+                      </a:endParaRPr>
+                    </a:p>
+                  </a:txBody>
+                  <a:tcPr>
+                    <a:solidFill>
+                      <a:schemeClr val="bg1">
+                        <a:lumMod val="75000"/>
+                      </a:schemeClr>
+                    </a:solidFill>
+                  </a:tcPr>
+                </a:tc>
+                <a:tc>
+                  <a:txBody>
+                    <a:bodyPr/>
+                    <a:lstStyle/>
+                    <a:p>
+                      <a:pPr algn="ctr">
+                        <a:lnSpc>
+                          <a:spcPct val="150000"/>
+                        </a:lnSpc>
+                      </a:pPr>
+                      <a:endParaRPr lang="en-US" sz="1200" dirty="0">
+                        <a:solidFill>
+                          <a:schemeClr val="bg1">
+                            <a:lumMod val="50000"/>
+                          </a:schemeClr>
+                        </a:solidFill>
+                        <a:latin typeface="Arial"/>
+                        <a:cs typeface="Arial"/>
+                      </a:endParaRPr>
+                    </a:p>
+                  </a:txBody>
+                  <a:tcPr>
+                    <a:solidFill>
+                      <a:schemeClr val="bg1">
+                        <a:lumMod val="75000"/>
+                      </a:schemeClr>
+                    </a:solidFill>
+                  </a:tcPr>
+                </a:tc>
+                <a:tc>
+                  <a:txBody>
+                    <a:bodyPr/>
+                    <a:lstStyle/>
+                    <a:p>
+                      <a:pPr algn="ctr">
+                        <a:lnSpc>
+                          <a:spcPct val="150000"/>
+                        </a:lnSpc>
+                      </a:pPr>
+                      <a:endParaRPr lang="en-US" sz="1200" dirty="0">
+                        <a:solidFill>
+                          <a:schemeClr val="bg1">
+                            <a:lumMod val="50000"/>
+                          </a:schemeClr>
+                        </a:solidFill>
+                        <a:latin typeface="Arial"/>
+                        <a:cs typeface="Arial"/>
+                      </a:endParaRPr>
+                    </a:p>
+                  </a:txBody>
+                  <a:tcPr>
+                    <a:solidFill>
+                      <a:schemeClr val="bg1">
+                        <a:lumMod val="75000"/>
+                      </a:schemeClr>
+                    </a:solidFill>
+                  </a:tcPr>
+                </a:tc>
+                <a:tc>
+                  <a:txBody>
+                    <a:bodyPr/>
+                    <a:lstStyle/>
+                    <a:p>
+                      <a:pPr algn="ctr">
+                        <a:lnSpc>
+                          <a:spcPct val="150000"/>
+                        </a:lnSpc>
+                      </a:pPr>
+                      <a:endParaRPr lang="en-US" sz="1200" dirty="0">
+                        <a:solidFill>
+                          <a:schemeClr val="bg1">
+                            <a:lumMod val="50000"/>
+                          </a:schemeClr>
+                        </a:solidFill>
+                        <a:latin typeface="Arial"/>
+                        <a:cs typeface="Arial"/>
+                      </a:endParaRPr>
+                    </a:p>
+                  </a:txBody>
+                  <a:tcPr>
+                    <a:solidFill>
+                      <a:schemeClr val="bg1">
+                        <a:lumMod val="75000"/>
+                      </a:schemeClr>
+                    </a:solidFill>
+                  </a:tcPr>
+                </a:tc>
+                <a:tc>
+                  <a:txBody>
+                    <a:bodyPr/>
+                    <a:lstStyle/>
+                    <a:p>
+                      <a:pPr algn="ctr">
+                        <a:lnSpc>
+                          <a:spcPct val="150000"/>
+                        </a:lnSpc>
+                      </a:pPr>
+                      <a:endParaRPr lang="en-US" sz="1200" dirty="0" smtClean="0">
+                        <a:solidFill>
+                          <a:schemeClr val="bg1">
+                            <a:lumMod val="50000"/>
+                          </a:schemeClr>
+                        </a:solidFill>
+                        <a:latin typeface="Arial"/>
+                        <a:cs typeface="Arial"/>
+                      </a:endParaRPr>
+                    </a:p>
+                  </a:txBody>
+                  <a:tcPr>
+                    <a:solidFill>
+                      <a:schemeClr val="bg1">
+                        <a:lumMod val="75000"/>
+                      </a:schemeClr>
+                    </a:solidFill>
+                  </a:tcPr>
+                </a:tc>
+                <a:tc>
+                  <a:txBody>
+                    <a:bodyPr/>
+                    <a:lstStyle/>
+                    <a:p>
+                      <a:pPr algn="ctr">
+                        <a:lnSpc>
+                          <a:spcPct val="150000"/>
+                        </a:lnSpc>
+                      </a:pPr>
+                      <a:endParaRPr lang="en-US" sz="1200" dirty="0">
+                        <a:solidFill>
+                          <a:schemeClr val="bg1">
+                            <a:lumMod val="50000"/>
+                          </a:schemeClr>
+                        </a:solidFill>
+                        <a:latin typeface="Arial"/>
+                        <a:cs typeface="Arial"/>
+                      </a:endParaRPr>
+                    </a:p>
+                  </a:txBody>
+                  <a:tcPr>
+                    <a:solidFill>
+                      <a:schemeClr val="bg1">
+                        <a:lumMod val="75000"/>
+                      </a:schemeClr>
+                    </a:solidFill>
+                  </a:tcPr>
+                </a:tc>
+                <a:tc>
+                  <a:txBody>
+                    <a:bodyPr/>
+                    <a:lstStyle/>
+                    <a:p>
+                      <a:pPr algn="ctr">
+                        <a:lnSpc>
+                          <a:spcPct val="150000"/>
+                        </a:lnSpc>
+                      </a:pPr>
+                      <a:endParaRPr lang="en-US" sz="1200" dirty="0">
+                        <a:solidFill>
+                          <a:schemeClr val="bg1">
+                            <a:lumMod val="50000"/>
+                          </a:schemeClr>
+                        </a:solidFill>
+                        <a:latin typeface="Arial"/>
+                        <a:cs typeface="Arial"/>
+                      </a:endParaRPr>
+                    </a:p>
+                  </a:txBody>
+                  <a:tcPr>
+                    <a:solidFill>
+                      <a:schemeClr val="bg1">
+                        <a:lumMod val="75000"/>
+                      </a:schemeClr>
+                    </a:solidFill>
+                  </a:tcPr>
+                </a:tc>
+                <a:tc>
+                  <a:txBody>
+                    <a:bodyPr/>
+                    <a:lstStyle/>
+                    <a:p>
+                      <a:pPr algn="ctr">
+                        <a:lnSpc>
+                          <a:spcPct val="150000"/>
+                        </a:lnSpc>
+                      </a:pPr>
+                      <a:endParaRPr lang="en-US" sz="1200" dirty="0">
+                        <a:solidFill>
+                          <a:schemeClr val="bg1">
+                            <a:lumMod val="50000"/>
+                          </a:schemeClr>
+                        </a:solidFill>
+                        <a:latin typeface="Arial"/>
+                        <a:cs typeface="Arial"/>
+                      </a:endParaRPr>
+                    </a:p>
+                  </a:txBody>
+                  <a:tcPr>
+                    <a:solidFill>
+                      <a:schemeClr val="bg1">
+                        <a:lumMod val="75000"/>
+                      </a:schemeClr>
+                    </a:solidFill>
+                  </a:tcPr>
+                </a:tc>
+                <a:tc>
+                  <a:txBody>
+                    <a:bodyPr/>
+                    <a:lstStyle/>
+                    <a:p>
+                      <a:pPr algn="ctr">
+                        <a:lnSpc>
+                          <a:spcPct val="150000"/>
+                        </a:lnSpc>
+                      </a:pPr>
+                      <a:endParaRPr lang="en-US" sz="1200" dirty="0">
+                        <a:solidFill>
+                          <a:schemeClr val="bg1">
+                            <a:lumMod val="50000"/>
+                          </a:schemeClr>
+                        </a:solidFill>
+                        <a:latin typeface="Arial"/>
+                        <a:cs typeface="Arial"/>
+                      </a:endParaRPr>
+                    </a:p>
+                  </a:txBody>
+                  <a:tcPr>
+                    <a:solidFill>
+                      <a:schemeClr val="bg1">
+                        <a:lumMod val="75000"/>
+                      </a:schemeClr>
+                    </a:solidFill>
+                  </a:tcPr>
+                </a:tc>
+                <a:tc>
+                  <a:txBody>
+                    <a:bodyPr/>
+                    <a:lstStyle/>
+                    <a:p>
+                      <a:pPr algn="ctr">
+                        <a:lnSpc>
+                          <a:spcPct val="150000"/>
+                        </a:lnSpc>
+                      </a:pPr>
+                      <a:endParaRPr lang="en-US" sz="1200" dirty="0">
+                        <a:solidFill>
+                          <a:schemeClr val="bg1">
+                            <a:lumMod val="50000"/>
+                          </a:schemeClr>
+                        </a:solidFill>
+                        <a:latin typeface="Arial"/>
+                        <a:cs typeface="Arial"/>
+                      </a:endParaRPr>
+                    </a:p>
+                  </a:txBody>
+                  <a:tcPr>
+                    <a:solidFill>
+                      <a:schemeClr val="bg1">
+                        <a:lumMod val="75000"/>
+                      </a:schemeClr>
+                    </a:solidFill>
+                  </a:tcPr>
+                </a:tc>
+                <a:tc>
+                  <a:txBody>
+                    <a:bodyPr/>
+                    <a:lstStyle/>
+                    <a:p>
+                      <a:pPr algn="ctr">
+                        <a:lnSpc>
+                          <a:spcPct val="150000"/>
+                        </a:lnSpc>
+                      </a:pPr>
+                      <a:endParaRPr lang="en-US" sz="1200" dirty="0">
+                        <a:solidFill>
+                          <a:schemeClr val="bg1">
+                            <a:lumMod val="50000"/>
+                          </a:schemeClr>
+                        </a:solidFill>
+                        <a:latin typeface="Arial"/>
+                        <a:cs typeface="Arial"/>
+                      </a:endParaRPr>
+                    </a:p>
+                  </a:txBody>
+                  <a:tcPr>
+                    <a:solidFill>
+                      <a:schemeClr val="bg1">
+                        <a:lumMod val="75000"/>
+                      </a:schemeClr>
+                    </a:solidFill>
+                  </a:tcPr>
+                </a:tc>
+                <a:tc>
+                  <a:txBody>
+                    <a:bodyPr/>
+                    <a:lstStyle/>
+                    <a:p>
+                      <a:pPr algn="ctr">
+                        <a:lnSpc>
+                          <a:spcPct val="150000"/>
+                        </a:lnSpc>
+                      </a:pPr>
+                      <a:endParaRPr lang="en-US" sz="1200" dirty="0">
+                        <a:solidFill>
+                          <a:schemeClr val="bg1">
+                            <a:lumMod val="50000"/>
+                          </a:schemeClr>
+                        </a:solidFill>
+                        <a:latin typeface="Arial"/>
+                        <a:cs typeface="Arial"/>
+                      </a:endParaRPr>
+                    </a:p>
+                  </a:txBody>
+                  <a:tcPr>
+                    <a:solidFill>
+                      <a:schemeClr val="bg1">
+                        <a:lumMod val="75000"/>
+                      </a:schemeClr>
+                    </a:solidFill>
+                  </a:tcPr>
+                </a:tc>
+                <a:tc>
+                  <a:txBody>
+                    <a:bodyPr/>
+                    <a:lstStyle/>
+                    <a:p>
+                      <a:pPr algn="ctr">
+                        <a:lnSpc>
+                          <a:spcPct val="150000"/>
+                        </a:lnSpc>
+                      </a:pPr>
+                      <a:endParaRPr lang="en-US" sz="1200" dirty="0">
+                        <a:solidFill>
+                          <a:schemeClr val="bg1">
+                            <a:lumMod val="50000"/>
+                          </a:schemeClr>
+                        </a:solidFill>
+                        <a:latin typeface="Arial"/>
+                        <a:cs typeface="Arial"/>
+                      </a:endParaRPr>
+                    </a:p>
+                  </a:txBody>
+                  <a:tcPr>
+                    <a:solidFill>
+                      <a:schemeClr val="bg1">
+                        <a:lumMod val="75000"/>
+                      </a:schemeClr>
+                    </a:solidFill>
+                  </a:tcPr>
+                </a:tc>
+                <a:tc>
+                  <a:txBody>
+                    <a:bodyPr/>
+                    <a:lstStyle/>
+                    <a:p>
+                      <a:pPr algn="ctr">
+                        <a:lnSpc>
+                          <a:spcPct val="150000"/>
+                        </a:lnSpc>
+                      </a:pPr>
+                      <a:endParaRPr lang="en-US" sz="1200" dirty="0">
+                        <a:solidFill>
+                          <a:schemeClr val="bg1">
+                            <a:lumMod val="50000"/>
+                          </a:schemeClr>
+                        </a:solidFill>
+                        <a:latin typeface="Arial"/>
+                        <a:cs typeface="Arial"/>
+                      </a:endParaRPr>
+                    </a:p>
+                  </a:txBody>
+                  <a:tcPr>
+                    <a:solidFill>
+                      <a:schemeClr val="bg1">
+                        <a:lumMod val="75000"/>
+                      </a:schemeClr>
+                    </a:solidFill>
+                  </a:tcPr>
+                </a:tc>
+              </a:tr>
+            </a:tbl>
+          </a:graphicData>
+        </a:graphic>
+      </p:graphicFrame>
+      <p:graphicFrame>
+        <p:nvGraphicFramePr>
+          <p:cNvPr id="63" name="Table 62"/>
+          <p:cNvGraphicFramePr>
+            <a:graphicFrameLocks noGrp="1"/>
+          </p:cNvGraphicFramePr>
+          <p:nvPr>
+            <p:extLst>
+              <p:ext uri="{D42A27DB-BD31-4B8C-83A1-F6EECF244321}">
+                <p14:modId xmlns:p14="http://schemas.microsoft.com/office/powerpoint/2010/main" val="1945434227"/>
+              </p:ext>
+            </p:extLst>
+          </p:nvPr>
+        </p:nvGraphicFramePr>
+        <p:xfrm>
+          <a:off x="61232" y="3331934"/>
+          <a:ext cx="4501760" cy="472278"/>
+        </p:xfrm>
+        <a:graphic>
+          <a:graphicData uri="http://schemas.openxmlformats.org/drawingml/2006/table">
+            <a:tbl>
+              <a:tblPr firstRow="1" bandRow="1">
+                <a:tableStyleId>{69CF1AB2-1976-4502-BF36-3FF5EA218861}</a:tableStyleId>
+              </a:tblPr>
+              <a:tblGrid>
+                <a:gridCol w="450176"/>
+                <a:gridCol w="450176"/>
+                <a:gridCol w="450176"/>
+                <a:gridCol w="450176"/>
+                <a:gridCol w="450176"/>
+                <a:gridCol w="450176"/>
+                <a:gridCol w="450176"/>
+                <a:gridCol w="450176"/>
+                <a:gridCol w="450176"/>
+                <a:gridCol w="450176"/>
+              </a:tblGrid>
+              <a:tr h="472278">
+                <a:tc>
+                  <a:txBody>
+                    <a:bodyPr/>
+                    <a:lstStyle/>
+                    <a:p>
+                      <a:pPr algn="ctr">
+                        <a:lnSpc>
+                          <a:spcPct val="150000"/>
+                        </a:lnSpc>
+                      </a:pPr>
+                      <a:r>
+                        <a:rPr lang="en-US" sz="1200" dirty="0" smtClean="0">
+                          <a:solidFill>
+                            <a:schemeClr val="bg1">
+                              <a:lumMod val="50000"/>
+                            </a:schemeClr>
+                          </a:solidFill>
+                          <a:latin typeface="Arial"/>
+                          <a:cs typeface="Arial"/>
+                        </a:rPr>
+                        <a:t>60</a:t>
+                      </a:r>
+                      <a:endParaRPr lang="en-US" sz="1200" dirty="0">
+                        <a:solidFill>
+                          <a:schemeClr val="bg1">
+                            <a:lumMod val="50000"/>
+                          </a:schemeClr>
+                        </a:solidFill>
+                        <a:latin typeface="Arial"/>
+                        <a:cs typeface="Arial"/>
+                      </a:endParaRPr>
+                    </a:p>
+                  </a:txBody>
+                  <a:tcPr>
+                    <a:solidFill>
+                      <a:schemeClr val="bg1">
+                        <a:lumMod val="75000"/>
+                      </a:schemeClr>
+                    </a:solidFill>
+                  </a:tcPr>
+                </a:tc>
+                <a:tc>
+                  <a:txBody>
+                    <a:bodyPr/>
+                    <a:lstStyle/>
+                    <a:p>
+                      <a:pPr algn="ctr">
+                        <a:lnSpc>
+                          <a:spcPct val="150000"/>
+                        </a:lnSpc>
+                      </a:pPr>
+                      <a:r>
+                        <a:rPr lang="en-US" sz="1200" dirty="0" smtClean="0">
+                          <a:solidFill>
+                            <a:schemeClr val="bg1">
+                              <a:lumMod val="50000"/>
+                            </a:schemeClr>
+                          </a:solidFill>
+                          <a:latin typeface="Arial"/>
+                          <a:cs typeface="Arial"/>
+                        </a:rPr>
+                        <a:t>61</a:t>
+                      </a:r>
+                      <a:endParaRPr lang="en-US" sz="1200" dirty="0">
+                        <a:solidFill>
+                          <a:schemeClr val="bg1">
+                            <a:lumMod val="50000"/>
+                          </a:schemeClr>
+                        </a:solidFill>
+                        <a:latin typeface="Arial"/>
+                        <a:cs typeface="Arial"/>
+                      </a:endParaRPr>
+                    </a:p>
+                  </a:txBody>
+                  <a:tcPr>
+                    <a:solidFill>
+                      <a:schemeClr val="bg1">
+                        <a:lumMod val="75000"/>
+                      </a:schemeClr>
+                    </a:solidFill>
+                  </a:tcPr>
+                </a:tc>
+                <a:tc>
+                  <a:txBody>
+                    <a:bodyPr/>
+                    <a:lstStyle/>
+                    <a:p>
+                      <a:pPr algn="ctr">
+                        <a:lnSpc>
+                          <a:spcPct val="150000"/>
+                        </a:lnSpc>
+                      </a:pPr>
+                      <a:r>
+                        <a:rPr lang="en-US" sz="1200" dirty="0" smtClean="0">
+                          <a:solidFill>
+                            <a:schemeClr val="bg1">
+                              <a:lumMod val="50000"/>
+                            </a:schemeClr>
+                          </a:solidFill>
+                          <a:latin typeface="Arial"/>
+                          <a:cs typeface="Arial"/>
+                        </a:rPr>
+                        <a:t>62</a:t>
+                      </a:r>
+                      <a:endParaRPr lang="en-US" sz="1200" dirty="0">
+                        <a:solidFill>
+                          <a:schemeClr val="bg1">
+                            <a:lumMod val="50000"/>
+                          </a:schemeClr>
+                        </a:solidFill>
+                        <a:latin typeface="Arial"/>
+                        <a:cs typeface="Arial"/>
+                      </a:endParaRPr>
+                    </a:p>
+                  </a:txBody>
+                  <a:tcPr>
+                    <a:solidFill>
+                      <a:schemeClr val="bg1">
+                        <a:lumMod val="75000"/>
+                      </a:schemeClr>
+                    </a:solidFill>
+                  </a:tcPr>
+                </a:tc>
+                <a:tc>
+                  <a:txBody>
+                    <a:bodyPr/>
+                    <a:lstStyle/>
+                    <a:p>
+                      <a:pPr algn="ctr">
+                        <a:lnSpc>
+                          <a:spcPct val="150000"/>
+                        </a:lnSpc>
+                      </a:pPr>
+                      <a:r>
+                        <a:rPr lang="en-US" sz="1200" dirty="0" smtClean="0">
+                          <a:solidFill>
+                            <a:schemeClr val="bg1">
+                              <a:lumMod val="50000"/>
+                            </a:schemeClr>
+                          </a:solidFill>
+                          <a:latin typeface="Arial"/>
+                          <a:cs typeface="Arial"/>
+                        </a:rPr>
+                        <a:t>63</a:t>
+                      </a:r>
+                      <a:endParaRPr lang="en-US" sz="1200" dirty="0">
+                        <a:solidFill>
+                          <a:schemeClr val="bg1">
+                            <a:lumMod val="50000"/>
+                          </a:schemeClr>
+                        </a:solidFill>
+                        <a:latin typeface="Arial"/>
+                        <a:cs typeface="Arial"/>
+                      </a:endParaRPr>
+                    </a:p>
+                  </a:txBody>
+                  <a:tcPr>
+                    <a:solidFill>
+                      <a:schemeClr val="bg1">
+                        <a:lumMod val="75000"/>
+                      </a:schemeClr>
+                    </a:solidFill>
+                  </a:tcPr>
+                </a:tc>
+                <a:tc>
+                  <a:txBody>
+                    <a:bodyPr/>
+                    <a:lstStyle/>
+                    <a:p>
+                      <a:pPr algn="ctr">
+                        <a:lnSpc>
+                          <a:spcPct val="150000"/>
+                        </a:lnSpc>
+                      </a:pPr>
+                      <a:r>
+                        <a:rPr lang="en-US" sz="1200" dirty="0" smtClean="0">
+                          <a:solidFill>
+                            <a:schemeClr val="bg1">
+                              <a:lumMod val="50000"/>
+                            </a:schemeClr>
+                          </a:solidFill>
+                          <a:latin typeface="Arial"/>
+                          <a:cs typeface="Arial"/>
+                        </a:rPr>
+                        <a:t>64</a:t>
+                      </a:r>
+                      <a:endParaRPr lang="en-US" sz="1200" dirty="0">
+                        <a:solidFill>
+                          <a:schemeClr val="bg1">
+                            <a:lumMod val="50000"/>
+                          </a:schemeClr>
+                        </a:solidFill>
+                        <a:latin typeface="Arial"/>
+                        <a:cs typeface="Arial"/>
+                      </a:endParaRPr>
+                    </a:p>
+                  </a:txBody>
+                  <a:tcPr>
+                    <a:solidFill>
+                      <a:schemeClr val="bg1">
+                        <a:lumMod val="75000"/>
+                      </a:schemeClr>
+                    </a:solidFill>
+                  </a:tcPr>
+                </a:tc>
+                <a:tc>
+                  <a:txBody>
+                    <a:bodyPr/>
+                    <a:lstStyle/>
+                    <a:p>
+                      <a:pPr algn="ctr">
+                        <a:lnSpc>
+                          <a:spcPct val="150000"/>
+                        </a:lnSpc>
+                      </a:pPr>
+                      <a:r>
+                        <a:rPr lang="en-US" sz="1200" dirty="0" smtClean="0">
+                          <a:solidFill>
+                            <a:schemeClr val="bg1">
+                              <a:lumMod val="50000"/>
+                            </a:schemeClr>
+                          </a:solidFill>
+                          <a:latin typeface="Arial"/>
+                          <a:cs typeface="Arial"/>
+                        </a:rPr>
+                        <a:t>65</a:t>
+                      </a:r>
+                      <a:endParaRPr lang="en-US" sz="1200" dirty="0">
+                        <a:solidFill>
+                          <a:schemeClr val="bg1">
+                            <a:lumMod val="50000"/>
+                          </a:schemeClr>
+                        </a:solidFill>
+                        <a:latin typeface="Arial"/>
+                        <a:cs typeface="Arial"/>
+                      </a:endParaRPr>
+                    </a:p>
+                  </a:txBody>
+                  <a:tcPr>
+                    <a:solidFill>
+                      <a:schemeClr val="bg1">
+                        <a:lumMod val="75000"/>
+                      </a:schemeClr>
+                    </a:solidFill>
+                  </a:tcPr>
+                </a:tc>
+                <a:tc>
+                  <a:txBody>
+                    <a:bodyPr/>
+                    <a:lstStyle/>
+                    <a:p>
+                      <a:pPr algn="ctr">
+                        <a:lnSpc>
+                          <a:spcPct val="150000"/>
+                        </a:lnSpc>
+                      </a:pPr>
+                      <a:r>
+                        <a:rPr lang="en-US" sz="1200" dirty="0" smtClean="0">
+                          <a:solidFill>
+                            <a:schemeClr val="bg1">
+                              <a:lumMod val="50000"/>
+                            </a:schemeClr>
+                          </a:solidFill>
+                          <a:latin typeface="Arial"/>
+                          <a:cs typeface="Arial"/>
+                        </a:rPr>
+                        <a:t>66</a:t>
+                      </a:r>
+                      <a:endParaRPr lang="en-US" sz="1200" dirty="0">
+                        <a:solidFill>
+                          <a:schemeClr val="bg1">
+                            <a:lumMod val="50000"/>
+                          </a:schemeClr>
+                        </a:solidFill>
+                        <a:latin typeface="Arial"/>
+                        <a:cs typeface="Arial"/>
+                      </a:endParaRPr>
+                    </a:p>
+                  </a:txBody>
+                  <a:tcPr>
+                    <a:solidFill>
+                      <a:schemeClr val="bg1">
+                        <a:lumMod val="75000"/>
+                      </a:schemeClr>
+                    </a:solidFill>
+                  </a:tcPr>
+                </a:tc>
+                <a:tc>
+                  <a:txBody>
+                    <a:bodyPr/>
+                    <a:lstStyle/>
+                    <a:p>
+                      <a:pPr algn="ctr">
+                        <a:lnSpc>
+                          <a:spcPct val="150000"/>
+                        </a:lnSpc>
+                      </a:pPr>
+                      <a:r>
+                        <a:rPr lang="en-US" sz="1200" dirty="0" smtClean="0">
+                          <a:solidFill>
+                            <a:schemeClr val="bg1">
+                              <a:lumMod val="50000"/>
+                            </a:schemeClr>
+                          </a:solidFill>
+                          <a:latin typeface="Arial"/>
+                          <a:cs typeface="Arial"/>
+                        </a:rPr>
+                        <a:t>67</a:t>
+                      </a:r>
+                      <a:endParaRPr lang="en-US" sz="1200" dirty="0">
+                        <a:solidFill>
+                          <a:schemeClr val="bg1">
+                            <a:lumMod val="50000"/>
+                          </a:schemeClr>
+                        </a:solidFill>
+                        <a:latin typeface="Arial"/>
+                        <a:cs typeface="Arial"/>
+                      </a:endParaRPr>
+                    </a:p>
+                  </a:txBody>
+                  <a:tcPr>
+                    <a:solidFill>
+                      <a:schemeClr val="bg1">
+                        <a:lumMod val="75000"/>
+                      </a:schemeClr>
+                    </a:solidFill>
+                  </a:tcPr>
+                </a:tc>
+                <a:tc>
+                  <a:txBody>
+                    <a:bodyPr/>
+                    <a:lstStyle/>
+                    <a:p>
+                      <a:pPr algn="ctr">
+                        <a:lnSpc>
+                          <a:spcPct val="150000"/>
+                        </a:lnSpc>
+                      </a:pPr>
+                      <a:r>
+                        <a:rPr lang="en-US" sz="1200" dirty="0" smtClean="0">
+                          <a:solidFill>
+                            <a:schemeClr val="bg1">
+                              <a:lumMod val="50000"/>
+                            </a:schemeClr>
+                          </a:solidFill>
+                          <a:latin typeface="Arial"/>
+                          <a:cs typeface="Arial"/>
+                        </a:rPr>
+                        <a:t>68</a:t>
+                      </a:r>
+                      <a:endParaRPr lang="en-US" sz="1200" dirty="0">
+                        <a:solidFill>
+                          <a:schemeClr val="bg1">
+                            <a:lumMod val="50000"/>
+                          </a:schemeClr>
+                        </a:solidFill>
+                        <a:latin typeface="Arial"/>
+                        <a:cs typeface="Arial"/>
+                      </a:endParaRPr>
+                    </a:p>
+                  </a:txBody>
+                  <a:tcPr>
+                    <a:solidFill>
+                      <a:schemeClr val="bg1">
+                        <a:lumMod val="75000"/>
+                      </a:schemeClr>
+                    </a:solidFill>
+                  </a:tcPr>
+                </a:tc>
+                <a:tc>
+                  <a:txBody>
+                    <a:bodyPr/>
+                    <a:lstStyle/>
+                    <a:p>
+                      <a:pPr algn="ctr">
+                        <a:lnSpc>
+                          <a:spcPct val="150000"/>
+                        </a:lnSpc>
+                      </a:pPr>
+                      <a:r>
+                        <a:rPr lang="en-US" sz="1200" dirty="0" smtClean="0">
+                          <a:solidFill>
+                            <a:schemeClr val="bg1">
+                              <a:lumMod val="50000"/>
+                            </a:schemeClr>
+                          </a:solidFill>
+                          <a:latin typeface="Arial"/>
+                          <a:cs typeface="Arial"/>
+                        </a:rPr>
+                        <a:t>69</a:t>
+                      </a:r>
+                      <a:endParaRPr lang="en-US" sz="1200" dirty="0">
+                        <a:solidFill>
+                          <a:schemeClr val="bg1">
+                            <a:lumMod val="50000"/>
+                          </a:schemeClr>
+                        </a:solidFill>
+                        <a:latin typeface="Arial"/>
+                        <a:cs typeface="Arial"/>
+                      </a:endParaRPr>
                     </a:p>
                   </a:txBody>
                   <a:tcPr>
@@ -4117,523 +7623,13 @@
       </p:graphicFrame>
       <p:sp>
         <p:nvSpPr>
-          <p:cNvPr id="39" name="TextBox 38"/>
+          <p:cNvPr id="64" name="TextBox 63"/>
           <p:cNvSpPr txBox="1"/>
           <p:nvPr/>
         </p:nvSpPr>
         <p:spPr>
           <a:xfrm>
-            <a:off x="3846130" y="1056968"/>
-            <a:ext cx="1043876" cy="369332"/>
-          </a:xfrm>
-          <a:prstGeom prst="rect">
-            <a:avLst/>
-          </a:prstGeom>
-          <a:noFill/>
-        </p:spPr>
-        <p:txBody>
-          <a:bodyPr wrap="none" rtlCol="0">
-            <a:spAutoFit/>
-          </a:bodyPr>
-          <a:lstStyle/>
-          <a:p>
-            <a:r>
-              <a:rPr lang="en-US" dirty="0" smtClean="0"/>
-              <a:t>NORMAL</a:t>
-            </a:r>
-          </a:p>
-        </p:txBody>
-      </p:sp>
-      <p:sp>
-        <p:nvSpPr>
-          <p:cNvPr id="16" name="Rectangle 15"/>
-          <p:cNvSpPr/>
-          <p:nvPr/>
-        </p:nvSpPr>
-        <p:spPr>
-          <a:xfrm>
-            <a:off x="53038" y="3015259"/>
-            <a:ext cx="9025414" cy="693839"/>
-          </a:xfrm>
-          <a:prstGeom prst="rect">
-            <a:avLst/>
-          </a:prstGeom>
-        </p:spPr>
-        <p:style>
-          <a:lnRef idx="1">
-            <a:schemeClr val="dk1"/>
-          </a:lnRef>
-          <a:fillRef idx="3">
-            <a:schemeClr val="dk1"/>
-          </a:fillRef>
-          <a:effectRef idx="2">
-            <a:schemeClr val="dk1"/>
-          </a:effectRef>
-          <a:fontRef idx="minor">
-            <a:schemeClr val="lt1"/>
-          </a:fontRef>
-        </p:style>
-        <p:txBody>
-          <a:bodyPr rtlCol="0" anchor="ctr"/>
-          <a:lstStyle/>
-          <a:p>
-            <a:pPr algn="ctr"/>
-            <a:endParaRPr lang="en-US" dirty="0"/>
-          </a:p>
-        </p:txBody>
-      </p:sp>
-      <p:pic>
-        <p:nvPicPr>
-          <p:cNvPr id="6" name="Picture 5"/>
-          <p:cNvPicPr>
-            <a:picLocks noChangeAspect="1"/>
-          </p:cNvPicPr>
-          <p:nvPr/>
-        </p:nvPicPr>
-        <p:blipFill>
-          <a:blip r:embed="rId2"/>
-          <a:stretch>
-            <a:fillRect/>
-          </a:stretch>
-        </p:blipFill>
-        <p:spPr>
-          <a:xfrm>
-            <a:off x="4117020" y="3149742"/>
-            <a:ext cx="403399" cy="403399"/>
-          </a:xfrm>
-          <a:prstGeom prst="rect">
-            <a:avLst/>
-          </a:prstGeom>
-        </p:spPr>
-      </p:pic>
-      <p:pic>
-        <p:nvPicPr>
-          <p:cNvPr id="9" name="Picture 8"/>
-          <p:cNvPicPr>
-            <a:picLocks noChangeAspect="1"/>
-          </p:cNvPicPr>
-          <p:nvPr/>
-        </p:nvPicPr>
-        <p:blipFill>
-          <a:blip r:embed="rId3"/>
-          <a:stretch>
-            <a:fillRect/>
-          </a:stretch>
-        </p:blipFill>
-        <p:spPr>
-          <a:xfrm>
-            <a:off x="4659356" y="3148380"/>
-            <a:ext cx="403399" cy="403399"/>
-          </a:xfrm>
-          <a:prstGeom prst="rect">
-            <a:avLst/>
-          </a:prstGeom>
-        </p:spPr>
-      </p:pic>
-      <p:pic>
-        <p:nvPicPr>
-          <p:cNvPr id="10" name="Picture 9"/>
-          <p:cNvPicPr>
-            <a:picLocks noChangeAspect="1"/>
-          </p:cNvPicPr>
-          <p:nvPr/>
-        </p:nvPicPr>
-        <p:blipFill>
-          <a:blip r:embed="rId3"/>
-          <a:stretch>
-            <a:fillRect/>
-          </a:stretch>
-        </p:blipFill>
-        <p:spPr>
-          <a:xfrm flipH="1">
-            <a:off x="3112304" y="3148380"/>
-            <a:ext cx="403399" cy="403399"/>
-          </a:xfrm>
-          <a:prstGeom prst="rect">
-            <a:avLst/>
-          </a:prstGeom>
-        </p:spPr>
-      </p:pic>
-      <p:pic>
-        <p:nvPicPr>
-          <p:cNvPr id="45" name="Picture 44"/>
-          <p:cNvPicPr>
-            <a:picLocks noChangeAspect="1"/>
-          </p:cNvPicPr>
-          <p:nvPr/>
-        </p:nvPicPr>
-        <p:blipFill>
-          <a:blip r:embed="rId4"/>
-          <a:stretch>
-            <a:fillRect/>
-          </a:stretch>
-        </p:blipFill>
-        <p:spPr>
-          <a:xfrm>
-            <a:off x="3648296" y="5708042"/>
-            <a:ext cx="395668" cy="399131"/>
-          </a:xfrm>
-          <a:prstGeom prst="rect">
-            <a:avLst/>
-          </a:prstGeom>
-        </p:spPr>
-      </p:pic>
-      <p:pic>
-        <p:nvPicPr>
-          <p:cNvPr id="48" name="Picture 47"/>
-          <p:cNvPicPr>
-            <a:picLocks noChangeAspect="1"/>
-          </p:cNvPicPr>
-          <p:nvPr/>
-        </p:nvPicPr>
-        <p:blipFill>
-          <a:blip r:embed="rId5"/>
-          <a:stretch>
-            <a:fillRect/>
-          </a:stretch>
-        </p:blipFill>
-        <p:spPr>
-          <a:xfrm>
-            <a:off x="5214594" y="5708042"/>
-            <a:ext cx="401576" cy="408159"/>
-          </a:xfrm>
-          <a:prstGeom prst="rect">
-            <a:avLst/>
-          </a:prstGeom>
-        </p:spPr>
-      </p:pic>
-      <p:sp>
-        <p:nvSpPr>
-          <p:cNvPr id="56" name="Rectangle 55"/>
-          <p:cNvSpPr/>
-          <p:nvPr/>
-        </p:nvSpPr>
-        <p:spPr>
-          <a:xfrm>
-            <a:off x="65407" y="2327297"/>
-            <a:ext cx="9025414" cy="215684"/>
-          </a:xfrm>
-          <a:prstGeom prst="rect">
-            <a:avLst/>
-          </a:prstGeom>
-          <a:solidFill>
-            <a:schemeClr val="tx1">
-              <a:lumMod val="50000"/>
-              <a:lumOff val="50000"/>
-            </a:schemeClr>
-          </a:solidFill>
-        </p:spPr>
-        <p:style>
-          <a:lnRef idx="1">
-            <a:schemeClr val="dk1"/>
-          </a:lnRef>
-          <a:fillRef idx="3">
-            <a:schemeClr val="dk1"/>
-          </a:fillRef>
-          <a:effectRef idx="2">
-            <a:schemeClr val="dk1"/>
-          </a:effectRef>
-          <a:fontRef idx="minor">
-            <a:schemeClr val="lt1"/>
-          </a:fontRef>
-        </p:style>
-        <p:txBody>
-          <a:bodyPr rot="0" spcFirstLastPara="0" vertOverflow="overflow" horzOverflow="overflow" vert="horz" wrap="square" lIns="91440" tIns="45720" rIns="91440" bIns="45720" numCol="1" spcCol="0" rtlCol="0" fromWordArt="0" anchor="ctr" anchorCtr="0" forceAA="0" compatLnSpc="1">
-            <a:prstTxWarp prst="textNoShape">
-              <a:avLst/>
-            </a:prstTxWarp>
-            <a:noAutofit/>
-          </a:bodyPr>
-          <a:lstStyle/>
-          <a:p>
-            <a:pPr algn="ctr"/>
-            <a:endParaRPr lang="en-US"/>
-          </a:p>
-        </p:txBody>
-      </p:sp>
-      <p:sp>
-        <p:nvSpPr>
-          <p:cNvPr id="5" name="Isosceles Triangle 4"/>
-          <p:cNvSpPr/>
-          <p:nvPr/>
-        </p:nvSpPr>
-        <p:spPr>
-          <a:xfrm flipV="1">
-            <a:off x="188635" y="2350906"/>
-            <a:ext cx="163953" cy="158326"/>
-          </a:xfrm>
-          <a:prstGeom prst="triangle">
-            <a:avLst/>
-          </a:prstGeom>
-        </p:spPr>
-        <p:style>
-          <a:lnRef idx="0">
-            <a:schemeClr val="accent3"/>
-          </a:lnRef>
-          <a:fillRef idx="3">
-            <a:schemeClr val="accent3"/>
-          </a:fillRef>
-          <a:effectRef idx="3">
-            <a:schemeClr val="accent3"/>
-          </a:effectRef>
-          <a:fontRef idx="minor">
-            <a:schemeClr val="lt1"/>
-          </a:fontRef>
-        </p:style>
-        <p:txBody>
-          <a:bodyPr rtlCol="0" anchor="ctr"/>
-          <a:lstStyle/>
-          <a:p>
-            <a:pPr algn="ctr"/>
-            <a:endParaRPr lang="en-US"/>
-          </a:p>
-        </p:txBody>
-      </p:sp>
-      <p:sp>
-        <p:nvSpPr>
-          <p:cNvPr id="30" name="Isosceles Triangle 29"/>
-          <p:cNvSpPr/>
-          <p:nvPr/>
-        </p:nvSpPr>
-        <p:spPr>
-          <a:xfrm flipH="1" flipV="1">
-            <a:off x="2495269" y="2350906"/>
-            <a:ext cx="163953" cy="192073"/>
-          </a:xfrm>
-          <a:prstGeom prst="triangle">
-            <a:avLst/>
-          </a:prstGeom>
-        </p:spPr>
-        <p:style>
-          <a:lnRef idx="2">
-            <a:schemeClr val="accent6">
-              <a:shade val="50000"/>
-            </a:schemeClr>
-          </a:lnRef>
-          <a:fillRef idx="1">
-            <a:schemeClr val="accent6"/>
-          </a:fillRef>
-          <a:effectRef idx="0">
-            <a:schemeClr val="accent6"/>
-          </a:effectRef>
-          <a:fontRef idx="minor">
-            <a:schemeClr val="lt1"/>
-          </a:fontRef>
-        </p:style>
-        <p:txBody>
-          <a:bodyPr rtlCol="0" anchor="ctr"/>
-          <a:lstStyle/>
-          <a:p>
-            <a:pPr algn="ctr"/>
-            <a:endParaRPr lang="en-US"/>
-          </a:p>
-        </p:txBody>
-      </p:sp>
-      <p:grpSp>
-        <p:nvGrpSpPr>
-          <p:cNvPr id="12" name="Group 11"/>
-          <p:cNvGrpSpPr/>
-          <p:nvPr/>
-        </p:nvGrpSpPr>
-        <p:grpSpPr>
-          <a:xfrm>
-            <a:off x="44844" y="3725486"/>
-            <a:ext cx="9025414" cy="850391"/>
-            <a:chOff x="0" y="3853591"/>
-            <a:chExt cx="9144000" cy="850391"/>
-          </a:xfrm>
-        </p:grpSpPr>
-        <p:sp>
-          <p:nvSpPr>
-            <p:cNvPr id="13" name="Rectangle 12"/>
-            <p:cNvSpPr/>
-            <p:nvPr/>
-          </p:nvSpPr>
-          <p:spPr>
-            <a:xfrm>
-              <a:off x="19604" y="3853591"/>
-              <a:ext cx="9124396" cy="45719"/>
-            </a:xfrm>
-            <a:prstGeom prst="rect">
-              <a:avLst/>
-            </a:prstGeom>
-            <a:solidFill>
-              <a:srgbClr val="FF0000"/>
-            </a:solidFill>
-          </p:spPr>
-          <p:style>
-            <a:lnRef idx="2">
-              <a:schemeClr val="accent2">
-                <a:shade val="50000"/>
-              </a:schemeClr>
-            </a:lnRef>
-            <a:fillRef idx="1">
-              <a:schemeClr val="accent2"/>
-            </a:fillRef>
-            <a:effectRef idx="0">
-              <a:schemeClr val="accent2"/>
-            </a:effectRef>
-            <a:fontRef idx="minor">
-              <a:schemeClr val="lt1"/>
-            </a:fontRef>
-          </p:style>
-          <p:txBody>
-            <a:bodyPr rtlCol="0" anchor="ctr"/>
-            <a:lstStyle/>
-            <a:p>
-              <a:pPr algn="ctr"/>
-              <a:endParaRPr lang="en-US"/>
-            </a:p>
-          </p:txBody>
-        </p:sp>
-        <p:pic>
-          <p:nvPicPr>
-            <p:cNvPr id="8" name="Picture 7"/>
-            <p:cNvPicPr>
-              <a:picLocks noChangeAspect="1"/>
-            </p:cNvPicPr>
-            <p:nvPr/>
-          </p:nvPicPr>
-          <p:blipFill>
-            <a:blip r:embed="rId6"/>
-            <a:stretch>
-              <a:fillRect/>
-            </a:stretch>
-          </p:blipFill>
-          <p:spPr>
-            <a:xfrm>
-              <a:off x="0" y="3899310"/>
-              <a:ext cx="9144000" cy="804672"/>
-            </a:xfrm>
-            <a:prstGeom prst="rect">
-              <a:avLst/>
-            </a:prstGeom>
-          </p:spPr>
-        </p:pic>
-      </p:grpSp>
-      <p:cxnSp>
-        <p:nvCxnSpPr>
-          <p:cNvPr id="29" name="Straight Connector 28"/>
-          <p:cNvCxnSpPr/>
-          <p:nvPr/>
-        </p:nvCxnSpPr>
-        <p:spPr>
-          <a:xfrm>
-            <a:off x="2848073" y="3031647"/>
-            <a:ext cx="0" cy="693839"/>
-          </a:xfrm>
-          <a:prstGeom prst="line">
-            <a:avLst/>
-          </a:prstGeom>
-          <a:ln w="9525" cmpd="sng">
-            <a:solidFill>
-              <a:schemeClr val="bg1">
-                <a:lumMod val="50000"/>
-              </a:schemeClr>
-            </a:solidFill>
-            <a:prstDash val="lgDash"/>
-          </a:ln>
-        </p:spPr>
-        <p:style>
-          <a:lnRef idx="2">
-            <a:schemeClr val="accent1"/>
-          </a:lnRef>
-          <a:fillRef idx="0">
-            <a:schemeClr val="accent1"/>
-          </a:fillRef>
-          <a:effectRef idx="1">
-            <a:schemeClr val="accent1"/>
-          </a:effectRef>
-          <a:fontRef idx="minor">
-            <a:schemeClr val="tx1"/>
-          </a:fontRef>
-        </p:style>
-      </p:cxnSp>
-      <p:cxnSp>
-        <p:nvCxnSpPr>
-          <p:cNvPr id="31" name="Straight Connector 30"/>
-          <p:cNvCxnSpPr/>
-          <p:nvPr/>
-        </p:nvCxnSpPr>
-        <p:spPr>
-          <a:xfrm>
-            <a:off x="5335634" y="3031647"/>
-            <a:ext cx="0" cy="693839"/>
-          </a:xfrm>
-          <a:prstGeom prst="line">
-            <a:avLst/>
-          </a:prstGeom>
-          <a:ln w="9525" cmpd="sng">
-            <a:solidFill>
-              <a:schemeClr val="bg1">
-                <a:lumMod val="50000"/>
-              </a:schemeClr>
-            </a:solidFill>
-            <a:prstDash val="lgDash"/>
-          </a:ln>
-        </p:spPr>
-        <p:style>
-          <a:lnRef idx="2">
-            <a:schemeClr val="accent1"/>
-          </a:lnRef>
-          <a:fillRef idx="0">
-            <a:schemeClr val="accent1"/>
-          </a:fillRef>
-          <a:effectRef idx="1">
-            <a:schemeClr val="accent1"/>
-          </a:effectRef>
-          <a:fontRef idx="minor">
-            <a:schemeClr val="tx1"/>
-          </a:fontRef>
-        </p:style>
-      </p:cxnSp>
-      <p:cxnSp>
-        <p:nvCxnSpPr>
-          <p:cNvPr id="32" name="Straight Connector 31"/>
-          <p:cNvCxnSpPr/>
-          <p:nvPr/>
-        </p:nvCxnSpPr>
-        <p:spPr>
-          <a:xfrm>
-            <a:off x="6905518" y="2992193"/>
-            <a:ext cx="0" cy="693839"/>
-          </a:xfrm>
-          <a:prstGeom prst="line">
-            <a:avLst/>
-          </a:prstGeom>
-          <a:ln w="9525" cmpd="sng">
-            <a:solidFill>
-              <a:schemeClr val="bg1">
-                <a:lumMod val="50000"/>
-              </a:schemeClr>
-            </a:solidFill>
-            <a:prstDash val="lgDash"/>
-          </a:ln>
-        </p:spPr>
-        <p:style>
-          <a:lnRef idx="2">
-            <a:schemeClr val="accent1"/>
-          </a:lnRef>
-          <a:fillRef idx="0">
-            <a:schemeClr val="accent1"/>
-          </a:fillRef>
-          <a:effectRef idx="1">
-            <a:schemeClr val="accent1"/>
-          </a:effectRef>
-          <a:fontRef idx="minor">
-            <a:schemeClr val="tx1"/>
-          </a:fontRef>
-        </p:style>
-      </p:cxnSp>
-      <p:sp>
-        <p:nvSpPr>
-          <p:cNvPr id="15" name="TextBox 14"/>
-          <p:cNvSpPr txBox="1"/>
-          <p:nvPr/>
-        </p:nvSpPr>
-        <p:spPr>
-          <a:xfrm>
-            <a:off x="8334487" y="1652785"/>
+            <a:off x="5264805" y="3762980"/>
             <a:ext cx="630903" cy="215444"/>
           </a:xfrm>
           <a:prstGeom prst="rect">
@@ -4658,7 +7654,7 @@
                 <a:latin typeface="Arial"/>
                 <a:cs typeface="Arial"/>
               </a:rPr>
-              <a:t>REPEAT</a:t>
+              <a:t>HANDS</a:t>
             </a:r>
             <a:endParaRPr lang="en-US" sz="800" dirty="0">
               <a:solidFill>
@@ -4675,14 +7671,63 @@
       </p:sp>
       <p:sp>
         <p:nvSpPr>
-          <p:cNvPr id="33" name="TextBox 32"/>
+          <p:cNvPr id="66" name="Oval 65"/>
+          <p:cNvSpPr/>
+          <p:nvPr/>
+        </p:nvSpPr>
+        <p:spPr>
+          <a:xfrm>
+            <a:off x="947979" y="4006606"/>
+            <a:ext cx="427677" cy="426064"/>
+          </a:xfrm>
+          <a:prstGeom prst="ellipse">
+            <a:avLst/>
+          </a:prstGeom>
+          <a:scene3d>
+            <a:camera prst="orthographicFront">
+              <a:rot lat="0" lon="0" rev="0"/>
+            </a:camera>
+            <a:lightRig rig="threePt" dir="t">
+              <a:rot lat="0" lon="0" rev="1200000"/>
+            </a:lightRig>
+          </a:scene3d>
+          <a:sp3d>
+            <a:bevelT w="63500" h="25400" prst="convex"/>
+          </a:sp3d>
+        </p:spPr>
+        <p:style>
+          <a:lnRef idx="0">
+            <a:schemeClr val="accent1"/>
+          </a:lnRef>
+          <a:fillRef idx="3">
+            <a:schemeClr val="accent1"/>
+          </a:fillRef>
+          <a:effectRef idx="3">
+            <a:schemeClr val="accent1"/>
+          </a:effectRef>
+          <a:fontRef idx="minor">
+            <a:schemeClr val="lt1"/>
+          </a:fontRef>
+        </p:style>
+        <p:txBody>
+          <a:bodyPr rtlCol="0" anchor="ctr"/>
+          <a:lstStyle/>
+          <a:p>
+            <a:pPr algn="ctr"/>
+            <a:endParaRPr lang="en-US"/>
+          </a:p>
+        </p:txBody>
+      </p:sp>
+      <p:sp>
+        <p:nvSpPr>
+          <p:cNvPr id="67" name="TextBox 66"/>
           <p:cNvSpPr txBox="1"/>
           <p:nvPr/>
         </p:nvSpPr>
         <p:spPr>
           <a:xfrm>
-            <a:off x="2794756" y="2965823"/>
-            <a:ext cx="630903" cy="215444"/>
+            <a:off x="1655096" y="3812808"/>
+            <a:ext cx="942807" cy="215444"/>
           </a:xfrm>
           <a:prstGeom prst="rect">
             <a:avLst/>
@@ -4706,7 +7751,20 @@
                 <a:latin typeface="Arial"/>
                 <a:cs typeface="Arial"/>
               </a:rPr>
-              <a:t>PLAY</a:t>
+              <a:t>SELECT</a:t>
+            </a:r>
+            <a:r>
+              <a:rPr lang="en-US" sz="800" dirty="0" smtClean="0">
+                <a:solidFill>
+                  <a:schemeClr val="tx1">
+                    <a:lumMod val="65000"/>
+                    <a:lumOff val="35000"/>
+                  </a:schemeClr>
+                </a:solidFill>
+                <a:latin typeface="Arial"/>
+                <a:cs typeface="Arial"/>
+              </a:rPr>
+              <a:t> END</a:t>
             </a:r>
             <a:endParaRPr lang="en-US" sz="800" dirty="0">
               <a:solidFill>
@@ -4723,110 +7781,42 @@
       </p:sp>
       <p:sp>
         <p:nvSpPr>
-          <p:cNvPr id="35" name="TextBox 34"/>
-          <p:cNvSpPr txBox="1"/>
-          <p:nvPr/>
-        </p:nvSpPr>
-        <p:spPr>
-          <a:xfrm>
-            <a:off x="6839966" y="2965823"/>
-            <a:ext cx="630903" cy="215444"/>
-          </a:xfrm>
-          <a:prstGeom prst="rect">
-            <a:avLst/>
-          </a:prstGeom>
-          <a:noFill/>
-        </p:spPr>
-        <p:txBody>
-          <a:bodyPr wrap="square" rtlCol="0">
-            <a:spAutoFit/>
-          </a:bodyPr>
-          <a:lstStyle/>
-          <a:p>
-            <a:r>
-              <a:rPr lang="en-US" sz="800" dirty="0" smtClean="0">
-                <a:solidFill>
-                  <a:schemeClr val="tx1">
-                    <a:lumMod val="65000"/>
-                    <a:lumOff val="35000"/>
-                  </a:schemeClr>
-                </a:solidFill>
-                <a:latin typeface="Arial"/>
-                <a:cs typeface="Arial"/>
-              </a:rPr>
-              <a:t>TEMPO</a:t>
-            </a:r>
-            <a:endParaRPr lang="en-US" sz="800" dirty="0">
-              <a:solidFill>
-                <a:schemeClr val="tx1">
-                  <a:lumMod val="65000"/>
-                  <a:lumOff val="35000"/>
-                </a:schemeClr>
-              </a:solidFill>
-              <a:latin typeface="Arial"/>
-              <a:cs typeface="Arial"/>
-            </a:endParaRPr>
-          </a:p>
-        </p:txBody>
-      </p:sp>
-      <p:cxnSp>
-        <p:nvCxnSpPr>
-          <p:cNvPr id="22" name="Straight Connector 21"/>
-          <p:cNvCxnSpPr/>
-          <p:nvPr/>
-        </p:nvCxnSpPr>
-        <p:spPr>
-          <a:xfrm>
-            <a:off x="7455267" y="3375741"/>
-            <a:ext cx="1397053" cy="0"/>
-          </a:xfrm>
-          <a:prstGeom prst="line">
-            <a:avLst/>
-          </a:prstGeom>
-          <a:ln w="57150" cmpd="sng"/>
-        </p:spPr>
-        <p:style>
-          <a:lnRef idx="3">
-            <a:schemeClr val="accent1"/>
-          </a:lnRef>
-          <a:fillRef idx="0">
-            <a:schemeClr val="accent1"/>
-          </a:fillRef>
-          <a:effectRef idx="2">
-            <a:schemeClr val="accent1"/>
-          </a:effectRef>
-          <a:fontRef idx="minor">
-            <a:schemeClr val="tx1"/>
-          </a:fontRef>
-        </p:style>
-      </p:cxnSp>
-      <p:sp>
-        <p:nvSpPr>
-          <p:cNvPr id="38" name="Oval 37"/>
+          <p:cNvPr id="68" name="Oval 67"/>
           <p:cNvSpPr/>
           <p:nvPr/>
         </p:nvSpPr>
         <p:spPr>
           <a:xfrm>
-            <a:off x="7874847" y="3309644"/>
-            <a:ext cx="137160" cy="137160"/>
+            <a:off x="1837796" y="3997406"/>
+            <a:ext cx="427677" cy="426064"/>
           </a:xfrm>
           <a:prstGeom prst="ellipse">
             <a:avLst/>
           </a:prstGeom>
+          <a:scene3d>
+            <a:camera prst="orthographicFront">
+              <a:rot lat="0" lon="0" rev="0"/>
+            </a:camera>
+            <a:lightRig rig="threePt" dir="t">
+              <a:rot lat="0" lon="0" rev="1200000"/>
+            </a:lightRig>
+          </a:scene3d>
+          <a:sp3d>
+            <a:bevelT w="63500" h="25400" prst="convex"/>
+          </a:sp3d>
         </p:spPr>
         <p:style>
-          <a:lnRef idx="1">
-            <a:schemeClr val="dk1"/>
+          <a:lnRef idx="0">
+            <a:schemeClr val="accent1"/>
           </a:lnRef>
-          <a:fillRef idx="2">
-            <a:schemeClr val="dk1"/>
+          <a:fillRef idx="3">
+            <a:schemeClr val="accent1"/>
           </a:fillRef>
-          <a:effectRef idx="1">
-            <a:schemeClr val="dk1"/>
+          <a:effectRef idx="3">
+            <a:schemeClr val="accent1"/>
           </a:effectRef>
           <a:fontRef idx="minor">
-            <a:schemeClr val="dk1"/>
+            <a:schemeClr val="lt1"/>
           </a:fontRef>
         </p:style>
         <p:txBody>
@@ -4838,314 +7828,6 @@
           </a:p>
         </p:txBody>
       </p:sp>
-      <p:sp>
-        <p:nvSpPr>
-          <p:cNvPr id="46" name="TextBox 45"/>
-          <p:cNvSpPr txBox="1"/>
-          <p:nvPr/>
-        </p:nvSpPr>
-        <p:spPr>
-          <a:xfrm>
-            <a:off x="-16936" y="2087082"/>
-            <a:ext cx="1123401" cy="215444"/>
-          </a:xfrm>
-          <a:prstGeom prst="rect">
-            <a:avLst/>
-          </a:prstGeom>
-          <a:noFill/>
-        </p:spPr>
-        <p:txBody>
-          <a:bodyPr wrap="square" rtlCol="0">
-            <a:spAutoFit/>
-          </a:bodyPr>
-          <a:lstStyle/>
-          <a:p>
-            <a:r>
-              <a:rPr lang="en-US" sz="800" dirty="0" smtClean="0">
-                <a:solidFill>
-                  <a:schemeClr val="tx1">
-                    <a:lumMod val="65000"/>
-                    <a:lumOff val="35000"/>
-                  </a:schemeClr>
-                </a:solidFill>
-                <a:latin typeface="Arial"/>
-                <a:cs typeface="Arial"/>
-              </a:rPr>
-              <a:t>DRAG TO START </a:t>
-            </a:r>
-            <a:endParaRPr lang="en-US" sz="800" dirty="0">
-              <a:solidFill>
-                <a:schemeClr val="tx1">
-                  <a:lumMod val="65000"/>
-                  <a:lumOff val="35000"/>
-                </a:schemeClr>
-              </a:solidFill>
-              <a:latin typeface="Arial"/>
-              <a:cs typeface="Arial"/>
-            </a:endParaRPr>
-          </a:p>
-        </p:txBody>
-      </p:sp>
-      <p:grpSp>
-        <p:nvGrpSpPr>
-          <p:cNvPr id="2" name="Group 1"/>
-          <p:cNvGrpSpPr/>
-          <p:nvPr/>
-        </p:nvGrpSpPr>
-        <p:grpSpPr>
-          <a:xfrm>
-            <a:off x="7027590" y="3184051"/>
-            <a:ext cx="255648" cy="417248"/>
-            <a:chOff x="6595790" y="1009052"/>
-            <a:chExt cx="255648" cy="417248"/>
-          </a:xfrm>
-        </p:grpSpPr>
-        <p:sp>
-          <p:nvSpPr>
-            <p:cNvPr id="49" name="Trapezoid 48"/>
-            <p:cNvSpPr/>
-            <p:nvPr/>
-          </p:nvSpPr>
-          <p:spPr>
-            <a:xfrm>
-              <a:off x="6595790" y="1009052"/>
-              <a:ext cx="255648" cy="417248"/>
-            </a:xfrm>
-            <a:prstGeom prst="trapezoid">
-              <a:avLst>
-                <a:gd name="adj" fmla="val 34677"/>
-              </a:avLst>
-            </a:prstGeom>
-            <a:ln/>
-          </p:spPr>
-          <p:style>
-            <a:lnRef idx="1">
-              <a:schemeClr val="accent6"/>
-            </a:lnRef>
-            <a:fillRef idx="2">
-              <a:schemeClr val="accent6"/>
-            </a:fillRef>
-            <a:effectRef idx="1">
-              <a:schemeClr val="accent6"/>
-            </a:effectRef>
-            <a:fontRef idx="minor">
-              <a:schemeClr val="dk1"/>
-            </a:fontRef>
-          </p:style>
-          <p:txBody>
-            <a:bodyPr rtlCol="0" anchor="ctr"/>
-            <a:lstStyle/>
-            <a:p>
-              <a:pPr algn="ctr"/>
-              <a:endParaRPr lang="en-US"/>
-            </a:p>
-          </p:txBody>
-        </p:sp>
-        <p:cxnSp>
-          <p:nvCxnSpPr>
-            <p:cNvPr id="51" name="Straight Connector 50"/>
-            <p:cNvCxnSpPr>
-              <a:stCxn id="49" idx="0"/>
-            </p:cNvCxnSpPr>
-            <p:nvPr/>
-          </p:nvCxnSpPr>
-          <p:spPr>
-            <a:xfrm flipH="1">
-              <a:off x="6716206" y="1009052"/>
-              <a:ext cx="7408" cy="311301"/>
-            </a:xfrm>
-            <a:prstGeom prst="line">
-              <a:avLst/>
-            </a:prstGeom>
-            <a:ln/>
-          </p:spPr>
-          <p:style>
-            <a:lnRef idx="1">
-              <a:schemeClr val="accent6"/>
-            </a:lnRef>
-            <a:fillRef idx="2">
-              <a:schemeClr val="accent6"/>
-            </a:fillRef>
-            <a:effectRef idx="1">
-              <a:schemeClr val="accent6"/>
-            </a:effectRef>
-            <a:fontRef idx="minor">
-              <a:schemeClr val="dk1"/>
-            </a:fontRef>
-          </p:style>
-        </p:cxnSp>
-        <p:sp>
-          <p:nvSpPr>
-            <p:cNvPr id="52" name="Isosceles Triangle 51"/>
-            <p:cNvSpPr/>
-            <p:nvPr/>
-          </p:nvSpPr>
-          <p:spPr>
-            <a:xfrm flipV="1">
-              <a:off x="6681839" y="1212403"/>
-              <a:ext cx="72457" cy="87692"/>
-            </a:xfrm>
-            <a:prstGeom prst="triangle">
-              <a:avLst/>
-            </a:prstGeom>
-            <a:ln/>
-          </p:spPr>
-          <p:style>
-            <a:lnRef idx="1">
-              <a:schemeClr val="accent6"/>
-            </a:lnRef>
-            <a:fillRef idx="2">
-              <a:schemeClr val="accent6"/>
-            </a:fillRef>
-            <a:effectRef idx="1">
-              <a:schemeClr val="accent6"/>
-            </a:effectRef>
-            <a:fontRef idx="minor">
-              <a:schemeClr val="dk1"/>
-            </a:fontRef>
-          </p:style>
-          <p:txBody>
-            <a:bodyPr rtlCol="0" anchor="ctr"/>
-            <a:lstStyle/>
-            <a:p>
-              <a:pPr algn="ctr"/>
-              <a:endParaRPr lang="en-US"/>
-            </a:p>
-          </p:txBody>
-        </p:sp>
-      </p:grpSp>
-      <p:sp>
-        <p:nvSpPr>
-          <p:cNvPr id="40" name="TextBox 39"/>
-          <p:cNvSpPr txBox="1"/>
-          <p:nvPr/>
-        </p:nvSpPr>
-        <p:spPr>
-          <a:xfrm>
-            <a:off x="2104770" y="2055557"/>
-            <a:ext cx="943234" cy="215444"/>
-          </a:xfrm>
-          <a:prstGeom prst="rect">
-            <a:avLst/>
-          </a:prstGeom>
-          <a:noFill/>
-        </p:spPr>
-        <p:txBody>
-          <a:bodyPr wrap="square" rtlCol="0">
-            <a:spAutoFit/>
-          </a:bodyPr>
-          <a:lstStyle/>
-          <a:p>
-            <a:r>
-              <a:rPr lang="en-US" sz="800" dirty="0" smtClean="0">
-                <a:solidFill>
-                  <a:schemeClr val="tx1">
-                    <a:lumMod val="65000"/>
-                    <a:lumOff val="35000"/>
-                  </a:schemeClr>
-                </a:solidFill>
-                <a:latin typeface="Arial"/>
-                <a:cs typeface="Arial"/>
-              </a:rPr>
-              <a:t>DRAG TO END</a:t>
-            </a:r>
-            <a:endParaRPr lang="en-US" sz="800" dirty="0">
-              <a:solidFill>
-                <a:schemeClr val="tx1">
-                  <a:lumMod val="65000"/>
-                  <a:lumOff val="35000"/>
-                </a:schemeClr>
-              </a:solidFill>
-              <a:latin typeface="Arial"/>
-              <a:cs typeface="Arial"/>
-            </a:endParaRPr>
-          </a:p>
-        </p:txBody>
-      </p:sp>
-      <p:pic>
-        <p:nvPicPr>
-          <p:cNvPr id="42" name="Picture 41"/>
-          <p:cNvPicPr>
-            <a:picLocks noChangeAspect="1"/>
-          </p:cNvPicPr>
-          <p:nvPr/>
-        </p:nvPicPr>
-        <p:blipFill>
-          <a:blip r:embed="rId7"/>
-          <a:stretch>
-            <a:fillRect/>
-          </a:stretch>
-        </p:blipFill>
-        <p:spPr>
-          <a:xfrm>
-            <a:off x="3617307" y="3142133"/>
-            <a:ext cx="403399" cy="403399"/>
-          </a:xfrm>
-          <a:prstGeom prst="rect">
-            <a:avLst/>
-          </a:prstGeom>
-        </p:spPr>
-      </p:pic>
-      <p:pic>
-        <p:nvPicPr>
-          <p:cNvPr id="55" name="Picture 54" descr="repeat.png"/>
-          <p:cNvPicPr>
-            <a:picLocks noChangeAspect="1"/>
-          </p:cNvPicPr>
-          <p:nvPr/>
-        </p:nvPicPr>
-        <p:blipFill>
-          <a:blip r:embed="rId8">
-            <a:extLst>
-              <a:ext uri="{28A0092B-C50C-407E-A947-70E740481C1C}">
-                <a14:useLocalDpi xmlns:a14="http://schemas.microsoft.com/office/drawing/2010/main" val="0"/>
-              </a:ext>
-            </a:extLst>
-          </a:blip>
-          <a:stretch>
-            <a:fillRect/>
-          </a:stretch>
-        </p:blipFill>
-        <p:spPr>
-          <a:xfrm>
-            <a:off x="8763001" y="2269490"/>
-            <a:ext cx="315451" cy="315451"/>
-          </a:xfrm>
-          <a:prstGeom prst="rect">
-            <a:avLst/>
-          </a:prstGeom>
-        </p:spPr>
-      </p:pic>
-      <p:pic>
-        <p:nvPicPr>
-          <p:cNvPr id="57" name="Picture 56" descr="repeatIconoff.png"/>
-          <p:cNvPicPr>
-            <a:picLocks noChangeAspect="1"/>
-          </p:cNvPicPr>
-          <p:nvPr/>
-        </p:nvPicPr>
-        <p:blipFill>
-          <a:blip r:embed="rId9">
-            <a:extLst>
-              <a:ext uri="{28A0092B-C50C-407E-A947-70E740481C1C}">
-                <a14:useLocalDpi xmlns:a14="http://schemas.microsoft.com/office/drawing/2010/main" val="0"/>
-              </a:ext>
-            </a:extLst>
-          </a:blip>
-          <a:stretch>
-            <a:fillRect/>
-          </a:stretch>
-        </p:blipFill>
-        <p:spPr>
-          <a:xfrm>
-            <a:off x="8316974" y="1971122"/>
-            <a:ext cx="332965" cy="332965"/>
-          </a:xfrm>
-          <a:prstGeom prst="rect">
-            <a:avLst/>
-          </a:prstGeom>
-        </p:spPr>
-      </p:pic>
     </p:spTree>
     <p:extLst>
       <p:ext uri="{BB962C8B-B14F-4D97-AF65-F5344CB8AC3E}">
@@ -6205,6 +8887,84 @@
           </a:prstGeom>
         </p:spPr>
       </p:pic>
+      <p:sp>
+        <p:nvSpPr>
+          <p:cNvPr id="23" name="Isosceles Triangle 22"/>
+          <p:cNvSpPr/>
+          <p:nvPr/>
+        </p:nvSpPr>
+        <p:spPr>
+          <a:xfrm flipV="1">
+            <a:off x="188635" y="1687192"/>
+            <a:ext cx="163953" cy="158326"/>
+          </a:xfrm>
+          <a:prstGeom prst="triangle">
+            <a:avLst/>
+          </a:prstGeom>
+        </p:spPr>
+        <p:style>
+          <a:lnRef idx="0">
+            <a:schemeClr val="accent3"/>
+          </a:lnRef>
+          <a:fillRef idx="3">
+            <a:schemeClr val="accent3"/>
+          </a:fillRef>
+          <a:effectRef idx="3">
+            <a:schemeClr val="accent3"/>
+          </a:effectRef>
+          <a:fontRef idx="minor">
+            <a:schemeClr val="lt1"/>
+          </a:fontRef>
+        </p:style>
+        <p:txBody>
+          <a:bodyPr rtlCol="0" anchor="ctr"/>
+          <a:lstStyle/>
+          <a:p>
+            <a:pPr algn="ctr"/>
+            <a:endParaRPr lang="en-US"/>
+          </a:p>
+        </p:txBody>
+      </p:sp>
+      <p:sp>
+        <p:nvSpPr>
+          <p:cNvPr id="24" name="Isosceles Triangle 23"/>
+          <p:cNvSpPr/>
+          <p:nvPr/>
+        </p:nvSpPr>
+        <p:spPr>
+          <a:xfrm flipH="1" flipV="1">
+            <a:off x="2495269" y="1687192"/>
+            <a:ext cx="163953" cy="192073"/>
+          </a:xfrm>
+          <a:prstGeom prst="triangle">
+            <a:avLst/>
+          </a:prstGeom>
+        </p:spPr>
+        <p:style>
+          <a:lnRef idx="2">
+            <a:schemeClr val="accent6">
+              <a:shade val="50000"/>
+            </a:schemeClr>
+          </a:lnRef>
+          <a:fillRef idx="1">
+            <a:schemeClr val="accent6"/>
+          </a:fillRef>
+          <a:effectRef idx="0">
+            <a:schemeClr val="accent6"/>
+          </a:effectRef>
+          <a:fontRef idx="minor">
+            <a:schemeClr val="lt1"/>
+          </a:fontRef>
+        </p:style>
+        <p:txBody>
+          <a:bodyPr rtlCol="0" anchor="ctr"/>
+          <a:lstStyle/>
+          <a:p>
+            <a:pPr algn="ctr"/>
+            <a:endParaRPr lang="en-US"/>
+          </a:p>
+        </p:txBody>
+      </p:sp>
     </p:spTree>
     <p:extLst>
       <p:ext uri="{BB962C8B-B14F-4D97-AF65-F5344CB8AC3E}">

--- a/GraphicDesign.pptx
+++ b/GraphicDesign.pptx
@@ -3330,7 +3330,7 @@
           <a:lstStyle/>
           <a:p>
             <a:pPr algn="ctr"/>
-            <a:endParaRPr lang="en-US"/>
+            <a:endParaRPr lang="en-US" dirty="0"/>
           </a:p>
         </p:txBody>
       </p:sp>
@@ -7793,6 +7793,9 @@
           <a:prstGeom prst="ellipse">
             <a:avLst/>
           </a:prstGeom>
+          <a:solidFill>
+            <a:srgbClr val="D42616"/>
+          </a:solidFill>
           <a:scene3d>
             <a:camera prst="orthographicFront">
               <a:rot lat="0" lon="0" rev="0"/>
@@ -7814,6 +7817,374 @@
           </a:fillRef>
           <a:effectRef idx="3">
             <a:schemeClr val="accent1"/>
+          </a:effectRef>
+          <a:fontRef idx="minor">
+            <a:schemeClr val="lt1"/>
+          </a:fontRef>
+        </p:style>
+        <p:txBody>
+          <a:bodyPr rtlCol="0" anchor="ctr"/>
+          <a:lstStyle/>
+          <a:p>
+            <a:pPr algn="ctr"/>
+            <a:endParaRPr lang="en-US"/>
+          </a:p>
+        </p:txBody>
+      </p:sp>
+      <p:sp>
+        <p:nvSpPr>
+          <p:cNvPr id="93" name="Rectangle 92"/>
+          <p:cNvSpPr/>
+          <p:nvPr/>
+        </p:nvSpPr>
+        <p:spPr>
+          <a:xfrm>
+            <a:off x="5488213" y="1898629"/>
+            <a:ext cx="54429" cy="472278"/>
+          </a:xfrm>
+          <a:prstGeom prst="rect">
+            <a:avLst/>
+          </a:prstGeom>
+        </p:spPr>
+        <p:style>
+          <a:lnRef idx="2">
+            <a:schemeClr val="accent3">
+              <a:shade val="50000"/>
+            </a:schemeClr>
+          </a:lnRef>
+          <a:fillRef idx="1">
+            <a:schemeClr val="accent3"/>
+          </a:fillRef>
+          <a:effectRef idx="0">
+            <a:schemeClr val="accent3"/>
+          </a:effectRef>
+          <a:fontRef idx="minor">
+            <a:schemeClr val="lt1"/>
+          </a:fontRef>
+        </p:style>
+        <p:txBody>
+          <a:bodyPr rtlCol="0" anchor="ctr"/>
+          <a:lstStyle/>
+          <a:p>
+            <a:pPr algn="ctr"/>
+            <a:endParaRPr lang="en-US"/>
+          </a:p>
+        </p:txBody>
+      </p:sp>
+      <p:sp>
+        <p:nvSpPr>
+          <p:cNvPr id="94" name="Rectangle 93"/>
+          <p:cNvSpPr/>
+          <p:nvPr/>
+        </p:nvSpPr>
+        <p:spPr>
+          <a:xfrm>
+            <a:off x="5848535" y="1896958"/>
+            <a:ext cx="54429" cy="472278"/>
+          </a:xfrm>
+          <a:prstGeom prst="rect">
+            <a:avLst/>
+          </a:prstGeom>
+        </p:spPr>
+        <p:style>
+          <a:lnRef idx="2">
+            <a:schemeClr val="accent2">
+              <a:shade val="50000"/>
+            </a:schemeClr>
+          </a:lnRef>
+          <a:fillRef idx="1">
+            <a:schemeClr val="accent2"/>
+          </a:fillRef>
+          <a:effectRef idx="0">
+            <a:schemeClr val="accent2"/>
+          </a:effectRef>
+          <a:fontRef idx="minor">
+            <a:schemeClr val="lt1"/>
+          </a:fontRef>
+        </p:style>
+        <p:txBody>
+          <a:bodyPr rtlCol="0" anchor="ctr"/>
+          <a:lstStyle/>
+          <a:p>
+            <a:pPr algn="ctr"/>
+            <a:endParaRPr lang="en-US"/>
+          </a:p>
+        </p:txBody>
+      </p:sp>
+      <p:pic>
+        <p:nvPicPr>
+          <p:cNvPr id="95" name="Picture 94"/>
+          <p:cNvPicPr>
+            <a:picLocks noChangeAspect="1"/>
+          </p:cNvPicPr>
+          <p:nvPr/>
+        </p:nvPicPr>
+        <p:blipFill>
+          <a:blip r:embed="rId10"/>
+          <a:stretch>
+            <a:fillRect/>
+          </a:stretch>
+        </p:blipFill>
+        <p:spPr>
+          <a:xfrm>
+            <a:off x="4803541" y="2161427"/>
+            <a:ext cx="214736" cy="207809"/>
+          </a:xfrm>
+          <a:prstGeom prst="rect">
+            <a:avLst/>
+          </a:prstGeom>
+        </p:spPr>
+      </p:pic>
+      <p:pic>
+        <p:nvPicPr>
+          <p:cNvPr id="96" name="Picture 95"/>
+          <p:cNvPicPr>
+            <a:picLocks noChangeAspect="1"/>
+          </p:cNvPicPr>
+          <p:nvPr/>
+        </p:nvPicPr>
+        <p:blipFill>
+          <a:blip r:embed="rId10"/>
+          <a:stretch>
+            <a:fillRect/>
+          </a:stretch>
+        </p:blipFill>
+        <p:spPr>
+          <a:xfrm rot="10800000">
+            <a:off x="4553984" y="1890943"/>
+            <a:ext cx="214736" cy="207809"/>
+          </a:xfrm>
+          <a:prstGeom prst="rect">
+            <a:avLst/>
+          </a:prstGeom>
+        </p:spPr>
+      </p:pic>
+      <p:sp>
+        <p:nvSpPr>
+          <p:cNvPr id="97" name="Rectangle 96"/>
+          <p:cNvSpPr/>
+          <p:nvPr/>
+        </p:nvSpPr>
+        <p:spPr>
+          <a:xfrm rot="16200000">
+            <a:off x="6561638" y="1735249"/>
+            <a:ext cx="56100" cy="412308"/>
+          </a:xfrm>
+          <a:prstGeom prst="rect">
+            <a:avLst/>
+          </a:prstGeom>
+        </p:spPr>
+        <p:style>
+          <a:lnRef idx="2">
+            <a:schemeClr val="accent3">
+              <a:shade val="50000"/>
+            </a:schemeClr>
+          </a:lnRef>
+          <a:fillRef idx="1">
+            <a:schemeClr val="accent3"/>
+          </a:fillRef>
+          <a:effectRef idx="0">
+            <a:schemeClr val="accent3"/>
+          </a:effectRef>
+          <a:fontRef idx="minor">
+            <a:schemeClr val="lt1"/>
+          </a:fontRef>
+        </p:style>
+        <p:txBody>
+          <a:bodyPr rtlCol="0" anchor="ctr"/>
+          <a:lstStyle/>
+          <a:p>
+            <a:pPr algn="ctr"/>
+            <a:endParaRPr lang="en-US"/>
+          </a:p>
+        </p:txBody>
+      </p:sp>
+      <p:sp>
+        <p:nvSpPr>
+          <p:cNvPr id="98" name="Rectangle 97"/>
+          <p:cNvSpPr/>
+          <p:nvPr/>
+        </p:nvSpPr>
+        <p:spPr>
+          <a:xfrm rot="16200000">
+            <a:off x="6570905" y="2121925"/>
+            <a:ext cx="54431" cy="417853"/>
+          </a:xfrm>
+          <a:prstGeom prst="rect">
+            <a:avLst/>
+          </a:prstGeom>
+        </p:spPr>
+        <p:style>
+          <a:lnRef idx="2">
+            <a:schemeClr val="accent2">
+              <a:shade val="50000"/>
+            </a:schemeClr>
+          </a:lnRef>
+          <a:fillRef idx="1">
+            <a:schemeClr val="accent2"/>
+          </a:fillRef>
+          <a:effectRef idx="0">
+            <a:schemeClr val="accent2"/>
+          </a:effectRef>
+          <a:fontRef idx="minor">
+            <a:schemeClr val="lt1"/>
+          </a:fontRef>
+        </p:style>
+        <p:txBody>
+          <a:bodyPr rtlCol="0" anchor="ctr"/>
+          <a:lstStyle/>
+          <a:p>
+            <a:pPr algn="ctr"/>
+            <a:endParaRPr lang="en-US"/>
+          </a:p>
+        </p:txBody>
+      </p:sp>
+      <p:sp>
+        <p:nvSpPr>
+          <p:cNvPr id="99" name="Rectangle 98"/>
+          <p:cNvSpPr/>
+          <p:nvPr/>
+        </p:nvSpPr>
+        <p:spPr>
+          <a:xfrm rot="16200000">
+            <a:off x="7009876" y="1738464"/>
+            <a:ext cx="56100" cy="412308"/>
+          </a:xfrm>
+          <a:prstGeom prst="rect">
+            <a:avLst/>
+          </a:prstGeom>
+        </p:spPr>
+        <p:style>
+          <a:lnRef idx="2">
+            <a:schemeClr val="accent3">
+              <a:shade val="50000"/>
+            </a:schemeClr>
+          </a:lnRef>
+          <a:fillRef idx="1">
+            <a:schemeClr val="accent3"/>
+          </a:fillRef>
+          <a:effectRef idx="0">
+            <a:schemeClr val="accent3"/>
+          </a:effectRef>
+          <a:fontRef idx="minor">
+            <a:schemeClr val="lt1"/>
+          </a:fontRef>
+        </p:style>
+        <p:txBody>
+          <a:bodyPr rtlCol="0" anchor="ctr"/>
+          <a:lstStyle/>
+          <a:p>
+            <a:pPr algn="ctr"/>
+            <a:endParaRPr lang="en-US"/>
+          </a:p>
+        </p:txBody>
+      </p:sp>
+      <p:sp>
+        <p:nvSpPr>
+          <p:cNvPr id="100" name="Rectangle 99"/>
+          <p:cNvSpPr/>
+          <p:nvPr/>
+        </p:nvSpPr>
+        <p:spPr>
+          <a:xfrm rot="16200000">
+            <a:off x="7019143" y="2125140"/>
+            <a:ext cx="54431" cy="417853"/>
+          </a:xfrm>
+          <a:prstGeom prst="rect">
+            <a:avLst/>
+          </a:prstGeom>
+        </p:spPr>
+        <p:style>
+          <a:lnRef idx="2">
+            <a:schemeClr val="accent2">
+              <a:shade val="50000"/>
+            </a:schemeClr>
+          </a:lnRef>
+          <a:fillRef idx="1">
+            <a:schemeClr val="accent2"/>
+          </a:fillRef>
+          <a:effectRef idx="0">
+            <a:schemeClr val="accent2"/>
+          </a:effectRef>
+          <a:fontRef idx="minor">
+            <a:schemeClr val="lt1"/>
+          </a:fontRef>
+        </p:style>
+        <p:txBody>
+          <a:bodyPr rtlCol="0" anchor="ctr"/>
+          <a:lstStyle/>
+          <a:p>
+            <a:pPr algn="ctr"/>
+            <a:endParaRPr lang="en-US"/>
+          </a:p>
+        </p:txBody>
+      </p:sp>
+      <p:sp>
+        <p:nvSpPr>
+          <p:cNvPr id="101" name="Rectangle 100"/>
+          <p:cNvSpPr/>
+          <p:nvPr/>
+        </p:nvSpPr>
+        <p:spPr>
+          <a:xfrm rot="16200000">
+            <a:off x="7460619" y="1735249"/>
+            <a:ext cx="56100" cy="412308"/>
+          </a:xfrm>
+          <a:prstGeom prst="rect">
+            <a:avLst/>
+          </a:prstGeom>
+        </p:spPr>
+        <p:style>
+          <a:lnRef idx="2">
+            <a:schemeClr val="accent3">
+              <a:shade val="50000"/>
+            </a:schemeClr>
+          </a:lnRef>
+          <a:fillRef idx="1">
+            <a:schemeClr val="accent3"/>
+          </a:fillRef>
+          <a:effectRef idx="0">
+            <a:schemeClr val="accent3"/>
+          </a:effectRef>
+          <a:fontRef idx="minor">
+            <a:schemeClr val="lt1"/>
+          </a:fontRef>
+        </p:style>
+        <p:txBody>
+          <a:bodyPr rtlCol="0" anchor="ctr"/>
+          <a:lstStyle/>
+          <a:p>
+            <a:pPr algn="ctr"/>
+            <a:endParaRPr lang="en-US"/>
+          </a:p>
+        </p:txBody>
+      </p:sp>
+      <p:sp>
+        <p:nvSpPr>
+          <p:cNvPr id="102" name="Rectangle 101"/>
+          <p:cNvSpPr/>
+          <p:nvPr/>
+        </p:nvSpPr>
+        <p:spPr>
+          <a:xfrm rot="16200000">
+            <a:off x="7469886" y="2121925"/>
+            <a:ext cx="54431" cy="417853"/>
+          </a:xfrm>
+          <a:prstGeom prst="rect">
+            <a:avLst/>
+          </a:prstGeom>
+        </p:spPr>
+        <p:style>
+          <a:lnRef idx="2">
+            <a:schemeClr val="accent2">
+              <a:shade val="50000"/>
+            </a:schemeClr>
+          </a:lnRef>
+          <a:fillRef idx="1">
+            <a:schemeClr val="accent2"/>
+          </a:fillRef>
+          <a:effectRef idx="0">
+            <a:schemeClr val="accent2"/>
           </a:effectRef>
           <a:fontRef idx="minor">
             <a:schemeClr val="lt1"/>
@@ -8965,6 +9336,54 @@
           </a:p>
         </p:txBody>
       </p:sp>
+      <p:pic>
+        <p:nvPicPr>
+          <p:cNvPr id="25" name="Picture 24"/>
+          <p:cNvPicPr>
+            <a:picLocks noChangeAspect="1"/>
+          </p:cNvPicPr>
+          <p:nvPr/>
+        </p:nvPicPr>
+        <p:blipFill>
+          <a:blip r:embed="rId12"/>
+          <a:stretch>
+            <a:fillRect/>
+          </a:stretch>
+        </p:blipFill>
+        <p:spPr>
+          <a:xfrm>
+            <a:off x="4500482" y="1443775"/>
+            <a:ext cx="214736" cy="207809"/>
+          </a:xfrm>
+          <a:prstGeom prst="rect">
+            <a:avLst/>
+          </a:prstGeom>
+        </p:spPr>
+      </p:pic>
+      <p:pic>
+        <p:nvPicPr>
+          <p:cNvPr id="26" name="Picture 25"/>
+          <p:cNvPicPr>
+            <a:picLocks noChangeAspect="1"/>
+          </p:cNvPicPr>
+          <p:nvPr/>
+        </p:nvPicPr>
+        <p:blipFill>
+          <a:blip r:embed="rId12"/>
+          <a:stretch>
+            <a:fillRect/>
+          </a:stretch>
+        </p:blipFill>
+        <p:spPr>
+          <a:xfrm rot="10800000">
+            <a:off x="4258394" y="1182362"/>
+            <a:ext cx="214736" cy="207809"/>
+          </a:xfrm>
+          <a:prstGeom prst="rect">
+            <a:avLst/>
+          </a:prstGeom>
+        </p:spPr>
+      </p:pic>
     </p:spTree>
     <p:extLst>
       <p:ext uri="{BB962C8B-B14F-4D97-AF65-F5344CB8AC3E}">

--- a/GraphicDesign.pptx
+++ b/GraphicDesign.pptx
@@ -3743,67 +3743,6 @@
           </a:p>
         </p:txBody>
       </p:sp>
-      <p:sp>
-        <p:nvSpPr>
-          <p:cNvPr id="46" name="TextBox 45"/>
-          <p:cNvSpPr txBox="1"/>
-          <p:nvPr/>
-        </p:nvSpPr>
-        <p:spPr>
-          <a:xfrm>
-            <a:off x="704096" y="3818290"/>
-            <a:ext cx="942807" cy="215444"/>
-          </a:xfrm>
-          <a:prstGeom prst="rect">
-            <a:avLst/>
-          </a:prstGeom>
-          <a:noFill/>
-        </p:spPr>
-        <p:txBody>
-          <a:bodyPr wrap="square" rtlCol="0">
-            <a:spAutoFit/>
-          </a:bodyPr>
-          <a:lstStyle/>
-          <a:p>
-            <a:r>
-              <a:rPr lang="en-US" sz="800" dirty="0" smtClean="0">
-                <a:solidFill>
-                  <a:schemeClr val="tx1">
-                    <a:lumMod val="65000"/>
-                    <a:lumOff val="35000"/>
-                  </a:schemeClr>
-                </a:solidFill>
-                <a:latin typeface="Arial"/>
-                <a:cs typeface="Arial"/>
-              </a:rPr>
-              <a:t>SELECT</a:t>
-            </a:r>
-            <a:r>
-              <a:rPr lang="en-US" sz="800" dirty="0" smtClean="0">
-                <a:solidFill>
-                  <a:schemeClr val="tx1">
-                    <a:lumMod val="65000"/>
-                    <a:lumOff val="35000"/>
-                  </a:schemeClr>
-                </a:solidFill>
-                <a:latin typeface="Arial"/>
-                <a:cs typeface="Arial"/>
-              </a:rPr>
-              <a:t> START </a:t>
-            </a:r>
-            <a:endParaRPr lang="en-US" sz="800" dirty="0">
-              <a:solidFill>
-                <a:schemeClr val="tx1">
-                  <a:lumMod val="65000"/>
-                  <a:lumOff val="35000"/>
-                </a:schemeClr>
-              </a:solidFill>
-              <a:latin typeface="Arial"/>
-              <a:cs typeface="Arial"/>
-            </a:endParaRPr>
-          </a:p>
-        </p:txBody>
-      </p:sp>
       <p:grpSp>
         <p:nvGrpSpPr>
           <p:cNvPr id="2" name="Group 1"/>
@@ -4025,7 +3964,7 @@
           <p:nvPr>
             <p:extLst>
               <p:ext uri="{D42A27DB-BD31-4B8C-83A1-F6EECF244321}">
-                <p14:modId xmlns:p14="http://schemas.microsoft.com/office/powerpoint/2010/main" val="3109970632"/>
+                <p14:modId xmlns:p14="http://schemas.microsoft.com/office/powerpoint/2010/main" val="2630430049"/>
               </p:ext>
             </p:extLst>
           </p:nvPr>
@@ -4076,9 +4015,7 @@
                       <a:r>
                         <a:rPr lang="en-US" sz="1200" dirty="0" smtClean="0">
                           <a:solidFill>
-                            <a:schemeClr val="bg1">
-                              <a:lumMod val="50000"/>
-                            </a:schemeClr>
+                            <a:schemeClr val="tx1"/>
                           </a:solidFill>
                           <a:latin typeface="Arial"/>
                           <a:cs typeface="Arial"/>
@@ -4087,9 +4024,7 @@
                       </a:r>
                       <a:endParaRPr lang="en-US" sz="1200" dirty="0">
                         <a:solidFill>
-                          <a:schemeClr val="bg1">
-                            <a:lumMod val="50000"/>
-                          </a:schemeClr>
+                          <a:schemeClr val="tx1"/>
                         </a:solidFill>
                         <a:latin typeface="Arial"/>
                         <a:cs typeface="Arial"/>
@@ -4098,9 +4033,7 @@
                   </a:txBody>
                   <a:tcPr>
                     <a:solidFill>
-                      <a:schemeClr val="bg1">
-                        <a:lumMod val="75000"/>
-                      </a:schemeClr>
+                      <a:srgbClr val="F6FEB3"/>
                     </a:solidFill>
                   </a:tcPr>
                 </a:tc>
@@ -7671,178 +7604,16 @@
       </p:sp>
       <p:sp>
         <p:nvSpPr>
-          <p:cNvPr id="66" name="Oval 65"/>
+          <p:cNvPr id="104" name="Isosceles Triangle 103"/>
           <p:cNvSpPr/>
           <p:nvPr/>
         </p:nvSpPr>
         <p:spPr>
-          <a:xfrm>
-            <a:off x="947979" y="4006606"/>
-            <a:ext cx="427677" cy="426064"/>
+          <a:xfrm rot="5400000">
+            <a:off x="-91194" y="2074829"/>
+            <a:ext cx="436381" cy="100584"/>
           </a:xfrm>
-          <a:prstGeom prst="ellipse">
-            <a:avLst/>
-          </a:prstGeom>
-          <a:scene3d>
-            <a:camera prst="orthographicFront">
-              <a:rot lat="0" lon="0" rev="0"/>
-            </a:camera>
-            <a:lightRig rig="threePt" dir="t">
-              <a:rot lat="0" lon="0" rev="1200000"/>
-            </a:lightRig>
-          </a:scene3d>
-          <a:sp3d>
-            <a:bevelT w="63500" h="25400" prst="convex"/>
-          </a:sp3d>
-        </p:spPr>
-        <p:style>
-          <a:lnRef idx="0">
-            <a:schemeClr val="accent1"/>
-          </a:lnRef>
-          <a:fillRef idx="3">
-            <a:schemeClr val="accent1"/>
-          </a:fillRef>
-          <a:effectRef idx="3">
-            <a:schemeClr val="accent1"/>
-          </a:effectRef>
-          <a:fontRef idx="minor">
-            <a:schemeClr val="lt1"/>
-          </a:fontRef>
-        </p:style>
-        <p:txBody>
-          <a:bodyPr rtlCol="0" anchor="ctr"/>
-          <a:lstStyle/>
-          <a:p>
-            <a:pPr algn="ctr"/>
-            <a:endParaRPr lang="en-US"/>
-          </a:p>
-        </p:txBody>
-      </p:sp>
-      <p:sp>
-        <p:nvSpPr>
-          <p:cNvPr id="67" name="TextBox 66"/>
-          <p:cNvSpPr txBox="1"/>
-          <p:nvPr/>
-        </p:nvSpPr>
-        <p:spPr>
-          <a:xfrm>
-            <a:off x="1655096" y="3812808"/>
-            <a:ext cx="942807" cy="215444"/>
-          </a:xfrm>
-          <a:prstGeom prst="rect">
-            <a:avLst/>
-          </a:prstGeom>
-          <a:noFill/>
-        </p:spPr>
-        <p:txBody>
-          <a:bodyPr wrap="square" rtlCol="0">
-            <a:spAutoFit/>
-          </a:bodyPr>
-          <a:lstStyle/>
-          <a:p>
-            <a:r>
-              <a:rPr lang="en-US" sz="800" dirty="0" smtClean="0">
-                <a:solidFill>
-                  <a:schemeClr val="tx1">
-                    <a:lumMod val="65000"/>
-                    <a:lumOff val="35000"/>
-                  </a:schemeClr>
-                </a:solidFill>
-                <a:latin typeface="Arial"/>
-                <a:cs typeface="Arial"/>
-              </a:rPr>
-              <a:t>SELECT</a:t>
-            </a:r>
-            <a:r>
-              <a:rPr lang="en-US" sz="800" dirty="0" smtClean="0">
-                <a:solidFill>
-                  <a:schemeClr val="tx1">
-                    <a:lumMod val="65000"/>
-                    <a:lumOff val="35000"/>
-                  </a:schemeClr>
-                </a:solidFill>
-                <a:latin typeface="Arial"/>
-                <a:cs typeface="Arial"/>
-              </a:rPr>
-              <a:t> END</a:t>
-            </a:r>
-            <a:endParaRPr lang="en-US" sz="800" dirty="0">
-              <a:solidFill>
-                <a:schemeClr val="tx1">
-                  <a:lumMod val="65000"/>
-                  <a:lumOff val="35000"/>
-                </a:schemeClr>
-              </a:solidFill>
-              <a:latin typeface="Arial"/>
-              <a:cs typeface="Arial"/>
-            </a:endParaRPr>
-          </a:p>
-        </p:txBody>
-      </p:sp>
-      <p:sp>
-        <p:nvSpPr>
-          <p:cNvPr id="68" name="Oval 67"/>
-          <p:cNvSpPr/>
-          <p:nvPr/>
-        </p:nvSpPr>
-        <p:spPr>
-          <a:xfrm>
-            <a:off x="1837796" y="3997406"/>
-            <a:ext cx="427677" cy="426064"/>
-          </a:xfrm>
-          <a:prstGeom prst="ellipse">
-            <a:avLst/>
-          </a:prstGeom>
-          <a:solidFill>
-            <a:srgbClr val="D42616"/>
-          </a:solidFill>
-          <a:scene3d>
-            <a:camera prst="orthographicFront">
-              <a:rot lat="0" lon="0" rev="0"/>
-            </a:camera>
-            <a:lightRig rig="threePt" dir="t">
-              <a:rot lat="0" lon="0" rev="1200000"/>
-            </a:lightRig>
-          </a:scene3d>
-          <a:sp3d>
-            <a:bevelT w="63500" h="25400" prst="convex"/>
-          </a:sp3d>
-        </p:spPr>
-        <p:style>
-          <a:lnRef idx="0">
-            <a:schemeClr val="accent1"/>
-          </a:lnRef>
-          <a:fillRef idx="3">
-            <a:schemeClr val="accent1"/>
-          </a:fillRef>
-          <a:effectRef idx="3">
-            <a:schemeClr val="accent1"/>
-          </a:effectRef>
-          <a:fontRef idx="minor">
-            <a:schemeClr val="lt1"/>
-          </a:fontRef>
-        </p:style>
-        <p:txBody>
-          <a:bodyPr rtlCol="0" anchor="ctr"/>
-          <a:lstStyle/>
-          <a:p>
-            <a:pPr algn="ctr"/>
-            <a:endParaRPr lang="en-US"/>
-          </a:p>
-        </p:txBody>
-      </p:sp>
-      <p:sp>
-        <p:nvSpPr>
-          <p:cNvPr id="93" name="Rectangle 92"/>
-          <p:cNvSpPr/>
-          <p:nvPr/>
-        </p:nvSpPr>
-        <p:spPr>
-          <a:xfrm>
-            <a:off x="5488213" y="1898629"/>
-            <a:ext cx="54429" cy="472278"/>
-          </a:xfrm>
-          <a:prstGeom prst="rect">
+          <a:prstGeom prst="triangle">
             <a:avLst/>
           </a:prstGeom>
         </p:spPr>
@@ -7873,29 +7644,27 @@
       </p:sp>
       <p:sp>
         <p:nvSpPr>
-          <p:cNvPr id="94" name="Rectangle 93"/>
+          <p:cNvPr id="105" name="Isosceles Triangle 104"/>
           <p:cNvSpPr/>
           <p:nvPr/>
         </p:nvSpPr>
         <p:spPr>
-          <a:xfrm>
-            <a:off x="5848535" y="1896958"/>
-            <a:ext cx="54429" cy="472278"/>
+          <a:xfrm rot="16200000" flipH="1">
+            <a:off x="2936212" y="2074829"/>
+            <a:ext cx="436381" cy="100584"/>
           </a:xfrm>
-          <a:prstGeom prst="rect">
+          <a:prstGeom prst="triangle">
             <a:avLst/>
           </a:prstGeom>
         </p:spPr>
         <p:style>
-          <a:lnRef idx="2">
-            <a:schemeClr val="accent2">
-              <a:shade val="50000"/>
-            </a:schemeClr>
+          <a:lnRef idx="1">
+            <a:schemeClr val="accent2"/>
           </a:lnRef>
-          <a:fillRef idx="1">
+          <a:fillRef idx="3">
             <a:schemeClr val="accent2"/>
           </a:fillRef>
-          <a:effectRef idx="0">
+          <a:effectRef idx="2">
             <a:schemeClr val="accent2"/>
           </a:effectRef>
           <a:fontRef idx="minor">
@@ -7911,294 +7680,128 @@
           </a:p>
         </p:txBody>
       </p:sp>
-      <p:pic>
-        <p:nvPicPr>
-          <p:cNvPr id="95" name="Picture 94"/>
-          <p:cNvPicPr>
-            <a:picLocks noChangeAspect="1"/>
-          </p:cNvPicPr>
+      <p:sp>
+        <p:nvSpPr>
+          <p:cNvPr id="106" name="TextBox 105"/>
+          <p:cNvSpPr txBox="1"/>
           <p:nvPr/>
-        </p:nvPicPr>
-        <p:blipFill>
-          <a:blip r:embed="rId10"/>
-          <a:stretch>
-            <a:fillRect/>
-          </a:stretch>
-        </p:blipFill>
+        </p:nvSpPr>
         <p:spPr>
           <a:xfrm>
-            <a:off x="4803541" y="2161427"/>
-            <a:ext cx="214736" cy="207809"/>
+            <a:off x="2796586" y="1664838"/>
+            <a:ext cx="942807" cy="215444"/>
           </a:xfrm>
           <a:prstGeom prst="rect">
             <a:avLst/>
           </a:prstGeom>
+          <a:noFill/>
         </p:spPr>
-      </p:pic>
-      <p:pic>
-        <p:nvPicPr>
-          <p:cNvPr id="96" name="Picture 95"/>
-          <p:cNvPicPr>
-            <a:picLocks noChangeAspect="1"/>
-          </p:cNvPicPr>
+        <p:txBody>
+          <a:bodyPr wrap="square" rtlCol="0">
+            <a:spAutoFit/>
+          </a:bodyPr>
+          <a:lstStyle/>
+          <a:p>
+            <a:r>
+              <a:rPr lang="en-US" sz="800" dirty="0" smtClean="0">
+                <a:solidFill>
+                  <a:schemeClr val="bg1"/>
+                </a:solidFill>
+                <a:latin typeface="Arial"/>
+                <a:cs typeface="Arial"/>
+              </a:rPr>
+              <a:t>DRAG TO END</a:t>
+            </a:r>
+            <a:endParaRPr lang="en-US" sz="800" dirty="0">
+              <a:solidFill>
+                <a:schemeClr val="bg1"/>
+              </a:solidFill>
+              <a:latin typeface="Arial"/>
+              <a:cs typeface="Arial"/>
+            </a:endParaRPr>
+          </a:p>
+        </p:txBody>
+      </p:sp>
+      <p:sp>
+        <p:nvSpPr>
+          <p:cNvPr id="107" name="TextBox 106"/>
+          <p:cNvSpPr txBox="1"/>
           <p:nvPr/>
-        </p:nvPicPr>
-        <p:blipFill>
-          <a:blip r:embed="rId10"/>
-          <a:stretch>
-            <a:fillRect/>
-          </a:stretch>
-        </p:blipFill>
+        </p:nvSpPr>
         <p:spPr>
-          <a:xfrm rot="10800000">
-            <a:off x="4553984" y="1890943"/>
-            <a:ext cx="214736" cy="207809"/>
+          <a:xfrm>
+            <a:off x="48477" y="1663823"/>
+            <a:ext cx="1049458" cy="215444"/>
           </a:xfrm>
           <a:prstGeom prst="rect">
             <a:avLst/>
           </a:prstGeom>
+          <a:noFill/>
         </p:spPr>
-      </p:pic>
-      <p:sp>
-        <p:nvSpPr>
-          <p:cNvPr id="97" name="Rectangle 96"/>
-          <p:cNvSpPr/>
+        <p:txBody>
+          <a:bodyPr wrap="square" rtlCol="0">
+            <a:spAutoFit/>
+          </a:bodyPr>
+          <a:lstStyle>
+            <a:defPPr>
+              <a:defRPr lang="en-US"/>
+            </a:defPPr>
+            <a:lvl1pPr>
+              <a:defRPr sz="800">
+                <a:solidFill>
+                  <a:schemeClr val="bg1"/>
+                </a:solidFill>
+                <a:latin typeface="Arial"/>
+                <a:cs typeface="Arial"/>
+              </a:defRPr>
+            </a:lvl1pPr>
+          </a:lstStyle>
+          <a:p>
+            <a:r>
+              <a:rPr lang="en-US" dirty="0"/>
+              <a:t>DRAG TO START</a:t>
+            </a:r>
+            <a:endParaRPr lang="en-US" dirty="0"/>
+          </a:p>
+        </p:txBody>
+      </p:sp>
+      <p:cxnSp>
+        <p:nvCxnSpPr>
+          <p:cNvPr id="110" name="Straight Connector 109"/>
+          <p:cNvCxnSpPr/>
           <p:nvPr/>
-        </p:nvSpPr>
+        </p:nvCxnSpPr>
         <p:spPr>
-          <a:xfrm rot="16200000">
-            <a:off x="6561638" y="1735249"/>
-            <a:ext cx="56100" cy="412308"/>
+          <a:xfrm>
+            <a:off x="1950063" y="1896670"/>
+            <a:ext cx="0" cy="474237"/>
           </a:xfrm>
-          <a:prstGeom prst="rect">
+          <a:prstGeom prst="line">
             <a:avLst/>
           </a:prstGeom>
+          <a:ln>
+            <a:solidFill>
+              <a:schemeClr val="accent3">
+                <a:lumMod val="50000"/>
+              </a:schemeClr>
+            </a:solidFill>
+          </a:ln>
         </p:spPr>
         <p:style>
-          <a:lnRef idx="2">
-            <a:schemeClr val="accent3">
-              <a:shade val="50000"/>
-            </a:schemeClr>
+          <a:lnRef idx="3">
+            <a:schemeClr val="accent2"/>
           </a:lnRef>
-          <a:fillRef idx="1">
-            <a:schemeClr val="accent3"/>
-          </a:fillRef>
-          <a:effectRef idx="0">
-            <a:schemeClr val="accent3"/>
-          </a:effectRef>
-          <a:fontRef idx="minor">
-            <a:schemeClr val="lt1"/>
-          </a:fontRef>
-        </p:style>
-        <p:txBody>
-          <a:bodyPr rtlCol="0" anchor="ctr"/>
-          <a:lstStyle/>
-          <a:p>
-            <a:pPr algn="ctr"/>
-            <a:endParaRPr lang="en-US"/>
-          </a:p>
-        </p:txBody>
-      </p:sp>
-      <p:sp>
-        <p:nvSpPr>
-          <p:cNvPr id="98" name="Rectangle 97"/>
-          <p:cNvSpPr/>
-          <p:nvPr/>
-        </p:nvSpPr>
-        <p:spPr>
-          <a:xfrm rot="16200000">
-            <a:off x="6570905" y="2121925"/>
-            <a:ext cx="54431" cy="417853"/>
-          </a:xfrm>
-          <a:prstGeom prst="rect">
-            <a:avLst/>
-          </a:prstGeom>
-        </p:spPr>
-        <p:style>
-          <a:lnRef idx="2">
-            <a:schemeClr val="accent2">
-              <a:shade val="50000"/>
-            </a:schemeClr>
-          </a:lnRef>
-          <a:fillRef idx="1">
+          <a:fillRef idx="0">
             <a:schemeClr val="accent2"/>
           </a:fillRef>
-          <a:effectRef idx="0">
+          <a:effectRef idx="2">
             <a:schemeClr val="accent2"/>
           </a:effectRef>
           <a:fontRef idx="minor">
-            <a:schemeClr val="lt1"/>
+            <a:schemeClr val="tx1"/>
           </a:fontRef>
         </p:style>
-        <p:txBody>
-          <a:bodyPr rtlCol="0" anchor="ctr"/>
-          <a:lstStyle/>
-          <a:p>
-            <a:pPr algn="ctr"/>
-            <a:endParaRPr lang="en-US"/>
-          </a:p>
-        </p:txBody>
-      </p:sp>
-      <p:sp>
-        <p:nvSpPr>
-          <p:cNvPr id="99" name="Rectangle 98"/>
-          <p:cNvSpPr/>
-          <p:nvPr/>
-        </p:nvSpPr>
-        <p:spPr>
-          <a:xfrm rot="16200000">
-            <a:off x="7009876" y="1738464"/>
-            <a:ext cx="56100" cy="412308"/>
-          </a:xfrm>
-          <a:prstGeom prst="rect">
-            <a:avLst/>
-          </a:prstGeom>
-        </p:spPr>
-        <p:style>
-          <a:lnRef idx="2">
-            <a:schemeClr val="accent3">
-              <a:shade val="50000"/>
-            </a:schemeClr>
-          </a:lnRef>
-          <a:fillRef idx="1">
-            <a:schemeClr val="accent3"/>
-          </a:fillRef>
-          <a:effectRef idx="0">
-            <a:schemeClr val="accent3"/>
-          </a:effectRef>
-          <a:fontRef idx="minor">
-            <a:schemeClr val="lt1"/>
-          </a:fontRef>
-        </p:style>
-        <p:txBody>
-          <a:bodyPr rtlCol="0" anchor="ctr"/>
-          <a:lstStyle/>
-          <a:p>
-            <a:pPr algn="ctr"/>
-            <a:endParaRPr lang="en-US"/>
-          </a:p>
-        </p:txBody>
-      </p:sp>
-      <p:sp>
-        <p:nvSpPr>
-          <p:cNvPr id="100" name="Rectangle 99"/>
-          <p:cNvSpPr/>
-          <p:nvPr/>
-        </p:nvSpPr>
-        <p:spPr>
-          <a:xfrm rot="16200000">
-            <a:off x="7019143" y="2125140"/>
-            <a:ext cx="54431" cy="417853"/>
-          </a:xfrm>
-          <a:prstGeom prst="rect">
-            <a:avLst/>
-          </a:prstGeom>
-        </p:spPr>
-        <p:style>
-          <a:lnRef idx="2">
-            <a:schemeClr val="accent2">
-              <a:shade val="50000"/>
-            </a:schemeClr>
-          </a:lnRef>
-          <a:fillRef idx="1">
-            <a:schemeClr val="accent2"/>
-          </a:fillRef>
-          <a:effectRef idx="0">
-            <a:schemeClr val="accent2"/>
-          </a:effectRef>
-          <a:fontRef idx="minor">
-            <a:schemeClr val="lt1"/>
-          </a:fontRef>
-        </p:style>
-        <p:txBody>
-          <a:bodyPr rtlCol="0" anchor="ctr"/>
-          <a:lstStyle/>
-          <a:p>
-            <a:pPr algn="ctr"/>
-            <a:endParaRPr lang="en-US"/>
-          </a:p>
-        </p:txBody>
-      </p:sp>
-      <p:sp>
-        <p:nvSpPr>
-          <p:cNvPr id="101" name="Rectangle 100"/>
-          <p:cNvSpPr/>
-          <p:nvPr/>
-        </p:nvSpPr>
-        <p:spPr>
-          <a:xfrm rot="16200000">
-            <a:off x="7460619" y="1735249"/>
-            <a:ext cx="56100" cy="412308"/>
-          </a:xfrm>
-          <a:prstGeom prst="rect">
-            <a:avLst/>
-          </a:prstGeom>
-        </p:spPr>
-        <p:style>
-          <a:lnRef idx="2">
-            <a:schemeClr val="accent3">
-              <a:shade val="50000"/>
-            </a:schemeClr>
-          </a:lnRef>
-          <a:fillRef idx="1">
-            <a:schemeClr val="accent3"/>
-          </a:fillRef>
-          <a:effectRef idx="0">
-            <a:schemeClr val="accent3"/>
-          </a:effectRef>
-          <a:fontRef idx="minor">
-            <a:schemeClr val="lt1"/>
-          </a:fontRef>
-        </p:style>
-        <p:txBody>
-          <a:bodyPr rtlCol="0" anchor="ctr"/>
-          <a:lstStyle/>
-          <a:p>
-            <a:pPr algn="ctr"/>
-            <a:endParaRPr lang="en-US"/>
-          </a:p>
-        </p:txBody>
-      </p:sp>
-      <p:sp>
-        <p:nvSpPr>
-          <p:cNvPr id="102" name="Rectangle 101"/>
-          <p:cNvSpPr/>
-          <p:nvPr/>
-        </p:nvSpPr>
-        <p:spPr>
-          <a:xfrm rot="16200000">
-            <a:off x="7469886" y="2121925"/>
-            <a:ext cx="54431" cy="417853"/>
-          </a:xfrm>
-          <a:prstGeom prst="rect">
-            <a:avLst/>
-          </a:prstGeom>
-        </p:spPr>
-        <p:style>
-          <a:lnRef idx="2">
-            <a:schemeClr val="accent2">
-              <a:shade val="50000"/>
-            </a:schemeClr>
-          </a:lnRef>
-          <a:fillRef idx="1">
-            <a:schemeClr val="accent2"/>
-          </a:fillRef>
-          <a:effectRef idx="0">
-            <a:schemeClr val="accent2"/>
-          </a:effectRef>
-          <a:fontRef idx="minor">
-            <a:schemeClr val="lt1"/>
-          </a:fontRef>
-        </p:style>
-        <p:txBody>
-          <a:bodyPr rtlCol="0" anchor="ctr"/>
-          <a:lstStyle/>
-          <a:p>
-            <a:pPr algn="ctr"/>
-            <a:endParaRPr lang="en-US"/>
-          </a:p>
-        </p:txBody>
-      </p:sp>
+      </p:cxnSp>
     </p:spTree>
     <p:extLst>
       <p:ext uri="{BB962C8B-B14F-4D97-AF65-F5344CB8AC3E}">

--- a/GraphicDesign.pptx
+++ b/GraphicDesign.pptx
@@ -9,6 +9,7 @@
     <p:sldId id="258" r:id="rId3"/>
     <p:sldId id="259" r:id="rId4"/>
     <p:sldId id="257" r:id="rId5"/>
+    <p:sldId id="260" r:id="rId6"/>
   </p:sldIdLst>
   <p:sldSz cx="9144000" cy="6858000" type="screen4x3"/>
   <p:notesSz cx="6858000" cy="9144000"/>
@@ -291,7 +292,7 @@
           <a:p>
             <a:fld id="{3306185E-68BF-194B-9C7C-28321EFA365C}" type="datetimeFigureOut">
               <a:rPr lang="en-US" smtClean="0"/>
-              <a:t>3/24/13</a:t>
+              <a:t>3/25/13</a:t>
             </a:fld>
             <a:endParaRPr lang="en-US"/>
           </a:p>
@@ -461,7 +462,7 @@
           <a:p>
             <a:fld id="{3306185E-68BF-194B-9C7C-28321EFA365C}" type="datetimeFigureOut">
               <a:rPr lang="en-US" smtClean="0"/>
-              <a:t>3/24/13</a:t>
+              <a:t>3/25/13</a:t>
             </a:fld>
             <a:endParaRPr lang="en-US"/>
           </a:p>
@@ -641,7 +642,7 @@
           <a:p>
             <a:fld id="{3306185E-68BF-194B-9C7C-28321EFA365C}" type="datetimeFigureOut">
               <a:rPr lang="en-US" smtClean="0"/>
-              <a:t>3/24/13</a:t>
+              <a:t>3/25/13</a:t>
             </a:fld>
             <a:endParaRPr lang="en-US"/>
           </a:p>
@@ -811,7 +812,7 @@
           <a:p>
             <a:fld id="{3306185E-68BF-194B-9C7C-28321EFA365C}" type="datetimeFigureOut">
               <a:rPr lang="en-US" smtClean="0"/>
-              <a:t>3/24/13</a:t>
+              <a:t>3/25/13</a:t>
             </a:fld>
             <a:endParaRPr lang="en-US"/>
           </a:p>
@@ -1057,7 +1058,7 @@
           <a:p>
             <a:fld id="{3306185E-68BF-194B-9C7C-28321EFA365C}" type="datetimeFigureOut">
               <a:rPr lang="en-US" smtClean="0"/>
-              <a:t>3/24/13</a:t>
+              <a:t>3/25/13</a:t>
             </a:fld>
             <a:endParaRPr lang="en-US"/>
           </a:p>
@@ -1345,7 +1346,7 @@
           <a:p>
             <a:fld id="{3306185E-68BF-194B-9C7C-28321EFA365C}" type="datetimeFigureOut">
               <a:rPr lang="en-US" smtClean="0"/>
-              <a:t>3/24/13</a:t>
+              <a:t>3/25/13</a:t>
             </a:fld>
             <a:endParaRPr lang="en-US"/>
           </a:p>
@@ -1767,7 +1768,7 @@
           <a:p>
             <a:fld id="{3306185E-68BF-194B-9C7C-28321EFA365C}" type="datetimeFigureOut">
               <a:rPr lang="en-US" smtClean="0"/>
-              <a:t>3/24/13</a:t>
+              <a:t>3/25/13</a:t>
             </a:fld>
             <a:endParaRPr lang="en-US"/>
           </a:p>
@@ -1885,7 +1886,7 @@
           <a:p>
             <a:fld id="{3306185E-68BF-194B-9C7C-28321EFA365C}" type="datetimeFigureOut">
               <a:rPr lang="en-US" smtClean="0"/>
-              <a:t>3/24/13</a:t>
+              <a:t>3/25/13</a:t>
             </a:fld>
             <a:endParaRPr lang="en-US"/>
           </a:p>
@@ -1980,7 +1981,7 @@
           <a:p>
             <a:fld id="{3306185E-68BF-194B-9C7C-28321EFA365C}" type="datetimeFigureOut">
               <a:rPr lang="en-US" smtClean="0"/>
-              <a:t>3/24/13</a:t>
+              <a:t>3/25/13</a:t>
             </a:fld>
             <a:endParaRPr lang="en-US"/>
           </a:p>
@@ -2257,7 +2258,7 @@
           <a:p>
             <a:fld id="{3306185E-68BF-194B-9C7C-28321EFA365C}" type="datetimeFigureOut">
               <a:rPr lang="en-US" smtClean="0"/>
-              <a:t>3/24/13</a:t>
+              <a:t>3/25/13</a:t>
             </a:fld>
             <a:endParaRPr lang="en-US"/>
           </a:p>
@@ -2510,7 +2511,7 @@
           <a:p>
             <a:fld id="{3306185E-68BF-194B-9C7C-28321EFA365C}" type="datetimeFigureOut">
               <a:rPr lang="en-US" smtClean="0"/>
-              <a:t>3/24/13</a:t>
+              <a:t>3/25/13</a:t>
             </a:fld>
             <a:endParaRPr lang="en-US"/>
           </a:p>
@@ -2723,7 +2724,7 @@
           <a:p>
             <a:fld id="{3306185E-68BF-194B-9C7C-28321EFA365C}" type="datetimeFigureOut">
               <a:rPr lang="en-US" smtClean="0"/>
-              <a:t>3/24/13</a:t>
+              <a:t>3/25/13</a:t>
             </a:fld>
             <a:endParaRPr lang="en-US"/>
           </a:p>
@@ -3100,35 +3101,6 @@
       </p:grpSpPr>
       <p:sp>
         <p:nvSpPr>
-          <p:cNvPr id="39" name="TextBox 38"/>
-          <p:cNvSpPr txBox="1"/>
-          <p:nvPr/>
-        </p:nvSpPr>
-        <p:spPr>
-          <a:xfrm>
-            <a:off x="3846130" y="1056968"/>
-            <a:ext cx="1043876" cy="369332"/>
-          </a:xfrm>
-          <a:prstGeom prst="rect">
-            <a:avLst/>
-          </a:prstGeom>
-          <a:noFill/>
-        </p:spPr>
-        <p:txBody>
-          <a:bodyPr wrap="none" rtlCol="0">
-            <a:spAutoFit/>
-          </a:bodyPr>
-          <a:lstStyle/>
-          <a:p>
-            <a:r>
-              <a:rPr lang="en-US" dirty="0" smtClean="0"/>
-              <a:t>NORMAL</a:t>
-            </a:r>
-          </a:p>
-        </p:txBody>
-      </p:sp>
-      <p:sp>
-        <p:nvSpPr>
           <p:cNvPr id="16" name="Rectangle 15"/>
           <p:cNvSpPr/>
           <p:nvPr/>
@@ -3253,7 +3225,7 @@
         </p:blipFill>
         <p:spPr>
           <a:xfrm>
-            <a:off x="5581980" y="3965570"/>
+            <a:off x="873755" y="3956110"/>
             <a:ext cx="395668" cy="399131"/>
           </a:xfrm>
           <a:prstGeom prst="rect">
@@ -3277,7 +3249,7 @@
         </p:blipFill>
         <p:spPr>
           <a:xfrm>
-            <a:off x="6299092" y="3967738"/>
+            <a:off x="1659141" y="3950765"/>
             <a:ext cx="401576" cy="408159"/>
           </a:xfrm>
           <a:prstGeom prst="rect">
@@ -3456,13 +3428,13 @@
       </p:cxnSp>
       <p:cxnSp>
         <p:nvCxnSpPr>
-          <p:cNvPr id="31" name="Straight Connector 30"/>
+          <p:cNvPr id="32" name="Straight Connector 31"/>
           <p:cNvCxnSpPr/>
           <p:nvPr/>
         </p:nvCxnSpPr>
         <p:spPr>
           <a:xfrm>
-            <a:off x="5327440" y="3837430"/>
+            <a:off x="6897324" y="3797976"/>
             <a:ext cx="0" cy="693839"/>
           </a:xfrm>
           <a:prstGeom prst="line">
@@ -3492,92 +3464,6 @@
           </a:fontRef>
         </p:style>
       </p:cxnSp>
-      <p:cxnSp>
-        <p:nvCxnSpPr>
-          <p:cNvPr id="32" name="Straight Connector 31"/>
-          <p:cNvCxnSpPr/>
-          <p:nvPr/>
-        </p:nvCxnSpPr>
-        <p:spPr>
-          <a:xfrm>
-            <a:off x="6897324" y="3797976"/>
-            <a:ext cx="0" cy="693839"/>
-          </a:xfrm>
-          <a:prstGeom prst="line">
-            <a:avLst/>
-          </a:prstGeom>
-          <a:ln w="9525" cmpd="sng">
-            <a:solidFill>
-              <a:schemeClr val="bg1">
-                <a:lumMod val="50000"/>
-              </a:schemeClr>
-            </a:solidFill>
-            <a:prstDash val="lgDash"/>
-          </a:ln>
-        </p:spPr>
-        <p:style>
-          <a:lnRef idx="2">
-            <a:schemeClr val="accent1"/>
-          </a:lnRef>
-          <a:fillRef idx="0">
-            <a:schemeClr val="accent1"/>
-          </a:fillRef>
-          <a:effectRef idx="1">
-            <a:schemeClr val="accent1"/>
-          </a:effectRef>
-          <a:fontRef idx="minor">
-            <a:schemeClr val="tx1"/>
-          </a:fontRef>
-        </p:style>
-      </p:cxnSp>
-      <p:sp>
-        <p:nvSpPr>
-          <p:cNvPr id="15" name="TextBox 14"/>
-          <p:cNvSpPr txBox="1"/>
-          <p:nvPr/>
-        </p:nvSpPr>
-        <p:spPr>
-          <a:xfrm>
-            <a:off x="73193" y="3814364"/>
-            <a:ext cx="630903" cy="215444"/>
-          </a:xfrm>
-          <a:prstGeom prst="rect">
-            <a:avLst/>
-          </a:prstGeom>
-          <a:noFill/>
-        </p:spPr>
-        <p:txBody>
-          <a:bodyPr wrap="square" rtlCol="0">
-            <a:spAutoFit/>
-          </a:bodyPr>
-          <a:lstStyle/>
-          <a:p>
-            <a:r>
-              <a:rPr lang="en-US" sz="800" dirty="0" smtClean="0">
-                <a:solidFill>
-                  <a:schemeClr val="tx1">
-                    <a:lumMod val="65000"/>
-                    <a:lumOff val="35000"/>
-                  </a:schemeClr>
-                </a:solidFill>
-                <a:latin typeface="Arial"/>
-                <a:cs typeface="Arial"/>
-              </a:rPr>
-              <a:t>REPEAT</a:t>
-            </a:r>
-            <a:endParaRPr lang="en-US" sz="800" dirty="0">
-              <a:solidFill>
-                <a:schemeClr val="tx1">
-                  <a:lumMod val="65000"/>
-                  <a:lumOff val="35000"/>
-                </a:schemeClr>
-              </a:solidFill>
-              <a:latin typeface="Arial"/>
-              <a:cs typeface="Arial"/>
-            </a:endParaRPr>
-          </a:p>
-        </p:txBody>
-      </p:sp>
       <p:sp>
         <p:nvSpPr>
           <p:cNvPr id="33" name="TextBox 32"/>
@@ -3682,7 +3568,7 @@
         </p:nvCxnSpPr>
         <p:spPr>
           <a:xfrm>
-            <a:off x="7447073" y="4181524"/>
+            <a:off x="7447073" y="4148748"/>
             <a:ext cx="1397053" cy="0"/>
           </a:xfrm>
           <a:prstGeom prst="line">
@@ -3713,7 +3599,7 @@
         </p:nvSpPr>
         <p:spPr>
           <a:xfrm>
-            <a:off x="7866653" y="4115427"/>
+            <a:off x="7866653" y="4082651"/>
             <a:ext cx="137160" cy="137160"/>
           </a:xfrm>
           <a:prstGeom prst="ellipse">
@@ -3897,7 +3783,7 @@
       </p:pic>
       <p:pic>
         <p:nvPicPr>
-          <p:cNvPr id="55" name="Picture 54" descr="repeat.png"/>
+          <p:cNvPr id="57" name="Picture 56" descr="repeatIconoff.png"/>
           <p:cNvPicPr>
             <a:picLocks noChangeAspect="1"/>
           </p:cNvPicPr>
@@ -3917,38 +3803,8 @@
         </p:blipFill>
         <p:spPr>
           <a:xfrm>
-            <a:off x="143385" y="4010882"/>
-            <a:ext cx="421788" cy="421788"/>
-          </a:xfrm>
-          <a:prstGeom prst="rect">
-            <a:avLst/>
-          </a:prstGeom>
-        </p:spPr>
-      </p:pic>
-      <p:pic>
-        <p:nvPicPr>
-          <p:cNvPr id="57" name="Picture 56" descr="repeatIconoff.png"/>
-          <p:cNvPicPr>
-            <a:picLocks noChangeAspect="1"/>
-          </p:cNvPicPr>
-          <p:nvPr/>
-        </p:nvPicPr>
-        <p:blipFill>
-          <a:blip r:embed="rId9">
-            <a:extLst>
-              <a:ext uri="{28A0092B-C50C-407E-A947-70E740481C1C}">
-                <a14:useLocalDpi xmlns:a14="http://schemas.microsoft.com/office/drawing/2010/main" val="0"/>
-              </a:ext>
-            </a:extLst>
-          </a:blip>
-          <a:stretch>
-            <a:fillRect/>
-          </a:stretch>
-        </p:blipFill>
-        <p:spPr>
-          <a:xfrm>
-            <a:off x="8632425" y="1213136"/>
-            <a:ext cx="332965" cy="332965"/>
+            <a:off x="8747031" y="1630807"/>
+            <a:ext cx="285546" cy="285546"/>
           </a:xfrm>
           <a:prstGeom prst="rect">
             <a:avLst/>
@@ -5255,15 +5111,6 @@
                         </a:rPr>
                         <a:t>31</a:t>
                       </a:r>
-                      <a:endParaRPr lang="en-US" sz="1200" dirty="0" smtClean="0">
-                        <a:solidFill>
-                          <a:schemeClr val="bg1">
-                            <a:lumMod val="50000"/>
-                          </a:schemeClr>
-                        </a:solidFill>
-                        <a:latin typeface="Arial"/>
-                        <a:cs typeface="Arial"/>
-                      </a:endParaRPr>
                     </a:p>
                   </a:txBody>
                   <a:tcPr>
@@ -6127,15 +5974,6 @@
                         </a:rPr>
                         <a:t>51</a:t>
                       </a:r>
-                      <a:endParaRPr lang="en-US" sz="1200" dirty="0" smtClean="0">
-                        <a:solidFill>
-                          <a:schemeClr val="bg1">
-                            <a:lumMod val="50000"/>
-                          </a:schemeClr>
-                        </a:solidFill>
-                        <a:latin typeface="Arial"/>
-                        <a:cs typeface="Arial"/>
-                      </a:endParaRPr>
                     </a:p>
                   </a:txBody>
                   <a:tcPr>
@@ -7562,7 +7400,7 @@
         </p:nvSpPr>
         <p:spPr>
           <a:xfrm>
-            <a:off x="5264805" y="3762980"/>
+            <a:off x="114128" y="3771495"/>
             <a:ext cx="630903" cy="215444"/>
           </a:xfrm>
           <a:prstGeom prst="rect">
@@ -7761,7 +7599,6 @@
               <a:rPr lang="en-US" dirty="0"/>
               <a:t>DRAG TO START</a:t>
             </a:r>
-            <a:endParaRPr lang="en-US" dirty="0"/>
           </a:p>
         </p:txBody>
       </p:sp>
@@ -7802,6 +7639,128 @@
           </a:fontRef>
         </p:style>
       </p:cxnSp>
+      <p:cxnSp>
+        <p:nvCxnSpPr>
+          <p:cNvPr id="40" name="Straight Connector 39"/>
+          <p:cNvCxnSpPr/>
+          <p:nvPr/>
+        </p:nvCxnSpPr>
+        <p:spPr>
+          <a:xfrm>
+            <a:off x="5173401" y="3794275"/>
+            <a:ext cx="0" cy="693839"/>
+          </a:xfrm>
+          <a:prstGeom prst="line">
+            <a:avLst/>
+          </a:prstGeom>
+          <a:ln w="9525" cmpd="sng">
+            <a:solidFill>
+              <a:schemeClr val="bg1">
+                <a:lumMod val="50000"/>
+              </a:schemeClr>
+            </a:solidFill>
+            <a:prstDash val="lgDash"/>
+          </a:ln>
+        </p:spPr>
+        <p:style>
+          <a:lnRef idx="2">
+            <a:schemeClr val="accent1"/>
+          </a:lnRef>
+          <a:fillRef idx="0">
+            <a:schemeClr val="accent1"/>
+          </a:fillRef>
+          <a:effectRef idx="1">
+            <a:schemeClr val="accent1"/>
+          </a:effectRef>
+          <a:fontRef idx="minor">
+            <a:schemeClr val="tx1"/>
+          </a:fontRef>
+        </p:style>
+      </p:cxnSp>
+      <p:sp>
+        <p:nvSpPr>
+          <p:cNvPr id="41" name="TextBox 40"/>
+          <p:cNvSpPr txBox="1"/>
+          <p:nvPr/>
+        </p:nvSpPr>
+        <p:spPr>
+          <a:xfrm>
+            <a:off x="7348790" y="4217719"/>
+            <a:ext cx="595683" cy="215444"/>
+          </a:xfrm>
+          <a:prstGeom prst="rect">
+            <a:avLst/>
+          </a:prstGeom>
+          <a:noFill/>
+        </p:spPr>
+        <p:txBody>
+          <a:bodyPr wrap="square" rtlCol="0">
+            <a:spAutoFit/>
+          </a:bodyPr>
+          <a:lstStyle/>
+          <a:p>
+            <a:r>
+              <a:rPr lang="en-US" sz="800" dirty="0" smtClean="0">
+                <a:solidFill>
+                  <a:schemeClr val="bg1"/>
+                </a:solidFill>
+                <a:latin typeface="Arial"/>
+                <a:cs typeface="Arial"/>
+              </a:rPr>
+              <a:t>SLOW</a:t>
+            </a:r>
+            <a:endParaRPr lang="en-US" sz="800" dirty="0">
+              <a:solidFill>
+                <a:schemeClr val="bg1"/>
+              </a:solidFill>
+              <a:latin typeface="Arial"/>
+              <a:cs typeface="Arial"/>
+            </a:endParaRPr>
+          </a:p>
+        </p:txBody>
+      </p:sp>
+      <p:sp>
+        <p:nvSpPr>
+          <p:cNvPr id="43" name="TextBox 42"/>
+          <p:cNvSpPr txBox="1"/>
+          <p:nvPr/>
+        </p:nvSpPr>
+        <p:spPr>
+          <a:xfrm>
+            <a:off x="8510640" y="4225869"/>
+            <a:ext cx="595683" cy="215444"/>
+          </a:xfrm>
+          <a:prstGeom prst="rect">
+            <a:avLst/>
+          </a:prstGeom>
+          <a:noFill/>
+        </p:spPr>
+        <p:txBody>
+          <a:bodyPr wrap="square" rtlCol="0">
+            <a:spAutoFit/>
+          </a:bodyPr>
+          <a:lstStyle/>
+          <a:p>
+            <a:r>
+              <a:rPr lang="en-US" sz="800" dirty="0" smtClean="0">
+                <a:solidFill>
+                  <a:schemeClr val="bg1"/>
+                </a:solidFill>
+                <a:latin typeface="Arial"/>
+                <a:cs typeface="Arial"/>
+              </a:rPr>
+              <a:t>FAST</a:t>
+            </a:r>
+            <a:endParaRPr lang="en-US" sz="800" dirty="0">
+              <a:solidFill>
+                <a:schemeClr val="bg1"/>
+              </a:solidFill>
+              <a:latin typeface="Arial"/>
+              <a:cs typeface="Arial"/>
+            </a:endParaRPr>
+          </a:p>
+        </p:txBody>
+      </p:sp>
     </p:spTree>
     <p:extLst>
       <p:ext uri="{BB962C8B-B14F-4D97-AF65-F5344CB8AC3E}">
@@ -8987,10 +8946,382 @@
           </a:prstGeom>
         </p:spPr>
       </p:pic>
+      <p:pic>
+        <p:nvPicPr>
+          <p:cNvPr id="27" name="Picture 26" descr="repeat.png"/>
+          <p:cNvPicPr>
+            <a:picLocks noChangeAspect="1"/>
+          </p:cNvPicPr>
+          <p:nvPr/>
+        </p:nvPicPr>
+        <p:blipFill>
+          <a:blip r:embed="rId13">
+            <a:extLst>
+              <a:ext uri="{28A0092B-C50C-407E-A947-70E740481C1C}">
+                <a14:useLocalDpi xmlns:a14="http://schemas.microsoft.com/office/drawing/2010/main" val="0"/>
+              </a:ext>
+            </a:extLst>
+          </a:blip>
+          <a:stretch>
+            <a:fillRect/>
+          </a:stretch>
+        </p:blipFill>
+        <p:spPr>
+          <a:xfrm>
+            <a:off x="266295" y="4010882"/>
+            <a:ext cx="421788" cy="421788"/>
+          </a:xfrm>
+          <a:prstGeom prst="rect">
+            <a:avLst/>
+          </a:prstGeom>
+        </p:spPr>
+      </p:pic>
     </p:spTree>
     <p:extLst>
       <p:ext uri="{BB962C8B-B14F-4D97-AF65-F5344CB8AC3E}">
         <p14:creationId xmlns:p14="http://schemas.microsoft.com/office/powerpoint/2010/main" val="1757010994"/>
+      </p:ext>
+    </p:extLst>
+  </p:cSld>
+  <p:clrMapOvr>
+    <a:masterClrMapping/>
+  </p:clrMapOvr>
+</p:sld>
+</file>
+
+<file path=ppt/slides/slide5.xml><?xml version="1.0" encoding="utf-8"?>
+<p:sld xmlns:a="http://schemas.openxmlformats.org/drawingml/2006/main" xmlns:r="http://schemas.openxmlformats.org/officeDocument/2006/relationships" xmlns:p="http://schemas.openxmlformats.org/presentationml/2006/main">
+  <p:cSld>
+    <p:spTree>
+      <p:nvGrpSpPr>
+        <p:cNvPr id="1" name=""/>
+        <p:cNvGrpSpPr/>
+        <p:nvPr/>
+      </p:nvGrpSpPr>
+      <p:grpSpPr>
+        <a:xfrm>
+          <a:off x="0" y="0"/>
+          <a:ext cx="0" cy="0"/>
+          <a:chOff x="0" y="0"/>
+          <a:chExt cx="0" cy="0"/>
+        </a:xfrm>
+      </p:grpSpPr>
+      <p:pic>
+        <p:nvPicPr>
+          <p:cNvPr id="4" name="Picture 3"/>
+          <p:cNvPicPr>
+            <a:picLocks noChangeAspect="1"/>
+          </p:cNvPicPr>
+          <p:nvPr/>
+        </p:nvPicPr>
+        <p:blipFill>
+          <a:blip r:embed="rId2"/>
+          <a:stretch>
+            <a:fillRect/>
+          </a:stretch>
+        </p:blipFill>
+        <p:spPr>
+          <a:xfrm>
+            <a:off x="4715137" y="94738"/>
+            <a:ext cx="4305779" cy="4497147"/>
+          </a:xfrm>
+          <a:prstGeom prst="rect">
+            <a:avLst/>
+          </a:prstGeom>
+        </p:spPr>
+      </p:pic>
+      <p:pic>
+        <p:nvPicPr>
+          <p:cNvPr id="5" name="Picture 4"/>
+          <p:cNvPicPr>
+            <a:picLocks noChangeAspect="1"/>
+          </p:cNvPicPr>
+          <p:nvPr/>
+        </p:nvPicPr>
+        <p:blipFill>
+          <a:blip r:embed="rId3"/>
+          <a:stretch>
+            <a:fillRect/>
+          </a:stretch>
+        </p:blipFill>
+        <p:spPr>
+          <a:xfrm>
+            <a:off x="260170" y="5341973"/>
+            <a:ext cx="1087699" cy="776928"/>
+          </a:xfrm>
+          <a:prstGeom prst="rect">
+            <a:avLst/>
+          </a:prstGeom>
+        </p:spPr>
+      </p:pic>
+      <p:pic>
+        <p:nvPicPr>
+          <p:cNvPr id="6" name="Picture 5"/>
+          <p:cNvPicPr>
+            <a:picLocks noChangeAspect="1"/>
+          </p:cNvPicPr>
+          <p:nvPr/>
+        </p:nvPicPr>
+        <p:blipFill>
+          <a:blip r:embed="rId4"/>
+          <a:stretch>
+            <a:fillRect/>
+          </a:stretch>
+        </p:blipFill>
+        <p:spPr>
+          <a:xfrm>
+            <a:off x="4168322" y="5896481"/>
+            <a:ext cx="1254632" cy="888110"/>
+          </a:xfrm>
+          <a:prstGeom prst="rect">
+            <a:avLst/>
+          </a:prstGeom>
+        </p:spPr>
+      </p:pic>
+      <p:pic>
+        <p:nvPicPr>
+          <p:cNvPr id="7" name="Picture 6"/>
+          <p:cNvPicPr>
+            <a:picLocks noChangeAspect="1"/>
+          </p:cNvPicPr>
+          <p:nvPr/>
+        </p:nvPicPr>
+        <p:blipFill>
+          <a:blip r:embed="rId3"/>
+          <a:stretch>
+            <a:fillRect/>
+          </a:stretch>
+        </p:blipFill>
+        <p:spPr>
+          <a:xfrm flipH="1">
+            <a:off x="1422334" y="5333779"/>
+            <a:ext cx="1087699" cy="776928"/>
+          </a:xfrm>
+          <a:prstGeom prst="rect">
+            <a:avLst/>
+          </a:prstGeom>
+        </p:spPr>
+      </p:pic>
+      <p:pic>
+        <p:nvPicPr>
+          <p:cNvPr id="8" name="Picture 7"/>
+          <p:cNvPicPr>
+            <a:picLocks noChangeAspect="1"/>
+          </p:cNvPicPr>
+          <p:nvPr/>
+        </p:nvPicPr>
+        <p:blipFill>
+          <a:blip r:embed="rId5"/>
+          <a:stretch>
+            <a:fillRect/>
+          </a:stretch>
+        </p:blipFill>
+        <p:spPr>
+          <a:xfrm>
+            <a:off x="2486302" y="5892550"/>
+            <a:ext cx="1379565" cy="848963"/>
+          </a:xfrm>
+          <a:prstGeom prst="rect">
+            <a:avLst/>
+          </a:prstGeom>
+        </p:spPr>
+      </p:pic>
+      <p:pic>
+        <p:nvPicPr>
+          <p:cNvPr id="9" name="Picture 8"/>
+          <p:cNvPicPr>
+            <a:picLocks noChangeAspect="1"/>
+          </p:cNvPicPr>
+          <p:nvPr/>
+        </p:nvPicPr>
+        <p:blipFill>
+          <a:blip r:embed="rId6"/>
+          <a:stretch>
+            <a:fillRect/>
+          </a:stretch>
+        </p:blipFill>
+        <p:spPr>
+          <a:xfrm>
+            <a:off x="7118348" y="5643729"/>
+            <a:ext cx="912994" cy="950344"/>
+          </a:xfrm>
+          <a:prstGeom prst="rect">
+            <a:avLst/>
+          </a:prstGeom>
+        </p:spPr>
+      </p:pic>
+      <p:pic>
+        <p:nvPicPr>
+          <p:cNvPr id="10" name="Picture 9"/>
+          <p:cNvPicPr>
+            <a:picLocks noChangeAspect="1"/>
+          </p:cNvPicPr>
+          <p:nvPr/>
+        </p:nvPicPr>
+        <p:blipFill>
+          <a:blip r:embed="rId7"/>
+          <a:stretch>
+            <a:fillRect/>
+          </a:stretch>
+        </p:blipFill>
+        <p:spPr>
+          <a:xfrm>
+            <a:off x="8063091" y="5326762"/>
+            <a:ext cx="1080909" cy="954275"/>
+          </a:xfrm>
+          <a:prstGeom prst="rect">
+            <a:avLst/>
+          </a:prstGeom>
+        </p:spPr>
+      </p:pic>
+      <p:pic>
+        <p:nvPicPr>
+          <p:cNvPr id="11" name="Picture 10"/>
+          <p:cNvPicPr>
+            <a:picLocks noChangeAspect="1"/>
+          </p:cNvPicPr>
+          <p:nvPr/>
+        </p:nvPicPr>
+        <p:blipFill>
+          <a:blip r:embed="rId8"/>
+          <a:stretch>
+            <a:fillRect/>
+          </a:stretch>
+        </p:blipFill>
+        <p:spPr>
+          <a:xfrm>
+            <a:off x="5707621" y="5803900"/>
+            <a:ext cx="1524000" cy="1054100"/>
+          </a:xfrm>
+          <a:prstGeom prst="rect">
+            <a:avLst/>
+          </a:prstGeom>
+        </p:spPr>
+      </p:pic>
+      <p:pic>
+        <p:nvPicPr>
+          <p:cNvPr id="12" name="Picture 11"/>
+          <p:cNvPicPr>
+            <a:picLocks noChangeAspect="1"/>
+          </p:cNvPicPr>
+          <p:nvPr/>
+        </p:nvPicPr>
+        <p:blipFill>
+          <a:blip r:embed="rId9"/>
+          <a:stretch>
+            <a:fillRect/>
+          </a:stretch>
+        </p:blipFill>
+        <p:spPr>
+          <a:xfrm>
+            <a:off x="50801" y="207010"/>
+            <a:ext cx="4198284" cy="4384875"/>
+          </a:xfrm>
+          <a:prstGeom prst="rect">
+            <a:avLst/>
+          </a:prstGeom>
+        </p:spPr>
+      </p:pic>
+      <p:pic>
+        <p:nvPicPr>
+          <p:cNvPr id="13" name="Picture 12"/>
+          <p:cNvPicPr>
+            <a:picLocks noChangeAspect="1"/>
+          </p:cNvPicPr>
+          <p:nvPr/>
+        </p:nvPicPr>
+        <p:blipFill>
+          <a:blip r:embed="rId10"/>
+          <a:stretch>
+            <a:fillRect/>
+          </a:stretch>
+        </p:blipFill>
+        <p:spPr>
+          <a:xfrm>
+            <a:off x="3992879" y="4758096"/>
+            <a:ext cx="1714741" cy="1045804"/>
+          </a:xfrm>
+          <a:prstGeom prst="rect">
+            <a:avLst/>
+          </a:prstGeom>
+        </p:spPr>
+      </p:pic>
+      <p:pic>
+        <p:nvPicPr>
+          <p:cNvPr id="14" name="Picture 13"/>
+          <p:cNvPicPr>
+            <a:picLocks noChangeAspect="1"/>
+          </p:cNvPicPr>
+          <p:nvPr/>
+        </p:nvPicPr>
+        <p:blipFill>
+          <a:blip r:embed="rId11"/>
+          <a:stretch>
+            <a:fillRect/>
+          </a:stretch>
+        </p:blipFill>
+        <p:spPr>
+          <a:xfrm>
+            <a:off x="3332304" y="4912233"/>
+            <a:ext cx="785218" cy="785218"/>
+          </a:xfrm>
+          <a:prstGeom prst="rect">
+            <a:avLst/>
+          </a:prstGeom>
+        </p:spPr>
+      </p:pic>
+      <p:pic>
+        <p:nvPicPr>
+          <p:cNvPr id="15" name="Picture 14"/>
+          <p:cNvPicPr>
+            <a:picLocks noChangeAspect="1"/>
+          </p:cNvPicPr>
+          <p:nvPr/>
+        </p:nvPicPr>
+        <p:blipFill>
+          <a:blip r:embed="rId12"/>
+          <a:stretch>
+            <a:fillRect/>
+          </a:stretch>
+        </p:blipFill>
+        <p:spPr>
+          <a:xfrm>
+            <a:off x="5994400" y="4706851"/>
+            <a:ext cx="990600" cy="990600"/>
+          </a:xfrm>
+          <a:prstGeom prst="rect">
+            <a:avLst/>
+          </a:prstGeom>
+        </p:spPr>
+      </p:pic>
+      <p:pic>
+        <p:nvPicPr>
+          <p:cNvPr id="16" name="Picture 15"/>
+          <p:cNvPicPr>
+            <a:picLocks noChangeAspect="1"/>
+          </p:cNvPicPr>
+          <p:nvPr/>
+        </p:nvPicPr>
+        <p:blipFill>
+          <a:blip r:embed="rId13"/>
+          <a:stretch>
+            <a:fillRect/>
+          </a:stretch>
+        </p:blipFill>
+        <p:spPr>
+          <a:xfrm>
+            <a:off x="7124941" y="5070716"/>
+            <a:ext cx="213360" cy="271257"/>
+          </a:xfrm>
+          <a:prstGeom prst="rect">
+            <a:avLst/>
+          </a:prstGeom>
+        </p:spPr>
+      </p:pic>
+    </p:spTree>
+    <p:extLst>
+      <p:ext uri="{BB962C8B-B14F-4D97-AF65-F5344CB8AC3E}">
+        <p14:creationId xmlns:p14="http://schemas.microsoft.com/office/powerpoint/2010/main" val="3751660235"/>
       </p:ext>
     </p:extLst>
   </p:cSld>

--- a/GraphicDesign.pptx
+++ b/GraphicDesign.pptx
@@ -292,7 +292,7 @@
           <a:p>
             <a:fld id="{3306185E-68BF-194B-9C7C-28321EFA365C}" type="datetimeFigureOut">
               <a:rPr lang="en-US" smtClean="0"/>
-              <a:t>3/25/13</a:t>
+              <a:t>3/26/13</a:t>
             </a:fld>
             <a:endParaRPr lang="en-US"/>
           </a:p>
@@ -462,7 +462,7 @@
           <a:p>
             <a:fld id="{3306185E-68BF-194B-9C7C-28321EFA365C}" type="datetimeFigureOut">
               <a:rPr lang="en-US" smtClean="0"/>
-              <a:t>3/25/13</a:t>
+              <a:t>3/26/13</a:t>
             </a:fld>
             <a:endParaRPr lang="en-US"/>
           </a:p>
@@ -642,7 +642,7 @@
           <a:p>
             <a:fld id="{3306185E-68BF-194B-9C7C-28321EFA365C}" type="datetimeFigureOut">
               <a:rPr lang="en-US" smtClean="0"/>
-              <a:t>3/25/13</a:t>
+              <a:t>3/26/13</a:t>
             </a:fld>
             <a:endParaRPr lang="en-US"/>
           </a:p>
@@ -812,7 +812,7 @@
           <a:p>
             <a:fld id="{3306185E-68BF-194B-9C7C-28321EFA365C}" type="datetimeFigureOut">
               <a:rPr lang="en-US" smtClean="0"/>
-              <a:t>3/25/13</a:t>
+              <a:t>3/26/13</a:t>
             </a:fld>
             <a:endParaRPr lang="en-US"/>
           </a:p>
@@ -1058,7 +1058,7 @@
           <a:p>
             <a:fld id="{3306185E-68BF-194B-9C7C-28321EFA365C}" type="datetimeFigureOut">
               <a:rPr lang="en-US" smtClean="0"/>
-              <a:t>3/25/13</a:t>
+              <a:t>3/26/13</a:t>
             </a:fld>
             <a:endParaRPr lang="en-US"/>
           </a:p>
@@ -1346,7 +1346,7 @@
           <a:p>
             <a:fld id="{3306185E-68BF-194B-9C7C-28321EFA365C}" type="datetimeFigureOut">
               <a:rPr lang="en-US" smtClean="0"/>
-              <a:t>3/25/13</a:t>
+              <a:t>3/26/13</a:t>
             </a:fld>
             <a:endParaRPr lang="en-US"/>
           </a:p>
@@ -1768,7 +1768,7 @@
           <a:p>
             <a:fld id="{3306185E-68BF-194B-9C7C-28321EFA365C}" type="datetimeFigureOut">
               <a:rPr lang="en-US" smtClean="0"/>
-              <a:t>3/25/13</a:t>
+              <a:t>3/26/13</a:t>
             </a:fld>
             <a:endParaRPr lang="en-US"/>
           </a:p>
@@ -1886,7 +1886,7 @@
           <a:p>
             <a:fld id="{3306185E-68BF-194B-9C7C-28321EFA365C}" type="datetimeFigureOut">
               <a:rPr lang="en-US" smtClean="0"/>
-              <a:t>3/25/13</a:t>
+              <a:t>3/26/13</a:t>
             </a:fld>
             <a:endParaRPr lang="en-US"/>
           </a:p>
@@ -1981,7 +1981,7 @@
           <a:p>
             <a:fld id="{3306185E-68BF-194B-9C7C-28321EFA365C}" type="datetimeFigureOut">
               <a:rPr lang="en-US" smtClean="0"/>
-              <a:t>3/25/13</a:t>
+              <a:t>3/26/13</a:t>
             </a:fld>
             <a:endParaRPr lang="en-US"/>
           </a:p>
@@ -2258,7 +2258,7 @@
           <a:p>
             <a:fld id="{3306185E-68BF-194B-9C7C-28321EFA365C}" type="datetimeFigureOut">
               <a:rPr lang="en-US" smtClean="0"/>
-              <a:t>3/25/13</a:t>
+              <a:t>3/26/13</a:t>
             </a:fld>
             <a:endParaRPr lang="en-US"/>
           </a:p>
@@ -2511,7 +2511,7 @@
           <a:p>
             <a:fld id="{3306185E-68BF-194B-9C7C-28321EFA365C}" type="datetimeFigureOut">
               <a:rPr lang="en-US" smtClean="0"/>
-              <a:t>3/25/13</a:t>
+              <a:t>3/26/13</a:t>
             </a:fld>
             <a:endParaRPr lang="en-US"/>
           </a:p>
@@ -2724,7 +2724,7 @@
           <a:p>
             <a:fld id="{3306185E-68BF-194B-9C7C-28321EFA365C}" type="datetimeFigureOut">
               <a:rPr lang="en-US" smtClean="0"/>
-              <a:t>3/25/13</a:t>
+              <a:t>3/26/13</a:t>
             </a:fld>
             <a:endParaRPr lang="en-US"/>
           </a:p>
@@ -3101,13 +3101,56 @@
       </p:grpSpPr>
       <p:sp>
         <p:nvSpPr>
+          <p:cNvPr id="95" name="Rectangle 94"/>
+          <p:cNvSpPr/>
+          <p:nvPr/>
+        </p:nvSpPr>
+        <p:spPr>
+          <a:xfrm>
+            <a:off x="70039" y="60263"/>
+            <a:ext cx="9025414" cy="921925"/>
+          </a:xfrm>
+          <a:prstGeom prst="rect">
+            <a:avLst/>
+          </a:prstGeom>
+        </p:spPr>
+        <p:style>
+          <a:lnRef idx="1">
+            <a:schemeClr val="dk1"/>
+          </a:lnRef>
+          <a:fillRef idx="2">
+            <a:schemeClr val="dk1"/>
+          </a:fillRef>
+          <a:effectRef idx="1">
+            <a:schemeClr val="dk1"/>
+          </a:effectRef>
+          <a:fontRef idx="minor">
+            <a:schemeClr val="dk1"/>
+          </a:fontRef>
+        </p:style>
+        <p:txBody>
+          <a:bodyPr rot="0" spcFirstLastPara="0" vertOverflow="overflow" horzOverflow="overflow" vert="horz" wrap="square" lIns="91440" tIns="45720" rIns="91440" bIns="45720" numCol="1" spcCol="0" rtlCol="0" fromWordArt="0" anchor="ctr" anchorCtr="0" forceAA="0" compatLnSpc="1">
+            <a:prstTxWarp prst="textNoShape">
+              <a:avLst/>
+            </a:prstTxWarp>
+            <a:noAutofit/>
+          </a:bodyPr>
+          <a:lstStyle/>
+          <a:p>
+            <a:pPr algn="ctr"/>
+            <a:endParaRPr lang="en-US" dirty="0"/>
+          </a:p>
+        </p:txBody>
+      </p:sp>
+      <p:sp>
+        <p:nvSpPr>
           <p:cNvPr id="16" name="Rectangle 15"/>
           <p:cNvSpPr/>
           <p:nvPr/>
         </p:nvSpPr>
         <p:spPr>
           <a:xfrm>
-            <a:off x="57620" y="3821042"/>
+            <a:off x="60026" y="3163352"/>
             <a:ext cx="9004443" cy="693839"/>
           </a:xfrm>
           <a:prstGeom prst="rect">
@@ -3153,7 +3196,7 @@
         </p:blipFill>
         <p:spPr>
           <a:xfrm>
-            <a:off x="4108826" y="3955525"/>
+            <a:off x="4111232" y="3297835"/>
             <a:ext cx="403399" cy="403399"/>
           </a:xfrm>
           <a:prstGeom prst="rect">
@@ -3177,7 +3220,7 @@
         </p:blipFill>
         <p:spPr>
           <a:xfrm>
-            <a:off x="4651162" y="3954163"/>
+            <a:off x="4653568" y="3296473"/>
             <a:ext cx="403399" cy="403399"/>
           </a:xfrm>
           <a:prstGeom prst="rect">
@@ -3201,7 +3244,7 @@
         </p:blipFill>
         <p:spPr>
           <a:xfrm flipH="1">
-            <a:off x="3104110" y="3954163"/>
+            <a:off x="3106516" y="3296473"/>
             <a:ext cx="403399" cy="403399"/>
           </a:xfrm>
           <a:prstGeom prst="rect">
@@ -3225,7 +3268,7 @@
         </p:blipFill>
         <p:spPr>
           <a:xfrm>
-            <a:off x="873755" y="3956110"/>
+            <a:off x="876161" y="3298420"/>
             <a:ext cx="395668" cy="399131"/>
           </a:xfrm>
           <a:prstGeom prst="rect">
@@ -3249,7 +3292,7 @@
         </p:blipFill>
         <p:spPr>
           <a:xfrm>
-            <a:off x="1659141" y="3950765"/>
+            <a:off x="1661547" y="3293075"/>
             <a:ext cx="401576" cy="408159"/>
           </a:xfrm>
           <a:prstGeom prst="rect">
@@ -3265,7 +3308,7 @@
         </p:nvSpPr>
         <p:spPr>
           <a:xfrm>
-            <a:off x="65407" y="1663583"/>
+            <a:off x="67813" y="1005893"/>
             <a:ext cx="9025414" cy="215684"/>
           </a:xfrm>
           <a:prstGeom prst="rect">
@@ -3314,7 +3357,7 @@
         </p:nvGrpSpPr>
         <p:grpSpPr>
           <a:xfrm>
-            <a:off x="36650" y="4531269"/>
+            <a:off x="39056" y="3873579"/>
             <a:ext cx="9025414" cy="850391"/>
             <a:chOff x="0" y="3853591"/>
             <a:chExt cx="9144000" cy="850391"/>
@@ -3396,7 +3439,7 @@
         </p:nvCxnSpPr>
         <p:spPr>
           <a:xfrm>
-            <a:off x="2839879" y="3837430"/>
+            <a:off x="2842285" y="3179740"/>
             <a:ext cx="0" cy="693839"/>
           </a:xfrm>
           <a:prstGeom prst="line">
@@ -3434,7 +3477,7 @@
         </p:nvCxnSpPr>
         <p:spPr>
           <a:xfrm>
-            <a:off x="6897324" y="3797976"/>
+            <a:off x="6899730" y="3140286"/>
             <a:ext cx="0" cy="693839"/>
           </a:xfrm>
           <a:prstGeom prst="line">
@@ -3472,7 +3515,7 @@
         </p:nvSpPr>
         <p:spPr>
           <a:xfrm>
-            <a:off x="2786562" y="3771606"/>
+            <a:off x="2788968" y="3113916"/>
             <a:ext cx="630903" cy="215444"/>
           </a:xfrm>
           <a:prstGeom prst="rect">
@@ -3520,7 +3563,7 @@
         </p:nvSpPr>
         <p:spPr>
           <a:xfrm>
-            <a:off x="6831772" y="3771606"/>
+            <a:off x="6834178" y="3113916"/>
             <a:ext cx="630903" cy="215444"/>
           </a:xfrm>
           <a:prstGeom prst="rect">
@@ -3568,7 +3611,7 @@
         </p:nvCxnSpPr>
         <p:spPr>
           <a:xfrm>
-            <a:off x="7447073" y="4148748"/>
+            <a:off x="7449479" y="3491058"/>
             <a:ext cx="1397053" cy="0"/>
           </a:xfrm>
           <a:prstGeom prst="line">
@@ -3599,7 +3642,7 @@
         </p:nvSpPr>
         <p:spPr>
           <a:xfrm>
-            <a:off x="7866653" y="4082651"/>
+            <a:off x="7869059" y="3424961"/>
             <a:ext cx="137160" cy="137160"/>
           </a:xfrm>
           <a:prstGeom prst="ellipse">
@@ -3637,7 +3680,7 @@
         </p:nvGrpSpPr>
         <p:grpSpPr>
           <a:xfrm>
-            <a:off x="7019396" y="3989834"/>
+            <a:off x="7021802" y="3332144"/>
             <a:ext cx="255648" cy="417248"/>
             <a:chOff x="6595790" y="1009052"/>
             <a:chExt cx="255648" cy="417248"/>
@@ -3773,7 +3816,7 @@
         </p:blipFill>
         <p:spPr>
           <a:xfrm>
-            <a:off x="3609113" y="3947916"/>
+            <a:off x="3611519" y="3290226"/>
             <a:ext cx="403399" cy="403399"/>
           </a:xfrm>
           <a:prstGeom prst="rect">
@@ -3803,7 +3846,7 @@
         </p:blipFill>
         <p:spPr>
           <a:xfrm>
-            <a:off x="8747031" y="1630807"/>
+            <a:off x="8749437" y="973117"/>
             <a:ext cx="285546" cy="285546"/>
           </a:xfrm>
           <a:prstGeom prst="rect">
@@ -3820,13 +3863,13 @@
           <p:nvPr>
             <p:extLst>
               <p:ext uri="{D42A27DB-BD31-4B8C-83A1-F6EECF244321}">
-                <p14:modId xmlns:p14="http://schemas.microsoft.com/office/powerpoint/2010/main" val="2630430049"/>
+                <p14:modId xmlns:p14="http://schemas.microsoft.com/office/powerpoint/2010/main" val="17006326"/>
               </p:ext>
             </p:extLst>
           </p:nvPr>
         </p:nvGraphicFramePr>
         <p:xfrm>
-          <a:off x="65407" y="1898629"/>
+          <a:off x="67813" y="1240939"/>
           <a:ext cx="9003520" cy="472278"/>
         </p:xfrm>
         <a:graphic>
@@ -4641,13 +4684,13 @@
           <p:nvPr>
             <p:extLst>
               <p:ext uri="{D42A27DB-BD31-4B8C-83A1-F6EECF244321}">
-                <p14:modId xmlns:p14="http://schemas.microsoft.com/office/powerpoint/2010/main" val="3773176173"/>
+                <p14:modId xmlns:p14="http://schemas.microsoft.com/office/powerpoint/2010/main" val="2511380658"/>
               </p:ext>
             </p:extLst>
           </p:nvPr>
         </p:nvGraphicFramePr>
         <p:xfrm>
-          <a:off x="65815" y="2387378"/>
+          <a:off x="68221" y="1729688"/>
           <a:ext cx="9003520" cy="472278"/>
         </p:xfrm>
         <a:graphic>
@@ -5504,13 +5547,13 @@
           <p:nvPr>
             <p:extLst>
               <p:ext uri="{D42A27DB-BD31-4B8C-83A1-F6EECF244321}">
-                <p14:modId xmlns:p14="http://schemas.microsoft.com/office/powerpoint/2010/main" val="1934333854"/>
+                <p14:modId xmlns:p14="http://schemas.microsoft.com/office/powerpoint/2010/main" val="79293790"/>
               </p:ext>
             </p:extLst>
           </p:nvPr>
         </p:nvGraphicFramePr>
         <p:xfrm>
-          <a:off x="62902" y="2859656"/>
+          <a:off x="65308" y="2201966"/>
           <a:ext cx="9003520" cy="944556"/>
         </p:xfrm>
         <a:graphic>
@@ -6949,13 +6992,13 @@
           <p:nvPr>
             <p:extLst>
               <p:ext uri="{D42A27DB-BD31-4B8C-83A1-F6EECF244321}">
-                <p14:modId xmlns:p14="http://schemas.microsoft.com/office/powerpoint/2010/main" val="1945434227"/>
+                <p14:modId xmlns:p14="http://schemas.microsoft.com/office/powerpoint/2010/main" val="2457408054"/>
               </p:ext>
             </p:extLst>
           </p:nvPr>
         </p:nvGraphicFramePr>
         <p:xfrm>
-          <a:off x="61232" y="3331934"/>
+          <a:off x="63638" y="2674244"/>
           <a:ext cx="4501760" cy="472278"/>
         </p:xfrm>
         <a:graphic>
@@ -7400,7 +7443,7 @@
         </p:nvSpPr>
         <p:spPr>
           <a:xfrm>
-            <a:off x="114128" y="3771495"/>
+            <a:off x="116534" y="3113805"/>
             <a:ext cx="630903" cy="215444"/>
           </a:xfrm>
           <a:prstGeom prst="rect">
@@ -7448,7 +7491,7 @@
         </p:nvSpPr>
         <p:spPr>
           <a:xfrm rot="5400000">
-            <a:off x="-91194" y="2074829"/>
+            <a:off x="-88788" y="1417139"/>
             <a:ext cx="436381" cy="100584"/>
           </a:xfrm>
           <a:prstGeom prst="triangle">
@@ -7488,7 +7531,7 @@
         </p:nvSpPr>
         <p:spPr>
           <a:xfrm rot="16200000" flipH="1">
-            <a:off x="2936212" y="2074829"/>
+            <a:off x="2938618" y="1417139"/>
             <a:ext cx="436381" cy="100584"/>
           </a:xfrm>
           <a:prstGeom prst="triangle">
@@ -7526,7 +7569,7 @@
         </p:nvSpPr>
         <p:spPr>
           <a:xfrm>
-            <a:off x="2796586" y="1664838"/>
+            <a:off x="2798992" y="1007148"/>
             <a:ext cx="942807" cy="215444"/>
           </a:xfrm>
           <a:prstGeom prst="rect">
@@ -7568,7 +7611,7 @@
         </p:nvSpPr>
         <p:spPr>
           <a:xfrm>
-            <a:off x="48477" y="1663823"/>
+            <a:off x="50883" y="1006133"/>
             <a:ext cx="1049458" cy="215444"/>
           </a:xfrm>
           <a:prstGeom prst="rect">
@@ -7610,7 +7653,7 @@
         </p:nvCxnSpPr>
         <p:spPr>
           <a:xfrm>
-            <a:off x="1950063" y="1896670"/>
+            <a:off x="1952469" y="1238980"/>
             <a:ext cx="0" cy="474237"/>
           </a:xfrm>
           <a:prstGeom prst="line">
@@ -7647,7 +7690,7 @@
         </p:nvCxnSpPr>
         <p:spPr>
           <a:xfrm>
-            <a:off x="5173401" y="3794275"/>
+            <a:off x="5175807" y="3136585"/>
             <a:ext cx="0" cy="693839"/>
           </a:xfrm>
           <a:prstGeom prst="line">
@@ -7685,7 +7728,7 @@
         </p:nvSpPr>
         <p:spPr>
           <a:xfrm>
-            <a:off x="7348790" y="4217719"/>
+            <a:off x="7351196" y="3560029"/>
             <a:ext cx="595683" cy="215444"/>
           </a:xfrm>
           <a:prstGeom prst="rect">
@@ -7727,7 +7770,7 @@
         </p:nvSpPr>
         <p:spPr>
           <a:xfrm>
-            <a:off x="8510640" y="4225869"/>
+            <a:off x="8513046" y="3568179"/>
             <a:ext cx="595683" cy="215444"/>
           </a:xfrm>
           <a:prstGeom prst="rect">
@@ -7758,6 +7801,782 @@
               <a:latin typeface="Arial"/>
               <a:cs typeface="Arial"/>
             </a:endParaRPr>
+          </a:p>
+        </p:txBody>
+      </p:sp>
+      <p:pic>
+        <p:nvPicPr>
+          <p:cNvPr id="4" name="Picture 3"/>
+          <p:cNvPicPr>
+            <a:picLocks noChangeAspect="1"/>
+          </p:cNvPicPr>
+          <p:nvPr/>
+        </p:nvPicPr>
+        <p:blipFill>
+          <a:blip r:embed="rId9"/>
+          <a:stretch>
+            <a:fillRect/>
+          </a:stretch>
+        </p:blipFill>
+        <p:spPr>
+          <a:xfrm>
+            <a:off x="2472845" y="3172144"/>
+            <a:ext cx="245003" cy="245003"/>
+          </a:xfrm>
+          <a:prstGeom prst="rect">
+            <a:avLst/>
+          </a:prstGeom>
+        </p:spPr>
+      </p:pic>
+      <p:grpSp>
+        <p:nvGrpSpPr>
+          <p:cNvPr id="20" name="Group 19"/>
+          <p:cNvGrpSpPr/>
+          <p:nvPr/>
+        </p:nvGrpSpPr>
+        <p:grpSpPr>
+          <a:xfrm>
+            <a:off x="5011612" y="1243210"/>
+            <a:ext cx="470327" cy="468336"/>
+            <a:chOff x="5443339" y="832142"/>
+            <a:chExt cx="470327" cy="468336"/>
+          </a:xfrm>
+        </p:grpSpPr>
+        <p:cxnSp>
+          <p:nvCxnSpPr>
+            <p:cNvPr id="17" name="Straight Connector 16"/>
+            <p:cNvCxnSpPr/>
+            <p:nvPr/>
+          </p:nvCxnSpPr>
+          <p:spPr>
+            <a:xfrm>
+              <a:off x="5913666" y="832142"/>
+              <a:ext cx="0" cy="463977"/>
+            </a:xfrm>
+            <a:prstGeom prst="line">
+              <a:avLst/>
+            </a:prstGeom>
+            <a:ln w="12700" cmpd="sng"/>
+          </p:spPr>
+          <p:style>
+            <a:lnRef idx="2">
+              <a:schemeClr val="accent1"/>
+            </a:lnRef>
+            <a:fillRef idx="0">
+              <a:schemeClr val="accent1"/>
+            </a:fillRef>
+            <a:effectRef idx="1">
+              <a:schemeClr val="accent1"/>
+            </a:effectRef>
+            <a:fontRef idx="minor">
+              <a:schemeClr val="tx1"/>
+            </a:fontRef>
+          </p:style>
+        </p:cxnSp>
+        <p:cxnSp>
+          <p:nvCxnSpPr>
+            <p:cNvPr id="53" name="Straight Connector 52"/>
+            <p:cNvCxnSpPr/>
+            <p:nvPr/>
+          </p:nvCxnSpPr>
+          <p:spPr>
+            <a:xfrm rot="16200000">
+              <a:off x="5675328" y="610313"/>
+              <a:ext cx="0" cy="463977"/>
+            </a:xfrm>
+            <a:prstGeom prst="line">
+              <a:avLst/>
+            </a:prstGeom>
+            <a:ln w="12700" cmpd="sng"/>
+          </p:spPr>
+          <p:style>
+            <a:lnRef idx="2">
+              <a:schemeClr val="accent1"/>
+            </a:lnRef>
+            <a:fillRef idx="0">
+              <a:schemeClr val="accent1"/>
+            </a:fillRef>
+            <a:effectRef idx="1">
+              <a:schemeClr val="accent1"/>
+            </a:effectRef>
+            <a:fontRef idx="minor">
+              <a:schemeClr val="tx1"/>
+            </a:fontRef>
+          </p:style>
+        </p:cxnSp>
+        <p:cxnSp>
+          <p:nvCxnSpPr>
+            <p:cNvPr id="54" name="Straight Connector 53"/>
+            <p:cNvCxnSpPr/>
+            <p:nvPr/>
+          </p:nvCxnSpPr>
+          <p:spPr>
+            <a:xfrm rot="16200000">
+              <a:off x="5675328" y="1057780"/>
+              <a:ext cx="0" cy="463977"/>
+            </a:xfrm>
+            <a:prstGeom prst="line">
+              <a:avLst/>
+            </a:prstGeom>
+            <a:ln w="12700" cmpd="sng"/>
+          </p:spPr>
+          <p:style>
+            <a:lnRef idx="2">
+              <a:schemeClr val="accent1"/>
+            </a:lnRef>
+            <a:fillRef idx="0">
+              <a:schemeClr val="accent1"/>
+            </a:fillRef>
+            <a:effectRef idx="1">
+              <a:schemeClr val="accent1"/>
+            </a:effectRef>
+            <a:fontRef idx="minor">
+              <a:schemeClr val="tx1"/>
+            </a:fontRef>
+          </p:style>
+        </p:cxnSp>
+        <p:cxnSp>
+          <p:nvCxnSpPr>
+            <p:cNvPr id="55" name="Straight Connector 54"/>
+            <p:cNvCxnSpPr/>
+            <p:nvPr/>
+          </p:nvCxnSpPr>
+          <p:spPr>
+            <a:xfrm rot="16200000">
+              <a:off x="5675328" y="728241"/>
+              <a:ext cx="0" cy="463977"/>
+            </a:xfrm>
+            <a:prstGeom prst="line">
+              <a:avLst/>
+            </a:prstGeom>
+            <a:ln w="12700" cmpd="sng"/>
+          </p:spPr>
+          <p:style>
+            <a:lnRef idx="2">
+              <a:schemeClr val="accent1"/>
+            </a:lnRef>
+            <a:fillRef idx="0">
+              <a:schemeClr val="accent1"/>
+            </a:fillRef>
+            <a:effectRef idx="1">
+              <a:schemeClr val="accent1"/>
+            </a:effectRef>
+            <a:fontRef idx="minor">
+              <a:schemeClr val="tx1"/>
+            </a:fontRef>
+          </p:style>
+        </p:cxnSp>
+        <p:cxnSp>
+          <p:nvCxnSpPr>
+            <p:cNvPr id="60" name="Straight Connector 59"/>
+            <p:cNvCxnSpPr/>
+            <p:nvPr/>
+          </p:nvCxnSpPr>
+          <p:spPr>
+            <a:xfrm rot="16200000">
+              <a:off x="5675328" y="842542"/>
+              <a:ext cx="0" cy="463977"/>
+            </a:xfrm>
+            <a:prstGeom prst="line">
+              <a:avLst/>
+            </a:prstGeom>
+            <a:ln w="12700" cmpd="sng"/>
+          </p:spPr>
+          <p:style>
+            <a:lnRef idx="2">
+              <a:schemeClr val="accent1"/>
+            </a:lnRef>
+            <a:fillRef idx="0">
+              <a:schemeClr val="accent1"/>
+            </a:fillRef>
+            <a:effectRef idx="1">
+              <a:schemeClr val="accent1"/>
+            </a:effectRef>
+            <a:fontRef idx="minor">
+              <a:schemeClr val="tx1"/>
+            </a:fontRef>
+          </p:style>
+        </p:cxnSp>
+        <p:cxnSp>
+          <p:nvCxnSpPr>
+            <p:cNvPr id="61" name="Straight Connector 60"/>
+            <p:cNvCxnSpPr/>
+            <p:nvPr/>
+          </p:nvCxnSpPr>
+          <p:spPr>
+            <a:xfrm rot="16200000">
+              <a:off x="5675328" y="950492"/>
+              <a:ext cx="0" cy="463977"/>
+            </a:xfrm>
+            <a:prstGeom prst="line">
+              <a:avLst/>
+            </a:prstGeom>
+            <a:ln w="12700" cmpd="sng"/>
+          </p:spPr>
+          <p:style>
+            <a:lnRef idx="2">
+              <a:schemeClr val="accent1"/>
+            </a:lnRef>
+            <a:fillRef idx="0">
+              <a:schemeClr val="accent1"/>
+            </a:fillRef>
+            <a:effectRef idx="1">
+              <a:schemeClr val="accent1"/>
+            </a:effectRef>
+            <a:fontRef idx="minor">
+              <a:schemeClr val="tx1"/>
+            </a:fontRef>
+          </p:style>
+        </p:cxnSp>
+        <p:cxnSp>
+          <p:nvCxnSpPr>
+            <p:cNvPr id="65" name="Straight Connector 64"/>
+            <p:cNvCxnSpPr/>
+            <p:nvPr/>
+          </p:nvCxnSpPr>
+          <p:spPr>
+            <a:xfrm>
+              <a:off x="5443339" y="836501"/>
+              <a:ext cx="0" cy="463977"/>
+            </a:xfrm>
+            <a:prstGeom prst="line">
+              <a:avLst/>
+            </a:prstGeom>
+            <a:ln w="12700" cmpd="sng"/>
+          </p:spPr>
+          <p:style>
+            <a:lnRef idx="2">
+              <a:schemeClr val="accent1"/>
+            </a:lnRef>
+            <a:fillRef idx="0">
+              <a:schemeClr val="accent1"/>
+            </a:fillRef>
+            <a:effectRef idx="1">
+              <a:schemeClr val="accent1"/>
+            </a:effectRef>
+            <a:fontRef idx="minor">
+              <a:schemeClr val="tx1"/>
+            </a:fontRef>
+          </p:style>
+        </p:cxnSp>
+      </p:grpSp>
+      <p:grpSp>
+        <p:nvGrpSpPr>
+          <p:cNvPr id="82" name="Group 81"/>
+          <p:cNvGrpSpPr/>
+          <p:nvPr/>
+        </p:nvGrpSpPr>
+        <p:grpSpPr>
+          <a:xfrm>
+            <a:off x="5463797" y="1251430"/>
+            <a:ext cx="470327" cy="468336"/>
+            <a:chOff x="5443339" y="832142"/>
+            <a:chExt cx="470327" cy="468336"/>
+          </a:xfrm>
+        </p:grpSpPr>
+        <p:cxnSp>
+          <p:nvCxnSpPr>
+            <p:cNvPr id="83" name="Straight Connector 82"/>
+            <p:cNvCxnSpPr/>
+            <p:nvPr/>
+          </p:nvCxnSpPr>
+          <p:spPr>
+            <a:xfrm>
+              <a:off x="5913666" y="832142"/>
+              <a:ext cx="0" cy="463977"/>
+            </a:xfrm>
+            <a:prstGeom prst="line">
+              <a:avLst/>
+            </a:prstGeom>
+            <a:ln w="12700" cmpd="sng"/>
+          </p:spPr>
+          <p:style>
+            <a:lnRef idx="2">
+              <a:schemeClr val="accent1"/>
+            </a:lnRef>
+            <a:fillRef idx="0">
+              <a:schemeClr val="accent1"/>
+            </a:fillRef>
+            <a:effectRef idx="1">
+              <a:schemeClr val="accent1"/>
+            </a:effectRef>
+            <a:fontRef idx="minor">
+              <a:schemeClr val="tx1"/>
+            </a:fontRef>
+          </p:style>
+        </p:cxnSp>
+        <p:cxnSp>
+          <p:nvCxnSpPr>
+            <p:cNvPr id="84" name="Straight Connector 83"/>
+            <p:cNvCxnSpPr/>
+            <p:nvPr/>
+          </p:nvCxnSpPr>
+          <p:spPr>
+            <a:xfrm rot="16200000">
+              <a:off x="5675328" y="610313"/>
+              <a:ext cx="0" cy="463977"/>
+            </a:xfrm>
+            <a:prstGeom prst="line">
+              <a:avLst/>
+            </a:prstGeom>
+            <a:ln w="12700" cmpd="sng"/>
+          </p:spPr>
+          <p:style>
+            <a:lnRef idx="2">
+              <a:schemeClr val="accent1"/>
+            </a:lnRef>
+            <a:fillRef idx="0">
+              <a:schemeClr val="accent1"/>
+            </a:fillRef>
+            <a:effectRef idx="1">
+              <a:schemeClr val="accent1"/>
+            </a:effectRef>
+            <a:fontRef idx="minor">
+              <a:schemeClr val="tx1"/>
+            </a:fontRef>
+          </p:style>
+        </p:cxnSp>
+        <p:cxnSp>
+          <p:nvCxnSpPr>
+            <p:cNvPr id="85" name="Straight Connector 84"/>
+            <p:cNvCxnSpPr/>
+            <p:nvPr/>
+          </p:nvCxnSpPr>
+          <p:spPr>
+            <a:xfrm rot="16200000">
+              <a:off x="5675328" y="1057780"/>
+              <a:ext cx="0" cy="463977"/>
+            </a:xfrm>
+            <a:prstGeom prst="line">
+              <a:avLst/>
+            </a:prstGeom>
+            <a:ln w="12700" cmpd="sng"/>
+          </p:spPr>
+          <p:style>
+            <a:lnRef idx="2">
+              <a:schemeClr val="accent1"/>
+            </a:lnRef>
+            <a:fillRef idx="0">
+              <a:schemeClr val="accent1"/>
+            </a:fillRef>
+            <a:effectRef idx="1">
+              <a:schemeClr val="accent1"/>
+            </a:effectRef>
+            <a:fontRef idx="minor">
+              <a:schemeClr val="tx1"/>
+            </a:fontRef>
+          </p:style>
+        </p:cxnSp>
+        <p:cxnSp>
+          <p:nvCxnSpPr>
+            <p:cNvPr id="86" name="Straight Connector 85"/>
+            <p:cNvCxnSpPr/>
+            <p:nvPr/>
+          </p:nvCxnSpPr>
+          <p:spPr>
+            <a:xfrm rot="16200000">
+              <a:off x="5675328" y="728241"/>
+              <a:ext cx="0" cy="463977"/>
+            </a:xfrm>
+            <a:prstGeom prst="line">
+              <a:avLst/>
+            </a:prstGeom>
+            <a:ln w="12700" cmpd="sng"/>
+          </p:spPr>
+          <p:style>
+            <a:lnRef idx="2">
+              <a:schemeClr val="accent1"/>
+            </a:lnRef>
+            <a:fillRef idx="0">
+              <a:schemeClr val="accent1"/>
+            </a:fillRef>
+            <a:effectRef idx="1">
+              <a:schemeClr val="accent1"/>
+            </a:effectRef>
+            <a:fontRef idx="minor">
+              <a:schemeClr val="tx1"/>
+            </a:fontRef>
+          </p:style>
+        </p:cxnSp>
+        <p:cxnSp>
+          <p:nvCxnSpPr>
+            <p:cNvPr id="87" name="Straight Connector 86"/>
+            <p:cNvCxnSpPr/>
+            <p:nvPr/>
+          </p:nvCxnSpPr>
+          <p:spPr>
+            <a:xfrm rot="16200000">
+              <a:off x="5675328" y="842542"/>
+              <a:ext cx="0" cy="463977"/>
+            </a:xfrm>
+            <a:prstGeom prst="line">
+              <a:avLst/>
+            </a:prstGeom>
+            <a:ln w="12700" cmpd="sng"/>
+          </p:spPr>
+          <p:style>
+            <a:lnRef idx="2">
+              <a:schemeClr val="accent1"/>
+            </a:lnRef>
+            <a:fillRef idx="0">
+              <a:schemeClr val="accent1"/>
+            </a:fillRef>
+            <a:effectRef idx="1">
+              <a:schemeClr val="accent1"/>
+            </a:effectRef>
+            <a:fontRef idx="minor">
+              <a:schemeClr val="tx1"/>
+            </a:fontRef>
+          </p:style>
+        </p:cxnSp>
+        <p:cxnSp>
+          <p:nvCxnSpPr>
+            <p:cNvPr id="88" name="Straight Connector 87"/>
+            <p:cNvCxnSpPr/>
+            <p:nvPr/>
+          </p:nvCxnSpPr>
+          <p:spPr>
+            <a:xfrm rot="16200000">
+              <a:off x="5675328" y="950492"/>
+              <a:ext cx="0" cy="463977"/>
+            </a:xfrm>
+            <a:prstGeom prst="line">
+              <a:avLst/>
+            </a:prstGeom>
+            <a:ln w="12700" cmpd="sng"/>
+          </p:spPr>
+          <p:style>
+            <a:lnRef idx="2">
+              <a:schemeClr val="accent1"/>
+            </a:lnRef>
+            <a:fillRef idx="0">
+              <a:schemeClr val="accent1"/>
+            </a:fillRef>
+            <a:effectRef idx="1">
+              <a:schemeClr val="accent1"/>
+            </a:effectRef>
+            <a:fontRef idx="minor">
+              <a:schemeClr val="tx1"/>
+            </a:fontRef>
+          </p:style>
+        </p:cxnSp>
+        <p:cxnSp>
+          <p:nvCxnSpPr>
+            <p:cNvPr id="89" name="Straight Connector 88"/>
+            <p:cNvCxnSpPr/>
+            <p:nvPr/>
+          </p:nvCxnSpPr>
+          <p:spPr>
+            <a:xfrm>
+              <a:off x="5443339" y="836501"/>
+              <a:ext cx="0" cy="463977"/>
+            </a:xfrm>
+            <a:prstGeom prst="line">
+              <a:avLst/>
+            </a:prstGeom>
+            <a:ln w="12700" cmpd="sng"/>
+          </p:spPr>
+          <p:style>
+            <a:lnRef idx="2">
+              <a:schemeClr val="accent1"/>
+            </a:lnRef>
+            <a:fillRef idx="0">
+              <a:schemeClr val="accent1"/>
+            </a:fillRef>
+            <a:effectRef idx="1">
+              <a:schemeClr val="accent1"/>
+            </a:effectRef>
+            <a:fontRef idx="minor">
+              <a:schemeClr val="tx1"/>
+            </a:fontRef>
+          </p:style>
+        </p:cxnSp>
+      </p:grpSp>
+      <p:cxnSp>
+        <p:nvCxnSpPr>
+          <p:cNvPr id="25" name="Straight Connector 24"/>
+          <p:cNvCxnSpPr/>
+          <p:nvPr/>
+        </p:nvCxnSpPr>
+        <p:spPr>
+          <a:xfrm>
+            <a:off x="6369553" y="1231663"/>
+            <a:ext cx="0" cy="1891213"/>
+          </a:xfrm>
+          <a:prstGeom prst="line">
+            <a:avLst/>
+          </a:prstGeom>
+          <a:ln>
+            <a:solidFill>
+              <a:schemeClr val="accent6">
+                <a:lumMod val="60000"/>
+                <a:lumOff val="40000"/>
+              </a:schemeClr>
+            </a:solidFill>
+          </a:ln>
+        </p:spPr>
+        <p:style>
+          <a:lnRef idx="2">
+            <a:schemeClr val="accent1"/>
+          </a:lnRef>
+          <a:fillRef idx="0">
+            <a:schemeClr val="accent1"/>
+          </a:fillRef>
+          <a:effectRef idx="1">
+            <a:schemeClr val="accent1"/>
+          </a:effectRef>
+          <a:fontRef idx="minor">
+            <a:schemeClr val="tx1"/>
+          </a:fontRef>
+        </p:style>
+      </p:cxnSp>
+      <p:cxnSp>
+        <p:nvCxnSpPr>
+          <p:cNvPr id="90" name="Straight Connector 89"/>
+          <p:cNvCxnSpPr/>
+          <p:nvPr/>
+        </p:nvCxnSpPr>
+        <p:spPr>
+          <a:xfrm>
+            <a:off x="6822296" y="1230648"/>
+            <a:ext cx="0" cy="1891213"/>
+          </a:xfrm>
+          <a:prstGeom prst="line">
+            <a:avLst/>
+          </a:prstGeom>
+          <a:ln>
+            <a:solidFill>
+              <a:schemeClr val="accent6">
+                <a:lumMod val="60000"/>
+                <a:lumOff val="40000"/>
+              </a:schemeClr>
+            </a:solidFill>
+          </a:ln>
+        </p:spPr>
+        <p:style>
+          <a:lnRef idx="2">
+            <a:schemeClr val="accent1"/>
+          </a:lnRef>
+          <a:fillRef idx="0">
+            <a:schemeClr val="accent1"/>
+          </a:fillRef>
+          <a:effectRef idx="1">
+            <a:schemeClr val="accent1"/>
+          </a:effectRef>
+          <a:fontRef idx="minor">
+            <a:schemeClr val="tx1"/>
+          </a:fontRef>
+        </p:style>
+      </p:cxnSp>
+      <p:cxnSp>
+        <p:nvCxnSpPr>
+          <p:cNvPr id="91" name="Straight Connector 90"/>
+          <p:cNvCxnSpPr/>
+          <p:nvPr/>
+        </p:nvCxnSpPr>
+        <p:spPr>
+          <a:xfrm>
+            <a:off x="7277450" y="1231663"/>
+            <a:ext cx="0" cy="1891213"/>
+          </a:xfrm>
+          <a:prstGeom prst="line">
+            <a:avLst/>
+          </a:prstGeom>
+          <a:ln>
+            <a:solidFill>
+              <a:schemeClr val="accent6">
+                <a:lumMod val="60000"/>
+                <a:lumOff val="40000"/>
+              </a:schemeClr>
+            </a:solidFill>
+          </a:ln>
+        </p:spPr>
+        <p:style>
+          <a:lnRef idx="2">
+            <a:schemeClr val="accent1"/>
+          </a:lnRef>
+          <a:fillRef idx="0">
+            <a:schemeClr val="accent1"/>
+          </a:fillRef>
+          <a:effectRef idx="1">
+            <a:schemeClr val="accent1"/>
+          </a:effectRef>
+          <a:fontRef idx="minor">
+            <a:schemeClr val="tx1"/>
+          </a:fontRef>
+        </p:style>
+      </p:cxnSp>
+      <p:cxnSp>
+        <p:nvCxnSpPr>
+          <p:cNvPr id="92" name="Straight Connector 91"/>
+          <p:cNvCxnSpPr/>
+          <p:nvPr/>
+        </p:nvCxnSpPr>
+        <p:spPr>
+          <a:xfrm>
+            <a:off x="7719381" y="1229804"/>
+            <a:ext cx="0" cy="1891213"/>
+          </a:xfrm>
+          <a:prstGeom prst="line">
+            <a:avLst/>
+          </a:prstGeom>
+          <a:ln>
+            <a:solidFill>
+              <a:schemeClr val="accent6">
+                <a:lumMod val="60000"/>
+                <a:lumOff val="40000"/>
+              </a:schemeClr>
+            </a:solidFill>
+          </a:ln>
+        </p:spPr>
+        <p:style>
+          <a:lnRef idx="2">
+            <a:schemeClr val="accent1"/>
+          </a:lnRef>
+          <a:fillRef idx="0">
+            <a:schemeClr val="accent1"/>
+          </a:fillRef>
+          <a:effectRef idx="1">
+            <a:schemeClr val="accent1"/>
+          </a:effectRef>
+          <a:fontRef idx="minor">
+            <a:schemeClr val="tx1"/>
+          </a:fontRef>
+        </p:style>
+      </p:cxnSp>
+      <p:cxnSp>
+        <p:nvCxnSpPr>
+          <p:cNvPr id="93" name="Straight Connector 92"/>
+          <p:cNvCxnSpPr/>
+          <p:nvPr/>
+        </p:nvCxnSpPr>
+        <p:spPr>
+          <a:xfrm>
+            <a:off x="8172124" y="1228789"/>
+            <a:ext cx="0" cy="1891213"/>
+          </a:xfrm>
+          <a:prstGeom prst="line">
+            <a:avLst/>
+          </a:prstGeom>
+          <a:ln>
+            <a:solidFill>
+              <a:schemeClr val="accent6">
+                <a:lumMod val="60000"/>
+                <a:lumOff val="40000"/>
+              </a:schemeClr>
+            </a:solidFill>
+          </a:ln>
+        </p:spPr>
+        <p:style>
+          <a:lnRef idx="2">
+            <a:schemeClr val="accent1"/>
+          </a:lnRef>
+          <a:fillRef idx="0">
+            <a:schemeClr val="accent1"/>
+          </a:fillRef>
+          <a:effectRef idx="1">
+            <a:schemeClr val="accent1"/>
+          </a:effectRef>
+          <a:fontRef idx="minor">
+            <a:schemeClr val="tx1"/>
+          </a:fontRef>
+        </p:style>
+      </p:cxnSp>
+      <p:cxnSp>
+        <p:nvCxnSpPr>
+          <p:cNvPr id="94" name="Straight Connector 93"/>
+          <p:cNvCxnSpPr/>
+          <p:nvPr/>
+        </p:nvCxnSpPr>
+        <p:spPr>
+          <a:xfrm>
+            <a:off x="8627278" y="1229804"/>
+            <a:ext cx="0" cy="1891213"/>
+          </a:xfrm>
+          <a:prstGeom prst="line">
+            <a:avLst/>
+          </a:prstGeom>
+          <a:ln>
+            <a:solidFill>
+              <a:schemeClr val="accent6">
+                <a:lumMod val="60000"/>
+                <a:lumOff val="40000"/>
+              </a:schemeClr>
+            </a:solidFill>
+          </a:ln>
+        </p:spPr>
+        <p:style>
+          <a:lnRef idx="2">
+            <a:schemeClr val="accent1"/>
+          </a:lnRef>
+          <a:fillRef idx="0">
+            <a:schemeClr val="accent1"/>
+          </a:fillRef>
+          <a:effectRef idx="1">
+            <a:schemeClr val="accent1"/>
+          </a:effectRef>
+          <a:fontRef idx="minor">
+            <a:schemeClr val="tx1"/>
+          </a:fontRef>
+        </p:style>
+      </p:cxnSp>
+      <p:sp>
+        <p:nvSpPr>
+          <p:cNvPr id="27" name="TextBox 26"/>
+          <p:cNvSpPr txBox="1"/>
+          <p:nvPr/>
+        </p:nvSpPr>
+        <p:spPr>
+          <a:xfrm>
+            <a:off x="3207101" y="416645"/>
+            <a:ext cx="1859666" cy="369332"/>
+          </a:xfrm>
+          <a:prstGeom prst="rect">
+            <a:avLst/>
+          </a:prstGeom>
+          <a:noFill/>
+        </p:spPr>
+        <p:txBody>
+          <a:bodyPr wrap="none" rtlCol="0">
+            <a:spAutoFit/>
+          </a:bodyPr>
+          <a:lstStyle/>
+          <a:p>
+            <a:r>
+              <a:rPr lang="en-US" dirty="0" smtClean="0"/>
+              <a:t>Moonlight Sonata</a:t>
+            </a:r>
+            <a:endParaRPr lang="en-US" dirty="0"/>
+          </a:p>
+        </p:txBody>
+      </p:sp>
+      <p:sp>
+        <p:nvSpPr>
+          <p:cNvPr id="28" name="TextBox 27"/>
+          <p:cNvSpPr txBox="1"/>
+          <p:nvPr/>
+        </p:nvSpPr>
+        <p:spPr>
+          <a:xfrm>
+            <a:off x="3438013" y="60263"/>
+            <a:ext cx="1384701" cy="369332"/>
+          </a:xfrm>
+          <a:prstGeom prst="rect">
+            <a:avLst/>
+          </a:prstGeom>
+          <a:noFill/>
+        </p:spPr>
+        <p:txBody>
+          <a:bodyPr wrap="none" rtlCol="0">
+            <a:spAutoFit/>
+          </a:bodyPr>
+          <a:lstStyle/>
+          <a:p>
+            <a:r>
+              <a:rPr lang="en-US" dirty="0" smtClean="0"/>
+              <a:t>J. Beethoven</a:t>
+            </a:r>
+            <a:endParaRPr lang="en-US" dirty="0"/>
           </a:p>
         </p:txBody>
       </p:sp>

--- a/GraphicDesign.pptx
+++ b/GraphicDesign.pptx
@@ -292,7 +292,7 @@
           <a:p>
             <a:fld id="{3306185E-68BF-194B-9C7C-28321EFA365C}" type="datetimeFigureOut">
               <a:rPr lang="en-US" smtClean="0"/>
-              <a:t>3/26/13</a:t>
+              <a:t>3/27/13</a:t>
             </a:fld>
             <a:endParaRPr lang="en-US"/>
           </a:p>
@@ -462,7 +462,7 @@
           <a:p>
             <a:fld id="{3306185E-68BF-194B-9C7C-28321EFA365C}" type="datetimeFigureOut">
               <a:rPr lang="en-US" smtClean="0"/>
-              <a:t>3/26/13</a:t>
+              <a:t>3/27/13</a:t>
             </a:fld>
             <a:endParaRPr lang="en-US"/>
           </a:p>
@@ -642,7 +642,7 @@
           <a:p>
             <a:fld id="{3306185E-68BF-194B-9C7C-28321EFA365C}" type="datetimeFigureOut">
               <a:rPr lang="en-US" smtClean="0"/>
-              <a:t>3/26/13</a:t>
+              <a:t>3/27/13</a:t>
             </a:fld>
             <a:endParaRPr lang="en-US"/>
           </a:p>
@@ -812,7 +812,7 @@
           <a:p>
             <a:fld id="{3306185E-68BF-194B-9C7C-28321EFA365C}" type="datetimeFigureOut">
               <a:rPr lang="en-US" smtClean="0"/>
-              <a:t>3/26/13</a:t>
+              <a:t>3/27/13</a:t>
             </a:fld>
             <a:endParaRPr lang="en-US"/>
           </a:p>
@@ -1058,7 +1058,7 @@
           <a:p>
             <a:fld id="{3306185E-68BF-194B-9C7C-28321EFA365C}" type="datetimeFigureOut">
               <a:rPr lang="en-US" smtClean="0"/>
-              <a:t>3/26/13</a:t>
+              <a:t>3/27/13</a:t>
             </a:fld>
             <a:endParaRPr lang="en-US"/>
           </a:p>
@@ -1346,7 +1346,7 @@
           <a:p>
             <a:fld id="{3306185E-68BF-194B-9C7C-28321EFA365C}" type="datetimeFigureOut">
               <a:rPr lang="en-US" smtClean="0"/>
-              <a:t>3/26/13</a:t>
+              <a:t>3/27/13</a:t>
             </a:fld>
             <a:endParaRPr lang="en-US"/>
           </a:p>
@@ -1768,7 +1768,7 @@
           <a:p>
             <a:fld id="{3306185E-68BF-194B-9C7C-28321EFA365C}" type="datetimeFigureOut">
               <a:rPr lang="en-US" smtClean="0"/>
-              <a:t>3/26/13</a:t>
+              <a:t>3/27/13</a:t>
             </a:fld>
             <a:endParaRPr lang="en-US"/>
           </a:p>
@@ -1886,7 +1886,7 @@
           <a:p>
             <a:fld id="{3306185E-68BF-194B-9C7C-28321EFA365C}" type="datetimeFigureOut">
               <a:rPr lang="en-US" smtClean="0"/>
-              <a:t>3/26/13</a:t>
+              <a:t>3/27/13</a:t>
             </a:fld>
             <a:endParaRPr lang="en-US"/>
           </a:p>
@@ -1981,7 +1981,7 @@
           <a:p>
             <a:fld id="{3306185E-68BF-194B-9C7C-28321EFA365C}" type="datetimeFigureOut">
               <a:rPr lang="en-US" smtClean="0"/>
-              <a:t>3/26/13</a:t>
+              <a:t>3/27/13</a:t>
             </a:fld>
             <a:endParaRPr lang="en-US"/>
           </a:p>
@@ -2258,7 +2258,7 @@
           <a:p>
             <a:fld id="{3306185E-68BF-194B-9C7C-28321EFA365C}" type="datetimeFigureOut">
               <a:rPr lang="en-US" smtClean="0"/>
-              <a:t>3/26/13</a:t>
+              <a:t>3/27/13</a:t>
             </a:fld>
             <a:endParaRPr lang="en-US"/>
           </a:p>
@@ -2511,7 +2511,7 @@
           <a:p>
             <a:fld id="{3306185E-68BF-194B-9C7C-28321EFA365C}" type="datetimeFigureOut">
               <a:rPr lang="en-US" smtClean="0"/>
-              <a:t>3/26/13</a:t>
+              <a:t>3/27/13</a:t>
             </a:fld>
             <a:endParaRPr lang="en-US"/>
           </a:p>
@@ -2724,7 +2724,7 @@
           <a:p>
             <a:fld id="{3306185E-68BF-194B-9C7C-28321EFA365C}" type="datetimeFigureOut">
               <a:rPr lang="en-US" smtClean="0"/>
-              <a:t>3/26/13</a:t>
+              <a:t>3/27/13</a:t>
             </a:fld>
             <a:endParaRPr lang="en-US"/>
           </a:p>
@@ -7491,8 +7491,8 @@
         </p:nvSpPr>
         <p:spPr>
           <a:xfrm rot="5400000">
-            <a:off x="-88788" y="1417139"/>
-            <a:ext cx="436381" cy="100584"/>
+            <a:off x="-56171" y="1384523"/>
+            <a:ext cx="436381" cy="165818"/>
           </a:xfrm>
           <a:prstGeom prst="triangle">
             <a:avLst/>
@@ -7531,8 +7531,8 @@
         </p:nvSpPr>
         <p:spPr>
           <a:xfrm rot="16200000" flipH="1">
-            <a:off x="2938618" y="1417139"/>
-            <a:ext cx="436381" cy="100584"/>
+            <a:off x="2901383" y="1379905"/>
+            <a:ext cx="434193" cy="177244"/>
           </a:xfrm>
           <a:prstGeom prst="triangle">
             <a:avLst/>

--- a/GraphicDesign.pptx
+++ b/GraphicDesign.pptx
@@ -7525,44 +7525,6 @@
       </p:sp>
       <p:sp>
         <p:nvSpPr>
-          <p:cNvPr id="105" name="Isosceles Triangle 104"/>
-          <p:cNvSpPr/>
-          <p:nvPr/>
-        </p:nvSpPr>
-        <p:spPr>
-          <a:xfrm rot="16200000" flipH="1">
-            <a:off x="2901383" y="1379905"/>
-            <a:ext cx="434193" cy="177244"/>
-          </a:xfrm>
-          <a:prstGeom prst="triangle">
-            <a:avLst/>
-          </a:prstGeom>
-        </p:spPr>
-        <p:style>
-          <a:lnRef idx="1">
-            <a:schemeClr val="accent2"/>
-          </a:lnRef>
-          <a:fillRef idx="3">
-            <a:schemeClr val="accent2"/>
-          </a:fillRef>
-          <a:effectRef idx="2">
-            <a:schemeClr val="accent2"/>
-          </a:effectRef>
-          <a:fontRef idx="minor">
-            <a:schemeClr val="lt1"/>
-          </a:fontRef>
-        </p:style>
-        <p:txBody>
-          <a:bodyPr rtlCol="0" anchor="ctr"/>
-          <a:lstStyle/>
-          <a:p>
-            <a:pPr algn="ctr"/>
-            <a:endParaRPr lang="en-US"/>
-          </a:p>
-        </p:txBody>
-      </p:sp>
-      <p:sp>
-        <p:nvSpPr>
           <p:cNvPr id="106" name="TextBox 105"/>
           <p:cNvSpPr txBox="1"/>
           <p:nvPr/>
@@ -8577,6 +8539,46 @@
               <a:t>J. Beethoven</a:t>
             </a:r>
             <a:endParaRPr lang="en-US" dirty="0"/>
+          </a:p>
+        </p:txBody>
+      </p:sp>
+      <p:sp>
+        <p:nvSpPr>
+          <p:cNvPr id="66" name="Isosceles Triangle 65"/>
+          <p:cNvSpPr/>
+          <p:nvPr/>
+        </p:nvSpPr>
+        <p:spPr>
+          <a:xfrm rot="16200000" flipH="1">
+            <a:off x="2906468" y="1392768"/>
+            <a:ext cx="436381" cy="165818"/>
+          </a:xfrm>
+          <a:prstGeom prst="triangle">
+            <a:avLst/>
+          </a:prstGeom>
+        </p:spPr>
+        <p:style>
+          <a:lnRef idx="2">
+            <a:schemeClr val="accent2">
+              <a:shade val="50000"/>
+            </a:schemeClr>
+          </a:lnRef>
+          <a:fillRef idx="1">
+            <a:schemeClr val="accent2"/>
+          </a:fillRef>
+          <a:effectRef idx="0">
+            <a:schemeClr val="accent2"/>
+          </a:effectRef>
+          <a:fontRef idx="minor">
+            <a:schemeClr val="lt1"/>
+          </a:fontRef>
+        </p:style>
+        <p:txBody>
+          <a:bodyPr rtlCol="0" anchor="ctr"/>
+          <a:lstStyle/>
+          <a:p>
+            <a:pPr algn="ctr"/>
+            <a:endParaRPr lang="en-US"/>
           </a:p>
         </p:txBody>
       </p:sp>

--- a/GraphicDesign.pptx
+++ b/GraphicDesign.pptx
@@ -3349,88 +3349,73 @@
           </a:p>
         </p:txBody>
       </p:sp>
-      <p:grpSp>
-        <p:nvGrpSpPr>
-          <p:cNvPr id="12" name="Group 11"/>
-          <p:cNvGrpSpPr/>
+      <p:sp>
+        <p:nvSpPr>
+          <p:cNvPr id="13" name="Rectangle 12"/>
+          <p:cNvSpPr/>
           <p:nvPr/>
-        </p:nvGrpSpPr>
-        <p:grpSpPr>
+        </p:nvSpPr>
+        <p:spPr>
           <a:xfrm>
-            <a:off x="39056" y="3873579"/>
-            <a:ext cx="9025414" cy="850391"/>
-            <a:chOff x="0" y="3853591"/>
-            <a:chExt cx="9144000" cy="850391"/>
-          </a:xfrm>
-        </p:grpSpPr>
-        <p:sp>
-          <p:nvSpPr>
-            <p:cNvPr id="13" name="Rectangle 12"/>
-            <p:cNvSpPr/>
-            <p:nvPr/>
-          </p:nvSpPr>
-          <p:spPr>
-            <a:xfrm>
-              <a:off x="19604" y="3853591"/>
-              <a:ext cx="9124396" cy="45719"/>
-            </a:xfrm>
-            <a:prstGeom prst="rect">
-              <a:avLst/>
-            </a:prstGeom>
-            <a:solidFill>
-              <a:srgbClr val="FF0000"/>
-            </a:solidFill>
-          </p:spPr>
-          <p:style>
-            <a:lnRef idx="2">
-              <a:schemeClr val="accent2">
-                <a:shade val="50000"/>
-              </a:schemeClr>
-            </a:lnRef>
-            <a:fillRef idx="1">
-              <a:schemeClr val="accent2"/>
-            </a:fillRef>
-            <a:effectRef idx="0">
-              <a:schemeClr val="accent2"/>
-            </a:effectRef>
-            <a:fontRef idx="minor">
-              <a:schemeClr val="lt1"/>
-            </a:fontRef>
-          </p:style>
-          <p:txBody>
-            <a:bodyPr rtlCol="0" anchor="ctr"/>
-            <a:lstStyle/>
-            <a:p>
-              <a:pPr algn="ctr"/>
-              <a:endParaRPr lang="en-US"/>
-            </a:p>
-          </p:txBody>
-        </p:sp>
-        <p:pic>
-          <p:nvPicPr>
-            <p:cNvPr id="8" name="Picture 7"/>
-            <p:cNvPicPr>
-              <a:picLocks noChangeAspect="1"/>
-            </p:cNvPicPr>
-            <p:nvPr/>
-          </p:nvPicPr>
-          <p:blipFill>
-            <a:blip r:embed="rId6"/>
-            <a:stretch>
-              <a:fillRect/>
-            </a:stretch>
-          </p:blipFill>
-          <p:spPr>
-            <a:xfrm>
-              <a:off x="0" y="3899310"/>
-              <a:ext cx="9144000" cy="804672"/>
-            </a:xfrm>
-            <a:prstGeom prst="rect">
-              <a:avLst/>
-            </a:prstGeom>
-          </p:spPr>
-        </p:pic>
-      </p:grpSp>
+            <a:off x="58406" y="3873579"/>
+            <a:ext cx="9006064" cy="45719"/>
+          </a:xfrm>
+          <a:prstGeom prst="rect">
+            <a:avLst/>
+          </a:prstGeom>
+          <a:solidFill>
+            <a:srgbClr val="FF0000"/>
+          </a:solidFill>
+        </p:spPr>
+        <p:style>
+          <a:lnRef idx="2">
+            <a:schemeClr val="accent2">
+              <a:shade val="50000"/>
+            </a:schemeClr>
+          </a:lnRef>
+          <a:fillRef idx="1">
+            <a:schemeClr val="accent2"/>
+          </a:fillRef>
+          <a:effectRef idx="0">
+            <a:schemeClr val="accent2"/>
+          </a:effectRef>
+          <a:fontRef idx="minor">
+            <a:schemeClr val="lt1"/>
+          </a:fontRef>
+        </p:style>
+        <p:txBody>
+          <a:bodyPr rtlCol="0" anchor="ctr"/>
+          <a:lstStyle/>
+          <a:p>
+            <a:pPr algn="ctr"/>
+            <a:endParaRPr lang="en-US"/>
+          </a:p>
+        </p:txBody>
+      </p:sp>
+      <p:pic>
+        <p:nvPicPr>
+          <p:cNvPr id="8" name="Picture 7"/>
+          <p:cNvPicPr>
+            <a:picLocks noChangeAspect="1"/>
+          </p:cNvPicPr>
+          <p:nvPr/>
+        </p:nvPicPr>
+        <p:blipFill>
+          <a:blip r:embed="rId6"/>
+          <a:stretch>
+            <a:fillRect/>
+          </a:stretch>
+        </p:blipFill>
+        <p:spPr>
+          <a:xfrm>
+            <a:off x="39056" y="3919298"/>
+            <a:ext cx="9025414" cy="804672"/>
+          </a:xfrm>
+          <a:prstGeom prst="rect">
+            <a:avLst/>
+          </a:prstGeom>
+        </p:spPr>
+      </p:pic>
       <p:cxnSp>
         <p:nvCxnSpPr>
           <p:cNvPr id="29" name="Straight Connector 28"/>
@@ -3439,7 +3424,7 @@
         </p:nvCxnSpPr>
         <p:spPr>
           <a:xfrm>
-            <a:off x="2842285" y="3179740"/>
+            <a:off x="2798992" y="3126865"/>
             <a:ext cx="0" cy="693839"/>
           </a:xfrm>
           <a:prstGeom prst="line">
@@ -3722,7 +3707,7 @@
             <a:bodyPr rtlCol="0" anchor="ctr"/>
             <a:lstStyle/>
             <a:p>
-              <a:pPr algn="ctr"/>
+              <a:pPr algn="r"/>
               <a:endParaRPr lang="en-US"/>
             </a:p>
           </p:txBody>
@@ -3794,7 +3779,7 @@
             <a:bodyPr rtlCol="0" anchor="ctr"/>
             <a:lstStyle/>
             <a:p>
-              <a:pPr algn="ctr"/>
+              <a:pPr algn="r"/>
               <a:endParaRPr lang="en-US"/>
             </a:p>
           </p:txBody>
@@ -9867,8 +9852,8 @@
         </p:blipFill>
         <p:spPr>
           <a:xfrm>
-            <a:off x="260170" y="5341973"/>
-            <a:ext cx="1087699" cy="776928"/>
+            <a:off x="852730" y="5924585"/>
+            <a:ext cx="508033" cy="362881"/>
           </a:xfrm>
           <a:prstGeom prst="rect">
             <a:avLst/>
@@ -10035,7 +10020,7 @@
         </p:blipFill>
         <p:spPr>
           <a:xfrm>
-            <a:off x="50801" y="207010"/>
+            <a:off x="4715137" y="207010"/>
             <a:ext cx="4198284" cy="4384875"/>
           </a:xfrm>
           <a:prstGeom prst="rect">
@@ -10059,7 +10044,7 @@
         </p:blipFill>
         <p:spPr>
           <a:xfrm>
-            <a:off x="3992879" y="4758096"/>
+            <a:off x="564963" y="3997653"/>
             <a:ext cx="1714741" cy="1045804"/>
           </a:xfrm>
           <a:prstGeom prst="rect">
@@ -10131,8 +10116,123 @@
         </p:blipFill>
         <p:spPr>
           <a:xfrm>
-            <a:off x="7124941" y="5070716"/>
+            <a:off x="5494261" y="4776604"/>
             <a:ext cx="213360" cy="271257"/>
+          </a:xfrm>
+          <a:prstGeom prst="rect">
+            <a:avLst/>
+          </a:prstGeom>
+        </p:spPr>
+      </p:pic>
+      <p:sp>
+        <p:nvSpPr>
+          <p:cNvPr id="3" name="TextBox 2"/>
+          <p:cNvSpPr txBox="1"/>
+          <p:nvPr/>
+        </p:nvSpPr>
+        <p:spPr>
+          <a:xfrm>
+            <a:off x="246422" y="5510543"/>
+            <a:ext cx="1175912" cy="1200328"/>
+          </a:xfrm>
+          <a:prstGeom prst="rect">
+            <a:avLst/>
+          </a:prstGeom>
+          <a:noFill/>
+        </p:spPr>
+        <p:txBody>
+          <a:bodyPr wrap="square" rtlCol="0">
+            <a:spAutoFit/>
+          </a:bodyPr>
+          <a:lstStyle/>
+          <a:p>
+            <a:r>
+              <a:rPr lang="en-US" sz="2400" dirty="0" smtClean="0">
+                <a:latin typeface="Arial"/>
+                <a:cs typeface="Arial"/>
+              </a:rPr>
+              <a:t>Watch</a:t>
+            </a:r>
+          </a:p>
+          <a:p>
+            <a:r>
+              <a:rPr lang="en-US" sz="2400" dirty="0">
+                <a:latin typeface="Arial"/>
+                <a:cs typeface="Arial"/>
+              </a:rPr>
+              <a:t>a</a:t>
+            </a:r>
+            <a:r>
+              <a:rPr lang="en-US" sz="2400" dirty="0" smtClean="0">
+                <a:latin typeface="Arial"/>
+                <a:cs typeface="Arial"/>
+              </a:rPr>
+              <a:t>nd</a:t>
+            </a:r>
+          </a:p>
+          <a:p>
+            <a:r>
+              <a:rPr lang="en-US" sz="2400" dirty="0" smtClean="0">
+                <a:latin typeface="Arial"/>
+                <a:cs typeface="Arial"/>
+              </a:rPr>
+              <a:t>Repeat</a:t>
+            </a:r>
+            <a:endParaRPr lang="en-US" sz="2400" dirty="0">
+              <a:latin typeface="Arial"/>
+              <a:cs typeface="Arial"/>
+            </a:endParaRPr>
+          </a:p>
+        </p:txBody>
+      </p:sp>
+      <p:pic>
+        <p:nvPicPr>
+          <p:cNvPr id="21" name="Picture 20"/>
+          <p:cNvPicPr>
+            <a:picLocks noChangeAspect="1"/>
+          </p:cNvPicPr>
+          <p:nvPr/>
+        </p:nvPicPr>
+        <p:blipFill>
+          <a:blip r:embed="rId14"/>
+          <a:stretch>
+            <a:fillRect/>
+          </a:stretch>
+        </p:blipFill>
+        <p:spPr>
+          <a:xfrm>
+            <a:off x="4715137" y="4426933"/>
+            <a:ext cx="1836935" cy="1469548"/>
+          </a:xfrm>
+          <a:prstGeom prst="rect">
+            <a:avLst/>
+          </a:prstGeom>
+        </p:spPr>
+      </p:pic>
+      <p:pic>
+        <p:nvPicPr>
+          <p:cNvPr id="23" name="Picture 22" descr="logo.png"/>
+          <p:cNvPicPr>
+            <a:picLocks noChangeAspect="1"/>
+          </p:cNvPicPr>
+          <p:nvPr/>
+        </p:nvPicPr>
+        <p:blipFill>
+          <a:blip r:embed="rId15">
+            <a:extLst>
+              <a:ext uri="{28A0092B-C50C-407E-A947-70E740481C1C}">
+                <a14:useLocalDpi xmlns:a14="http://schemas.microsoft.com/office/drawing/2010/main" val="0"/>
+              </a:ext>
+            </a:extLst>
+          </a:blip>
+          <a:stretch>
+            <a:fillRect/>
+          </a:stretch>
+        </p:blipFill>
+        <p:spPr>
+          <a:xfrm>
+            <a:off x="107044" y="1756928"/>
+            <a:ext cx="3086100" cy="1651000"/>
           </a:xfrm>
           <a:prstGeom prst="rect">
             <a:avLst/>

--- a/GraphicDesign.pptx
+++ b/GraphicDesign.pptx
@@ -12,6 +12,8 @@
     <p:sldId id="260" r:id="rId6"/>
     <p:sldId id="261" r:id="rId7"/>
     <p:sldId id="262" r:id="rId8"/>
+    <p:sldId id="263" r:id="rId9"/>
+    <p:sldId id="264" r:id="rId10"/>
   </p:sldIdLst>
   <p:sldSz cx="9144000" cy="6858000" type="screen4x3"/>
   <p:notesSz cx="6858000" cy="9144000"/>
@@ -9545,7 +9547,7 @@
         </p:blipFill>
         <p:spPr>
           <a:xfrm>
-            <a:off x="5134204" y="219109"/>
+            <a:off x="5939907" y="5234860"/>
             <a:ext cx="2051892" cy="2051892"/>
           </a:xfrm>
           <a:prstGeom prst="rect">
@@ -9569,8 +9571,8 @@
         </p:blipFill>
         <p:spPr>
           <a:xfrm>
-            <a:off x="7757894" y="1150697"/>
-            <a:ext cx="233905" cy="233905"/>
+            <a:off x="7414661" y="957169"/>
+            <a:ext cx="608488" cy="608488"/>
           </a:xfrm>
           <a:prstGeom prst="rect">
             <a:avLst/>
@@ -9725,8 +9727,8 @@
         </p:blipFill>
         <p:spPr>
           <a:xfrm>
-            <a:off x="266295" y="4010882"/>
-            <a:ext cx="421788" cy="421788"/>
+            <a:off x="6364499" y="1150696"/>
+            <a:ext cx="752277" cy="752277"/>
           </a:xfrm>
           <a:prstGeom prst="rect">
             <a:avLst/>
@@ -34255,6 +34257,487 @@
 </p:sld>
 </file>
 
+<file path=ppt/slides/slide8.xml><?xml version="1.0" encoding="utf-8"?>
+<p:sld xmlns:a="http://schemas.openxmlformats.org/drawingml/2006/main" xmlns:r="http://schemas.openxmlformats.org/officeDocument/2006/relationships" xmlns:p="http://schemas.openxmlformats.org/presentationml/2006/main">
+  <p:cSld>
+    <p:spTree>
+      <p:nvGrpSpPr>
+        <p:cNvPr id="1" name=""/>
+        <p:cNvGrpSpPr/>
+        <p:nvPr/>
+      </p:nvGrpSpPr>
+      <p:grpSpPr>
+        <a:xfrm>
+          <a:off x="0" y="0"/>
+          <a:ext cx="0" cy="0"/>
+          <a:chOff x="0" y="0"/>
+          <a:chExt cx="0" cy="0"/>
+        </a:xfrm>
+      </p:grpSpPr>
+      <p:sp>
+        <p:nvSpPr>
+          <p:cNvPr id="3" name="Rectangle 2"/>
+          <p:cNvSpPr/>
+          <p:nvPr/>
+        </p:nvSpPr>
+        <p:spPr>
+          <a:xfrm>
+            <a:off x="1538110" y="1602457"/>
+            <a:ext cx="4811889" cy="4041987"/>
+          </a:xfrm>
+          <a:prstGeom prst="rect">
+            <a:avLst/>
+          </a:prstGeom>
+        </p:spPr>
+        <p:style>
+          <a:lnRef idx="2">
+            <a:schemeClr val="dk1">
+              <a:shade val="50000"/>
+            </a:schemeClr>
+          </a:lnRef>
+          <a:fillRef idx="1">
+            <a:schemeClr val="dk1"/>
+          </a:fillRef>
+          <a:effectRef idx="0">
+            <a:schemeClr val="dk1"/>
+          </a:effectRef>
+          <a:fontRef idx="minor">
+            <a:schemeClr val="lt1"/>
+          </a:fontRef>
+        </p:style>
+        <p:txBody>
+          <a:bodyPr rtlCol="0" anchor="ctr"/>
+          <a:lstStyle/>
+          <a:p>
+            <a:pPr algn="ctr"/>
+            <a:endParaRPr lang="en-US"/>
+          </a:p>
+        </p:txBody>
+      </p:sp>
+      <p:pic>
+        <p:nvPicPr>
+          <p:cNvPr id="2" name="Picture 1" descr="handInfo.jpg"/>
+          <p:cNvPicPr>
+            <a:picLocks noChangeAspect="1"/>
+          </p:cNvPicPr>
+          <p:nvPr/>
+        </p:nvPicPr>
+        <p:blipFill>
+          <a:blip r:embed="rId2">
+            <a:extLst>
+              <a:ext uri="{28A0092B-C50C-407E-A947-70E740481C1C}">
+                <a14:useLocalDpi xmlns:a14="http://schemas.microsoft.com/office/drawing/2010/main" val="0"/>
+              </a:ext>
+            </a:extLst>
+          </a:blip>
+          <a:stretch>
+            <a:fillRect/>
+          </a:stretch>
+        </p:blipFill>
+        <p:spPr>
+          <a:xfrm>
+            <a:off x="1538111" y="1602457"/>
+            <a:ext cx="4811889" cy="4041987"/>
+          </a:xfrm>
+          <a:prstGeom prst="rect">
+            <a:avLst/>
+          </a:prstGeom>
+          <a:noFill/>
+        </p:spPr>
+      </p:pic>
+      <p:sp>
+        <p:nvSpPr>
+          <p:cNvPr id="4" name="Oval 3"/>
+          <p:cNvSpPr/>
+          <p:nvPr/>
+        </p:nvSpPr>
+        <p:spPr>
+          <a:xfrm>
+            <a:off x="7662332" y="1729457"/>
+            <a:ext cx="508001" cy="508000"/>
+          </a:xfrm>
+          <a:prstGeom prst="ellipse">
+            <a:avLst/>
+          </a:prstGeom>
+        </p:spPr>
+        <p:style>
+          <a:lnRef idx="2">
+            <a:schemeClr val="accent2">
+              <a:shade val="50000"/>
+            </a:schemeClr>
+          </a:lnRef>
+          <a:fillRef idx="1">
+            <a:schemeClr val="accent2"/>
+          </a:fillRef>
+          <a:effectRef idx="0">
+            <a:schemeClr val="accent2"/>
+          </a:effectRef>
+          <a:fontRef idx="minor">
+            <a:schemeClr val="lt1"/>
+          </a:fontRef>
+        </p:style>
+        <p:txBody>
+          <a:bodyPr rtlCol="0" anchor="ctr"/>
+          <a:lstStyle/>
+          <a:p>
+            <a:pPr algn="ctr"/>
+            <a:endParaRPr lang="en-US"/>
+          </a:p>
+        </p:txBody>
+      </p:sp>
+      <p:pic>
+        <p:nvPicPr>
+          <p:cNvPr id="5" name="Picture 4"/>
+          <p:cNvPicPr>
+            <a:picLocks noChangeAspect="1"/>
+          </p:cNvPicPr>
+          <p:nvPr/>
+        </p:nvPicPr>
+        <p:blipFill>
+          <a:blip r:embed="rId3"/>
+          <a:stretch>
+            <a:fillRect/>
+          </a:stretch>
+        </p:blipFill>
+        <p:spPr>
+          <a:xfrm>
+            <a:off x="5743221" y="1553068"/>
+            <a:ext cx="656165" cy="656165"/>
+          </a:xfrm>
+          <a:prstGeom prst="rect">
+            <a:avLst/>
+          </a:prstGeom>
+        </p:spPr>
+      </p:pic>
+    </p:spTree>
+    <p:extLst>
+      <p:ext uri="{BB962C8B-B14F-4D97-AF65-F5344CB8AC3E}">
+        <p14:creationId xmlns:p14="http://schemas.microsoft.com/office/powerpoint/2010/main" val="163324833"/>
+      </p:ext>
+    </p:extLst>
+  </p:cSld>
+  <p:clrMapOvr>
+    <a:masterClrMapping/>
+  </p:clrMapOvr>
+</p:sld>
+</file>
+
+<file path=ppt/slides/slide9.xml><?xml version="1.0" encoding="utf-8"?>
+<p:sld xmlns:a="http://schemas.openxmlformats.org/drawingml/2006/main" xmlns:r="http://schemas.openxmlformats.org/officeDocument/2006/relationships" xmlns:p="http://schemas.openxmlformats.org/presentationml/2006/main">
+  <p:cSld>
+    <p:spTree>
+      <p:nvGrpSpPr>
+        <p:cNvPr id="1" name=""/>
+        <p:cNvGrpSpPr/>
+        <p:nvPr/>
+      </p:nvGrpSpPr>
+      <p:grpSpPr>
+        <a:xfrm>
+          <a:off x="0" y="0"/>
+          <a:ext cx="0" cy="0"/>
+          <a:chOff x="0" y="0"/>
+          <a:chExt cx="0" cy="0"/>
+        </a:xfrm>
+      </p:grpSpPr>
+      <p:pic>
+        <p:nvPicPr>
+          <p:cNvPr id="7" name="Picture 6"/>
+          <p:cNvPicPr>
+            <a:picLocks noChangeAspect="1"/>
+          </p:cNvPicPr>
+          <p:nvPr/>
+        </p:nvPicPr>
+        <p:blipFill>
+          <a:blip r:embed="rId2"/>
+          <a:stretch>
+            <a:fillRect/>
+          </a:stretch>
+        </p:blipFill>
+        <p:spPr>
+          <a:xfrm>
+            <a:off x="3640862" y="5456491"/>
+            <a:ext cx="1401509" cy="1401509"/>
+          </a:xfrm>
+          <a:prstGeom prst="rect">
+            <a:avLst/>
+          </a:prstGeom>
+        </p:spPr>
+      </p:pic>
+      <p:pic>
+        <p:nvPicPr>
+          <p:cNvPr id="9" name="Picture 8"/>
+          <p:cNvPicPr>
+            <a:picLocks noChangeAspect="1"/>
+          </p:cNvPicPr>
+          <p:nvPr/>
+        </p:nvPicPr>
+        <p:blipFill>
+          <a:blip r:embed="rId3"/>
+          <a:stretch>
+            <a:fillRect/>
+          </a:stretch>
+        </p:blipFill>
+        <p:spPr>
+          <a:xfrm>
+            <a:off x="353512" y="939417"/>
+            <a:ext cx="3287350" cy="3452324"/>
+          </a:xfrm>
+          <a:prstGeom prst="rect">
+            <a:avLst/>
+          </a:prstGeom>
+        </p:spPr>
+      </p:pic>
+      <p:sp>
+        <p:nvSpPr>
+          <p:cNvPr id="14" name="Oval 13"/>
+          <p:cNvSpPr>
+            <a:spLocks noChangeAspect="1"/>
+          </p:cNvSpPr>
+          <p:nvPr/>
+        </p:nvSpPr>
+        <p:spPr>
+          <a:xfrm>
+            <a:off x="5324231" y="5313283"/>
+            <a:ext cx="1543372" cy="1544717"/>
+          </a:xfrm>
+          <a:prstGeom prst="ellipse">
+            <a:avLst/>
+          </a:prstGeom>
+          <a:gradFill flip="none" rotWithShape="1">
+            <a:gsLst>
+              <a:gs pos="7000">
+                <a:srgbClr val="384595"/>
+              </a:gs>
+              <a:gs pos="57000">
+                <a:schemeClr val="tx2">
+                  <a:lumMod val="40000"/>
+                  <a:lumOff val="60000"/>
+                </a:schemeClr>
+              </a:gs>
+            </a:gsLst>
+            <a:lin ang="16200000" scaled="0"/>
+            <a:tileRect/>
+          </a:gradFill>
+          <a:ln w="57150" cap="flat" cmpd="sng">
+            <a:gradFill flip="none" rotWithShape="1">
+              <a:gsLst>
+                <a:gs pos="66000">
+                  <a:schemeClr val="tx2"/>
+                </a:gs>
+                <a:gs pos="10000">
+                  <a:srgbClr val="FFFFFF"/>
+                </a:gs>
+              </a:gsLst>
+              <a:path path="shape">
+                <a:fillToRect l="50000" t="50000" r="50000" b="50000"/>
+              </a:path>
+              <a:tileRect/>
+            </a:gradFill>
+            <a:round/>
+          </a:ln>
+          <a:effectLst>
+            <a:outerShdw blurRad="50800" dist="38100" dir="2700000" algn="tl" rotWithShape="0">
+              <a:srgbClr val="000000">
+                <a:alpha val="43000"/>
+              </a:srgbClr>
+            </a:outerShdw>
+          </a:effectLst>
+        </p:spPr>
+        <p:style>
+          <a:lnRef idx="2">
+            <a:schemeClr val="dk1">
+              <a:shade val="50000"/>
+            </a:schemeClr>
+          </a:lnRef>
+          <a:fillRef idx="1">
+            <a:schemeClr val="dk1"/>
+          </a:fillRef>
+          <a:effectRef idx="0">
+            <a:schemeClr val="dk1"/>
+          </a:effectRef>
+          <a:fontRef idx="minor">
+            <a:schemeClr val="lt1"/>
+          </a:fontRef>
+        </p:style>
+        <p:txBody>
+          <a:bodyPr rtlCol="0" anchor="ctr">
+            <a:scene3d>
+              <a:camera prst="isometricRightUp"/>
+              <a:lightRig rig="threePt" dir="t"/>
+            </a:scene3d>
+            <a:sp3d extrusionH="57150">
+              <a:bevelT w="38100" h="38100"/>
+            </a:sp3d>
+          </a:bodyPr>
+          <a:lstStyle/>
+          <a:p>
+            <a:pPr algn="ctr"/>
+            <a:endParaRPr lang="en-US">
+              <a:effectLst>
+                <a:outerShdw blurRad="50800" dist="38100" dir="2700000" algn="tl" rotWithShape="0">
+                  <a:prstClr val="black">
+                    <a:alpha val="40000"/>
+                  </a:prstClr>
+                </a:outerShdw>
+              </a:effectLst>
+            </a:endParaRPr>
+          </a:p>
+        </p:txBody>
+      </p:sp>
+      <p:grpSp>
+        <p:nvGrpSpPr>
+          <p:cNvPr id="24" name="Group 23"/>
+          <p:cNvGrpSpPr/>
+          <p:nvPr/>
+        </p:nvGrpSpPr>
+        <p:grpSpPr>
+          <a:xfrm>
+            <a:off x="4179706" y="1030649"/>
+            <a:ext cx="3287350" cy="3452324"/>
+            <a:chOff x="4179706" y="1030649"/>
+            <a:chExt cx="3287350" cy="3452324"/>
+          </a:xfrm>
+        </p:grpSpPr>
+        <p:pic>
+          <p:nvPicPr>
+            <p:cNvPr id="2" name="Picture 1"/>
+            <p:cNvPicPr>
+              <a:picLocks noChangeAspect="1"/>
+            </p:cNvPicPr>
+            <p:nvPr/>
+          </p:nvPicPr>
+          <p:blipFill>
+            <a:blip r:embed="rId2"/>
+            <a:stretch>
+              <a:fillRect/>
+            </a:stretch>
+          </p:blipFill>
+          <p:spPr>
+            <a:xfrm>
+              <a:off x="4179706" y="1030649"/>
+              <a:ext cx="3287350" cy="3452324"/>
+            </a:xfrm>
+            <a:prstGeom prst="rect">
+              <a:avLst/>
+            </a:prstGeom>
+          </p:spPr>
+        </p:pic>
+        <p:pic>
+          <p:nvPicPr>
+            <p:cNvPr id="13" name="Picture 12"/>
+            <p:cNvPicPr>
+              <a:picLocks noChangeAspect="1"/>
+            </p:cNvPicPr>
+            <p:nvPr/>
+          </p:nvPicPr>
+          <p:blipFill>
+            <a:blip r:embed="rId4"/>
+            <a:stretch>
+              <a:fillRect/>
+            </a:stretch>
+          </p:blipFill>
+          <p:spPr>
+            <a:xfrm>
+              <a:off x="5051777" y="1872418"/>
+              <a:ext cx="1476963" cy="1646293"/>
+            </a:xfrm>
+            <a:prstGeom prst="rect">
+              <a:avLst/>
+            </a:prstGeom>
+            <a:effectLst>
+              <a:outerShdw blurRad="50800" dist="38100" dir="2700000" algn="tl" rotWithShape="0">
+                <a:srgbClr val="000000">
+                  <a:alpha val="43000"/>
+                </a:srgbClr>
+              </a:outerShdw>
+            </a:effectLst>
+          </p:spPr>
+        </p:pic>
+        <p:pic>
+          <p:nvPicPr>
+            <p:cNvPr id="20" name="Picture 19"/>
+            <p:cNvPicPr>
+              <a:picLocks noChangeAspect="1"/>
+            </p:cNvPicPr>
+            <p:nvPr/>
+          </p:nvPicPr>
+          <p:blipFill rotWithShape="1">
+            <a:blip r:embed="rId5"/>
+            <a:srcRect l="40276" r="28805" b="44142"/>
+            <a:stretch/>
+          </p:blipFill>
+          <p:spPr>
+            <a:xfrm flipH="1">
+              <a:off x="5099050" y="3513463"/>
+              <a:ext cx="958849" cy="487038"/>
+            </a:xfrm>
+            <a:prstGeom prst="rect">
+              <a:avLst/>
+            </a:prstGeom>
+          </p:spPr>
+        </p:pic>
+        <p:pic>
+          <p:nvPicPr>
+            <p:cNvPr id="22" name="Picture 21"/>
+            <p:cNvPicPr>
+              <a:picLocks noChangeAspect="1"/>
+            </p:cNvPicPr>
+            <p:nvPr/>
+          </p:nvPicPr>
+          <p:blipFill>
+            <a:blip r:embed="rId6"/>
+            <a:stretch>
+              <a:fillRect/>
+            </a:stretch>
+          </p:blipFill>
+          <p:spPr>
+            <a:xfrm>
+              <a:off x="5745160" y="3519115"/>
+              <a:ext cx="345174" cy="126223"/>
+            </a:xfrm>
+            <a:prstGeom prst="rect">
+              <a:avLst/>
+            </a:prstGeom>
+          </p:spPr>
+        </p:pic>
+        <p:pic>
+          <p:nvPicPr>
+            <p:cNvPr id="23" name="Picture 22"/>
+            <p:cNvPicPr>
+              <a:picLocks noChangeAspect="1"/>
+            </p:cNvPicPr>
+            <p:nvPr/>
+          </p:nvPicPr>
+          <p:blipFill>
+            <a:blip r:embed="rId7"/>
+            <a:stretch>
+              <a:fillRect/>
+            </a:stretch>
+          </p:blipFill>
+          <p:spPr>
+            <a:xfrm>
+              <a:off x="5950162" y="3624084"/>
+              <a:ext cx="140171" cy="90699"/>
+            </a:xfrm>
+            <a:prstGeom prst="rect">
+              <a:avLst/>
+            </a:prstGeom>
+          </p:spPr>
+        </p:pic>
+      </p:grpSp>
+    </p:spTree>
+    <p:extLst>
+      <p:ext uri="{BB962C8B-B14F-4D97-AF65-F5344CB8AC3E}">
+        <p14:creationId xmlns:p14="http://schemas.microsoft.com/office/powerpoint/2010/main" val="4167213731"/>
+      </p:ext>
+    </p:extLst>
+  </p:cSld>
+  <p:clrMapOvr>
+    <a:masterClrMapping/>
+  </p:clrMapOvr>
+</p:sld>
+</file>
+
 <file path=ppt/theme/theme1.xml><?xml version="1.0" encoding="utf-8"?>
 <a:theme xmlns:a="http://schemas.openxmlformats.org/drawingml/2006/main" name="Office Theme">
   <a:themeElements>

--- a/GraphicDesign.pptx
+++ b/GraphicDesign.pptx
@@ -12,8 +12,6 @@
     <p:sldId id="260" r:id="rId6"/>
     <p:sldId id="261" r:id="rId7"/>
     <p:sldId id="262" r:id="rId8"/>
-    <p:sldId id="263" r:id="rId9"/>
-    <p:sldId id="264" r:id="rId10"/>
   </p:sldIdLst>
   <p:sldSz cx="9144000" cy="6858000" type="screen4x3"/>
   <p:notesSz cx="6858000" cy="9144000"/>
@@ -9547,7 +9545,7 @@
         </p:blipFill>
         <p:spPr>
           <a:xfrm>
-            <a:off x="5939907" y="5234860"/>
+            <a:off x="5134204" y="219109"/>
             <a:ext cx="2051892" cy="2051892"/>
           </a:xfrm>
           <a:prstGeom prst="rect">
@@ -9571,8 +9569,8 @@
         </p:blipFill>
         <p:spPr>
           <a:xfrm>
-            <a:off x="7414661" y="957169"/>
-            <a:ext cx="608488" cy="608488"/>
+            <a:off x="7757894" y="1150697"/>
+            <a:ext cx="233905" cy="233905"/>
           </a:xfrm>
           <a:prstGeom prst="rect">
             <a:avLst/>
@@ -9727,8 +9725,8 @@
         </p:blipFill>
         <p:spPr>
           <a:xfrm>
-            <a:off x="6364499" y="1150696"/>
-            <a:ext cx="752277" cy="752277"/>
+            <a:off x="266295" y="4010882"/>
+            <a:ext cx="421788" cy="421788"/>
           </a:xfrm>
           <a:prstGeom prst="rect">
             <a:avLst/>
@@ -34257,487 +34255,6 @@
 </p:sld>
 </file>
 
-<file path=ppt/slides/slide8.xml><?xml version="1.0" encoding="utf-8"?>
-<p:sld xmlns:a="http://schemas.openxmlformats.org/drawingml/2006/main" xmlns:r="http://schemas.openxmlformats.org/officeDocument/2006/relationships" xmlns:p="http://schemas.openxmlformats.org/presentationml/2006/main">
-  <p:cSld>
-    <p:spTree>
-      <p:nvGrpSpPr>
-        <p:cNvPr id="1" name=""/>
-        <p:cNvGrpSpPr/>
-        <p:nvPr/>
-      </p:nvGrpSpPr>
-      <p:grpSpPr>
-        <a:xfrm>
-          <a:off x="0" y="0"/>
-          <a:ext cx="0" cy="0"/>
-          <a:chOff x="0" y="0"/>
-          <a:chExt cx="0" cy="0"/>
-        </a:xfrm>
-      </p:grpSpPr>
-      <p:sp>
-        <p:nvSpPr>
-          <p:cNvPr id="3" name="Rectangle 2"/>
-          <p:cNvSpPr/>
-          <p:nvPr/>
-        </p:nvSpPr>
-        <p:spPr>
-          <a:xfrm>
-            <a:off x="1538110" y="1602457"/>
-            <a:ext cx="4811889" cy="4041987"/>
-          </a:xfrm>
-          <a:prstGeom prst="rect">
-            <a:avLst/>
-          </a:prstGeom>
-        </p:spPr>
-        <p:style>
-          <a:lnRef idx="2">
-            <a:schemeClr val="dk1">
-              <a:shade val="50000"/>
-            </a:schemeClr>
-          </a:lnRef>
-          <a:fillRef idx="1">
-            <a:schemeClr val="dk1"/>
-          </a:fillRef>
-          <a:effectRef idx="0">
-            <a:schemeClr val="dk1"/>
-          </a:effectRef>
-          <a:fontRef idx="minor">
-            <a:schemeClr val="lt1"/>
-          </a:fontRef>
-        </p:style>
-        <p:txBody>
-          <a:bodyPr rtlCol="0" anchor="ctr"/>
-          <a:lstStyle/>
-          <a:p>
-            <a:pPr algn="ctr"/>
-            <a:endParaRPr lang="en-US"/>
-          </a:p>
-        </p:txBody>
-      </p:sp>
-      <p:pic>
-        <p:nvPicPr>
-          <p:cNvPr id="2" name="Picture 1" descr="handInfo.jpg"/>
-          <p:cNvPicPr>
-            <a:picLocks noChangeAspect="1"/>
-          </p:cNvPicPr>
-          <p:nvPr/>
-        </p:nvPicPr>
-        <p:blipFill>
-          <a:blip r:embed="rId2">
-            <a:extLst>
-              <a:ext uri="{28A0092B-C50C-407E-A947-70E740481C1C}">
-                <a14:useLocalDpi xmlns:a14="http://schemas.microsoft.com/office/drawing/2010/main" val="0"/>
-              </a:ext>
-            </a:extLst>
-          </a:blip>
-          <a:stretch>
-            <a:fillRect/>
-          </a:stretch>
-        </p:blipFill>
-        <p:spPr>
-          <a:xfrm>
-            <a:off x="1538111" y="1602457"/>
-            <a:ext cx="4811889" cy="4041987"/>
-          </a:xfrm>
-          <a:prstGeom prst="rect">
-            <a:avLst/>
-          </a:prstGeom>
-          <a:noFill/>
-        </p:spPr>
-      </p:pic>
-      <p:sp>
-        <p:nvSpPr>
-          <p:cNvPr id="4" name="Oval 3"/>
-          <p:cNvSpPr/>
-          <p:nvPr/>
-        </p:nvSpPr>
-        <p:spPr>
-          <a:xfrm>
-            <a:off x="7662332" y="1729457"/>
-            <a:ext cx="508001" cy="508000"/>
-          </a:xfrm>
-          <a:prstGeom prst="ellipse">
-            <a:avLst/>
-          </a:prstGeom>
-        </p:spPr>
-        <p:style>
-          <a:lnRef idx="2">
-            <a:schemeClr val="accent2">
-              <a:shade val="50000"/>
-            </a:schemeClr>
-          </a:lnRef>
-          <a:fillRef idx="1">
-            <a:schemeClr val="accent2"/>
-          </a:fillRef>
-          <a:effectRef idx="0">
-            <a:schemeClr val="accent2"/>
-          </a:effectRef>
-          <a:fontRef idx="minor">
-            <a:schemeClr val="lt1"/>
-          </a:fontRef>
-        </p:style>
-        <p:txBody>
-          <a:bodyPr rtlCol="0" anchor="ctr"/>
-          <a:lstStyle/>
-          <a:p>
-            <a:pPr algn="ctr"/>
-            <a:endParaRPr lang="en-US"/>
-          </a:p>
-        </p:txBody>
-      </p:sp>
-      <p:pic>
-        <p:nvPicPr>
-          <p:cNvPr id="5" name="Picture 4"/>
-          <p:cNvPicPr>
-            <a:picLocks noChangeAspect="1"/>
-          </p:cNvPicPr>
-          <p:nvPr/>
-        </p:nvPicPr>
-        <p:blipFill>
-          <a:blip r:embed="rId3"/>
-          <a:stretch>
-            <a:fillRect/>
-          </a:stretch>
-        </p:blipFill>
-        <p:spPr>
-          <a:xfrm>
-            <a:off x="5743221" y="1553068"/>
-            <a:ext cx="656165" cy="656165"/>
-          </a:xfrm>
-          <a:prstGeom prst="rect">
-            <a:avLst/>
-          </a:prstGeom>
-        </p:spPr>
-      </p:pic>
-    </p:spTree>
-    <p:extLst>
-      <p:ext uri="{BB962C8B-B14F-4D97-AF65-F5344CB8AC3E}">
-        <p14:creationId xmlns:p14="http://schemas.microsoft.com/office/powerpoint/2010/main" val="163324833"/>
-      </p:ext>
-    </p:extLst>
-  </p:cSld>
-  <p:clrMapOvr>
-    <a:masterClrMapping/>
-  </p:clrMapOvr>
-</p:sld>
-</file>
-
-<file path=ppt/slides/slide9.xml><?xml version="1.0" encoding="utf-8"?>
-<p:sld xmlns:a="http://schemas.openxmlformats.org/drawingml/2006/main" xmlns:r="http://schemas.openxmlformats.org/officeDocument/2006/relationships" xmlns:p="http://schemas.openxmlformats.org/presentationml/2006/main">
-  <p:cSld>
-    <p:spTree>
-      <p:nvGrpSpPr>
-        <p:cNvPr id="1" name=""/>
-        <p:cNvGrpSpPr/>
-        <p:nvPr/>
-      </p:nvGrpSpPr>
-      <p:grpSpPr>
-        <a:xfrm>
-          <a:off x="0" y="0"/>
-          <a:ext cx="0" cy="0"/>
-          <a:chOff x="0" y="0"/>
-          <a:chExt cx="0" cy="0"/>
-        </a:xfrm>
-      </p:grpSpPr>
-      <p:pic>
-        <p:nvPicPr>
-          <p:cNvPr id="7" name="Picture 6"/>
-          <p:cNvPicPr>
-            <a:picLocks noChangeAspect="1"/>
-          </p:cNvPicPr>
-          <p:nvPr/>
-        </p:nvPicPr>
-        <p:blipFill>
-          <a:blip r:embed="rId2"/>
-          <a:stretch>
-            <a:fillRect/>
-          </a:stretch>
-        </p:blipFill>
-        <p:spPr>
-          <a:xfrm>
-            <a:off x="3640862" y="5456491"/>
-            <a:ext cx="1401509" cy="1401509"/>
-          </a:xfrm>
-          <a:prstGeom prst="rect">
-            <a:avLst/>
-          </a:prstGeom>
-        </p:spPr>
-      </p:pic>
-      <p:pic>
-        <p:nvPicPr>
-          <p:cNvPr id="9" name="Picture 8"/>
-          <p:cNvPicPr>
-            <a:picLocks noChangeAspect="1"/>
-          </p:cNvPicPr>
-          <p:nvPr/>
-        </p:nvPicPr>
-        <p:blipFill>
-          <a:blip r:embed="rId3"/>
-          <a:stretch>
-            <a:fillRect/>
-          </a:stretch>
-        </p:blipFill>
-        <p:spPr>
-          <a:xfrm>
-            <a:off x="353512" y="939417"/>
-            <a:ext cx="3287350" cy="3452324"/>
-          </a:xfrm>
-          <a:prstGeom prst="rect">
-            <a:avLst/>
-          </a:prstGeom>
-        </p:spPr>
-      </p:pic>
-      <p:sp>
-        <p:nvSpPr>
-          <p:cNvPr id="14" name="Oval 13"/>
-          <p:cNvSpPr>
-            <a:spLocks noChangeAspect="1"/>
-          </p:cNvSpPr>
-          <p:nvPr/>
-        </p:nvSpPr>
-        <p:spPr>
-          <a:xfrm>
-            <a:off x="5324231" y="5313283"/>
-            <a:ext cx="1543372" cy="1544717"/>
-          </a:xfrm>
-          <a:prstGeom prst="ellipse">
-            <a:avLst/>
-          </a:prstGeom>
-          <a:gradFill flip="none" rotWithShape="1">
-            <a:gsLst>
-              <a:gs pos="7000">
-                <a:srgbClr val="384595"/>
-              </a:gs>
-              <a:gs pos="57000">
-                <a:schemeClr val="tx2">
-                  <a:lumMod val="40000"/>
-                  <a:lumOff val="60000"/>
-                </a:schemeClr>
-              </a:gs>
-            </a:gsLst>
-            <a:lin ang="16200000" scaled="0"/>
-            <a:tileRect/>
-          </a:gradFill>
-          <a:ln w="57150" cap="flat" cmpd="sng">
-            <a:gradFill flip="none" rotWithShape="1">
-              <a:gsLst>
-                <a:gs pos="66000">
-                  <a:schemeClr val="tx2"/>
-                </a:gs>
-                <a:gs pos="10000">
-                  <a:srgbClr val="FFFFFF"/>
-                </a:gs>
-              </a:gsLst>
-              <a:path path="shape">
-                <a:fillToRect l="50000" t="50000" r="50000" b="50000"/>
-              </a:path>
-              <a:tileRect/>
-            </a:gradFill>
-            <a:round/>
-          </a:ln>
-          <a:effectLst>
-            <a:outerShdw blurRad="50800" dist="38100" dir="2700000" algn="tl" rotWithShape="0">
-              <a:srgbClr val="000000">
-                <a:alpha val="43000"/>
-              </a:srgbClr>
-            </a:outerShdw>
-          </a:effectLst>
-        </p:spPr>
-        <p:style>
-          <a:lnRef idx="2">
-            <a:schemeClr val="dk1">
-              <a:shade val="50000"/>
-            </a:schemeClr>
-          </a:lnRef>
-          <a:fillRef idx="1">
-            <a:schemeClr val="dk1"/>
-          </a:fillRef>
-          <a:effectRef idx="0">
-            <a:schemeClr val="dk1"/>
-          </a:effectRef>
-          <a:fontRef idx="minor">
-            <a:schemeClr val="lt1"/>
-          </a:fontRef>
-        </p:style>
-        <p:txBody>
-          <a:bodyPr rtlCol="0" anchor="ctr">
-            <a:scene3d>
-              <a:camera prst="isometricRightUp"/>
-              <a:lightRig rig="threePt" dir="t"/>
-            </a:scene3d>
-            <a:sp3d extrusionH="57150">
-              <a:bevelT w="38100" h="38100"/>
-            </a:sp3d>
-          </a:bodyPr>
-          <a:lstStyle/>
-          <a:p>
-            <a:pPr algn="ctr"/>
-            <a:endParaRPr lang="en-US">
-              <a:effectLst>
-                <a:outerShdw blurRad="50800" dist="38100" dir="2700000" algn="tl" rotWithShape="0">
-                  <a:prstClr val="black">
-                    <a:alpha val="40000"/>
-                  </a:prstClr>
-                </a:outerShdw>
-              </a:effectLst>
-            </a:endParaRPr>
-          </a:p>
-        </p:txBody>
-      </p:sp>
-      <p:grpSp>
-        <p:nvGrpSpPr>
-          <p:cNvPr id="24" name="Group 23"/>
-          <p:cNvGrpSpPr/>
-          <p:nvPr/>
-        </p:nvGrpSpPr>
-        <p:grpSpPr>
-          <a:xfrm>
-            <a:off x="4179706" y="1030649"/>
-            <a:ext cx="3287350" cy="3452324"/>
-            <a:chOff x="4179706" y="1030649"/>
-            <a:chExt cx="3287350" cy="3452324"/>
-          </a:xfrm>
-        </p:grpSpPr>
-        <p:pic>
-          <p:nvPicPr>
-            <p:cNvPr id="2" name="Picture 1"/>
-            <p:cNvPicPr>
-              <a:picLocks noChangeAspect="1"/>
-            </p:cNvPicPr>
-            <p:nvPr/>
-          </p:nvPicPr>
-          <p:blipFill>
-            <a:blip r:embed="rId2"/>
-            <a:stretch>
-              <a:fillRect/>
-            </a:stretch>
-          </p:blipFill>
-          <p:spPr>
-            <a:xfrm>
-              <a:off x="4179706" y="1030649"/>
-              <a:ext cx="3287350" cy="3452324"/>
-            </a:xfrm>
-            <a:prstGeom prst="rect">
-              <a:avLst/>
-            </a:prstGeom>
-          </p:spPr>
-        </p:pic>
-        <p:pic>
-          <p:nvPicPr>
-            <p:cNvPr id="13" name="Picture 12"/>
-            <p:cNvPicPr>
-              <a:picLocks noChangeAspect="1"/>
-            </p:cNvPicPr>
-            <p:nvPr/>
-          </p:nvPicPr>
-          <p:blipFill>
-            <a:blip r:embed="rId4"/>
-            <a:stretch>
-              <a:fillRect/>
-            </a:stretch>
-          </p:blipFill>
-          <p:spPr>
-            <a:xfrm>
-              <a:off x="5051777" y="1872418"/>
-              <a:ext cx="1476963" cy="1646293"/>
-            </a:xfrm>
-            <a:prstGeom prst="rect">
-              <a:avLst/>
-            </a:prstGeom>
-            <a:effectLst>
-              <a:outerShdw blurRad="50800" dist="38100" dir="2700000" algn="tl" rotWithShape="0">
-                <a:srgbClr val="000000">
-                  <a:alpha val="43000"/>
-                </a:srgbClr>
-              </a:outerShdw>
-            </a:effectLst>
-          </p:spPr>
-        </p:pic>
-        <p:pic>
-          <p:nvPicPr>
-            <p:cNvPr id="20" name="Picture 19"/>
-            <p:cNvPicPr>
-              <a:picLocks noChangeAspect="1"/>
-            </p:cNvPicPr>
-            <p:nvPr/>
-          </p:nvPicPr>
-          <p:blipFill rotWithShape="1">
-            <a:blip r:embed="rId5"/>
-            <a:srcRect l="40276" r="28805" b="44142"/>
-            <a:stretch/>
-          </p:blipFill>
-          <p:spPr>
-            <a:xfrm flipH="1">
-              <a:off x="5099050" y="3513463"/>
-              <a:ext cx="958849" cy="487038"/>
-            </a:xfrm>
-            <a:prstGeom prst="rect">
-              <a:avLst/>
-            </a:prstGeom>
-          </p:spPr>
-        </p:pic>
-        <p:pic>
-          <p:nvPicPr>
-            <p:cNvPr id="22" name="Picture 21"/>
-            <p:cNvPicPr>
-              <a:picLocks noChangeAspect="1"/>
-            </p:cNvPicPr>
-            <p:nvPr/>
-          </p:nvPicPr>
-          <p:blipFill>
-            <a:blip r:embed="rId6"/>
-            <a:stretch>
-              <a:fillRect/>
-            </a:stretch>
-          </p:blipFill>
-          <p:spPr>
-            <a:xfrm>
-              <a:off x="5745160" y="3519115"/>
-              <a:ext cx="345174" cy="126223"/>
-            </a:xfrm>
-            <a:prstGeom prst="rect">
-              <a:avLst/>
-            </a:prstGeom>
-          </p:spPr>
-        </p:pic>
-        <p:pic>
-          <p:nvPicPr>
-            <p:cNvPr id="23" name="Picture 22"/>
-            <p:cNvPicPr>
-              <a:picLocks noChangeAspect="1"/>
-            </p:cNvPicPr>
-            <p:nvPr/>
-          </p:nvPicPr>
-          <p:blipFill>
-            <a:blip r:embed="rId7"/>
-            <a:stretch>
-              <a:fillRect/>
-            </a:stretch>
-          </p:blipFill>
-          <p:spPr>
-            <a:xfrm>
-              <a:off x="5950162" y="3624084"/>
-              <a:ext cx="140171" cy="90699"/>
-            </a:xfrm>
-            <a:prstGeom prst="rect">
-              <a:avLst/>
-            </a:prstGeom>
-          </p:spPr>
-        </p:pic>
-      </p:grpSp>
-    </p:spTree>
-    <p:extLst>
-      <p:ext uri="{BB962C8B-B14F-4D97-AF65-F5344CB8AC3E}">
-        <p14:creationId xmlns:p14="http://schemas.microsoft.com/office/powerpoint/2010/main" val="4167213731"/>
-      </p:ext>
-    </p:extLst>
-  </p:cSld>
-  <p:clrMapOvr>
-    <a:masterClrMapping/>
-  </p:clrMapOvr>
-</p:sld>
-</file>
-
 <file path=ppt/theme/theme1.xml><?xml version="1.0" encoding="utf-8"?>
 <a:theme xmlns:a="http://schemas.openxmlformats.org/drawingml/2006/main" name="Office Theme">
   <a:themeElements>
